--- a/Database Project/Neatest Database-goss.pptx
+++ b/Database Project/Neatest Database-goss.pptx
@@ -1,48 +1,47 @@
 
 <file path=ppt/presentation.xml><?xml version="1.0" encoding="utf-8"?>
-<p:presentation xmlns:a="http://schemas.openxmlformats.org/drawingml/2006/main" xmlns:r="http://schemas.openxmlformats.org/officeDocument/2006/relationships" xmlns:mc="http://schemas.openxmlformats.org/markup-compatibility/2006" xmlns:mv="urn:schemas-microsoft-com:mac:vml" xmlns:p="http://schemas.openxmlformats.org/presentationml/2006/main" xmlns:c="http://schemas.openxmlformats.org/drawingml/2006/chart" xmlns:dgm="http://schemas.openxmlformats.org/drawingml/2006/diagram" xmlns:o="urn:schemas-microsoft-com:office:office" xmlns:v="urn:schemas-microsoft-com:vml" xmlns:pvml="urn:schemas-microsoft-com:office:powerpoint" xmlns:com="http://schemas.openxmlformats.org/drawingml/2006/compatibility" xmlns:p14="http://schemas.microsoft.com/office/powerpoint/2010/main" xmlns:p15="http://schemas.microsoft.com/office/powerpoint/2012/main" autoCompressPictures="0" embedTrueTypeFonts="1" strictFirstAndLastChars="0" saveSubsetFonts="1">
+<p:presentation xmlns:a="http://schemas.openxmlformats.org/drawingml/2006/main" xmlns:r="http://schemas.openxmlformats.org/officeDocument/2006/relationships" xmlns:p="http://schemas.openxmlformats.org/presentationml/2006/main" strictFirstAndLastChars="0" embedTrueTypeFonts="1" saveSubsetFonts="1" autoCompressPictures="0">
   <p:sldMasterIdLst>
-    <p:sldMasterId id="2147483659" r:id="rId5"/>
+    <p:sldMasterId id="2147483659" r:id="rId1"/>
   </p:sldMasterIdLst>
   <p:notesMasterIdLst>
-    <p:notesMasterId r:id="rId6"/>
+    <p:notesMasterId r:id="rId10"/>
   </p:notesMasterIdLst>
   <p:sldIdLst>
-    <p:sldId id="256" r:id="rId7"/>
-    <p:sldId id="257" r:id="rId8"/>
-    <p:sldId id="258" r:id="rId9"/>
-    <p:sldId id="259" r:id="rId10"/>
-    <p:sldId id="260" r:id="rId11"/>
-    <p:sldId id="261" r:id="rId12"/>
-    <p:sldId id="262" r:id="rId13"/>
+    <p:sldId id="256" r:id="rId2"/>
+    <p:sldId id="257" r:id="rId3"/>
+    <p:sldId id="258" r:id="rId4"/>
+    <p:sldId id="259" r:id="rId5"/>
+    <p:sldId id="263" r:id="rId6"/>
+    <p:sldId id="260" r:id="rId7"/>
+    <p:sldId id="261" r:id="rId8"/>
+    <p:sldId id="262" r:id="rId9"/>
   </p:sldIdLst>
-  <p:sldSz cy="5143500" cx="9144000"/>
+  <p:sldSz cx="9144000" cy="5143500" type="screen16x9"/>
   <p:notesSz cx="6858000" cy="9144000"/>
   <p:embeddedFontLst>
     <p:embeddedFont>
-      <p:font typeface="Roboto"/>
-      <p:regular r:id="rId14"/>
-      <p:bold r:id="rId15"/>
-      <p:italic r:id="rId16"/>
-      <p:boldItalic r:id="rId17"/>
+      <p:font typeface="Roboto" pitchFamily="2" charset="0"/>
+      <p:regular r:id="rId11"/>
+      <p:bold r:id="rId12"/>
     </p:embeddedFont>
     <p:embeddedFont>
-      <p:font typeface="Montserrat"/>
-      <p:regular r:id="rId18"/>
-      <p:bold r:id="rId19"/>
-      <p:italic r:id="rId20"/>
-      <p:boldItalic r:id="rId21"/>
+      <p:font typeface="Lato" charset="0"/>
+      <p:regular r:id="rId13"/>
+      <p:bold r:id="rId14"/>
+      <p:italic r:id="rId15"/>
+      <p:boldItalic r:id="rId16"/>
     </p:embeddedFont>
     <p:embeddedFont>
-      <p:font typeface="Lato"/>
-      <p:regular r:id="rId22"/>
-      <p:bold r:id="rId23"/>
-      <p:italic r:id="rId24"/>
-      <p:boldItalic r:id="rId25"/>
+      <p:font typeface="Montserrat" charset="0"/>
+      <p:regular r:id="rId17"/>
+      <p:bold r:id="rId18"/>
+      <p:italic r:id="rId19"/>
+      <p:boldItalic r:id="rId20"/>
     </p:embeddedFont>
   </p:embeddedFontLst>
   <p:defaultTextStyle>
-    <a:defPPr lvl="0" marR="0" rtl="0" algn="l">
+    <a:defPPr marR="0" lvl="0" algn="l" rtl="0">
       <a:lnSpc>
         <a:spcPct val="100000"/>
       </a:lnSpc>
@@ -53,7 +52,7 @@
         <a:spcPts val="0"/>
       </a:spcAft>
     </a:defPPr>
-    <a:lvl1pPr lvl="0" marR="0" rtl="0" algn="l">
+    <a:lvl1pPr marR="0" lvl="0" algn="l" rtl="0">
       <a:lnSpc>
         <a:spcPct val="100000"/>
       </a:lnSpc>
@@ -67,7 +66,7 @@
         <a:srgbClr val="000000"/>
       </a:buClr>
       <a:buFont typeface="Arial"/>
-      <a:defRPr b="0" i="0" sz="1400" u="none" cap="none" strike="noStrike">
+      <a:defRPr sz="1400" b="0" i="0" u="none" strike="noStrike" cap="none">
         <a:solidFill>
           <a:srgbClr val="000000"/>
         </a:solidFill>
@@ -77,7 +76,7 @@
         <a:sym typeface="Arial"/>
       </a:defRPr>
     </a:lvl1pPr>
-    <a:lvl2pPr lvl="1" marR="0" rtl="0" algn="l">
+    <a:lvl2pPr marR="0" lvl="1" algn="l" rtl="0">
       <a:lnSpc>
         <a:spcPct val="100000"/>
       </a:lnSpc>
@@ -91,7 +90,7 @@
         <a:srgbClr val="000000"/>
       </a:buClr>
       <a:buFont typeface="Arial"/>
-      <a:defRPr b="0" i="0" sz="1400" u="none" cap="none" strike="noStrike">
+      <a:defRPr sz="1400" b="0" i="0" u="none" strike="noStrike" cap="none">
         <a:solidFill>
           <a:srgbClr val="000000"/>
         </a:solidFill>
@@ -101,7 +100,7 @@
         <a:sym typeface="Arial"/>
       </a:defRPr>
     </a:lvl2pPr>
-    <a:lvl3pPr lvl="2" marR="0" rtl="0" algn="l">
+    <a:lvl3pPr marR="0" lvl="2" algn="l" rtl="0">
       <a:lnSpc>
         <a:spcPct val="100000"/>
       </a:lnSpc>
@@ -115,7 +114,7 @@
         <a:srgbClr val="000000"/>
       </a:buClr>
       <a:buFont typeface="Arial"/>
-      <a:defRPr b="0" i="0" sz="1400" u="none" cap="none" strike="noStrike">
+      <a:defRPr sz="1400" b="0" i="0" u="none" strike="noStrike" cap="none">
         <a:solidFill>
           <a:srgbClr val="000000"/>
         </a:solidFill>
@@ -125,7 +124,7 @@
         <a:sym typeface="Arial"/>
       </a:defRPr>
     </a:lvl3pPr>
-    <a:lvl4pPr lvl="3" marR="0" rtl="0" algn="l">
+    <a:lvl4pPr marR="0" lvl="3" algn="l" rtl="0">
       <a:lnSpc>
         <a:spcPct val="100000"/>
       </a:lnSpc>
@@ -139,7 +138,7 @@
         <a:srgbClr val="000000"/>
       </a:buClr>
       <a:buFont typeface="Arial"/>
-      <a:defRPr b="0" i="0" sz="1400" u="none" cap="none" strike="noStrike">
+      <a:defRPr sz="1400" b="0" i="0" u="none" strike="noStrike" cap="none">
         <a:solidFill>
           <a:srgbClr val="000000"/>
         </a:solidFill>
@@ -149,7 +148,7 @@
         <a:sym typeface="Arial"/>
       </a:defRPr>
     </a:lvl4pPr>
-    <a:lvl5pPr lvl="4" marR="0" rtl="0" algn="l">
+    <a:lvl5pPr marR="0" lvl="4" algn="l" rtl="0">
       <a:lnSpc>
         <a:spcPct val="100000"/>
       </a:lnSpc>
@@ -163,7 +162,7 @@
         <a:srgbClr val="000000"/>
       </a:buClr>
       <a:buFont typeface="Arial"/>
-      <a:defRPr b="0" i="0" sz="1400" u="none" cap="none" strike="noStrike">
+      <a:defRPr sz="1400" b="0" i="0" u="none" strike="noStrike" cap="none">
         <a:solidFill>
           <a:srgbClr val="000000"/>
         </a:solidFill>
@@ -173,7 +172,7 @@
         <a:sym typeface="Arial"/>
       </a:defRPr>
     </a:lvl5pPr>
-    <a:lvl6pPr lvl="5" marR="0" rtl="0" algn="l">
+    <a:lvl6pPr marR="0" lvl="5" algn="l" rtl="0">
       <a:lnSpc>
         <a:spcPct val="100000"/>
       </a:lnSpc>
@@ -187,7 +186,7 @@
         <a:srgbClr val="000000"/>
       </a:buClr>
       <a:buFont typeface="Arial"/>
-      <a:defRPr b="0" i="0" sz="1400" u="none" cap="none" strike="noStrike">
+      <a:defRPr sz="1400" b="0" i="0" u="none" strike="noStrike" cap="none">
         <a:solidFill>
           <a:srgbClr val="000000"/>
         </a:solidFill>
@@ -197,7 +196,7 @@
         <a:sym typeface="Arial"/>
       </a:defRPr>
     </a:lvl6pPr>
-    <a:lvl7pPr lvl="6" marR="0" rtl="0" algn="l">
+    <a:lvl7pPr marR="0" lvl="6" algn="l" rtl="0">
       <a:lnSpc>
         <a:spcPct val="100000"/>
       </a:lnSpc>
@@ -211,7 +210,7 @@
         <a:srgbClr val="000000"/>
       </a:buClr>
       <a:buFont typeface="Arial"/>
-      <a:defRPr b="0" i="0" sz="1400" u="none" cap="none" strike="noStrike">
+      <a:defRPr sz="1400" b="0" i="0" u="none" strike="noStrike" cap="none">
         <a:solidFill>
           <a:srgbClr val="000000"/>
         </a:solidFill>
@@ -221,7 +220,7 @@
         <a:sym typeface="Arial"/>
       </a:defRPr>
     </a:lvl7pPr>
-    <a:lvl8pPr lvl="7" marR="0" rtl="0" algn="l">
+    <a:lvl8pPr marR="0" lvl="7" algn="l" rtl="0">
       <a:lnSpc>
         <a:spcPct val="100000"/>
       </a:lnSpc>
@@ -235,7 +234,7 @@
         <a:srgbClr val="000000"/>
       </a:buClr>
       <a:buFont typeface="Arial"/>
-      <a:defRPr b="0" i="0" sz="1400" u="none" cap="none" strike="noStrike">
+      <a:defRPr sz="1400" b="0" i="0" u="none" strike="noStrike" cap="none">
         <a:solidFill>
           <a:srgbClr val="000000"/>
         </a:solidFill>
@@ -245,7 +244,7 @@
         <a:sym typeface="Arial"/>
       </a:defRPr>
     </a:lvl8pPr>
-    <a:lvl9pPr lvl="8" marR="0" rtl="0" algn="l">
+    <a:lvl9pPr marR="0" lvl="8" algn="l" rtl="0">
       <a:lnSpc>
         <a:spcPct val="100000"/>
       </a:lnSpc>
@@ -259,7 +258,7 @@
         <a:srgbClr val="000000"/>
       </a:buClr>
       <a:buFont typeface="Arial"/>
-      <a:defRPr b="0" i="0" sz="1400" u="none" cap="none" strike="noStrike">
+      <a:defRPr sz="1400" b="0" i="0" u="none" strike="noStrike" cap="none">
         <a:solidFill>
           <a:srgbClr val="000000"/>
         </a:solidFill>
@@ -272,7 +271,7 @@
   </p:defaultTextStyle>
   <p:extLst>
     <p:ext uri="{EFAFB233-063F-42B5-8137-9DF3F51BA10A}">
-      <p15:sldGuideLst>
+      <p15:sldGuideLst xmlns="" xmlns:mc="http://schemas.openxmlformats.org/markup-compatibility/2006" xmlns:mv="urn:schemas-microsoft-com:mac:vml" xmlns:c="http://schemas.openxmlformats.org/drawingml/2006/chart" xmlns:dgm="http://schemas.openxmlformats.org/drawingml/2006/diagram" xmlns:o="urn:schemas-microsoft-com:office:office" xmlns:v="urn:schemas-microsoft-com:vml" xmlns:pvml="urn:schemas-microsoft-com:office:powerpoint" xmlns:com="http://schemas.openxmlformats.org/drawingml/2006/compatibility" xmlns:p14="http://schemas.microsoft.com/office/powerpoint/2010/main" xmlns:p15="http://schemas.microsoft.com/office/powerpoint/2012/main">
         <p15:guide id="1" orient="horz" pos="1620">
           <p15:clr>
             <a:srgbClr val="A4A3A4"/>
@@ -290,11 +289,16 @@
 </file>
 
 <file path=ppt/notesMasters/notesMaster1.xml><?xml version="1.0" encoding="utf-8"?>
-<p:notesMaster xmlns:a="http://schemas.openxmlformats.org/drawingml/2006/main" xmlns:r="http://schemas.openxmlformats.org/officeDocument/2006/relationships" xmlns:mc="http://schemas.openxmlformats.org/markup-compatibility/2006" xmlns:mv="urn:schemas-microsoft-com:mac:vml" xmlns:p="http://schemas.openxmlformats.org/presentationml/2006/main" xmlns:c="http://schemas.openxmlformats.org/drawingml/2006/chart" xmlns:dgm="http://schemas.openxmlformats.org/drawingml/2006/diagram" xmlns:o="urn:schemas-microsoft-com:office:office" xmlns:v="urn:schemas-microsoft-com:vml" xmlns:pvml="urn:schemas-microsoft-com:office:powerpoint" xmlns:com="http://schemas.openxmlformats.org/drawingml/2006/compatibility" xmlns:p14="http://schemas.microsoft.com/office/powerpoint/2010/main" xmlns:p15="http://schemas.microsoft.com/office/powerpoint/2012/main">
+<p:notesMaster xmlns:a="http://schemas.openxmlformats.org/drawingml/2006/main" xmlns:r="http://schemas.openxmlformats.org/officeDocument/2006/relationships" xmlns:p="http://schemas.openxmlformats.org/presentationml/2006/main">
   <p:cSld>
+    <p:bg>
+      <p:bgRef idx="1001">
+        <a:schemeClr val="bg1"/>
+      </p:bgRef>
+    </p:bg>
     <p:spTree>
       <p:nvGrpSpPr>
-        <p:cNvPr id="2" name="Shape 2"/>
+        <p:cNvPr id="1" name="Shape 2"/>
         <p:cNvGrpSpPr/>
         <p:nvPr/>
       </p:nvGrpSpPr>
@@ -309,9 +313,11 @@
       <p:sp>
         <p:nvSpPr>
           <p:cNvPr id="3" name="Google Shape;3;n"/>
-          <p:cNvSpPr/>
+          <p:cNvSpPr>
+            <a:spLocks noGrp="1" noRot="1" noChangeAspect="1"/>
+          </p:cNvSpPr>
           <p:nvPr>
-            <p:ph idx="2" type="sldImg"/>
+            <p:ph type="sldImg" idx="2"/>
           </p:nvPr>
         </p:nvSpPr>
         <p:spPr>
@@ -320,9 +326,13 @@
             <a:ext cx="6096075" cy="3429000"/>
           </a:xfrm>
           <a:custGeom>
-            <a:rect b="b" l="l" r="r" t="t"/>
+            <a:avLst/>
+            <a:gdLst/>
+            <a:ahLst/>
+            <a:cxnLst/>
+            <a:rect l="l" t="t" r="r" b="b"/>
             <a:pathLst>
-              <a:path extrusionOk="0" h="120000" w="120000">
+              <a:path w="120000" h="120000" extrusionOk="0">
                 <a:moveTo>
                   <a:pt x="0" y="0"/>
                 </a:moveTo>
@@ -340,23 +350,25 @@
             </a:pathLst>
           </a:custGeom>
           <a:noFill/>
-          <a:ln cap="flat" cmpd="sng" w="9525">
+          <a:ln w="9525" cap="flat" cmpd="sng">
             <a:solidFill>
               <a:srgbClr val="000000"/>
             </a:solidFill>
             <a:prstDash val="solid"/>
             <a:round/>
-            <a:headEnd len="sm" w="sm" type="none"/>
-            <a:tailEnd len="sm" w="sm" type="none"/>
+            <a:headEnd type="none" w="sm" len="sm"/>
+            <a:tailEnd type="none" w="sm" len="sm"/>
           </a:ln>
         </p:spPr>
       </p:sp>
       <p:sp>
         <p:nvSpPr>
           <p:cNvPr id="4" name="Google Shape;4;n"/>
-          <p:cNvSpPr txBox="1"/>
+          <p:cNvSpPr txBox="1">
+            <a:spLocks noGrp="1"/>
+          </p:cNvSpPr>
           <p:nvPr>
-            <p:ph idx="1" type="body"/>
+            <p:ph type="body" idx="1"/>
           </p:nvPr>
         </p:nvSpPr>
         <p:spPr>
@@ -373,9 +385,9 @@
           </a:ln>
         </p:spPr>
         <p:txBody>
-          <a:bodyPr anchorCtr="0" anchor="t" bIns="91425" lIns="91425" spcFirstLastPara="1" rIns="91425" wrap="square" tIns="91425"/>
+          <a:bodyPr spcFirstLastPara="1" wrap="square" lIns="91425" tIns="91425" rIns="91425" bIns="91425" anchor="t" anchorCtr="0"/>
           <a:lstStyle>
-            <a:lvl1pPr indent="-298450" lvl="0" marL="457200">
+            <a:lvl1pPr marL="457200" lvl="0" indent="-298450">
               <a:spcBef>
                 <a:spcPts val="0"/>
               </a:spcBef>
@@ -386,7 +398,7 @@
               <a:buChar char="●"/>
               <a:defRPr sz="1100"/>
             </a:lvl1pPr>
-            <a:lvl2pPr indent="-298450" lvl="1" marL="914400">
+            <a:lvl2pPr marL="914400" lvl="1" indent="-298450">
               <a:spcBef>
                 <a:spcPts val="0"/>
               </a:spcBef>
@@ -397,7 +409,7 @@
               <a:buChar char="○"/>
               <a:defRPr sz="1100"/>
             </a:lvl2pPr>
-            <a:lvl3pPr indent="-298450" lvl="2" marL="1371600">
+            <a:lvl3pPr marL="1371600" lvl="2" indent="-298450">
               <a:spcBef>
                 <a:spcPts val="0"/>
               </a:spcBef>
@@ -408,7 +420,7 @@
               <a:buChar char="■"/>
               <a:defRPr sz="1100"/>
             </a:lvl3pPr>
-            <a:lvl4pPr indent="-298450" lvl="3" marL="1828800">
+            <a:lvl4pPr marL="1828800" lvl="3" indent="-298450">
               <a:spcBef>
                 <a:spcPts val="0"/>
               </a:spcBef>
@@ -419,7 +431,7 @@
               <a:buChar char="●"/>
               <a:defRPr sz="1100"/>
             </a:lvl4pPr>
-            <a:lvl5pPr indent="-298450" lvl="4" marL="2286000">
+            <a:lvl5pPr marL="2286000" lvl="4" indent="-298450">
               <a:spcBef>
                 <a:spcPts val="0"/>
               </a:spcBef>
@@ -430,7 +442,7 @@
               <a:buChar char="○"/>
               <a:defRPr sz="1100"/>
             </a:lvl5pPr>
-            <a:lvl6pPr indent="-298450" lvl="5" marL="2743200">
+            <a:lvl6pPr marL="2743200" lvl="5" indent="-298450">
               <a:spcBef>
                 <a:spcPts val="0"/>
               </a:spcBef>
@@ -441,7 +453,7 @@
               <a:buChar char="■"/>
               <a:defRPr sz="1100"/>
             </a:lvl6pPr>
-            <a:lvl7pPr indent="-298450" lvl="6" marL="3200400">
+            <a:lvl7pPr marL="3200400" lvl="6" indent="-298450">
               <a:spcBef>
                 <a:spcPts val="0"/>
               </a:spcBef>
@@ -452,7 +464,7 @@
               <a:buChar char="●"/>
               <a:defRPr sz="1100"/>
             </a:lvl7pPr>
-            <a:lvl8pPr indent="-298450" lvl="7" marL="3657600">
+            <a:lvl8pPr marL="3657600" lvl="7" indent="-298450">
               <a:spcBef>
                 <a:spcPts val="0"/>
               </a:spcBef>
@@ -463,7 +475,7 @@
               <a:buChar char="○"/>
               <a:defRPr sz="1100"/>
             </a:lvl8pPr>
-            <a:lvl9pPr indent="-298450" lvl="8" marL="4114800">
+            <a:lvl9pPr marL="4114800" lvl="8" indent="-298450">
               <a:spcBef>
                 <a:spcPts val="0"/>
               </a:spcBef>
@@ -475,14 +487,21 @@
               <a:defRPr sz="1100"/>
             </a:lvl9pPr>
           </a:lstStyle>
-          <a:p/>
+          <a:p>
+            <a:endParaRPr/>
+          </a:p>
         </p:txBody>
       </p:sp>
     </p:spTree>
+    <p:extLst>
+      <p:ext uri="{BB962C8B-B14F-4D97-AF65-F5344CB8AC3E}">
+        <p14:creationId xmlns:p14="http://schemas.microsoft.com/office/powerpoint/2010/main" val="2550756986"/>
+      </p:ext>
+    </p:extLst>
   </p:cSld>
-  <p:clrMap accent1="accent1" accent2="accent2" accent3="accent3" accent4="accent4" accent5="accent5" accent6="accent6" bg1="lt1" bg2="dk2" tx1="dk1" tx2="lt2" folHlink="folHlink" hlink="hlink"/>
+  <p:clrMap bg1="lt1" tx1="dk1" bg2="dk2" tx2="lt2" accent1="accent1" accent2="accent2" accent3="accent3" accent4="accent4" accent5="accent5" accent6="accent6" hlink="hlink" folHlink="folHlink"/>
   <p:notesStyle>
-    <a:defPPr lvl="0" marR="0" rtl="0" algn="l">
+    <a:defPPr marR="0" lvl="0" algn="l" rtl="0">
       <a:lnSpc>
         <a:spcPct val="100000"/>
       </a:lnSpc>
@@ -493,7 +512,7 @@
         <a:spcPts val="0"/>
       </a:spcAft>
     </a:defPPr>
-    <a:lvl1pPr lvl="0" marR="0" rtl="0" algn="l">
+    <a:lvl1pPr marR="0" lvl="0" algn="l" rtl="0">
       <a:lnSpc>
         <a:spcPct val="100000"/>
       </a:lnSpc>
@@ -507,7 +526,7 @@
         <a:srgbClr val="000000"/>
       </a:buClr>
       <a:buFont typeface="Arial"/>
-      <a:defRPr b="0" i="0" sz="1400" u="none" cap="none" strike="noStrike">
+      <a:defRPr sz="1400" b="0" i="0" u="none" strike="noStrike" cap="none">
         <a:solidFill>
           <a:srgbClr val="000000"/>
         </a:solidFill>
@@ -517,7 +536,7 @@
         <a:sym typeface="Arial"/>
       </a:defRPr>
     </a:lvl1pPr>
-    <a:lvl2pPr lvl="1" marR="0" rtl="0" algn="l">
+    <a:lvl2pPr marR="0" lvl="1" algn="l" rtl="0">
       <a:lnSpc>
         <a:spcPct val="100000"/>
       </a:lnSpc>
@@ -531,7 +550,7 @@
         <a:srgbClr val="000000"/>
       </a:buClr>
       <a:buFont typeface="Arial"/>
-      <a:defRPr b="0" i="0" sz="1400" u="none" cap="none" strike="noStrike">
+      <a:defRPr sz="1400" b="0" i="0" u="none" strike="noStrike" cap="none">
         <a:solidFill>
           <a:srgbClr val="000000"/>
         </a:solidFill>
@@ -541,7 +560,7 @@
         <a:sym typeface="Arial"/>
       </a:defRPr>
     </a:lvl2pPr>
-    <a:lvl3pPr lvl="2" marR="0" rtl="0" algn="l">
+    <a:lvl3pPr marR="0" lvl="2" algn="l" rtl="0">
       <a:lnSpc>
         <a:spcPct val="100000"/>
       </a:lnSpc>
@@ -555,7 +574,7 @@
         <a:srgbClr val="000000"/>
       </a:buClr>
       <a:buFont typeface="Arial"/>
-      <a:defRPr b="0" i="0" sz="1400" u="none" cap="none" strike="noStrike">
+      <a:defRPr sz="1400" b="0" i="0" u="none" strike="noStrike" cap="none">
         <a:solidFill>
           <a:srgbClr val="000000"/>
         </a:solidFill>
@@ -565,7 +584,7 @@
         <a:sym typeface="Arial"/>
       </a:defRPr>
     </a:lvl3pPr>
-    <a:lvl4pPr lvl="3" marR="0" rtl="0" algn="l">
+    <a:lvl4pPr marR="0" lvl="3" algn="l" rtl="0">
       <a:lnSpc>
         <a:spcPct val="100000"/>
       </a:lnSpc>
@@ -579,7 +598,7 @@
         <a:srgbClr val="000000"/>
       </a:buClr>
       <a:buFont typeface="Arial"/>
-      <a:defRPr b="0" i="0" sz="1400" u="none" cap="none" strike="noStrike">
+      <a:defRPr sz="1400" b="0" i="0" u="none" strike="noStrike" cap="none">
         <a:solidFill>
           <a:srgbClr val="000000"/>
         </a:solidFill>
@@ -589,7 +608,7 @@
         <a:sym typeface="Arial"/>
       </a:defRPr>
     </a:lvl4pPr>
-    <a:lvl5pPr lvl="4" marR="0" rtl="0" algn="l">
+    <a:lvl5pPr marR="0" lvl="4" algn="l" rtl="0">
       <a:lnSpc>
         <a:spcPct val="100000"/>
       </a:lnSpc>
@@ -603,7 +622,7 @@
         <a:srgbClr val="000000"/>
       </a:buClr>
       <a:buFont typeface="Arial"/>
-      <a:defRPr b="0" i="0" sz="1400" u="none" cap="none" strike="noStrike">
+      <a:defRPr sz="1400" b="0" i="0" u="none" strike="noStrike" cap="none">
         <a:solidFill>
           <a:srgbClr val="000000"/>
         </a:solidFill>
@@ -613,7 +632,7 @@
         <a:sym typeface="Arial"/>
       </a:defRPr>
     </a:lvl5pPr>
-    <a:lvl6pPr lvl="5" marR="0" rtl="0" algn="l">
+    <a:lvl6pPr marR="0" lvl="5" algn="l" rtl="0">
       <a:lnSpc>
         <a:spcPct val="100000"/>
       </a:lnSpc>
@@ -627,7 +646,7 @@
         <a:srgbClr val="000000"/>
       </a:buClr>
       <a:buFont typeface="Arial"/>
-      <a:defRPr b="0" i="0" sz="1400" u="none" cap="none" strike="noStrike">
+      <a:defRPr sz="1400" b="0" i="0" u="none" strike="noStrike" cap="none">
         <a:solidFill>
           <a:srgbClr val="000000"/>
         </a:solidFill>
@@ -637,7 +656,7 @@
         <a:sym typeface="Arial"/>
       </a:defRPr>
     </a:lvl6pPr>
-    <a:lvl7pPr lvl="6" marR="0" rtl="0" algn="l">
+    <a:lvl7pPr marR="0" lvl="6" algn="l" rtl="0">
       <a:lnSpc>
         <a:spcPct val="100000"/>
       </a:lnSpc>
@@ -651,7 +670,7 @@
         <a:srgbClr val="000000"/>
       </a:buClr>
       <a:buFont typeface="Arial"/>
-      <a:defRPr b="0" i="0" sz="1400" u="none" cap="none" strike="noStrike">
+      <a:defRPr sz="1400" b="0" i="0" u="none" strike="noStrike" cap="none">
         <a:solidFill>
           <a:srgbClr val="000000"/>
         </a:solidFill>
@@ -661,7 +680,7 @@
         <a:sym typeface="Arial"/>
       </a:defRPr>
     </a:lvl7pPr>
-    <a:lvl8pPr lvl="7" marR="0" rtl="0" algn="l">
+    <a:lvl8pPr marR="0" lvl="7" algn="l" rtl="0">
       <a:lnSpc>
         <a:spcPct val="100000"/>
       </a:lnSpc>
@@ -675,7 +694,7 @@
         <a:srgbClr val="000000"/>
       </a:buClr>
       <a:buFont typeface="Arial"/>
-      <a:defRPr b="0" i="0" sz="1400" u="none" cap="none" strike="noStrike">
+      <a:defRPr sz="1400" b="0" i="0" u="none" strike="noStrike" cap="none">
         <a:solidFill>
           <a:srgbClr val="000000"/>
         </a:solidFill>
@@ -685,7 +704,7 @@
         <a:sym typeface="Arial"/>
       </a:defRPr>
     </a:lvl8pPr>
-    <a:lvl9pPr lvl="8" marR="0" rtl="0" algn="l">
+    <a:lvl9pPr marR="0" lvl="8" algn="l" rtl="0">
       <a:lnSpc>
         <a:spcPct val="100000"/>
       </a:lnSpc>
@@ -699,7 +718,7 @@
         <a:srgbClr val="000000"/>
       </a:buClr>
       <a:buFont typeface="Arial"/>
-      <a:defRPr b="0" i="0" sz="1400" u="none" cap="none" strike="noStrike">
+      <a:defRPr sz="1400" b="0" i="0" u="none" strike="noStrike" cap="none">
         <a:solidFill>
           <a:srgbClr val="000000"/>
         </a:solidFill>
@@ -714,11 +733,11 @@
 </file>
 
 <file path=ppt/notesSlides/notesSlide1.xml><?xml version="1.0" encoding="utf-8"?>
-<p:notes xmlns:a="http://schemas.openxmlformats.org/drawingml/2006/main" xmlns:r="http://schemas.openxmlformats.org/officeDocument/2006/relationships" xmlns:mc="http://schemas.openxmlformats.org/markup-compatibility/2006" xmlns:mv="urn:schemas-microsoft-com:mac:vml" xmlns:p="http://schemas.openxmlformats.org/presentationml/2006/main" xmlns:c="http://schemas.openxmlformats.org/drawingml/2006/chart" xmlns:dgm="http://schemas.openxmlformats.org/drawingml/2006/diagram" xmlns:o="urn:schemas-microsoft-com:office:office" xmlns:v="urn:schemas-microsoft-com:vml" xmlns:pvml="urn:schemas-microsoft-com:office:powerpoint" xmlns:com="http://schemas.openxmlformats.org/drawingml/2006/compatibility" xmlns:p14="http://schemas.microsoft.com/office/powerpoint/2010/main" xmlns:p15="http://schemas.microsoft.com/office/powerpoint/2012/main" showMasterPhAnim="0" showMasterSp="0">
+<p:notes xmlns:a="http://schemas.openxmlformats.org/drawingml/2006/main" xmlns:r="http://schemas.openxmlformats.org/officeDocument/2006/relationships" xmlns:p="http://schemas.openxmlformats.org/presentationml/2006/main" showMasterSp="0" showMasterPhAnim="0">
   <p:cSld>
     <p:spTree>
       <p:nvGrpSpPr>
-        <p:cNvPr id="130" name="Shape 130"/>
+        <p:cNvPr id="1" name="Shape 130"/>
         <p:cNvGrpSpPr/>
         <p:nvPr/>
       </p:nvGrpSpPr>
@@ -733,9 +752,11 @@
       <p:sp>
         <p:nvSpPr>
           <p:cNvPr id="131" name="Google Shape;131;p:notes"/>
-          <p:cNvSpPr/>
+          <p:cNvSpPr>
+            <a:spLocks noGrp="1" noRot="1" noChangeAspect="1"/>
+          </p:cNvSpPr>
           <p:nvPr>
-            <p:ph idx="2" type="sldImg"/>
+            <p:ph type="sldImg" idx="2"/>
           </p:nvPr>
         </p:nvSpPr>
         <p:spPr>
@@ -744,9 +765,13 @@
             <a:ext cx="6096075" cy="3429000"/>
           </a:xfrm>
           <a:custGeom>
-            <a:rect b="b" l="l" r="r" t="t"/>
+            <a:avLst/>
+            <a:gdLst/>
+            <a:ahLst/>
+            <a:cxnLst/>
+            <a:rect l="l" t="t" r="r" b="b"/>
             <a:pathLst>
-              <a:path extrusionOk="0" h="120000" w="120000">
+              <a:path w="120000" h="120000" extrusionOk="0">
                 <a:moveTo>
                   <a:pt x="0" y="0"/>
                 </a:moveTo>
@@ -768,9 +793,11 @@
       <p:sp>
         <p:nvSpPr>
           <p:cNvPr id="132" name="Google Shape;132;p:notes"/>
-          <p:cNvSpPr txBox="1"/>
+          <p:cNvSpPr txBox="1">
+            <a:spLocks noGrp="1"/>
+          </p:cNvSpPr>
           <p:nvPr>
-            <p:ph idx="1" type="body"/>
+            <p:ph type="body" idx="1"/>
           </p:nvPr>
         </p:nvSpPr>
         <p:spPr>
@@ -783,12 +810,12 @@
           </a:prstGeom>
         </p:spPr>
         <p:txBody>
-          <a:bodyPr anchorCtr="0" anchor="t" bIns="91425" lIns="91425" spcFirstLastPara="1" rIns="91425" wrap="square" tIns="91425">
+          <a:bodyPr spcFirstLastPara="1" wrap="square" lIns="91425" tIns="91425" rIns="91425" bIns="91425" anchor="t" anchorCtr="0">
             <a:noAutofit/>
           </a:bodyPr>
           <a:lstStyle/>
           <a:p>
-            <a:pPr indent="0" lvl="0" marL="0" rtl="0" algn="l">
+            <a:pPr marL="0" lvl="0" indent="0" algn="l" rtl="0">
               <a:spcBef>
                 <a:spcPts val="0"/>
               </a:spcBef>
@@ -797,9 +824,6 @@
               </a:spcAft>
               <a:buNone/>
             </a:pPr>
-            <a:r>
-              <a:t/>
-            </a:r>
             <a:endParaRPr/>
           </a:p>
         </p:txBody>
@@ -813,11 +837,11 @@
 </file>
 
 <file path=ppt/notesSlides/notesSlide2.xml><?xml version="1.0" encoding="utf-8"?>
-<p:notes xmlns:a="http://schemas.openxmlformats.org/drawingml/2006/main" xmlns:r="http://schemas.openxmlformats.org/officeDocument/2006/relationships" xmlns:mc="http://schemas.openxmlformats.org/markup-compatibility/2006" xmlns:mv="urn:schemas-microsoft-com:mac:vml" xmlns:p="http://schemas.openxmlformats.org/presentationml/2006/main" xmlns:c="http://schemas.openxmlformats.org/drawingml/2006/chart" xmlns:dgm="http://schemas.openxmlformats.org/drawingml/2006/diagram" xmlns:o="urn:schemas-microsoft-com:office:office" xmlns:v="urn:schemas-microsoft-com:vml" xmlns:pvml="urn:schemas-microsoft-com:office:powerpoint" xmlns:com="http://schemas.openxmlformats.org/drawingml/2006/compatibility" xmlns:p14="http://schemas.microsoft.com/office/powerpoint/2010/main" xmlns:p15="http://schemas.microsoft.com/office/powerpoint/2012/main" showMasterPhAnim="0" showMasterSp="0">
+<p:notes xmlns:a="http://schemas.openxmlformats.org/drawingml/2006/main" xmlns:r="http://schemas.openxmlformats.org/officeDocument/2006/relationships" xmlns:p="http://schemas.openxmlformats.org/presentationml/2006/main" showMasterSp="0" showMasterPhAnim="0">
   <p:cSld>
     <p:spTree>
       <p:nvGrpSpPr>
-        <p:cNvPr id="136" name="Shape 136"/>
+        <p:cNvPr id="1" name="Shape 136"/>
         <p:cNvGrpSpPr/>
         <p:nvPr/>
       </p:nvGrpSpPr>
@@ -832,9 +856,11 @@
       <p:sp>
         <p:nvSpPr>
           <p:cNvPr id="137" name="Google Shape;137;g42e68f5207_0_125:notes"/>
-          <p:cNvSpPr/>
+          <p:cNvSpPr>
+            <a:spLocks noGrp="1" noRot="1" noChangeAspect="1"/>
+          </p:cNvSpPr>
           <p:nvPr>
-            <p:ph idx="2" type="sldImg"/>
+            <p:ph type="sldImg" idx="2"/>
           </p:nvPr>
         </p:nvSpPr>
         <p:spPr>
@@ -843,9 +869,13 @@
             <a:ext cx="6096000" cy="3429000"/>
           </a:xfrm>
           <a:custGeom>
-            <a:rect b="b" l="l" r="r" t="t"/>
+            <a:avLst/>
+            <a:gdLst/>
+            <a:ahLst/>
+            <a:cxnLst/>
+            <a:rect l="l" t="t" r="r" b="b"/>
             <a:pathLst>
-              <a:path extrusionOk="0" h="120000" w="120000">
+              <a:path w="120000" h="120000" extrusionOk="0">
                 <a:moveTo>
                   <a:pt x="0" y="0"/>
                 </a:moveTo>
@@ -867,9 +897,11 @@
       <p:sp>
         <p:nvSpPr>
           <p:cNvPr id="138" name="Google Shape;138;g42e68f5207_0_125:notes"/>
-          <p:cNvSpPr txBox="1"/>
+          <p:cNvSpPr txBox="1">
+            <a:spLocks noGrp="1"/>
+          </p:cNvSpPr>
           <p:nvPr>
-            <p:ph idx="1" type="body"/>
+            <p:ph type="body" idx="1"/>
           </p:nvPr>
         </p:nvSpPr>
         <p:spPr>
@@ -882,12 +914,12 @@
           </a:prstGeom>
         </p:spPr>
         <p:txBody>
-          <a:bodyPr anchorCtr="0" anchor="t" bIns="91425" lIns="91425" spcFirstLastPara="1" rIns="91425" wrap="square" tIns="91425">
+          <a:bodyPr spcFirstLastPara="1" wrap="square" lIns="91425" tIns="91425" rIns="91425" bIns="91425" anchor="t" anchorCtr="0">
             <a:noAutofit/>
           </a:bodyPr>
           <a:lstStyle/>
           <a:p>
-            <a:pPr indent="0" lvl="0" marL="0" rtl="0" algn="l">
+            <a:pPr marL="0" lvl="0" indent="0" algn="l" rtl="0">
               <a:spcBef>
                 <a:spcPts val="0"/>
               </a:spcBef>
@@ -896,9 +928,6 @@
               </a:spcAft>
               <a:buNone/>
             </a:pPr>
-            <a:r>
-              <a:t/>
-            </a:r>
             <a:endParaRPr/>
           </a:p>
         </p:txBody>
@@ -912,11 +941,11 @@
 </file>
 
 <file path=ppt/notesSlides/notesSlide3.xml><?xml version="1.0" encoding="utf-8"?>
-<p:notes xmlns:a="http://schemas.openxmlformats.org/drawingml/2006/main" xmlns:r="http://schemas.openxmlformats.org/officeDocument/2006/relationships" xmlns:mc="http://schemas.openxmlformats.org/markup-compatibility/2006" xmlns:mv="urn:schemas-microsoft-com:mac:vml" xmlns:p="http://schemas.openxmlformats.org/presentationml/2006/main" xmlns:c="http://schemas.openxmlformats.org/drawingml/2006/chart" xmlns:dgm="http://schemas.openxmlformats.org/drawingml/2006/diagram" xmlns:o="urn:schemas-microsoft-com:office:office" xmlns:v="urn:schemas-microsoft-com:vml" xmlns:pvml="urn:schemas-microsoft-com:office:powerpoint" xmlns:com="http://schemas.openxmlformats.org/drawingml/2006/compatibility" xmlns:p14="http://schemas.microsoft.com/office/powerpoint/2010/main" xmlns:p15="http://schemas.microsoft.com/office/powerpoint/2012/main" showMasterPhAnim="0" showMasterSp="0">
+<p:notes xmlns:a="http://schemas.openxmlformats.org/drawingml/2006/main" xmlns:r="http://schemas.openxmlformats.org/officeDocument/2006/relationships" xmlns:p="http://schemas.openxmlformats.org/presentationml/2006/main" showMasterSp="0" showMasterPhAnim="0">
   <p:cSld>
     <p:spTree>
       <p:nvGrpSpPr>
-        <p:cNvPr id="148" name="Shape 148"/>
+        <p:cNvPr id="1" name="Shape 148"/>
         <p:cNvGrpSpPr/>
         <p:nvPr/>
       </p:nvGrpSpPr>
@@ -931,20 +960,26 @@
       <p:sp>
         <p:nvSpPr>
           <p:cNvPr id="149" name="Google Shape;149;g42f56b6638_0_6:notes"/>
-          <p:cNvSpPr/>
+          <p:cNvSpPr>
+            <a:spLocks noGrp="1" noRot="1" noChangeAspect="1"/>
+          </p:cNvSpPr>
           <p:nvPr>
-            <p:ph idx="2" type="sldImg"/>
+            <p:ph type="sldImg" idx="2"/>
           </p:nvPr>
         </p:nvSpPr>
         <p:spPr>
           <a:xfrm>
-            <a:off x="381300" y="685800"/>
+            <a:off x="381000" y="685800"/>
             <a:ext cx="6096000" cy="3429000"/>
           </a:xfrm>
           <a:custGeom>
-            <a:rect b="b" l="l" r="r" t="t"/>
+            <a:avLst/>
+            <a:gdLst/>
+            <a:ahLst/>
+            <a:cxnLst/>
+            <a:rect l="l" t="t" r="r" b="b"/>
             <a:pathLst>
-              <a:path extrusionOk="0" h="120000" w="120000">
+              <a:path w="120000" h="120000" extrusionOk="0">
                 <a:moveTo>
                   <a:pt x="0" y="0"/>
                 </a:moveTo>
@@ -966,9 +1001,11 @@
       <p:sp>
         <p:nvSpPr>
           <p:cNvPr id="150" name="Google Shape;150;g42f56b6638_0_6:notes"/>
-          <p:cNvSpPr txBox="1"/>
+          <p:cNvSpPr txBox="1">
+            <a:spLocks noGrp="1"/>
+          </p:cNvSpPr>
           <p:nvPr>
-            <p:ph idx="1" type="body"/>
+            <p:ph type="body" idx="1"/>
           </p:nvPr>
         </p:nvSpPr>
         <p:spPr>
@@ -981,12 +1018,12 @@
           </a:prstGeom>
         </p:spPr>
         <p:txBody>
-          <a:bodyPr anchorCtr="0" anchor="t" bIns="91425" lIns="91425" spcFirstLastPara="1" rIns="91425" wrap="square" tIns="91425">
+          <a:bodyPr spcFirstLastPara="1" wrap="square" lIns="91425" tIns="91425" rIns="91425" bIns="91425" anchor="t" anchorCtr="0">
             <a:noAutofit/>
           </a:bodyPr>
           <a:lstStyle/>
           <a:p>
-            <a:pPr indent="0" lvl="0" marL="0" rtl="0" algn="l">
+            <a:pPr marL="0" lvl="0" indent="0" algn="l" rtl="0">
               <a:spcBef>
                 <a:spcPts val="0"/>
               </a:spcBef>
@@ -995,9 +1032,6 @@
               </a:spcAft>
               <a:buNone/>
             </a:pPr>
-            <a:r>
-              <a:t/>
-            </a:r>
             <a:endParaRPr/>
           </a:p>
         </p:txBody>
@@ -1011,11 +1045,11 @@
 </file>
 
 <file path=ppt/notesSlides/notesSlide4.xml><?xml version="1.0" encoding="utf-8"?>
-<p:notes xmlns:a="http://schemas.openxmlformats.org/drawingml/2006/main" xmlns:r="http://schemas.openxmlformats.org/officeDocument/2006/relationships" xmlns:mc="http://schemas.openxmlformats.org/markup-compatibility/2006" xmlns:mv="urn:schemas-microsoft-com:mac:vml" xmlns:p="http://schemas.openxmlformats.org/presentationml/2006/main" xmlns:c="http://schemas.openxmlformats.org/drawingml/2006/chart" xmlns:dgm="http://schemas.openxmlformats.org/drawingml/2006/diagram" xmlns:o="urn:schemas-microsoft-com:office:office" xmlns:v="urn:schemas-microsoft-com:vml" xmlns:pvml="urn:schemas-microsoft-com:office:powerpoint" xmlns:com="http://schemas.openxmlformats.org/drawingml/2006/compatibility" xmlns:p14="http://schemas.microsoft.com/office/powerpoint/2010/main" xmlns:p15="http://schemas.microsoft.com/office/powerpoint/2012/main" showMasterPhAnim="0" showMasterSp="0">
+<p:notes xmlns:a="http://schemas.openxmlformats.org/drawingml/2006/main" xmlns:r="http://schemas.openxmlformats.org/officeDocument/2006/relationships" xmlns:p="http://schemas.openxmlformats.org/presentationml/2006/main" showMasterSp="0" showMasterPhAnim="0">
   <p:cSld>
     <p:spTree>
       <p:nvGrpSpPr>
-        <p:cNvPr id="170" name="Shape 170"/>
+        <p:cNvPr id="1" name="Shape 170"/>
         <p:cNvGrpSpPr/>
         <p:nvPr/>
       </p:nvGrpSpPr>
@@ -1030,20 +1064,26 @@
       <p:sp>
         <p:nvSpPr>
           <p:cNvPr id="171" name="Google Shape;171;g430bbc7686_0_0:notes"/>
-          <p:cNvSpPr/>
+          <p:cNvSpPr>
+            <a:spLocks noGrp="1" noRot="1" noChangeAspect="1"/>
+          </p:cNvSpPr>
           <p:nvPr>
-            <p:ph idx="2" type="sldImg"/>
+            <p:ph type="sldImg" idx="2"/>
           </p:nvPr>
         </p:nvSpPr>
         <p:spPr>
           <a:xfrm>
-            <a:off x="381300" y="685800"/>
+            <a:off x="381000" y="685800"/>
             <a:ext cx="6096000" cy="3429000"/>
           </a:xfrm>
           <a:custGeom>
-            <a:rect b="b" l="l" r="r" t="t"/>
+            <a:avLst/>
+            <a:gdLst/>
+            <a:ahLst/>
+            <a:cxnLst/>
+            <a:rect l="l" t="t" r="r" b="b"/>
             <a:pathLst>
-              <a:path extrusionOk="0" h="120000" w="120000">
+              <a:path w="120000" h="120000" extrusionOk="0">
                 <a:moveTo>
                   <a:pt x="0" y="0"/>
                 </a:moveTo>
@@ -1065,9 +1105,11 @@
       <p:sp>
         <p:nvSpPr>
           <p:cNvPr id="172" name="Google Shape;172;g430bbc7686_0_0:notes"/>
-          <p:cNvSpPr txBox="1"/>
+          <p:cNvSpPr txBox="1">
+            <a:spLocks noGrp="1"/>
+          </p:cNvSpPr>
           <p:nvPr>
-            <p:ph idx="1" type="body"/>
+            <p:ph type="body" idx="1"/>
           </p:nvPr>
         </p:nvSpPr>
         <p:spPr>
@@ -1080,12 +1122,12 @@
           </a:prstGeom>
         </p:spPr>
         <p:txBody>
-          <a:bodyPr anchorCtr="0" anchor="t" bIns="91425" lIns="91425" spcFirstLastPara="1" rIns="91425" wrap="square" tIns="91425">
+          <a:bodyPr spcFirstLastPara="1" wrap="square" lIns="91425" tIns="91425" rIns="91425" bIns="91425" anchor="t" anchorCtr="0">
             <a:noAutofit/>
           </a:bodyPr>
           <a:lstStyle/>
           <a:p>
-            <a:pPr indent="0" lvl="0" marL="0" rtl="0" algn="l">
+            <a:pPr marL="0" lvl="0" indent="0" algn="l" rtl="0">
               <a:spcBef>
                 <a:spcPts val="0"/>
               </a:spcBef>
@@ -1094,9 +1136,6 @@
               </a:spcAft>
               <a:buNone/>
             </a:pPr>
-            <a:r>
-              <a:t/>
-            </a:r>
             <a:endParaRPr/>
           </a:p>
         </p:txBody>
@@ -1110,11 +1149,115 @@
 </file>
 
 <file path=ppt/notesSlides/notesSlide5.xml><?xml version="1.0" encoding="utf-8"?>
-<p:notes xmlns:a="http://schemas.openxmlformats.org/drawingml/2006/main" xmlns:r="http://schemas.openxmlformats.org/officeDocument/2006/relationships" xmlns:mc="http://schemas.openxmlformats.org/markup-compatibility/2006" xmlns:mv="urn:schemas-microsoft-com:mac:vml" xmlns:p="http://schemas.openxmlformats.org/presentationml/2006/main" xmlns:c="http://schemas.openxmlformats.org/drawingml/2006/chart" xmlns:dgm="http://schemas.openxmlformats.org/drawingml/2006/diagram" xmlns:o="urn:schemas-microsoft-com:office:office" xmlns:v="urn:schemas-microsoft-com:vml" xmlns:pvml="urn:schemas-microsoft-com:office:powerpoint" xmlns:com="http://schemas.openxmlformats.org/drawingml/2006/compatibility" xmlns:p14="http://schemas.microsoft.com/office/powerpoint/2010/main" xmlns:p15="http://schemas.microsoft.com/office/powerpoint/2012/main" showMasterPhAnim="0" showMasterSp="0">
+<p:notes xmlns:a="http://schemas.openxmlformats.org/drawingml/2006/main" xmlns:r="http://schemas.openxmlformats.org/officeDocument/2006/relationships" xmlns:p="http://schemas.openxmlformats.org/presentationml/2006/main" showMasterSp="0" showMasterPhAnim="0">
   <p:cSld>
     <p:spTree>
       <p:nvGrpSpPr>
-        <p:cNvPr id="178" name="Shape 178"/>
+        <p:cNvPr id="1" name="Shape 170"/>
+        <p:cNvGrpSpPr/>
+        <p:nvPr/>
+      </p:nvGrpSpPr>
+      <p:grpSpPr>
+        <a:xfrm>
+          <a:off x="0" y="0"/>
+          <a:ext cx="0" cy="0"/>
+          <a:chOff x="0" y="0"/>
+          <a:chExt cx="0" cy="0"/>
+        </a:xfrm>
+      </p:grpSpPr>
+      <p:sp>
+        <p:nvSpPr>
+          <p:cNvPr id="171" name="Google Shape;171;g430bbc7686_0_0:notes"/>
+          <p:cNvSpPr>
+            <a:spLocks noGrp="1" noRot="1" noChangeAspect="1"/>
+          </p:cNvSpPr>
+          <p:nvPr>
+            <p:ph type="sldImg" idx="2"/>
+          </p:nvPr>
+        </p:nvSpPr>
+        <p:spPr>
+          <a:xfrm>
+            <a:off x="381000" y="685800"/>
+            <a:ext cx="6096000" cy="3429000"/>
+          </a:xfrm>
+          <a:custGeom>
+            <a:avLst/>
+            <a:gdLst/>
+            <a:ahLst/>
+            <a:cxnLst/>
+            <a:rect l="l" t="t" r="r" b="b"/>
+            <a:pathLst>
+              <a:path w="120000" h="120000" extrusionOk="0">
+                <a:moveTo>
+                  <a:pt x="0" y="0"/>
+                </a:moveTo>
+                <a:lnTo>
+                  <a:pt x="120000" y="0"/>
+                </a:lnTo>
+                <a:lnTo>
+                  <a:pt x="120000" y="120000"/>
+                </a:lnTo>
+                <a:lnTo>
+                  <a:pt x="0" y="120000"/>
+                </a:lnTo>
+                <a:close/>
+              </a:path>
+            </a:pathLst>
+          </a:custGeom>
+        </p:spPr>
+      </p:sp>
+      <p:sp>
+        <p:nvSpPr>
+          <p:cNvPr id="172" name="Google Shape;172;g430bbc7686_0_0:notes"/>
+          <p:cNvSpPr txBox="1">
+            <a:spLocks noGrp="1"/>
+          </p:cNvSpPr>
+          <p:nvPr>
+            <p:ph type="body" idx="1"/>
+          </p:nvPr>
+        </p:nvSpPr>
+        <p:spPr>
+          <a:xfrm>
+            <a:off x="685800" y="4343400"/>
+            <a:ext cx="5486400" cy="4114800"/>
+          </a:xfrm>
+          <a:prstGeom prst="rect">
+            <a:avLst/>
+          </a:prstGeom>
+        </p:spPr>
+        <p:txBody>
+          <a:bodyPr spcFirstLastPara="1" wrap="square" lIns="91425" tIns="91425" rIns="91425" bIns="91425" anchor="t" anchorCtr="0">
+            <a:noAutofit/>
+          </a:bodyPr>
+          <a:lstStyle/>
+          <a:p>
+            <a:pPr marL="0" lvl="0" indent="0" algn="l" rtl="0">
+              <a:spcBef>
+                <a:spcPts val="0"/>
+              </a:spcBef>
+              <a:spcAft>
+                <a:spcPts val="0"/>
+              </a:spcAft>
+              <a:buNone/>
+            </a:pPr>
+            <a:endParaRPr/>
+          </a:p>
+        </p:txBody>
+      </p:sp>
+    </p:spTree>
+  </p:cSld>
+  <p:clrMapOvr>
+    <a:masterClrMapping/>
+  </p:clrMapOvr>
+</p:notes>
+</file>
+
+<file path=ppt/notesSlides/notesSlide6.xml><?xml version="1.0" encoding="utf-8"?>
+<p:notes xmlns:a="http://schemas.openxmlformats.org/drawingml/2006/main" xmlns:r="http://schemas.openxmlformats.org/officeDocument/2006/relationships" xmlns:p="http://schemas.openxmlformats.org/presentationml/2006/main" showMasterSp="0" showMasterPhAnim="0">
+  <p:cSld>
+    <p:spTree>
+      <p:nvGrpSpPr>
+        <p:cNvPr id="1" name="Shape 178"/>
         <p:cNvGrpSpPr/>
         <p:nvPr/>
       </p:nvGrpSpPr>
@@ -1129,9 +1272,11 @@
       <p:sp>
         <p:nvSpPr>
           <p:cNvPr id="179" name="Google Shape;179;g439bf14e7b_0_38:notes"/>
-          <p:cNvSpPr/>
+          <p:cNvSpPr>
+            <a:spLocks noGrp="1" noRot="1" noChangeAspect="1"/>
+          </p:cNvSpPr>
           <p:nvPr>
-            <p:ph idx="2" type="sldImg"/>
+            <p:ph type="sldImg" idx="2"/>
           </p:nvPr>
         </p:nvSpPr>
         <p:spPr>
@@ -1140,9 +1285,13 @@
             <a:ext cx="6096000" cy="3429000"/>
           </a:xfrm>
           <a:custGeom>
-            <a:rect b="b" l="l" r="r" t="t"/>
+            <a:avLst/>
+            <a:gdLst/>
+            <a:ahLst/>
+            <a:cxnLst/>
+            <a:rect l="l" t="t" r="r" b="b"/>
             <a:pathLst>
-              <a:path extrusionOk="0" h="120000" w="120000">
+              <a:path w="120000" h="120000" extrusionOk="0">
                 <a:moveTo>
                   <a:pt x="0" y="0"/>
                 </a:moveTo>
@@ -1164,9 +1313,11 @@
       <p:sp>
         <p:nvSpPr>
           <p:cNvPr id="180" name="Google Shape;180;g439bf14e7b_0_38:notes"/>
-          <p:cNvSpPr txBox="1"/>
+          <p:cNvSpPr txBox="1">
+            <a:spLocks noGrp="1"/>
+          </p:cNvSpPr>
           <p:nvPr>
-            <p:ph idx="1" type="body"/>
+            <p:ph type="body" idx="1"/>
           </p:nvPr>
         </p:nvSpPr>
         <p:spPr>
@@ -1179,12 +1330,12 @@
           </a:prstGeom>
         </p:spPr>
         <p:txBody>
-          <a:bodyPr anchorCtr="0" anchor="t" bIns="91425" lIns="91425" spcFirstLastPara="1" rIns="91425" wrap="square" tIns="91425">
+          <a:bodyPr spcFirstLastPara="1" wrap="square" lIns="91425" tIns="91425" rIns="91425" bIns="91425" anchor="t" anchorCtr="0">
             <a:noAutofit/>
           </a:bodyPr>
           <a:lstStyle/>
           <a:p>
-            <a:pPr indent="0" lvl="0" marL="0" rtl="0" algn="l">
+            <a:pPr marL="0" lvl="0" indent="0" algn="l" rtl="0">
               <a:spcBef>
                 <a:spcPts val="0"/>
               </a:spcBef>
@@ -1193,9 +1344,6 @@
               </a:spcAft>
               <a:buNone/>
             </a:pPr>
-            <a:r>
-              <a:t/>
-            </a:r>
             <a:endParaRPr/>
           </a:p>
         </p:txBody>
@@ -1208,12 +1356,12 @@
 </p:notes>
 </file>
 
-<file path=ppt/notesSlides/notesSlide6.xml><?xml version="1.0" encoding="utf-8"?>
-<p:notes xmlns:a="http://schemas.openxmlformats.org/drawingml/2006/main" xmlns:r="http://schemas.openxmlformats.org/officeDocument/2006/relationships" xmlns:mc="http://schemas.openxmlformats.org/markup-compatibility/2006" xmlns:mv="urn:schemas-microsoft-com:mac:vml" xmlns:p="http://schemas.openxmlformats.org/presentationml/2006/main" xmlns:c="http://schemas.openxmlformats.org/drawingml/2006/chart" xmlns:dgm="http://schemas.openxmlformats.org/drawingml/2006/diagram" xmlns:o="urn:schemas-microsoft-com:office:office" xmlns:v="urn:schemas-microsoft-com:vml" xmlns:pvml="urn:schemas-microsoft-com:office:powerpoint" xmlns:com="http://schemas.openxmlformats.org/drawingml/2006/compatibility" xmlns:p14="http://schemas.microsoft.com/office/powerpoint/2010/main" xmlns:p15="http://schemas.microsoft.com/office/powerpoint/2012/main" showMasterPhAnim="0" showMasterSp="0">
+<file path=ppt/notesSlides/notesSlide7.xml><?xml version="1.0" encoding="utf-8"?>
+<p:notes xmlns:a="http://schemas.openxmlformats.org/drawingml/2006/main" xmlns:r="http://schemas.openxmlformats.org/officeDocument/2006/relationships" xmlns:p="http://schemas.openxmlformats.org/presentationml/2006/main" showMasterSp="0" showMasterPhAnim="0">
   <p:cSld>
     <p:spTree>
       <p:nvGrpSpPr>
-        <p:cNvPr id="187" name="Shape 187"/>
+        <p:cNvPr id="1" name="Shape 187"/>
         <p:cNvGrpSpPr/>
         <p:nvPr/>
       </p:nvGrpSpPr>
@@ -1228,9 +1376,11 @@
       <p:sp>
         <p:nvSpPr>
           <p:cNvPr id="188" name="Google Shape;188;g430d777e65_0_0:notes"/>
-          <p:cNvSpPr/>
+          <p:cNvSpPr>
+            <a:spLocks noGrp="1" noRot="1" noChangeAspect="1"/>
+          </p:cNvSpPr>
           <p:nvPr>
-            <p:ph idx="2" type="sldImg"/>
+            <p:ph type="sldImg" idx="2"/>
           </p:nvPr>
         </p:nvSpPr>
         <p:spPr>
@@ -1239,9 +1389,13 @@
             <a:ext cx="6096000" cy="3429000"/>
           </a:xfrm>
           <a:custGeom>
-            <a:rect b="b" l="l" r="r" t="t"/>
+            <a:avLst/>
+            <a:gdLst/>
+            <a:ahLst/>
+            <a:cxnLst/>
+            <a:rect l="l" t="t" r="r" b="b"/>
             <a:pathLst>
-              <a:path extrusionOk="0" h="120000" w="120000">
+              <a:path w="120000" h="120000" extrusionOk="0">
                 <a:moveTo>
                   <a:pt x="0" y="0"/>
                 </a:moveTo>
@@ -1263,9 +1417,11 @@
       <p:sp>
         <p:nvSpPr>
           <p:cNvPr id="189" name="Google Shape;189;g430d777e65_0_0:notes"/>
-          <p:cNvSpPr txBox="1"/>
+          <p:cNvSpPr txBox="1">
+            <a:spLocks noGrp="1"/>
+          </p:cNvSpPr>
           <p:nvPr>
-            <p:ph idx="1" type="body"/>
+            <p:ph type="body" idx="1"/>
           </p:nvPr>
         </p:nvSpPr>
         <p:spPr>
@@ -1278,12 +1434,12 @@
           </a:prstGeom>
         </p:spPr>
         <p:txBody>
-          <a:bodyPr anchorCtr="0" anchor="t" bIns="91425" lIns="91425" spcFirstLastPara="1" rIns="91425" wrap="square" tIns="91425">
+          <a:bodyPr spcFirstLastPara="1" wrap="square" lIns="91425" tIns="91425" rIns="91425" bIns="91425" anchor="t" anchorCtr="0">
             <a:noAutofit/>
           </a:bodyPr>
           <a:lstStyle/>
           <a:p>
-            <a:pPr indent="0" lvl="0" marL="0" rtl="0" algn="l">
+            <a:pPr marL="0" lvl="0" indent="0" algn="l" rtl="0">
               <a:spcBef>
                 <a:spcPts val="0"/>
               </a:spcBef>
@@ -1292,9 +1448,6 @@
               </a:spcAft>
               <a:buNone/>
             </a:pPr>
-            <a:r>
-              <a:t/>
-            </a:r>
             <a:endParaRPr/>
           </a:p>
         </p:txBody>
@@ -1307,12 +1460,12 @@
 </p:notes>
 </file>
 
-<file path=ppt/notesSlides/notesSlide7.xml><?xml version="1.0" encoding="utf-8"?>
-<p:notes xmlns:a="http://schemas.openxmlformats.org/drawingml/2006/main" xmlns:r="http://schemas.openxmlformats.org/officeDocument/2006/relationships" xmlns:mc="http://schemas.openxmlformats.org/markup-compatibility/2006" xmlns:mv="urn:schemas-microsoft-com:mac:vml" xmlns:p="http://schemas.openxmlformats.org/presentationml/2006/main" xmlns:c="http://schemas.openxmlformats.org/drawingml/2006/chart" xmlns:dgm="http://schemas.openxmlformats.org/drawingml/2006/diagram" xmlns:o="urn:schemas-microsoft-com:office:office" xmlns:v="urn:schemas-microsoft-com:vml" xmlns:pvml="urn:schemas-microsoft-com:office:powerpoint" xmlns:com="http://schemas.openxmlformats.org/drawingml/2006/compatibility" xmlns:p14="http://schemas.microsoft.com/office/powerpoint/2010/main" xmlns:p15="http://schemas.microsoft.com/office/powerpoint/2012/main" showMasterPhAnim="0" showMasterSp="0">
+<file path=ppt/notesSlides/notesSlide8.xml><?xml version="1.0" encoding="utf-8"?>
+<p:notes xmlns:a="http://schemas.openxmlformats.org/drawingml/2006/main" xmlns:r="http://schemas.openxmlformats.org/officeDocument/2006/relationships" xmlns:p="http://schemas.openxmlformats.org/presentationml/2006/main" showMasterSp="0" showMasterPhAnim="0">
   <p:cSld>
     <p:spTree>
       <p:nvGrpSpPr>
-        <p:cNvPr id="225" name="Shape 225"/>
+        <p:cNvPr id="1" name="Shape 225"/>
         <p:cNvGrpSpPr/>
         <p:nvPr/>
       </p:nvGrpSpPr>
@@ -1327,9 +1480,11 @@
       <p:sp>
         <p:nvSpPr>
           <p:cNvPr id="226" name="Google Shape;226;g430d777e65_0_468:notes"/>
-          <p:cNvSpPr/>
+          <p:cNvSpPr>
+            <a:spLocks noGrp="1" noRot="1" noChangeAspect="1"/>
+          </p:cNvSpPr>
           <p:nvPr>
-            <p:ph idx="2" type="sldImg"/>
+            <p:ph type="sldImg" idx="2"/>
           </p:nvPr>
         </p:nvSpPr>
         <p:spPr>
@@ -1338,9 +1493,13 @@
             <a:ext cx="6096000" cy="3429000"/>
           </a:xfrm>
           <a:custGeom>
-            <a:rect b="b" l="l" r="r" t="t"/>
+            <a:avLst/>
+            <a:gdLst/>
+            <a:ahLst/>
+            <a:cxnLst/>
+            <a:rect l="l" t="t" r="r" b="b"/>
             <a:pathLst>
-              <a:path extrusionOk="0" h="120000" w="120000">
+              <a:path w="120000" h="120000" extrusionOk="0">
                 <a:moveTo>
                   <a:pt x="0" y="0"/>
                 </a:moveTo>
@@ -1362,9 +1521,11 @@
       <p:sp>
         <p:nvSpPr>
           <p:cNvPr id="227" name="Google Shape;227;g430d777e65_0_468:notes"/>
-          <p:cNvSpPr txBox="1"/>
+          <p:cNvSpPr txBox="1">
+            <a:spLocks noGrp="1"/>
+          </p:cNvSpPr>
           <p:nvPr>
-            <p:ph idx="1" type="body"/>
+            <p:ph type="body" idx="1"/>
           </p:nvPr>
         </p:nvSpPr>
         <p:spPr>
@@ -1377,12 +1538,12 @@
           </a:prstGeom>
         </p:spPr>
         <p:txBody>
-          <a:bodyPr anchorCtr="0" anchor="t" bIns="91425" lIns="91425" spcFirstLastPara="1" rIns="91425" wrap="square" tIns="91425">
+          <a:bodyPr spcFirstLastPara="1" wrap="square" lIns="91425" tIns="91425" rIns="91425" bIns="91425" anchor="t" anchorCtr="0">
             <a:noAutofit/>
           </a:bodyPr>
           <a:lstStyle/>
           <a:p>
-            <a:pPr indent="0" lvl="0" marL="0" rtl="0" algn="l">
+            <a:pPr marL="0" lvl="0" indent="0" algn="l" rtl="0">
               <a:spcBef>
                 <a:spcPts val="0"/>
               </a:spcBef>
@@ -1391,9 +1552,6 @@
               </a:spcAft>
               <a:buNone/>
             </a:pPr>
-            <a:r>
-              <a:t/>
-            </a:r>
             <a:endParaRPr/>
           </a:p>
         </p:txBody>
@@ -1407,11 +1565,11 @@
 </file>
 
 <file path=ppt/slideLayouts/slideLayout1.xml><?xml version="1.0" encoding="utf-8"?>
-<p:sldLayout xmlns:a="http://schemas.openxmlformats.org/drawingml/2006/main" xmlns:r="http://schemas.openxmlformats.org/officeDocument/2006/relationships" xmlns:mc="http://schemas.openxmlformats.org/markup-compatibility/2006" xmlns:mv="urn:schemas-microsoft-com:mac:vml" xmlns:p="http://schemas.openxmlformats.org/presentationml/2006/main" xmlns:c="http://schemas.openxmlformats.org/drawingml/2006/chart" xmlns:dgm="http://schemas.openxmlformats.org/drawingml/2006/diagram" xmlns:o="urn:schemas-microsoft-com:office:office" xmlns:v="urn:schemas-microsoft-com:vml" xmlns:pvml="urn:schemas-microsoft-com:office:powerpoint" xmlns:com="http://schemas.openxmlformats.org/drawingml/2006/compatibility" xmlns:p14="http://schemas.microsoft.com/office/powerpoint/2010/main" xmlns:p15="http://schemas.microsoft.com/office/powerpoint/2012/main" matchingName="Title slide" type="title">
+<p:sldLayout xmlns:a="http://schemas.openxmlformats.org/drawingml/2006/main" xmlns:r="http://schemas.openxmlformats.org/officeDocument/2006/relationships" xmlns:p="http://schemas.openxmlformats.org/presentationml/2006/main" matchingName="Title slide" type="title">
   <p:cSld name="TITLE">
     <p:spTree>
       <p:nvGrpSpPr>
-        <p:cNvPr id="9" name="Shape 9"/>
+        <p:cNvPr id="1" name="Shape 9"/>
         <p:cNvGrpSpPr/>
         <p:nvPr/>
       </p:nvGrpSpPr>
@@ -1436,7 +1594,7 @@
           </a:xfrm>
           <a:prstGeom prst="diagStripe">
             <a:avLst>
-              <a:gd fmla="val 0" name="adj"/>
+              <a:gd name="adj" fmla="val 0"/>
             </a:avLst>
           </a:prstGeom>
           <a:solidFill>
@@ -1449,12 +1607,12 @@
           </a:ln>
         </p:spPr>
         <p:txBody>
-          <a:bodyPr anchorCtr="0" anchor="ctr" bIns="91425" lIns="91425" spcFirstLastPara="1" rIns="91425" wrap="square" tIns="91425">
+          <a:bodyPr spcFirstLastPara="1" wrap="square" lIns="91425" tIns="91425" rIns="91425" bIns="91425" anchor="ctr" anchorCtr="0">
             <a:noAutofit/>
           </a:bodyPr>
           <a:lstStyle/>
           <a:p>
-            <a:pPr indent="0" lvl="0" marL="0" rtl="0" algn="l">
+            <a:pPr marL="0" lvl="0" indent="0" algn="l" rtl="0">
               <a:spcBef>
                 <a:spcPts val="0"/>
               </a:spcBef>
@@ -1463,9 +1621,6 @@
               </a:spcAft>
               <a:buNone/>
             </a:pPr>
-            <a:r>
-              <a:t/>
-            </a:r>
             <a:endParaRPr/>
           </a:p>
         </p:txBody>
@@ -1497,7 +1652,7 @@
             </a:xfrm>
             <a:prstGeom prst="diagStripe">
               <a:avLst>
-                <a:gd fmla="val 50000" name="adj"/>
+                <a:gd name="adj" fmla="val 50000"/>
               </a:avLst>
             </a:prstGeom>
             <a:solidFill>
@@ -1510,12 +1665,12 @@
             </a:ln>
           </p:spPr>
           <p:txBody>
-            <a:bodyPr anchorCtr="0" anchor="ctr" bIns="91425" lIns="91425" spcFirstLastPara="1" rIns="91425" wrap="square" tIns="91425">
+            <a:bodyPr spcFirstLastPara="1" wrap="square" lIns="91425" tIns="91425" rIns="91425" bIns="91425" anchor="ctr" anchorCtr="0">
               <a:noAutofit/>
             </a:bodyPr>
             <a:lstStyle/>
             <a:p>
-              <a:pPr indent="0" lvl="0" marL="0" rtl="0" algn="l">
+              <a:pPr marL="0" lvl="0" indent="0" algn="l" rtl="0">
                 <a:spcBef>
                   <a:spcPts val="0"/>
                 </a:spcBef>
@@ -1524,9 +1679,6 @@
                 </a:spcAft>
                 <a:buNone/>
               </a:pPr>
-              <a:r>
-                <a:t/>
-              </a:r>
               <a:endParaRPr/>
             </a:p>
           </p:txBody>
@@ -1544,7 +1696,7 @@
             </a:xfrm>
             <a:prstGeom prst="diagStripe">
               <a:avLst>
-                <a:gd fmla="val 58774" name="adj"/>
+                <a:gd name="adj" fmla="val 58774"/>
               </a:avLst>
             </a:prstGeom>
             <a:solidFill>
@@ -1557,12 +1709,12 @@
             </a:ln>
           </p:spPr>
           <p:txBody>
-            <a:bodyPr anchorCtr="0" anchor="ctr" bIns="91425" lIns="91425" spcFirstLastPara="1" rIns="91425" wrap="square" tIns="91425">
+            <a:bodyPr spcFirstLastPara="1" wrap="square" lIns="91425" tIns="91425" rIns="91425" bIns="91425" anchor="ctr" anchorCtr="0">
               <a:noAutofit/>
             </a:bodyPr>
             <a:lstStyle/>
             <a:p>
-              <a:pPr indent="0" lvl="0" marL="0" rtl="0" algn="l">
+              <a:pPr marL="0" lvl="0" indent="0" algn="l" rtl="0">
                 <a:spcBef>
                   <a:spcPts val="0"/>
                 </a:spcBef>
@@ -1571,9 +1723,6 @@
                 </a:spcAft>
                 <a:buNone/>
               </a:pPr>
-              <a:r>
-                <a:t/>
-              </a:r>
               <a:endParaRPr/>
             </a:p>
           </p:txBody>
@@ -1591,7 +1740,7 @@
             </a:xfrm>
             <a:prstGeom prst="diagStripe">
               <a:avLst>
-                <a:gd fmla="val 50000" name="adj"/>
+                <a:gd name="adj" fmla="val 50000"/>
               </a:avLst>
             </a:prstGeom>
             <a:solidFill>
@@ -1602,12 +1751,12 @@
             </a:ln>
           </p:spPr>
           <p:txBody>
-            <a:bodyPr anchorCtr="0" anchor="ctr" bIns="91425" lIns="91425" spcFirstLastPara="1" rIns="91425" wrap="square" tIns="91425">
+            <a:bodyPr spcFirstLastPara="1" wrap="square" lIns="91425" tIns="91425" rIns="91425" bIns="91425" anchor="ctr" anchorCtr="0">
               <a:noAutofit/>
             </a:bodyPr>
             <a:lstStyle/>
             <a:p>
-              <a:pPr indent="0" lvl="0" marL="0" rtl="0" algn="l">
+              <a:pPr marL="0" lvl="0" indent="0" algn="l" rtl="0">
                 <a:spcBef>
                   <a:spcPts val="0"/>
                 </a:spcBef>
@@ -1616,9 +1765,6 @@
                 </a:spcAft>
                 <a:buNone/>
               </a:pPr>
-              <a:r>
-                <a:t/>
-              </a:r>
               <a:endParaRPr/>
             </a:p>
           </p:txBody>
@@ -1636,7 +1782,7 @@
             </a:xfrm>
             <a:prstGeom prst="diagStripe">
               <a:avLst>
-                <a:gd fmla="val 50000" name="adj"/>
+                <a:gd name="adj" fmla="val 50000"/>
               </a:avLst>
             </a:prstGeom>
             <a:solidFill>
@@ -1647,12 +1793,12 @@
             </a:ln>
           </p:spPr>
           <p:txBody>
-            <a:bodyPr anchorCtr="0" anchor="ctr" bIns="91425" lIns="91425" spcFirstLastPara="1" rIns="91425" wrap="square" tIns="91425">
+            <a:bodyPr spcFirstLastPara="1" wrap="square" lIns="91425" tIns="91425" rIns="91425" bIns="91425" anchor="ctr" anchorCtr="0">
               <a:noAutofit/>
             </a:bodyPr>
             <a:lstStyle/>
             <a:p>
-              <a:pPr indent="0" lvl="0" marL="0" rtl="0" algn="l">
+              <a:pPr marL="0" lvl="0" indent="0" algn="l" rtl="0">
                 <a:spcBef>
                   <a:spcPts val="0"/>
                 </a:spcBef>
@@ -1661,9 +1807,6 @@
                 </a:spcAft>
                 <a:buNone/>
               </a:pPr>
-              <a:r>
-                <a:t/>
-              </a:r>
               <a:endParaRPr/>
             </a:p>
           </p:txBody>
@@ -1672,7 +1815,9 @@
       <p:sp>
         <p:nvSpPr>
           <p:cNvPr id="16" name="Google Shape;16;p2"/>
-          <p:cNvSpPr txBox="1"/>
+          <p:cNvSpPr txBox="1">
+            <a:spLocks noGrp="1"/>
+          </p:cNvSpPr>
           <p:nvPr>
             <p:ph type="ctrTitle"/>
           </p:nvPr>
@@ -1687,7 +1832,7 @@
           </a:prstGeom>
         </p:spPr>
         <p:txBody>
-          <a:bodyPr anchorCtr="0" anchor="t" bIns="91425" lIns="91425" spcFirstLastPara="1" rIns="91425" wrap="square" tIns="91425"/>
+          <a:bodyPr spcFirstLastPara="1" wrap="square" lIns="91425" tIns="91425" rIns="91425" bIns="91425" anchor="t" anchorCtr="0"/>
           <a:lstStyle>
             <a:lvl1pPr lvl="0">
               <a:spcBef>
@@ -1789,15 +1934,19 @@
               <a:defRPr sz="4000"/>
             </a:lvl9pPr>
           </a:lstStyle>
-          <a:p/>
+          <a:p>
+            <a:endParaRPr/>
+          </a:p>
         </p:txBody>
       </p:sp>
       <p:sp>
         <p:nvSpPr>
           <p:cNvPr id="17" name="Google Shape;17;p2"/>
-          <p:cNvSpPr txBox="1"/>
+          <p:cNvSpPr txBox="1">
+            <a:spLocks noGrp="1"/>
+          </p:cNvSpPr>
           <p:nvPr>
-            <p:ph idx="1" type="subTitle"/>
+            <p:ph type="subTitle" idx="1"/>
           </p:nvPr>
         </p:nvSpPr>
         <p:spPr>
@@ -1810,7 +1959,7 @@
           </a:prstGeom>
         </p:spPr>
         <p:txBody>
-          <a:bodyPr anchorCtr="0" anchor="t" bIns="91425" lIns="91425" spcFirstLastPara="1" rIns="91425" wrap="square" tIns="91425"/>
+          <a:bodyPr spcFirstLastPara="1" wrap="square" lIns="91425" tIns="91425" rIns="91425" bIns="91425" anchor="t" anchorCtr="0"/>
           <a:lstStyle>
             <a:lvl1pPr lvl="0">
               <a:lnSpc>
@@ -1939,15 +2088,19 @@
               <a:defRPr sz="1300"/>
             </a:lvl9pPr>
           </a:lstStyle>
-          <a:p/>
+          <a:p>
+            <a:endParaRPr/>
+          </a:p>
         </p:txBody>
       </p:sp>
       <p:sp>
         <p:nvSpPr>
           <p:cNvPr id="18" name="Google Shape;18;p2"/>
-          <p:cNvSpPr txBox="1"/>
+          <p:cNvSpPr txBox="1">
+            <a:spLocks noGrp="1"/>
+          </p:cNvSpPr>
           <p:nvPr>
-            <p:ph idx="12" type="sldNum"/>
+            <p:ph type="sldNum" idx="12"/>
           </p:nvPr>
         </p:nvSpPr>
         <p:spPr>
@@ -1960,7 +2113,7 @@
           </a:prstGeom>
         </p:spPr>
         <p:txBody>
-          <a:bodyPr anchorCtr="0" anchor="ctr" bIns="91425" lIns="91425" spcFirstLastPara="1" rIns="91425" wrap="square" tIns="91425">
+          <a:bodyPr spcFirstLastPara="1" wrap="square" lIns="91425" tIns="91425" rIns="91425" bIns="91425" anchor="ctr" anchorCtr="0">
             <a:noAutofit/>
           </a:bodyPr>
           <a:lstStyle>
@@ -2002,7 +2155,7 @@
             </a:lvl9pPr>
           </a:lstStyle>
           <a:p>
-            <a:pPr indent="0" lvl="0" marL="0" rtl="0" algn="r">
+            <a:pPr marL="0" lvl="0" indent="0" algn="r" rtl="0">
               <a:spcBef>
                 <a:spcPts val="0"/>
               </a:spcBef>
@@ -2028,11 +2181,11 @@
 </file>
 
 <file path=ppt/slideLayouts/slideLayout10.xml><?xml version="1.0" encoding="utf-8"?>
-<p:sldLayout xmlns:a="http://schemas.openxmlformats.org/drawingml/2006/main" xmlns:r="http://schemas.openxmlformats.org/officeDocument/2006/relationships" xmlns:mc="http://schemas.openxmlformats.org/markup-compatibility/2006" xmlns:mv="urn:schemas-microsoft-com:mac:vml" xmlns:p="http://schemas.openxmlformats.org/presentationml/2006/main" xmlns:c="http://schemas.openxmlformats.org/drawingml/2006/chart" xmlns:dgm="http://schemas.openxmlformats.org/drawingml/2006/diagram" xmlns:o="urn:schemas-microsoft-com:office:office" xmlns:v="urn:schemas-microsoft-com:vml" xmlns:pvml="urn:schemas-microsoft-com:office:powerpoint" xmlns:com="http://schemas.openxmlformats.org/drawingml/2006/compatibility" xmlns:p14="http://schemas.microsoft.com/office/powerpoint/2010/main" xmlns:p15="http://schemas.microsoft.com/office/powerpoint/2012/main" matchingName="Big number">
+<p:sldLayout xmlns:a="http://schemas.openxmlformats.org/drawingml/2006/main" xmlns:r="http://schemas.openxmlformats.org/officeDocument/2006/relationships" xmlns:p="http://schemas.openxmlformats.org/presentationml/2006/main" matchingName="Big number">
   <p:cSld name="BIG_NUMBER">
     <p:spTree>
       <p:nvGrpSpPr>
-        <p:cNvPr id="105" name="Shape 105"/>
+        <p:cNvPr id="1" name="Shape 105"/>
         <p:cNvGrpSpPr/>
         <p:nvPr/>
       </p:nvGrpSpPr>
@@ -2071,7 +2224,7 @@
             </a:xfrm>
             <a:prstGeom prst="diagStripe">
               <a:avLst>
-                <a:gd fmla="val 49469" name="adj"/>
+                <a:gd name="adj" fmla="val 49469"/>
               </a:avLst>
             </a:prstGeom>
             <a:solidFill>
@@ -2084,12 +2237,12 @@
             </a:ln>
           </p:spPr>
           <p:txBody>
-            <a:bodyPr anchorCtr="0" anchor="ctr" bIns="91425" lIns="91425" spcFirstLastPara="1" rIns="91425" wrap="square" tIns="91425">
+            <a:bodyPr spcFirstLastPara="1" wrap="square" lIns="91425" tIns="91425" rIns="91425" bIns="91425" anchor="ctr" anchorCtr="0">
               <a:noAutofit/>
             </a:bodyPr>
             <a:lstStyle/>
             <a:p>
-              <a:pPr indent="0" lvl="0" marL="0" rtl="0" algn="l">
+              <a:pPr marL="0" lvl="0" indent="0" algn="l" rtl="0">
                 <a:spcBef>
                   <a:spcPts val="0"/>
                 </a:spcBef>
@@ -2098,9 +2251,6 @@
                 </a:spcAft>
                 <a:buNone/>
               </a:pPr>
-              <a:r>
-                <a:t/>
-              </a:r>
               <a:endParaRPr/>
             </a:p>
           </p:txBody>
@@ -2118,7 +2268,7 @@
             </a:xfrm>
             <a:prstGeom prst="diagStripe">
               <a:avLst>
-                <a:gd fmla="val 0" name="adj"/>
+                <a:gd name="adj" fmla="val 0"/>
               </a:avLst>
             </a:prstGeom>
             <a:solidFill>
@@ -2131,12 +2281,12 @@
             </a:ln>
           </p:spPr>
           <p:txBody>
-            <a:bodyPr anchorCtr="0" anchor="ctr" bIns="91425" lIns="91425" spcFirstLastPara="1" rIns="91425" wrap="square" tIns="91425">
+            <a:bodyPr spcFirstLastPara="1" wrap="square" lIns="91425" tIns="91425" rIns="91425" bIns="91425" anchor="ctr" anchorCtr="0">
               <a:noAutofit/>
             </a:bodyPr>
             <a:lstStyle/>
             <a:p>
-              <a:pPr indent="0" lvl="0" marL="0" rtl="0" algn="l">
+              <a:pPr marL="0" lvl="0" indent="0" algn="l" rtl="0">
                 <a:spcBef>
                   <a:spcPts val="0"/>
                 </a:spcBef>
@@ -2145,9 +2295,6 @@
                 </a:spcAft>
                 <a:buNone/>
               </a:pPr>
-              <a:r>
-                <a:t/>
-              </a:r>
               <a:endParaRPr/>
             </a:p>
           </p:txBody>
@@ -2165,7 +2312,7 @@
             </a:xfrm>
             <a:prstGeom prst="diagStripe">
               <a:avLst>
-                <a:gd fmla="val 50000" name="adj"/>
+                <a:gd name="adj" fmla="val 50000"/>
               </a:avLst>
             </a:prstGeom>
             <a:solidFill>
@@ -2178,12 +2325,12 @@
             </a:ln>
           </p:spPr>
           <p:txBody>
-            <a:bodyPr anchorCtr="0" anchor="ctr" bIns="91425" lIns="91425" spcFirstLastPara="1" rIns="91425" wrap="square" tIns="91425">
+            <a:bodyPr spcFirstLastPara="1" wrap="square" lIns="91425" tIns="91425" rIns="91425" bIns="91425" anchor="ctr" anchorCtr="0">
               <a:noAutofit/>
             </a:bodyPr>
             <a:lstStyle/>
             <a:p>
-              <a:pPr indent="0" lvl="0" marL="0" rtl="0" algn="l">
+              <a:pPr marL="0" lvl="0" indent="0" algn="l" rtl="0">
                 <a:spcBef>
                   <a:spcPts val="0"/>
                 </a:spcBef>
@@ -2192,9 +2339,6 @@
                 </a:spcAft>
                 <a:buNone/>
               </a:pPr>
-              <a:r>
-                <a:t/>
-              </a:r>
               <a:endParaRPr/>
             </a:p>
           </p:txBody>
@@ -2212,7 +2356,7 @@
             </a:xfrm>
             <a:prstGeom prst="diagStripe">
               <a:avLst>
-                <a:gd fmla="val 50000" name="adj"/>
+                <a:gd name="adj" fmla="val 50000"/>
               </a:avLst>
             </a:prstGeom>
             <a:solidFill>
@@ -2225,12 +2369,12 @@
             </a:ln>
           </p:spPr>
           <p:txBody>
-            <a:bodyPr anchorCtr="0" anchor="ctr" bIns="91425" lIns="91425" spcFirstLastPara="1" rIns="91425" wrap="square" tIns="91425">
+            <a:bodyPr spcFirstLastPara="1" wrap="square" lIns="91425" tIns="91425" rIns="91425" bIns="91425" anchor="ctr" anchorCtr="0">
               <a:noAutofit/>
             </a:bodyPr>
             <a:lstStyle/>
             <a:p>
-              <a:pPr indent="0" lvl="0" marL="0" rtl="0" algn="l">
+              <a:pPr marL="0" lvl="0" indent="0" algn="l" rtl="0">
                 <a:spcBef>
                   <a:spcPts val="0"/>
                 </a:spcBef>
@@ -2239,9 +2383,6 @@
                 </a:spcAft>
                 <a:buNone/>
               </a:pPr>
-              <a:r>
-                <a:t/>
-              </a:r>
               <a:endParaRPr/>
             </a:p>
           </p:txBody>
@@ -2259,7 +2400,7 @@
             </a:xfrm>
             <a:prstGeom prst="diagStripe">
               <a:avLst>
-                <a:gd fmla="val 50000" name="adj"/>
+                <a:gd name="adj" fmla="val 50000"/>
               </a:avLst>
             </a:prstGeom>
             <a:solidFill>
@@ -2272,12 +2413,12 @@
             </a:ln>
           </p:spPr>
           <p:txBody>
-            <a:bodyPr anchorCtr="0" anchor="ctr" bIns="91425" lIns="91425" spcFirstLastPara="1" rIns="91425" wrap="square" tIns="91425">
+            <a:bodyPr spcFirstLastPara="1" wrap="square" lIns="91425" tIns="91425" rIns="91425" bIns="91425" anchor="ctr" anchorCtr="0">
               <a:noAutofit/>
             </a:bodyPr>
             <a:lstStyle/>
             <a:p>
-              <a:pPr indent="0" lvl="0" marL="0" rtl="0" algn="l">
+              <a:pPr marL="0" lvl="0" indent="0" algn="l" rtl="0">
                 <a:spcBef>
                   <a:spcPts val="0"/>
                 </a:spcBef>
@@ -2286,9 +2427,6 @@
                 </a:spcAft>
                 <a:buNone/>
               </a:pPr>
-              <a:r>
-                <a:t/>
-              </a:r>
               <a:endParaRPr/>
             </a:p>
           </p:txBody>
@@ -2306,7 +2444,7 @@
             </a:xfrm>
             <a:prstGeom prst="diagStripe">
               <a:avLst>
-                <a:gd fmla="val 50000" name="adj"/>
+                <a:gd name="adj" fmla="val 50000"/>
               </a:avLst>
             </a:prstGeom>
             <a:solidFill>
@@ -2319,12 +2457,12 @@
             </a:ln>
           </p:spPr>
           <p:txBody>
-            <a:bodyPr anchorCtr="0" anchor="ctr" bIns="91425" lIns="91425" spcFirstLastPara="1" rIns="91425" wrap="square" tIns="91425">
+            <a:bodyPr spcFirstLastPara="1" wrap="square" lIns="91425" tIns="91425" rIns="91425" bIns="91425" anchor="ctr" anchorCtr="0">
               <a:noAutofit/>
             </a:bodyPr>
             <a:lstStyle/>
             <a:p>
-              <a:pPr indent="0" lvl="0" marL="0" rtl="0" algn="l">
+              <a:pPr marL="0" lvl="0" indent="0" algn="l" rtl="0">
                 <a:spcBef>
                   <a:spcPts val="0"/>
                 </a:spcBef>
@@ -2333,9 +2471,6 @@
                 </a:spcAft>
                 <a:buNone/>
               </a:pPr>
-              <a:r>
-                <a:t/>
-              </a:r>
               <a:endParaRPr/>
             </a:p>
           </p:txBody>
@@ -2353,7 +2488,7 @@
             </a:xfrm>
             <a:prstGeom prst="diagStripe">
               <a:avLst>
-                <a:gd fmla="val 50000" name="adj"/>
+                <a:gd name="adj" fmla="val 50000"/>
               </a:avLst>
             </a:prstGeom>
             <a:solidFill>
@@ -2366,12 +2501,12 @@
             </a:ln>
           </p:spPr>
           <p:txBody>
-            <a:bodyPr anchorCtr="0" anchor="ctr" bIns="91425" lIns="91425" spcFirstLastPara="1" rIns="91425" wrap="square" tIns="91425">
+            <a:bodyPr spcFirstLastPara="1" wrap="square" lIns="91425" tIns="91425" rIns="91425" bIns="91425" anchor="ctr" anchorCtr="0">
               <a:noAutofit/>
             </a:bodyPr>
             <a:lstStyle/>
             <a:p>
-              <a:pPr indent="0" lvl="0" marL="0" rtl="0" algn="l">
+              <a:pPr marL="0" lvl="0" indent="0" algn="l" rtl="0">
                 <a:spcBef>
                   <a:spcPts val="0"/>
                 </a:spcBef>
@@ -2380,9 +2515,6 @@
                 </a:spcAft>
                 <a:buNone/>
               </a:pPr>
-              <a:r>
-                <a:t/>
-              </a:r>
               <a:endParaRPr/>
             </a:p>
           </p:txBody>
@@ -2400,7 +2532,7 @@
             </a:xfrm>
             <a:prstGeom prst="diagStripe">
               <a:avLst>
-                <a:gd fmla="val 50000" name="adj"/>
+                <a:gd name="adj" fmla="val 50000"/>
               </a:avLst>
             </a:prstGeom>
             <a:solidFill>
@@ -2411,12 +2543,12 @@
             </a:ln>
           </p:spPr>
           <p:txBody>
-            <a:bodyPr anchorCtr="0" anchor="ctr" bIns="91425" lIns="91425" spcFirstLastPara="1" rIns="91425" wrap="square" tIns="91425">
+            <a:bodyPr spcFirstLastPara="1" wrap="square" lIns="91425" tIns="91425" rIns="91425" bIns="91425" anchor="ctr" anchorCtr="0">
               <a:noAutofit/>
             </a:bodyPr>
             <a:lstStyle/>
             <a:p>
-              <a:pPr indent="0" lvl="0" marL="0" rtl="0" algn="l">
+              <a:pPr marL="0" lvl="0" indent="0" algn="l" rtl="0">
                 <a:spcBef>
                   <a:spcPts val="0"/>
                 </a:spcBef>
@@ -2425,9 +2557,6 @@
                 </a:spcAft>
                 <a:buNone/>
               </a:pPr>
-              <a:r>
-                <a:t/>
-              </a:r>
               <a:endParaRPr/>
             </a:p>
           </p:txBody>
@@ -2445,7 +2574,7 @@
             </a:xfrm>
             <a:prstGeom prst="diagStripe">
               <a:avLst>
-                <a:gd fmla="val 50000" name="adj"/>
+                <a:gd name="adj" fmla="val 50000"/>
               </a:avLst>
             </a:prstGeom>
             <a:solidFill>
@@ -2458,12 +2587,12 @@
             </a:ln>
           </p:spPr>
           <p:txBody>
-            <a:bodyPr anchorCtr="0" anchor="ctr" bIns="91425" lIns="91425" spcFirstLastPara="1" rIns="91425" wrap="square" tIns="91425">
+            <a:bodyPr spcFirstLastPara="1" wrap="square" lIns="91425" tIns="91425" rIns="91425" bIns="91425" anchor="ctr" anchorCtr="0">
               <a:noAutofit/>
             </a:bodyPr>
             <a:lstStyle/>
             <a:p>
-              <a:pPr indent="0" lvl="0" marL="0" rtl="0" algn="l">
+              <a:pPr marL="0" lvl="0" indent="0" algn="l" rtl="0">
                 <a:spcBef>
                   <a:spcPts val="0"/>
                 </a:spcBef>
@@ -2472,9 +2601,6 @@
                 </a:spcAft>
                 <a:buNone/>
               </a:pPr>
-              <a:r>
-                <a:t/>
-              </a:r>
               <a:endParaRPr/>
             </a:p>
           </p:txBody>
@@ -2492,7 +2618,7 @@
             </a:xfrm>
             <a:prstGeom prst="diagStripe">
               <a:avLst>
-                <a:gd fmla="val 50000" name="adj"/>
+                <a:gd name="adj" fmla="val 50000"/>
               </a:avLst>
             </a:prstGeom>
             <a:solidFill>
@@ -2505,12 +2631,12 @@
             </a:ln>
           </p:spPr>
           <p:txBody>
-            <a:bodyPr anchorCtr="0" anchor="ctr" bIns="91425" lIns="91425" spcFirstLastPara="1" rIns="91425" wrap="square" tIns="91425">
+            <a:bodyPr spcFirstLastPara="1" wrap="square" lIns="91425" tIns="91425" rIns="91425" bIns="91425" anchor="ctr" anchorCtr="0">
               <a:noAutofit/>
             </a:bodyPr>
             <a:lstStyle/>
             <a:p>
-              <a:pPr indent="0" lvl="0" marL="0" rtl="0" algn="l">
+              <a:pPr marL="0" lvl="0" indent="0" algn="l" rtl="0">
                 <a:spcBef>
                   <a:spcPts val="0"/>
                 </a:spcBef>
@@ -2519,9 +2645,6 @@
                 </a:spcAft>
                 <a:buNone/>
               </a:pPr>
-              <a:r>
-                <a:t/>
-              </a:r>
               <a:endParaRPr/>
             </a:p>
           </p:txBody>
@@ -2539,7 +2662,7 @@
             </a:xfrm>
             <a:prstGeom prst="diagStripe">
               <a:avLst>
-                <a:gd fmla="val 50000" name="adj"/>
+                <a:gd name="adj" fmla="val 50000"/>
               </a:avLst>
             </a:prstGeom>
             <a:solidFill>
@@ -2552,12 +2675,12 @@
             </a:ln>
           </p:spPr>
           <p:txBody>
-            <a:bodyPr anchorCtr="0" anchor="ctr" bIns="91425" lIns="91425" spcFirstLastPara="1" rIns="91425" wrap="square" tIns="91425">
+            <a:bodyPr spcFirstLastPara="1" wrap="square" lIns="91425" tIns="91425" rIns="91425" bIns="91425" anchor="ctr" anchorCtr="0">
               <a:noAutofit/>
             </a:bodyPr>
             <a:lstStyle/>
             <a:p>
-              <a:pPr indent="0" lvl="0" marL="0" rtl="0" algn="l">
+              <a:pPr marL="0" lvl="0" indent="0" algn="l" rtl="0">
                 <a:spcBef>
                   <a:spcPts val="0"/>
                 </a:spcBef>
@@ -2566,9 +2689,6 @@
                 </a:spcAft>
                 <a:buNone/>
               </a:pPr>
-              <a:r>
-                <a:t/>
-              </a:r>
               <a:endParaRPr/>
             </a:p>
           </p:txBody>
@@ -2586,7 +2706,7 @@
             </a:xfrm>
             <a:prstGeom prst="diagStripe">
               <a:avLst>
-                <a:gd fmla="val 50000" name="adj"/>
+                <a:gd name="adj" fmla="val 50000"/>
               </a:avLst>
             </a:prstGeom>
             <a:solidFill>
@@ -2599,12 +2719,12 @@
             </a:ln>
           </p:spPr>
           <p:txBody>
-            <a:bodyPr anchorCtr="0" anchor="ctr" bIns="91425" lIns="91425" spcFirstLastPara="1" rIns="91425" wrap="square" tIns="91425">
+            <a:bodyPr spcFirstLastPara="1" wrap="square" lIns="91425" tIns="91425" rIns="91425" bIns="91425" anchor="ctr" anchorCtr="0">
               <a:noAutofit/>
             </a:bodyPr>
             <a:lstStyle/>
             <a:p>
-              <a:pPr indent="0" lvl="0" marL="0" rtl="0" algn="l">
+              <a:pPr marL="0" lvl="0" indent="0" algn="l" rtl="0">
                 <a:spcBef>
                   <a:spcPts val="0"/>
                 </a:spcBef>
@@ -2613,9 +2733,6 @@
                 </a:spcAft>
                 <a:buNone/>
               </a:pPr>
-              <a:r>
-                <a:t/>
-              </a:r>
               <a:endParaRPr/>
             </a:p>
           </p:txBody>
@@ -2633,7 +2750,7 @@
             </a:xfrm>
             <a:prstGeom prst="diagStripe">
               <a:avLst>
-                <a:gd fmla="val 50000" name="adj"/>
+                <a:gd name="adj" fmla="val 50000"/>
               </a:avLst>
             </a:prstGeom>
             <a:solidFill>
@@ -2646,12 +2763,12 @@
             </a:ln>
           </p:spPr>
           <p:txBody>
-            <a:bodyPr anchorCtr="0" anchor="ctr" bIns="91425" lIns="91425" spcFirstLastPara="1" rIns="91425" wrap="square" tIns="91425">
+            <a:bodyPr spcFirstLastPara="1" wrap="square" lIns="91425" tIns="91425" rIns="91425" bIns="91425" anchor="ctr" anchorCtr="0">
               <a:noAutofit/>
             </a:bodyPr>
             <a:lstStyle/>
             <a:p>
-              <a:pPr indent="0" lvl="0" marL="0" rtl="0" algn="l">
+              <a:pPr marL="0" lvl="0" indent="0" algn="l" rtl="0">
                 <a:spcBef>
                   <a:spcPts val="0"/>
                 </a:spcBef>
@@ -2660,9 +2777,6 @@
                 </a:spcAft>
                 <a:buNone/>
               </a:pPr>
-              <a:r>
-                <a:t/>
-              </a:r>
               <a:endParaRPr/>
             </a:p>
           </p:txBody>
@@ -2680,7 +2794,7 @@
             </a:xfrm>
             <a:prstGeom prst="diagStripe">
               <a:avLst>
-                <a:gd fmla="val 50000" name="adj"/>
+                <a:gd name="adj" fmla="val 50000"/>
               </a:avLst>
             </a:prstGeom>
             <a:solidFill>
@@ -2691,12 +2805,12 @@
             </a:ln>
           </p:spPr>
           <p:txBody>
-            <a:bodyPr anchorCtr="0" anchor="ctr" bIns="91425" lIns="91425" spcFirstLastPara="1" rIns="91425" wrap="square" tIns="91425">
+            <a:bodyPr spcFirstLastPara="1" wrap="square" lIns="91425" tIns="91425" rIns="91425" bIns="91425" anchor="ctr" anchorCtr="0">
               <a:noAutofit/>
             </a:bodyPr>
             <a:lstStyle/>
             <a:p>
-              <a:pPr indent="0" lvl="0" marL="0" rtl="0" algn="l">
+              <a:pPr marL="0" lvl="0" indent="0" algn="l" rtl="0">
                 <a:spcBef>
                   <a:spcPts val="0"/>
                 </a:spcBef>
@@ -2705,9 +2819,6 @@
                 </a:spcAft>
                 <a:buNone/>
               </a:pPr>
-              <a:r>
-                <a:t/>
-              </a:r>
               <a:endParaRPr/>
             </a:p>
           </p:txBody>
@@ -2725,7 +2836,7 @@
             </a:xfrm>
             <a:prstGeom prst="diagStripe">
               <a:avLst>
-                <a:gd fmla="val 50000" name="adj"/>
+                <a:gd name="adj" fmla="val 50000"/>
               </a:avLst>
             </a:prstGeom>
             <a:solidFill>
@@ -2738,12 +2849,12 @@
             </a:ln>
           </p:spPr>
           <p:txBody>
-            <a:bodyPr anchorCtr="0" anchor="ctr" bIns="91425" lIns="91425" spcFirstLastPara="1" rIns="91425" wrap="square" tIns="91425">
+            <a:bodyPr spcFirstLastPara="1" wrap="square" lIns="91425" tIns="91425" rIns="91425" bIns="91425" anchor="ctr" anchorCtr="0">
               <a:noAutofit/>
             </a:bodyPr>
             <a:lstStyle/>
             <a:p>
-              <a:pPr indent="0" lvl="0" marL="0" rtl="0" algn="l">
+              <a:pPr marL="0" lvl="0" indent="0" algn="l" rtl="0">
                 <a:spcBef>
                   <a:spcPts val="0"/>
                 </a:spcBef>
@@ -2752,9 +2863,6 @@
                 </a:spcAft>
                 <a:buNone/>
               </a:pPr>
-              <a:r>
-                <a:t/>
-              </a:r>
               <a:endParaRPr/>
             </a:p>
           </p:txBody>
@@ -2772,7 +2880,7 @@
             </a:xfrm>
             <a:prstGeom prst="diagStripe">
               <a:avLst>
-                <a:gd fmla="val 50000" name="adj"/>
+                <a:gd name="adj" fmla="val 50000"/>
               </a:avLst>
             </a:prstGeom>
             <a:solidFill>
@@ -2785,12 +2893,12 @@
             </a:ln>
           </p:spPr>
           <p:txBody>
-            <a:bodyPr anchorCtr="0" anchor="ctr" bIns="91425" lIns="91425" spcFirstLastPara="1" rIns="91425" wrap="square" tIns="91425">
+            <a:bodyPr spcFirstLastPara="1" wrap="square" lIns="91425" tIns="91425" rIns="91425" bIns="91425" anchor="ctr" anchorCtr="0">
               <a:noAutofit/>
             </a:bodyPr>
             <a:lstStyle/>
             <a:p>
-              <a:pPr indent="0" lvl="0" marL="0" rtl="0" algn="l">
+              <a:pPr marL="0" lvl="0" indent="0" algn="l" rtl="0">
                 <a:spcBef>
                   <a:spcPts val="0"/>
                 </a:spcBef>
@@ -2799,9 +2907,6 @@
                 </a:spcAft>
                 <a:buNone/>
               </a:pPr>
-              <a:r>
-                <a:t/>
-              </a:r>
               <a:endParaRPr/>
             </a:p>
           </p:txBody>
@@ -2819,7 +2924,7 @@
             </a:xfrm>
             <a:prstGeom prst="diagStripe">
               <a:avLst>
-                <a:gd fmla="val 50000" name="adj"/>
+                <a:gd name="adj" fmla="val 50000"/>
               </a:avLst>
             </a:prstGeom>
             <a:solidFill>
@@ -2832,12 +2937,12 @@
             </a:ln>
           </p:spPr>
           <p:txBody>
-            <a:bodyPr anchorCtr="0" anchor="ctr" bIns="91425" lIns="91425" spcFirstLastPara="1" rIns="91425" wrap="square" tIns="91425">
+            <a:bodyPr spcFirstLastPara="1" wrap="square" lIns="91425" tIns="91425" rIns="91425" bIns="91425" anchor="ctr" anchorCtr="0">
               <a:noAutofit/>
             </a:bodyPr>
             <a:lstStyle/>
             <a:p>
-              <a:pPr indent="0" lvl="0" marL="0" rtl="0" algn="l">
+              <a:pPr marL="0" lvl="0" indent="0" algn="l" rtl="0">
                 <a:spcBef>
                   <a:spcPts val="0"/>
                 </a:spcBef>
@@ -2846,9 +2951,6 @@
                 </a:spcAft>
                 <a:buNone/>
               </a:pPr>
-              <a:r>
-                <a:t/>
-              </a:r>
               <a:endParaRPr/>
             </a:p>
           </p:txBody>
@@ -2866,7 +2968,7 @@
             </a:xfrm>
             <a:prstGeom prst="diagStripe">
               <a:avLst>
-                <a:gd fmla="val 50000" name="adj"/>
+                <a:gd name="adj" fmla="val 50000"/>
               </a:avLst>
             </a:prstGeom>
             <a:solidFill>
@@ -2879,12 +2981,12 @@
             </a:ln>
           </p:spPr>
           <p:txBody>
-            <a:bodyPr anchorCtr="0" anchor="ctr" bIns="91425" lIns="91425" spcFirstLastPara="1" rIns="91425" wrap="square" tIns="91425">
+            <a:bodyPr spcFirstLastPara="1" wrap="square" lIns="91425" tIns="91425" rIns="91425" bIns="91425" anchor="ctr" anchorCtr="0">
               <a:noAutofit/>
             </a:bodyPr>
             <a:lstStyle/>
             <a:p>
-              <a:pPr indent="0" lvl="0" marL="0" rtl="0" algn="l">
+              <a:pPr marL="0" lvl="0" indent="0" algn="l" rtl="0">
                 <a:spcBef>
                   <a:spcPts val="0"/>
                 </a:spcBef>
@@ -2893,9 +2995,6 @@
                 </a:spcAft>
                 <a:buNone/>
               </a:pPr>
-              <a:r>
-                <a:t/>
-              </a:r>
               <a:endParaRPr/>
             </a:p>
           </p:txBody>
@@ -2904,9 +3003,11 @@
       <p:sp>
         <p:nvSpPr>
           <p:cNvPr id="125" name="Google Shape;125;p11"/>
-          <p:cNvSpPr txBox="1"/>
+          <p:cNvSpPr txBox="1">
+            <a:spLocks noGrp="1"/>
+          </p:cNvSpPr>
           <p:nvPr>
-            <p:ph hasCustomPrompt="1" type="title"/>
+            <p:ph type="title" hasCustomPrompt="1"/>
           </p:nvPr>
         </p:nvSpPr>
         <p:spPr>
@@ -2919,7 +3020,7 @@
           </a:prstGeom>
         </p:spPr>
         <p:txBody>
-          <a:bodyPr anchorCtr="0" anchor="t" bIns="91425" lIns="91425" spcFirstLastPara="1" rIns="91425" wrap="square" tIns="91425"/>
+          <a:bodyPr spcFirstLastPara="1" wrap="square" lIns="91425" tIns="91425" rIns="91425" bIns="91425" anchor="t" anchorCtr="0"/>
           <a:lstStyle>
             <a:lvl1pPr lvl="0">
               <a:spcBef>
@@ -3031,9 +3132,11 @@
       <p:sp>
         <p:nvSpPr>
           <p:cNvPr id="126" name="Google Shape;126;p11"/>
-          <p:cNvSpPr txBox="1"/>
+          <p:cNvSpPr txBox="1">
+            <a:spLocks noGrp="1"/>
+          </p:cNvSpPr>
           <p:nvPr>
-            <p:ph idx="1" type="body"/>
+            <p:ph type="body" idx="1"/>
           </p:nvPr>
         </p:nvSpPr>
         <p:spPr>
@@ -3046,9 +3149,9 @@
           </a:prstGeom>
         </p:spPr>
         <p:txBody>
-          <a:bodyPr anchorCtr="0" anchor="t" bIns="91425" lIns="91425" spcFirstLastPara="1" rIns="91425" wrap="square" tIns="91425"/>
+          <a:bodyPr spcFirstLastPara="1" wrap="square" lIns="91425" tIns="91425" rIns="91425" bIns="91425" anchor="t" anchorCtr="0"/>
           <a:lstStyle>
-            <a:lvl1pPr indent="-311150" lvl="0" marL="457200">
+            <a:lvl1pPr marL="457200" lvl="0" indent="-311150">
               <a:spcBef>
                 <a:spcPts val="0"/>
               </a:spcBef>
@@ -3059,7 +3162,7 @@
               <a:buChar char="●"/>
               <a:defRPr/>
             </a:lvl1pPr>
-            <a:lvl2pPr indent="-298450" lvl="1" marL="914400">
+            <a:lvl2pPr marL="914400" lvl="1" indent="-298450">
               <a:spcBef>
                 <a:spcPts val="1600"/>
               </a:spcBef>
@@ -3070,7 +3173,7 @@
               <a:buChar char="○"/>
               <a:defRPr/>
             </a:lvl2pPr>
-            <a:lvl3pPr indent="-298450" lvl="2" marL="1371600">
+            <a:lvl3pPr marL="1371600" lvl="2" indent="-298450">
               <a:spcBef>
                 <a:spcPts val="1600"/>
               </a:spcBef>
@@ -3081,7 +3184,7 @@
               <a:buChar char="■"/>
               <a:defRPr/>
             </a:lvl3pPr>
-            <a:lvl4pPr indent="-298450" lvl="3" marL="1828800">
+            <a:lvl4pPr marL="1828800" lvl="3" indent="-298450">
               <a:spcBef>
                 <a:spcPts val="1600"/>
               </a:spcBef>
@@ -3092,7 +3195,7 @@
               <a:buChar char="●"/>
               <a:defRPr/>
             </a:lvl4pPr>
-            <a:lvl5pPr indent="-298450" lvl="4" marL="2286000">
+            <a:lvl5pPr marL="2286000" lvl="4" indent="-298450">
               <a:spcBef>
                 <a:spcPts val="1600"/>
               </a:spcBef>
@@ -3103,7 +3206,7 @@
               <a:buChar char="○"/>
               <a:defRPr/>
             </a:lvl5pPr>
-            <a:lvl6pPr indent="-298450" lvl="5" marL="2743200">
+            <a:lvl6pPr marL="2743200" lvl="5" indent="-298450">
               <a:spcBef>
                 <a:spcPts val="1600"/>
               </a:spcBef>
@@ -3114,7 +3217,7 @@
               <a:buChar char="■"/>
               <a:defRPr/>
             </a:lvl6pPr>
-            <a:lvl7pPr indent="-298450" lvl="6" marL="3200400">
+            <a:lvl7pPr marL="3200400" lvl="6" indent="-298450">
               <a:spcBef>
                 <a:spcPts val="1600"/>
               </a:spcBef>
@@ -3125,7 +3228,7 @@
               <a:buChar char="●"/>
               <a:defRPr/>
             </a:lvl7pPr>
-            <a:lvl8pPr indent="-298450" lvl="7" marL="3657600">
+            <a:lvl8pPr marL="3657600" lvl="7" indent="-298450">
               <a:spcBef>
                 <a:spcPts val="1600"/>
               </a:spcBef>
@@ -3136,7 +3239,7 @@
               <a:buChar char="○"/>
               <a:defRPr/>
             </a:lvl8pPr>
-            <a:lvl9pPr indent="-298450" lvl="8" marL="4114800">
+            <a:lvl9pPr marL="4114800" lvl="8" indent="-298450">
               <a:spcBef>
                 <a:spcPts val="1600"/>
               </a:spcBef>
@@ -3148,15 +3251,19 @@
               <a:defRPr/>
             </a:lvl9pPr>
           </a:lstStyle>
-          <a:p/>
+          <a:p>
+            <a:endParaRPr/>
+          </a:p>
         </p:txBody>
       </p:sp>
       <p:sp>
         <p:nvSpPr>
           <p:cNvPr id="127" name="Google Shape;127;p11"/>
-          <p:cNvSpPr txBox="1"/>
+          <p:cNvSpPr txBox="1">
+            <a:spLocks noGrp="1"/>
+          </p:cNvSpPr>
           <p:nvPr>
-            <p:ph idx="12" type="sldNum"/>
+            <p:ph type="sldNum" idx="12"/>
           </p:nvPr>
         </p:nvSpPr>
         <p:spPr>
@@ -3169,7 +3276,7 @@
           </a:prstGeom>
         </p:spPr>
         <p:txBody>
-          <a:bodyPr anchorCtr="0" anchor="ctr" bIns="91425" lIns="91425" spcFirstLastPara="1" rIns="91425" wrap="square" tIns="91425">
+          <a:bodyPr spcFirstLastPara="1" wrap="square" lIns="91425" tIns="91425" rIns="91425" bIns="91425" anchor="ctr" anchorCtr="0">
             <a:noAutofit/>
           </a:bodyPr>
           <a:lstStyle>
@@ -3211,7 +3318,7 @@
             </a:lvl9pPr>
           </a:lstStyle>
           <a:p>
-            <a:pPr indent="0" lvl="0" marL="0" rtl="0" algn="r">
+            <a:pPr marL="0" lvl="0" indent="0" algn="r" rtl="0">
               <a:spcBef>
                 <a:spcPts val="0"/>
               </a:spcBef>
@@ -3237,11 +3344,11 @@
 </file>
 
 <file path=ppt/slideLayouts/slideLayout11.xml><?xml version="1.0" encoding="utf-8"?>
-<p:sldLayout xmlns:a="http://schemas.openxmlformats.org/drawingml/2006/main" xmlns:r="http://schemas.openxmlformats.org/officeDocument/2006/relationships" xmlns:mc="http://schemas.openxmlformats.org/markup-compatibility/2006" xmlns:mv="urn:schemas-microsoft-com:mac:vml" xmlns:p="http://schemas.openxmlformats.org/presentationml/2006/main" xmlns:c="http://schemas.openxmlformats.org/drawingml/2006/chart" xmlns:dgm="http://schemas.openxmlformats.org/drawingml/2006/diagram" xmlns:o="urn:schemas-microsoft-com:office:office" xmlns:v="urn:schemas-microsoft-com:vml" xmlns:pvml="urn:schemas-microsoft-com:office:powerpoint" xmlns:com="http://schemas.openxmlformats.org/drawingml/2006/compatibility" xmlns:p14="http://schemas.microsoft.com/office/powerpoint/2010/main" xmlns:p15="http://schemas.microsoft.com/office/powerpoint/2012/main" matchingName="Blank" type="blank">
+<p:sldLayout xmlns:a="http://schemas.openxmlformats.org/drawingml/2006/main" xmlns:r="http://schemas.openxmlformats.org/officeDocument/2006/relationships" xmlns:p="http://schemas.openxmlformats.org/presentationml/2006/main" matchingName="Blank" type="blank">
   <p:cSld name="BLANK">
     <p:spTree>
       <p:nvGrpSpPr>
-        <p:cNvPr id="128" name="Shape 128"/>
+        <p:cNvPr id="1" name="Shape 128"/>
         <p:cNvGrpSpPr/>
         <p:nvPr/>
       </p:nvGrpSpPr>
@@ -3256,9 +3363,11 @@
       <p:sp>
         <p:nvSpPr>
           <p:cNvPr id="129" name="Google Shape;129;p12"/>
-          <p:cNvSpPr txBox="1"/>
+          <p:cNvSpPr txBox="1">
+            <a:spLocks noGrp="1"/>
+          </p:cNvSpPr>
           <p:nvPr>
-            <p:ph idx="12" type="sldNum"/>
+            <p:ph type="sldNum" idx="12"/>
           </p:nvPr>
         </p:nvSpPr>
         <p:spPr>
@@ -3271,7 +3380,7 @@
           </a:prstGeom>
         </p:spPr>
         <p:txBody>
-          <a:bodyPr anchorCtr="0" anchor="ctr" bIns="91425" lIns="91425" spcFirstLastPara="1" rIns="91425" wrap="square" tIns="91425">
+          <a:bodyPr spcFirstLastPara="1" wrap="square" lIns="91425" tIns="91425" rIns="91425" bIns="91425" anchor="ctr" anchorCtr="0">
             <a:noAutofit/>
           </a:bodyPr>
           <a:lstStyle>
@@ -3313,7 +3422,7 @@
             </a:lvl9pPr>
           </a:lstStyle>
           <a:p>
-            <a:pPr indent="0" lvl="0" marL="0" rtl="0" algn="r">
+            <a:pPr marL="0" lvl="0" indent="0" algn="r" rtl="0">
               <a:spcBef>
                 <a:spcPts val="0"/>
               </a:spcBef>
@@ -3339,11 +3448,11 @@
 </file>
 
 <file path=ppt/slideLayouts/slideLayout2.xml><?xml version="1.0" encoding="utf-8"?>
-<p:sldLayout xmlns:a="http://schemas.openxmlformats.org/drawingml/2006/main" xmlns:r="http://schemas.openxmlformats.org/officeDocument/2006/relationships" xmlns:mc="http://schemas.openxmlformats.org/markup-compatibility/2006" xmlns:mv="urn:schemas-microsoft-com:mac:vml" xmlns:p="http://schemas.openxmlformats.org/presentationml/2006/main" xmlns:c="http://schemas.openxmlformats.org/drawingml/2006/chart" xmlns:dgm="http://schemas.openxmlformats.org/drawingml/2006/diagram" xmlns:o="urn:schemas-microsoft-com:office:office" xmlns:v="urn:schemas-microsoft-com:vml" xmlns:pvml="urn:schemas-microsoft-com:office:powerpoint" xmlns:com="http://schemas.openxmlformats.org/drawingml/2006/compatibility" xmlns:p14="http://schemas.microsoft.com/office/powerpoint/2010/main" xmlns:p15="http://schemas.microsoft.com/office/powerpoint/2012/main" matchingName="Section header" type="secHead">
+<p:sldLayout xmlns:a="http://schemas.openxmlformats.org/drawingml/2006/main" xmlns:r="http://schemas.openxmlformats.org/officeDocument/2006/relationships" xmlns:p="http://schemas.openxmlformats.org/presentationml/2006/main" matchingName="Section header" type="secHead">
   <p:cSld name="SECTION_HEADER">
     <p:spTree>
       <p:nvGrpSpPr>
-        <p:cNvPr id="19" name="Shape 19"/>
+        <p:cNvPr id="1" name="Shape 19"/>
         <p:cNvGrpSpPr/>
         <p:nvPr/>
       </p:nvGrpSpPr>
@@ -3382,7 +3491,7 @@
             </a:xfrm>
             <a:prstGeom prst="diagStripe">
               <a:avLst>
-                <a:gd fmla="val 49469" name="adj"/>
+                <a:gd name="adj" fmla="val 49469"/>
               </a:avLst>
             </a:prstGeom>
             <a:solidFill>
@@ -3395,12 +3504,12 @@
             </a:ln>
           </p:spPr>
           <p:txBody>
-            <a:bodyPr anchorCtr="0" anchor="ctr" bIns="91425" lIns="91425" spcFirstLastPara="1" rIns="91425" wrap="square" tIns="91425">
+            <a:bodyPr spcFirstLastPara="1" wrap="square" lIns="91425" tIns="91425" rIns="91425" bIns="91425" anchor="ctr" anchorCtr="0">
               <a:noAutofit/>
             </a:bodyPr>
             <a:lstStyle/>
             <a:p>
-              <a:pPr indent="0" lvl="0" marL="0" rtl="0" algn="l">
+              <a:pPr marL="0" lvl="0" indent="0" algn="l" rtl="0">
                 <a:spcBef>
                   <a:spcPts val="0"/>
                 </a:spcBef>
@@ -3409,9 +3518,6 @@
                 </a:spcAft>
                 <a:buNone/>
               </a:pPr>
-              <a:r>
-                <a:t/>
-              </a:r>
               <a:endParaRPr/>
             </a:p>
           </p:txBody>
@@ -3429,7 +3535,7 @@
             </a:xfrm>
             <a:prstGeom prst="diagStripe">
               <a:avLst>
-                <a:gd fmla="val 0" name="adj"/>
+                <a:gd name="adj" fmla="val 0"/>
               </a:avLst>
             </a:prstGeom>
             <a:solidFill>
@@ -3442,12 +3548,12 @@
             </a:ln>
           </p:spPr>
           <p:txBody>
-            <a:bodyPr anchorCtr="0" anchor="ctr" bIns="91425" lIns="91425" spcFirstLastPara="1" rIns="91425" wrap="square" tIns="91425">
+            <a:bodyPr spcFirstLastPara="1" wrap="square" lIns="91425" tIns="91425" rIns="91425" bIns="91425" anchor="ctr" anchorCtr="0">
               <a:noAutofit/>
             </a:bodyPr>
             <a:lstStyle/>
             <a:p>
-              <a:pPr indent="0" lvl="0" marL="0" rtl="0" algn="l">
+              <a:pPr marL="0" lvl="0" indent="0" algn="l" rtl="0">
                 <a:spcBef>
                   <a:spcPts val="0"/>
                 </a:spcBef>
@@ -3456,9 +3562,6 @@
                 </a:spcAft>
                 <a:buNone/>
               </a:pPr>
-              <a:r>
-                <a:t/>
-              </a:r>
               <a:endParaRPr/>
             </a:p>
           </p:txBody>
@@ -3476,7 +3579,7 @@
             </a:xfrm>
             <a:prstGeom prst="diagStripe">
               <a:avLst>
-                <a:gd fmla="val 50000" name="adj"/>
+                <a:gd name="adj" fmla="val 50000"/>
               </a:avLst>
             </a:prstGeom>
             <a:solidFill>
@@ -3489,12 +3592,12 @@
             </a:ln>
           </p:spPr>
           <p:txBody>
-            <a:bodyPr anchorCtr="0" anchor="ctr" bIns="91425" lIns="91425" spcFirstLastPara="1" rIns="91425" wrap="square" tIns="91425">
+            <a:bodyPr spcFirstLastPara="1" wrap="square" lIns="91425" tIns="91425" rIns="91425" bIns="91425" anchor="ctr" anchorCtr="0">
               <a:noAutofit/>
             </a:bodyPr>
             <a:lstStyle/>
             <a:p>
-              <a:pPr indent="0" lvl="0" marL="0" rtl="0" algn="l">
+              <a:pPr marL="0" lvl="0" indent="0" algn="l" rtl="0">
                 <a:spcBef>
                   <a:spcPts val="0"/>
                 </a:spcBef>
@@ -3503,9 +3606,6 @@
                 </a:spcAft>
                 <a:buNone/>
               </a:pPr>
-              <a:r>
-                <a:t/>
-              </a:r>
               <a:endParaRPr/>
             </a:p>
           </p:txBody>
@@ -3523,7 +3623,7 @@
             </a:xfrm>
             <a:prstGeom prst="diagStripe">
               <a:avLst>
-                <a:gd fmla="val 50000" name="adj"/>
+                <a:gd name="adj" fmla="val 50000"/>
               </a:avLst>
             </a:prstGeom>
             <a:solidFill>
@@ -3536,12 +3636,12 @@
             </a:ln>
           </p:spPr>
           <p:txBody>
-            <a:bodyPr anchorCtr="0" anchor="ctr" bIns="91425" lIns="91425" spcFirstLastPara="1" rIns="91425" wrap="square" tIns="91425">
+            <a:bodyPr spcFirstLastPara="1" wrap="square" lIns="91425" tIns="91425" rIns="91425" bIns="91425" anchor="ctr" anchorCtr="0">
               <a:noAutofit/>
             </a:bodyPr>
             <a:lstStyle/>
             <a:p>
-              <a:pPr indent="0" lvl="0" marL="0" rtl="0" algn="l">
+              <a:pPr marL="0" lvl="0" indent="0" algn="l" rtl="0">
                 <a:spcBef>
                   <a:spcPts val="0"/>
                 </a:spcBef>
@@ -3550,9 +3650,6 @@
                 </a:spcAft>
                 <a:buNone/>
               </a:pPr>
-              <a:r>
-                <a:t/>
-              </a:r>
               <a:endParaRPr/>
             </a:p>
           </p:txBody>
@@ -3570,7 +3667,7 @@
             </a:xfrm>
             <a:prstGeom prst="diagStripe">
               <a:avLst>
-                <a:gd fmla="val 50000" name="adj"/>
+                <a:gd name="adj" fmla="val 50000"/>
               </a:avLst>
             </a:prstGeom>
             <a:solidFill>
@@ -3583,12 +3680,12 @@
             </a:ln>
           </p:spPr>
           <p:txBody>
-            <a:bodyPr anchorCtr="0" anchor="ctr" bIns="91425" lIns="91425" spcFirstLastPara="1" rIns="91425" wrap="square" tIns="91425">
+            <a:bodyPr spcFirstLastPara="1" wrap="square" lIns="91425" tIns="91425" rIns="91425" bIns="91425" anchor="ctr" anchorCtr="0">
               <a:noAutofit/>
             </a:bodyPr>
             <a:lstStyle/>
             <a:p>
-              <a:pPr indent="0" lvl="0" marL="0" rtl="0" algn="l">
+              <a:pPr marL="0" lvl="0" indent="0" algn="l" rtl="0">
                 <a:spcBef>
                   <a:spcPts val="0"/>
                 </a:spcBef>
@@ -3597,9 +3694,6 @@
                 </a:spcAft>
                 <a:buNone/>
               </a:pPr>
-              <a:r>
-                <a:t/>
-              </a:r>
               <a:endParaRPr/>
             </a:p>
           </p:txBody>
@@ -3617,7 +3711,7 @@
             </a:xfrm>
             <a:prstGeom prst="diagStripe">
               <a:avLst>
-                <a:gd fmla="val 50000" name="adj"/>
+                <a:gd name="adj" fmla="val 50000"/>
               </a:avLst>
             </a:prstGeom>
             <a:solidFill>
@@ -3630,12 +3724,12 @@
             </a:ln>
           </p:spPr>
           <p:txBody>
-            <a:bodyPr anchorCtr="0" anchor="ctr" bIns="91425" lIns="91425" spcFirstLastPara="1" rIns="91425" wrap="square" tIns="91425">
+            <a:bodyPr spcFirstLastPara="1" wrap="square" lIns="91425" tIns="91425" rIns="91425" bIns="91425" anchor="ctr" anchorCtr="0">
               <a:noAutofit/>
             </a:bodyPr>
             <a:lstStyle/>
             <a:p>
-              <a:pPr indent="0" lvl="0" marL="0" rtl="0" algn="l">
+              <a:pPr marL="0" lvl="0" indent="0" algn="l" rtl="0">
                 <a:spcBef>
                   <a:spcPts val="0"/>
                 </a:spcBef>
@@ -3644,9 +3738,6 @@
                 </a:spcAft>
                 <a:buNone/>
               </a:pPr>
-              <a:r>
-                <a:t/>
-              </a:r>
               <a:endParaRPr/>
             </a:p>
           </p:txBody>
@@ -3664,7 +3755,7 @@
             </a:xfrm>
             <a:prstGeom prst="diagStripe">
               <a:avLst>
-                <a:gd fmla="val 50000" name="adj"/>
+                <a:gd name="adj" fmla="val 50000"/>
               </a:avLst>
             </a:prstGeom>
             <a:solidFill>
@@ -3677,12 +3768,12 @@
             </a:ln>
           </p:spPr>
           <p:txBody>
-            <a:bodyPr anchorCtr="0" anchor="ctr" bIns="91425" lIns="91425" spcFirstLastPara="1" rIns="91425" wrap="square" tIns="91425">
+            <a:bodyPr spcFirstLastPara="1" wrap="square" lIns="91425" tIns="91425" rIns="91425" bIns="91425" anchor="ctr" anchorCtr="0">
               <a:noAutofit/>
             </a:bodyPr>
             <a:lstStyle/>
             <a:p>
-              <a:pPr indent="0" lvl="0" marL="0" rtl="0" algn="l">
+              <a:pPr marL="0" lvl="0" indent="0" algn="l" rtl="0">
                 <a:spcBef>
                   <a:spcPts val="0"/>
                 </a:spcBef>
@@ -3691,9 +3782,6 @@
                 </a:spcAft>
                 <a:buNone/>
               </a:pPr>
-              <a:r>
-                <a:t/>
-              </a:r>
               <a:endParaRPr/>
             </a:p>
           </p:txBody>
@@ -3711,7 +3799,7 @@
             </a:xfrm>
             <a:prstGeom prst="diagStripe">
               <a:avLst>
-                <a:gd fmla="val 50000" name="adj"/>
+                <a:gd name="adj" fmla="val 50000"/>
               </a:avLst>
             </a:prstGeom>
             <a:solidFill>
@@ -3722,12 +3810,12 @@
             </a:ln>
           </p:spPr>
           <p:txBody>
-            <a:bodyPr anchorCtr="0" anchor="ctr" bIns="91425" lIns="91425" spcFirstLastPara="1" rIns="91425" wrap="square" tIns="91425">
+            <a:bodyPr spcFirstLastPara="1" wrap="square" lIns="91425" tIns="91425" rIns="91425" bIns="91425" anchor="ctr" anchorCtr="0">
               <a:noAutofit/>
             </a:bodyPr>
             <a:lstStyle/>
             <a:p>
-              <a:pPr indent="0" lvl="0" marL="0" rtl="0" algn="l">
+              <a:pPr marL="0" lvl="0" indent="0" algn="l" rtl="0">
                 <a:spcBef>
                   <a:spcPts val="0"/>
                 </a:spcBef>
@@ -3736,9 +3824,6 @@
                 </a:spcAft>
                 <a:buNone/>
               </a:pPr>
-              <a:r>
-                <a:t/>
-              </a:r>
               <a:endParaRPr/>
             </a:p>
           </p:txBody>
@@ -3756,7 +3841,7 @@
             </a:xfrm>
             <a:prstGeom prst="diagStripe">
               <a:avLst>
-                <a:gd fmla="val 50000" name="adj"/>
+                <a:gd name="adj" fmla="val 50000"/>
               </a:avLst>
             </a:prstGeom>
             <a:solidFill>
@@ -3769,12 +3854,12 @@
             </a:ln>
           </p:spPr>
           <p:txBody>
-            <a:bodyPr anchorCtr="0" anchor="ctr" bIns="91425" lIns="91425" spcFirstLastPara="1" rIns="91425" wrap="square" tIns="91425">
+            <a:bodyPr spcFirstLastPara="1" wrap="square" lIns="91425" tIns="91425" rIns="91425" bIns="91425" anchor="ctr" anchorCtr="0">
               <a:noAutofit/>
             </a:bodyPr>
             <a:lstStyle/>
             <a:p>
-              <a:pPr indent="0" lvl="0" marL="0" rtl="0" algn="l">
+              <a:pPr marL="0" lvl="0" indent="0" algn="l" rtl="0">
                 <a:spcBef>
                   <a:spcPts val="0"/>
                 </a:spcBef>
@@ -3783,9 +3868,6 @@
                 </a:spcAft>
                 <a:buNone/>
               </a:pPr>
-              <a:r>
-                <a:t/>
-              </a:r>
               <a:endParaRPr/>
             </a:p>
           </p:txBody>
@@ -3803,7 +3885,7 @@
             </a:xfrm>
             <a:prstGeom prst="diagStripe">
               <a:avLst>
-                <a:gd fmla="val 50000" name="adj"/>
+                <a:gd name="adj" fmla="val 50000"/>
               </a:avLst>
             </a:prstGeom>
             <a:solidFill>
@@ -3816,12 +3898,12 @@
             </a:ln>
           </p:spPr>
           <p:txBody>
-            <a:bodyPr anchorCtr="0" anchor="ctr" bIns="91425" lIns="91425" spcFirstLastPara="1" rIns="91425" wrap="square" tIns="91425">
+            <a:bodyPr spcFirstLastPara="1" wrap="square" lIns="91425" tIns="91425" rIns="91425" bIns="91425" anchor="ctr" anchorCtr="0">
               <a:noAutofit/>
             </a:bodyPr>
             <a:lstStyle/>
             <a:p>
-              <a:pPr indent="0" lvl="0" marL="0" rtl="0" algn="l">
+              <a:pPr marL="0" lvl="0" indent="0" algn="l" rtl="0">
                 <a:spcBef>
                   <a:spcPts val="0"/>
                 </a:spcBef>
@@ -3830,9 +3912,6 @@
                 </a:spcAft>
                 <a:buNone/>
               </a:pPr>
-              <a:r>
-                <a:t/>
-              </a:r>
               <a:endParaRPr/>
             </a:p>
           </p:txBody>
@@ -3850,7 +3929,7 @@
             </a:xfrm>
             <a:prstGeom prst="diagStripe">
               <a:avLst>
-                <a:gd fmla="val 50000" name="adj"/>
+                <a:gd name="adj" fmla="val 50000"/>
               </a:avLst>
             </a:prstGeom>
             <a:solidFill>
@@ -3863,12 +3942,12 @@
             </a:ln>
           </p:spPr>
           <p:txBody>
-            <a:bodyPr anchorCtr="0" anchor="ctr" bIns="91425" lIns="91425" spcFirstLastPara="1" rIns="91425" wrap="square" tIns="91425">
+            <a:bodyPr spcFirstLastPara="1" wrap="square" lIns="91425" tIns="91425" rIns="91425" bIns="91425" anchor="ctr" anchorCtr="0">
               <a:noAutofit/>
             </a:bodyPr>
             <a:lstStyle/>
             <a:p>
-              <a:pPr indent="0" lvl="0" marL="0" rtl="0" algn="l">
+              <a:pPr marL="0" lvl="0" indent="0" algn="l" rtl="0">
                 <a:spcBef>
                   <a:spcPts val="0"/>
                 </a:spcBef>
@@ -3877,9 +3956,6 @@
                 </a:spcAft>
                 <a:buNone/>
               </a:pPr>
-              <a:r>
-                <a:t/>
-              </a:r>
               <a:endParaRPr/>
             </a:p>
           </p:txBody>
@@ -3897,7 +3973,7 @@
             </a:xfrm>
             <a:prstGeom prst="diagStripe">
               <a:avLst>
-                <a:gd fmla="val 50000" name="adj"/>
+                <a:gd name="adj" fmla="val 50000"/>
               </a:avLst>
             </a:prstGeom>
             <a:solidFill>
@@ -3910,12 +3986,12 @@
             </a:ln>
           </p:spPr>
           <p:txBody>
-            <a:bodyPr anchorCtr="0" anchor="ctr" bIns="91425" lIns="91425" spcFirstLastPara="1" rIns="91425" wrap="square" tIns="91425">
+            <a:bodyPr spcFirstLastPara="1" wrap="square" lIns="91425" tIns="91425" rIns="91425" bIns="91425" anchor="ctr" anchorCtr="0">
               <a:noAutofit/>
             </a:bodyPr>
             <a:lstStyle/>
             <a:p>
-              <a:pPr indent="0" lvl="0" marL="0" rtl="0" algn="l">
+              <a:pPr marL="0" lvl="0" indent="0" algn="l" rtl="0">
                 <a:spcBef>
                   <a:spcPts val="0"/>
                 </a:spcBef>
@@ -3924,9 +4000,6 @@
                 </a:spcAft>
                 <a:buNone/>
               </a:pPr>
-              <a:r>
-                <a:t/>
-              </a:r>
               <a:endParaRPr/>
             </a:p>
           </p:txBody>
@@ -3944,7 +4017,7 @@
             </a:xfrm>
             <a:prstGeom prst="diagStripe">
               <a:avLst>
-                <a:gd fmla="val 50000" name="adj"/>
+                <a:gd name="adj" fmla="val 50000"/>
               </a:avLst>
             </a:prstGeom>
             <a:solidFill>
@@ -3957,12 +4030,12 @@
             </a:ln>
           </p:spPr>
           <p:txBody>
-            <a:bodyPr anchorCtr="0" anchor="ctr" bIns="91425" lIns="91425" spcFirstLastPara="1" rIns="91425" wrap="square" tIns="91425">
+            <a:bodyPr spcFirstLastPara="1" wrap="square" lIns="91425" tIns="91425" rIns="91425" bIns="91425" anchor="ctr" anchorCtr="0">
               <a:noAutofit/>
             </a:bodyPr>
             <a:lstStyle/>
             <a:p>
-              <a:pPr indent="0" lvl="0" marL="0" rtl="0" algn="l">
+              <a:pPr marL="0" lvl="0" indent="0" algn="l" rtl="0">
                 <a:spcBef>
                   <a:spcPts val="0"/>
                 </a:spcBef>
@@ -3971,9 +4044,6 @@
                 </a:spcAft>
                 <a:buNone/>
               </a:pPr>
-              <a:r>
-                <a:t/>
-              </a:r>
               <a:endParaRPr/>
             </a:p>
           </p:txBody>
@@ -3991,7 +4061,7 @@
             </a:xfrm>
             <a:prstGeom prst="diagStripe">
               <a:avLst>
-                <a:gd fmla="val 50000" name="adj"/>
+                <a:gd name="adj" fmla="val 50000"/>
               </a:avLst>
             </a:prstGeom>
             <a:solidFill>
@@ -4002,12 +4072,12 @@
             </a:ln>
           </p:spPr>
           <p:txBody>
-            <a:bodyPr anchorCtr="0" anchor="ctr" bIns="91425" lIns="91425" spcFirstLastPara="1" rIns="91425" wrap="square" tIns="91425">
+            <a:bodyPr spcFirstLastPara="1" wrap="square" lIns="91425" tIns="91425" rIns="91425" bIns="91425" anchor="ctr" anchorCtr="0">
               <a:noAutofit/>
             </a:bodyPr>
             <a:lstStyle/>
             <a:p>
-              <a:pPr indent="0" lvl="0" marL="0" rtl="0" algn="l">
+              <a:pPr marL="0" lvl="0" indent="0" algn="l" rtl="0">
                 <a:spcBef>
                   <a:spcPts val="0"/>
                 </a:spcBef>
@@ -4016,9 +4086,6 @@
                 </a:spcAft>
                 <a:buNone/>
               </a:pPr>
-              <a:r>
-                <a:t/>
-              </a:r>
               <a:endParaRPr/>
             </a:p>
           </p:txBody>
@@ -4036,7 +4103,7 @@
             </a:xfrm>
             <a:prstGeom prst="diagStripe">
               <a:avLst>
-                <a:gd fmla="val 50000" name="adj"/>
+                <a:gd name="adj" fmla="val 50000"/>
               </a:avLst>
             </a:prstGeom>
             <a:solidFill>
@@ -4049,12 +4116,12 @@
             </a:ln>
           </p:spPr>
           <p:txBody>
-            <a:bodyPr anchorCtr="0" anchor="ctr" bIns="91425" lIns="91425" spcFirstLastPara="1" rIns="91425" wrap="square" tIns="91425">
+            <a:bodyPr spcFirstLastPara="1" wrap="square" lIns="91425" tIns="91425" rIns="91425" bIns="91425" anchor="ctr" anchorCtr="0">
               <a:noAutofit/>
             </a:bodyPr>
             <a:lstStyle/>
             <a:p>
-              <a:pPr indent="0" lvl="0" marL="0" rtl="0" algn="l">
+              <a:pPr marL="0" lvl="0" indent="0" algn="l" rtl="0">
                 <a:spcBef>
                   <a:spcPts val="0"/>
                 </a:spcBef>
@@ -4063,9 +4130,6 @@
                 </a:spcAft>
                 <a:buNone/>
               </a:pPr>
-              <a:r>
-                <a:t/>
-              </a:r>
               <a:endParaRPr/>
             </a:p>
           </p:txBody>
@@ -4083,7 +4147,7 @@
             </a:xfrm>
             <a:prstGeom prst="diagStripe">
               <a:avLst>
-                <a:gd fmla="val 50000" name="adj"/>
+                <a:gd name="adj" fmla="val 50000"/>
               </a:avLst>
             </a:prstGeom>
             <a:solidFill>
@@ -4096,12 +4160,12 @@
             </a:ln>
           </p:spPr>
           <p:txBody>
-            <a:bodyPr anchorCtr="0" anchor="ctr" bIns="91425" lIns="91425" spcFirstLastPara="1" rIns="91425" wrap="square" tIns="91425">
+            <a:bodyPr spcFirstLastPara="1" wrap="square" lIns="91425" tIns="91425" rIns="91425" bIns="91425" anchor="ctr" anchorCtr="0">
               <a:noAutofit/>
             </a:bodyPr>
             <a:lstStyle/>
             <a:p>
-              <a:pPr indent="0" lvl="0" marL="0" rtl="0" algn="l">
+              <a:pPr marL="0" lvl="0" indent="0" algn="l" rtl="0">
                 <a:spcBef>
                   <a:spcPts val="0"/>
                 </a:spcBef>
@@ -4110,9 +4174,6 @@
                 </a:spcAft>
                 <a:buNone/>
               </a:pPr>
-              <a:r>
-                <a:t/>
-              </a:r>
               <a:endParaRPr/>
             </a:p>
           </p:txBody>
@@ -4130,7 +4191,7 @@
             </a:xfrm>
             <a:prstGeom prst="diagStripe">
               <a:avLst>
-                <a:gd fmla="val 50000" name="adj"/>
+                <a:gd name="adj" fmla="val 50000"/>
               </a:avLst>
             </a:prstGeom>
             <a:solidFill>
@@ -4143,12 +4204,12 @@
             </a:ln>
           </p:spPr>
           <p:txBody>
-            <a:bodyPr anchorCtr="0" anchor="ctr" bIns="91425" lIns="91425" spcFirstLastPara="1" rIns="91425" wrap="square" tIns="91425">
+            <a:bodyPr spcFirstLastPara="1" wrap="square" lIns="91425" tIns="91425" rIns="91425" bIns="91425" anchor="ctr" anchorCtr="0">
               <a:noAutofit/>
             </a:bodyPr>
             <a:lstStyle/>
             <a:p>
-              <a:pPr indent="0" lvl="0" marL="0" rtl="0" algn="l">
+              <a:pPr marL="0" lvl="0" indent="0" algn="l" rtl="0">
                 <a:spcBef>
                   <a:spcPts val="0"/>
                 </a:spcBef>
@@ -4157,9 +4218,6 @@
                 </a:spcAft>
                 <a:buNone/>
               </a:pPr>
-              <a:r>
-                <a:t/>
-              </a:r>
               <a:endParaRPr/>
             </a:p>
           </p:txBody>
@@ -4177,7 +4235,7 @@
             </a:xfrm>
             <a:prstGeom prst="diagStripe">
               <a:avLst>
-                <a:gd fmla="val 50000" name="adj"/>
+                <a:gd name="adj" fmla="val 50000"/>
               </a:avLst>
             </a:prstGeom>
             <a:solidFill>
@@ -4190,12 +4248,12 @@
             </a:ln>
           </p:spPr>
           <p:txBody>
-            <a:bodyPr anchorCtr="0" anchor="ctr" bIns="91425" lIns="91425" spcFirstLastPara="1" rIns="91425" wrap="square" tIns="91425">
+            <a:bodyPr spcFirstLastPara="1" wrap="square" lIns="91425" tIns="91425" rIns="91425" bIns="91425" anchor="ctr" anchorCtr="0">
               <a:noAutofit/>
             </a:bodyPr>
             <a:lstStyle/>
             <a:p>
-              <a:pPr indent="0" lvl="0" marL="0" rtl="0" algn="l">
+              <a:pPr marL="0" lvl="0" indent="0" algn="l" rtl="0">
                 <a:spcBef>
                   <a:spcPts val="0"/>
                 </a:spcBef>
@@ -4204,9 +4262,6 @@
                 </a:spcAft>
                 <a:buNone/>
               </a:pPr>
-              <a:r>
-                <a:t/>
-              </a:r>
               <a:endParaRPr/>
             </a:p>
           </p:txBody>
@@ -4215,7 +4270,9 @@
       <p:sp>
         <p:nvSpPr>
           <p:cNvPr id="39" name="Google Shape;39;p3"/>
-          <p:cNvSpPr txBox="1"/>
+          <p:cNvSpPr txBox="1">
+            <a:spLocks noGrp="1"/>
+          </p:cNvSpPr>
           <p:nvPr>
             <p:ph type="title"/>
           </p:nvPr>
@@ -4230,7 +4287,7 @@
           </a:prstGeom>
         </p:spPr>
         <p:txBody>
-          <a:bodyPr anchorCtr="0" anchor="ctr" bIns="91425" lIns="91425" spcFirstLastPara="1" rIns="91425" wrap="square" tIns="91425"/>
+          <a:bodyPr spcFirstLastPara="1" wrap="square" lIns="91425" tIns="91425" rIns="91425" bIns="91425" anchor="ctr" anchorCtr="0"/>
           <a:lstStyle>
             <a:lvl1pPr lvl="0">
               <a:spcBef>
@@ -4332,15 +4389,19 @@
               <a:defRPr/>
             </a:lvl9pPr>
           </a:lstStyle>
-          <a:p/>
+          <a:p>
+            <a:endParaRPr/>
+          </a:p>
         </p:txBody>
       </p:sp>
       <p:sp>
         <p:nvSpPr>
           <p:cNvPr id="40" name="Google Shape;40;p3"/>
-          <p:cNvSpPr txBox="1"/>
+          <p:cNvSpPr txBox="1">
+            <a:spLocks noGrp="1"/>
+          </p:cNvSpPr>
           <p:nvPr>
-            <p:ph idx="12" type="sldNum"/>
+            <p:ph type="sldNum" idx="12"/>
           </p:nvPr>
         </p:nvSpPr>
         <p:spPr>
@@ -4353,7 +4414,7 @@
           </a:prstGeom>
         </p:spPr>
         <p:txBody>
-          <a:bodyPr anchorCtr="0" anchor="ctr" bIns="91425" lIns="91425" spcFirstLastPara="1" rIns="91425" wrap="square" tIns="91425">
+          <a:bodyPr spcFirstLastPara="1" wrap="square" lIns="91425" tIns="91425" rIns="91425" bIns="91425" anchor="ctr" anchorCtr="0">
             <a:noAutofit/>
           </a:bodyPr>
           <a:lstStyle>
@@ -4395,7 +4456,7 @@
             </a:lvl9pPr>
           </a:lstStyle>
           <a:p>
-            <a:pPr indent="0" lvl="0" marL="0" rtl="0" algn="r">
+            <a:pPr marL="0" lvl="0" indent="0" algn="r" rtl="0">
               <a:spcBef>
                 <a:spcPts val="0"/>
               </a:spcBef>
@@ -4421,11 +4482,11 @@
 </file>
 
 <file path=ppt/slideLayouts/slideLayout3.xml><?xml version="1.0" encoding="utf-8"?>
-<p:sldLayout xmlns:a="http://schemas.openxmlformats.org/drawingml/2006/main" xmlns:r="http://schemas.openxmlformats.org/officeDocument/2006/relationships" xmlns:mc="http://schemas.openxmlformats.org/markup-compatibility/2006" xmlns:mv="urn:schemas-microsoft-com:mac:vml" xmlns:p="http://schemas.openxmlformats.org/presentationml/2006/main" xmlns:c="http://schemas.openxmlformats.org/drawingml/2006/chart" xmlns:dgm="http://schemas.openxmlformats.org/drawingml/2006/diagram" xmlns:o="urn:schemas-microsoft-com:office:office" xmlns:v="urn:schemas-microsoft-com:vml" xmlns:pvml="urn:schemas-microsoft-com:office:powerpoint" xmlns:com="http://schemas.openxmlformats.org/drawingml/2006/compatibility" xmlns:p14="http://schemas.microsoft.com/office/powerpoint/2010/main" xmlns:p15="http://schemas.microsoft.com/office/powerpoint/2012/main" matchingName="Title and body" type="tx">
+<p:sldLayout xmlns:a="http://schemas.openxmlformats.org/drawingml/2006/main" xmlns:r="http://schemas.openxmlformats.org/officeDocument/2006/relationships" xmlns:p="http://schemas.openxmlformats.org/presentationml/2006/main" matchingName="Title and body" type="tx">
   <p:cSld name="TITLE_AND_BODY">
     <p:spTree>
       <p:nvGrpSpPr>
-        <p:cNvPr id="41" name="Shape 41"/>
+        <p:cNvPr id="1" name="Shape 41"/>
         <p:cNvGrpSpPr/>
         <p:nvPr/>
       </p:nvGrpSpPr>
@@ -4464,7 +4525,7 @@
             </a:xfrm>
             <a:prstGeom prst="diagStripe">
               <a:avLst>
-                <a:gd fmla="val 50000" name="adj"/>
+                <a:gd name="adj" fmla="val 50000"/>
               </a:avLst>
             </a:prstGeom>
             <a:solidFill>
@@ -4475,12 +4536,12 @@
             </a:ln>
           </p:spPr>
           <p:txBody>
-            <a:bodyPr anchorCtr="0" anchor="ctr" bIns="91425" lIns="91425" spcFirstLastPara="1" rIns="91425" wrap="square" tIns="91425">
+            <a:bodyPr spcFirstLastPara="1" wrap="square" lIns="91425" tIns="91425" rIns="91425" bIns="91425" anchor="ctr" anchorCtr="0">
               <a:noAutofit/>
             </a:bodyPr>
             <a:lstStyle/>
             <a:p>
-              <a:pPr indent="0" lvl="0" marL="0" rtl="0" algn="l">
+              <a:pPr marL="0" lvl="0" indent="0" algn="l" rtl="0">
                 <a:spcBef>
                   <a:spcPts val="0"/>
                 </a:spcBef>
@@ -4489,9 +4550,6 @@
                 </a:spcAft>
                 <a:buNone/>
               </a:pPr>
-              <a:r>
-                <a:t/>
-              </a:r>
               <a:endParaRPr/>
             </a:p>
           </p:txBody>
@@ -4509,7 +4567,7 @@
             </a:xfrm>
             <a:prstGeom prst="diagStripe">
               <a:avLst>
-                <a:gd fmla="val 50000" name="adj"/>
+                <a:gd name="adj" fmla="val 50000"/>
               </a:avLst>
             </a:prstGeom>
             <a:solidFill>
@@ -4520,12 +4578,12 @@
             </a:ln>
           </p:spPr>
           <p:txBody>
-            <a:bodyPr anchorCtr="0" anchor="ctr" bIns="91425" lIns="91425" spcFirstLastPara="1" rIns="91425" wrap="square" tIns="91425">
+            <a:bodyPr spcFirstLastPara="1" wrap="square" lIns="91425" tIns="91425" rIns="91425" bIns="91425" anchor="ctr" anchorCtr="0">
               <a:noAutofit/>
             </a:bodyPr>
             <a:lstStyle/>
             <a:p>
-              <a:pPr indent="0" lvl="0" marL="0" rtl="0" algn="l">
+              <a:pPr marL="0" lvl="0" indent="0" algn="l" rtl="0">
                 <a:spcBef>
                   <a:spcPts val="0"/>
                 </a:spcBef>
@@ -4534,9 +4592,6 @@
                 </a:spcAft>
                 <a:buNone/>
               </a:pPr>
-              <a:r>
-                <a:t/>
-              </a:r>
               <a:endParaRPr/>
             </a:p>
           </p:txBody>
@@ -4545,7 +4600,9 @@
       <p:sp>
         <p:nvSpPr>
           <p:cNvPr id="45" name="Google Shape;45;p4"/>
-          <p:cNvSpPr txBox="1"/>
+          <p:cNvSpPr txBox="1">
+            <a:spLocks noGrp="1"/>
+          </p:cNvSpPr>
           <p:nvPr>
             <p:ph type="title"/>
           </p:nvPr>
@@ -4560,7 +4617,7 @@
           </a:prstGeom>
         </p:spPr>
         <p:txBody>
-          <a:bodyPr anchorCtr="0" anchor="t" bIns="91425" lIns="91425" spcFirstLastPara="1" rIns="91425" wrap="square" tIns="91425"/>
+          <a:bodyPr spcFirstLastPara="1" wrap="square" lIns="91425" tIns="91425" rIns="91425" bIns="91425" anchor="t" anchorCtr="0"/>
           <a:lstStyle>
             <a:lvl1pPr lvl="0">
               <a:spcBef>
@@ -4662,15 +4719,19 @@
               <a:defRPr sz="2400"/>
             </a:lvl9pPr>
           </a:lstStyle>
-          <a:p/>
+          <a:p>
+            <a:endParaRPr/>
+          </a:p>
         </p:txBody>
       </p:sp>
       <p:sp>
         <p:nvSpPr>
           <p:cNvPr id="46" name="Google Shape;46;p4"/>
-          <p:cNvSpPr txBox="1"/>
+          <p:cNvSpPr txBox="1">
+            <a:spLocks noGrp="1"/>
+          </p:cNvSpPr>
           <p:nvPr>
-            <p:ph idx="1" type="body"/>
+            <p:ph type="body" idx="1"/>
           </p:nvPr>
         </p:nvSpPr>
         <p:spPr>
@@ -4683,9 +4744,9 @@
           </a:prstGeom>
         </p:spPr>
         <p:txBody>
-          <a:bodyPr anchorCtr="0" anchor="t" bIns="91425" lIns="91425" spcFirstLastPara="1" rIns="91425" wrap="square" tIns="91425"/>
+          <a:bodyPr spcFirstLastPara="1" wrap="square" lIns="91425" tIns="91425" rIns="91425" bIns="91425" anchor="t" anchorCtr="0"/>
           <a:lstStyle>
-            <a:lvl1pPr indent="-311150" lvl="0" marL="457200">
+            <a:lvl1pPr marL="457200" lvl="0" indent="-311150">
               <a:spcBef>
                 <a:spcPts val="0"/>
               </a:spcBef>
@@ -4696,7 +4757,7 @@
               <a:buChar char="●"/>
               <a:defRPr/>
             </a:lvl1pPr>
-            <a:lvl2pPr indent="-298450" lvl="1" marL="914400">
+            <a:lvl2pPr marL="914400" lvl="1" indent="-298450">
               <a:spcBef>
                 <a:spcPts val="1600"/>
               </a:spcBef>
@@ -4707,7 +4768,7 @@
               <a:buChar char="○"/>
               <a:defRPr/>
             </a:lvl2pPr>
-            <a:lvl3pPr indent="-298450" lvl="2" marL="1371600">
+            <a:lvl3pPr marL="1371600" lvl="2" indent="-298450">
               <a:spcBef>
                 <a:spcPts val="1600"/>
               </a:spcBef>
@@ -4718,7 +4779,7 @@
               <a:buChar char="■"/>
               <a:defRPr/>
             </a:lvl3pPr>
-            <a:lvl4pPr indent="-298450" lvl="3" marL="1828800">
+            <a:lvl4pPr marL="1828800" lvl="3" indent="-298450">
               <a:spcBef>
                 <a:spcPts val="1600"/>
               </a:spcBef>
@@ -4729,7 +4790,7 @@
               <a:buChar char="●"/>
               <a:defRPr/>
             </a:lvl4pPr>
-            <a:lvl5pPr indent="-298450" lvl="4" marL="2286000">
+            <a:lvl5pPr marL="2286000" lvl="4" indent="-298450">
               <a:spcBef>
                 <a:spcPts val="1600"/>
               </a:spcBef>
@@ -4740,7 +4801,7 @@
               <a:buChar char="○"/>
               <a:defRPr/>
             </a:lvl5pPr>
-            <a:lvl6pPr indent="-298450" lvl="5" marL="2743200">
+            <a:lvl6pPr marL="2743200" lvl="5" indent="-298450">
               <a:spcBef>
                 <a:spcPts val="1600"/>
               </a:spcBef>
@@ -4751,7 +4812,7 @@
               <a:buChar char="■"/>
               <a:defRPr/>
             </a:lvl6pPr>
-            <a:lvl7pPr indent="-298450" lvl="6" marL="3200400">
+            <a:lvl7pPr marL="3200400" lvl="6" indent="-298450">
               <a:spcBef>
                 <a:spcPts val="1600"/>
               </a:spcBef>
@@ -4762,7 +4823,7 @@
               <a:buChar char="●"/>
               <a:defRPr/>
             </a:lvl7pPr>
-            <a:lvl8pPr indent="-298450" lvl="7" marL="3657600">
+            <a:lvl8pPr marL="3657600" lvl="7" indent="-298450">
               <a:spcBef>
                 <a:spcPts val="1600"/>
               </a:spcBef>
@@ -4773,7 +4834,7 @@
               <a:buChar char="○"/>
               <a:defRPr/>
             </a:lvl8pPr>
-            <a:lvl9pPr indent="-298450" lvl="8" marL="4114800">
+            <a:lvl9pPr marL="4114800" lvl="8" indent="-298450">
               <a:spcBef>
                 <a:spcPts val="1600"/>
               </a:spcBef>
@@ -4785,15 +4846,19 @@
               <a:defRPr/>
             </a:lvl9pPr>
           </a:lstStyle>
-          <a:p/>
+          <a:p>
+            <a:endParaRPr/>
+          </a:p>
         </p:txBody>
       </p:sp>
       <p:sp>
         <p:nvSpPr>
           <p:cNvPr id="47" name="Google Shape;47;p4"/>
-          <p:cNvSpPr txBox="1"/>
+          <p:cNvSpPr txBox="1">
+            <a:spLocks noGrp="1"/>
+          </p:cNvSpPr>
           <p:nvPr>
-            <p:ph idx="12" type="sldNum"/>
+            <p:ph type="sldNum" idx="12"/>
           </p:nvPr>
         </p:nvSpPr>
         <p:spPr>
@@ -4806,7 +4871,7 @@
           </a:prstGeom>
         </p:spPr>
         <p:txBody>
-          <a:bodyPr anchorCtr="0" anchor="ctr" bIns="91425" lIns="91425" spcFirstLastPara="1" rIns="91425" wrap="square" tIns="91425">
+          <a:bodyPr spcFirstLastPara="1" wrap="square" lIns="91425" tIns="91425" rIns="91425" bIns="91425" anchor="ctr" anchorCtr="0">
             <a:noAutofit/>
           </a:bodyPr>
           <a:lstStyle>
@@ -4848,7 +4913,7 @@
             </a:lvl9pPr>
           </a:lstStyle>
           <a:p>
-            <a:pPr indent="0" lvl="0" marL="0" rtl="0" algn="r">
+            <a:pPr marL="0" lvl="0" indent="0" algn="r" rtl="0">
               <a:spcBef>
                 <a:spcPts val="0"/>
               </a:spcBef>
@@ -4874,11 +4939,11 @@
 </file>
 
 <file path=ppt/slideLayouts/slideLayout4.xml><?xml version="1.0" encoding="utf-8"?>
-<p:sldLayout xmlns:a="http://schemas.openxmlformats.org/drawingml/2006/main" xmlns:r="http://schemas.openxmlformats.org/officeDocument/2006/relationships" xmlns:mc="http://schemas.openxmlformats.org/markup-compatibility/2006" xmlns:mv="urn:schemas-microsoft-com:mac:vml" xmlns:p="http://schemas.openxmlformats.org/presentationml/2006/main" xmlns:c="http://schemas.openxmlformats.org/drawingml/2006/chart" xmlns:dgm="http://schemas.openxmlformats.org/drawingml/2006/diagram" xmlns:o="urn:schemas-microsoft-com:office:office" xmlns:v="urn:schemas-microsoft-com:vml" xmlns:pvml="urn:schemas-microsoft-com:office:powerpoint" xmlns:com="http://schemas.openxmlformats.org/drawingml/2006/compatibility" xmlns:p14="http://schemas.microsoft.com/office/powerpoint/2010/main" xmlns:p15="http://schemas.microsoft.com/office/powerpoint/2012/main" matchingName="Title and two columns" type="twoColTx">
+<p:sldLayout xmlns:a="http://schemas.openxmlformats.org/drawingml/2006/main" xmlns:r="http://schemas.openxmlformats.org/officeDocument/2006/relationships" xmlns:p="http://schemas.openxmlformats.org/presentationml/2006/main" matchingName="Title and two columns" type="twoColTx">
   <p:cSld name="TITLE_AND_TWO_COLUMNS">
     <p:spTree>
       <p:nvGrpSpPr>
-        <p:cNvPr id="48" name="Shape 48"/>
+        <p:cNvPr id="1" name="Shape 48"/>
         <p:cNvGrpSpPr/>
         <p:nvPr/>
       </p:nvGrpSpPr>
@@ -4917,7 +4982,7 @@
             </a:xfrm>
             <a:prstGeom prst="diagStripe">
               <a:avLst>
-                <a:gd fmla="val 50000" name="adj"/>
+                <a:gd name="adj" fmla="val 50000"/>
               </a:avLst>
             </a:prstGeom>
             <a:solidFill>
@@ -4928,12 +4993,12 @@
             </a:ln>
           </p:spPr>
           <p:txBody>
-            <a:bodyPr anchorCtr="0" anchor="ctr" bIns="91425" lIns="91425" spcFirstLastPara="1" rIns="91425" wrap="square" tIns="91425">
+            <a:bodyPr spcFirstLastPara="1" wrap="square" lIns="91425" tIns="91425" rIns="91425" bIns="91425" anchor="ctr" anchorCtr="0">
               <a:noAutofit/>
             </a:bodyPr>
             <a:lstStyle/>
             <a:p>
-              <a:pPr indent="0" lvl="0" marL="0" rtl="0" algn="l">
+              <a:pPr marL="0" lvl="0" indent="0" algn="l" rtl="0">
                 <a:spcBef>
                   <a:spcPts val="0"/>
                 </a:spcBef>
@@ -4942,9 +5007,6 @@
                 </a:spcAft>
                 <a:buNone/>
               </a:pPr>
-              <a:r>
-                <a:t/>
-              </a:r>
               <a:endParaRPr/>
             </a:p>
           </p:txBody>
@@ -4962,7 +5024,7 @@
             </a:xfrm>
             <a:prstGeom prst="diagStripe">
               <a:avLst>
-                <a:gd fmla="val 50000" name="adj"/>
+                <a:gd name="adj" fmla="val 50000"/>
               </a:avLst>
             </a:prstGeom>
             <a:solidFill>
@@ -4973,12 +5035,12 @@
             </a:ln>
           </p:spPr>
           <p:txBody>
-            <a:bodyPr anchorCtr="0" anchor="ctr" bIns="91425" lIns="91425" spcFirstLastPara="1" rIns="91425" wrap="square" tIns="91425">
+            <a:bodyPr spcFirstLastPara="1" wrap="square" lIns="91425" tIns="91425" rIns="91425" bIns="91425" anchor="ctr" anchorCtr="0">
               <a:noAutofit/>
             </a:bodyPr>
             <a:lstStyle/>
             <a:p>
-              <a:pPr indent="0" lvl="0" marL="0" rtl="0" algn="l">
+              <a:pPr marL="0" lvl="0" indent="0" algn="l" rtl="0">
                 <a:spcBef>
                   <a:spcPts val="0"/>
                 </a:spcBef>
@@ -4987,9 +5049,6 @@
                 </a:spcAft>
                 <a:buNone/>
               </a:pPr>
-              <a:r>
-                <a:t/>
-              </a:r>
               <a:endParaRPr/>
             </a:p>
           </p:txBody>
@@ -4998,7 +5057,9 @@
       <p:sp>
         <p:nvSpPr>
           <p:cNvPr id="52" name="Google Shape;52;p5"/>
-          <p:cNvSpPr txBox="1"/>
+          <p:cNvSpPr txBox="1">
+            <a:spLocks noGrp="1"/>
+          </p:cNvSpPr>
           <p:nvPr>
             <p:ph type="title"/>
           </p:nvPr>
@@ -5013,7 +5074,7 @@
           </a:prstGeom>
         </p:spPr>
         <p:txBody>
-          <a:bodyPr anchorCtr="0" anchor="t" bIns="91425" lIns="91425" spcFirstLastPara="1" rIns="91425" wrap="square" tIns="91425"/>
+          <a:bodyPr spcFirstLastPara="1" wrap="square" lIns="91425" tIns="91425" rIns="91425" bIns="91425" anchor="t" anchorCtr="0"/>
           <a:lstStyle>
             <a:lvl1pPr lvl="0">
               <a:spcBef>
@@ -5115,15 +5176,19 @@
               <a:defRPr sz="2400"/>
             </a:lvl9pPr>
           </a:lstStyle>
-          <a:p/>
+          <a:p>
+            <a:endParaRPr/>
+          </a:p>
         </p:txBody>
       </p:sp>
       <p:sp>
         <p:nvSpPr>
           <p:cNvPr id="53" name="Google Shape;53;p5"/>
-          <p:cNvSpPr txBox="1"/>
+          <p:cNvSpPr txBox="1">
+            <a:spLocks noGrp="1"/>
+          </p:cNvSpPr>
           <p:nvPr>
-            <p:ph idx="1" type="body"/>
+            <p:ph type="body" idx="1"/>
           </p:nvPr>
         </p:nvSpPr>
         <p:spPr>
@@ -5136,9 +5201,9 @@
           </a:prstGeom>
         </p:spPr>
         <p:txBody>
-          <a:bodyPr anchorCtr="0" anchor="t" bIns="91425" lIns="91425" spcFirstLastPara="1" rIns="91425" wrap="square" tIns="91425"/>
+          <a:bodyPr spcFirstLastPara="1" wrap="square" lIns="91425" tIns="91425" rIns="91425" bIns="91425" anchor="t" anchorCtr="0"/>
           <a:lstStyle>
-            <a:lvl1pPr indent="-311150" lvl="0" marL="457200">
+            <a:lvl1pPr marL="457200" lvl="0" indent="-311150">
               <a:spcBef>
                 <a:spcPts val="0"/>
               </a:spcBef>
@@ -5149,7 +5214,7 @@
               <a:buChar char="●"/>
               <a:defRPr/>
             </a:lvl1pPr>
-            <a:lvl2pPr indent="-298450" lvl="1" marL="914400">
+            <a:lvl2pPr marL="914400" lvl="1" indent="-298450">
               <a:spcBef>
                 <a:spcPts val="1600"/>
               </a:spcBef>
@@ -5160,7 +5225,7 @@
               <a:buChar char="○"/>
               <a:defRPr/>
             </a:lvl2pPr>
-            <a:lvl3pPr indent="-298450" lvl="2" marL="1371600">
+            <a:lvl3pPr marL="1371600" lvl="2" indent="-298450">
               <a:spcBef>
                 <a:spcPts val="1600"/>
               </a:spcBef>
@@ -5171,7 +5236,7 @@
               <a:buChar char="■"/>
               <a:defRPr/>
             </a:lvl3pPr>
-            <a:lvl4pPr indent="-298450" lvl="3" marL="1828800">
+            <a:lvl4pPr marL="1828800" lvl="3" indent="-298450">
               <a:spcBef>
                 <a:spcPts val="1600"/>
               </a:spcBef>
@@ -5182,7 +5247,7 @@
               <a:buChar char="●"/>
               <a:defRPr/>
             </a:lvl4pPr>
-            <a:lvl5pPr indent="-298450" lvl="4" marL="2286000">
+            <a:lvl5pPr marL="2286000" lvl="4" indent="-298450">
               <a:spcBef>
                 <a:spcPts val="1600"/>
               </a:spcBef>
@@ -5193,7 +5258,7 @@
               <a:buChar char="○"/>
               <a:defRPr/>
             </a:lvl5pPr>
-            <a:lvl6pPr indent="-298450" lvl="5" marL="2743200">
+            <a:lvl6pPr marL="2743200" lvl="5" indent="-298450">
               <a:spcBef>
                 <a:spcPts val="1600"/>
               </a:spcBef>
@@ -5204,7 +5269,7 @@
               <a:buChar char="■"/>
               <a:defRPr/>
             </a:lvl6pPr>
-            <a:lvl7pPr indent="-298450" lvl="6" marL="3200400">
+            <a:lvl7pPr marL="3200400" lvl="6" indent="-298450">
               <a:spcBef>
                 <a:spcPts val="1600"/>
               </a:spcBef>
@@ -5215,7 +5280,7 @@
               <a:buChar char="●"/>
               <a:defRPr/>
             </a:lvl7pPr>
-            <a:lvl8pPr indent="-298450" lvl="7" marL="3657600">
+            <a:lvl8pPr marL="3657600" lvl="7" indent="-298450">
               <a:spcBef>
                 <a:spcPts val="1600"/>
               </a:spcBef>
@@ -5226,7 +5291,7 @@
               <a:buChar char="○"/>
               <a:defRPr/>
             </a:lvl8pPr>
-            <a:lvl9pPr indent="-298450" lvl="8" marL="4114800">
+            <a:lvl9pPr marL="4114800" lvl="8" indent="-298450">
               <a:spcBef>
                 <a:spcPts val="1600"/>
               </a:spcBef>
@@ -5238,15 +5303,19 @@
               <a:defRPr/>
             </a:lvl9pPr>
           </a:lstStyle>
-          <a:p/>
+          <a:p>
+            <a:endParaRPr/>
+          </a:p>
         </p:txBody>
       </p:sp>
       <p:sp>
         <p:nvSpPr>
           <p:cNvPr id="54" name="Google Shape;54;p5"/>
-          <p:cNvSpPr txBox="1"/>
+          <p:cNvSpPr txBox="1">
+            <a:spLocks noGrp="1"/>
+          </p:cNvSpPr>
           <p:nvPr>
-            <p:ph idx="2" type="body"/>
+            <p:ph type="body" idx="2"/>
           </p:nvPr>
         </p:nvSpPr>
         <p:spPr>
@@ -5259,9 +5328,9 @@
           </a:prstGeom>
         </p:spPr>
         <p:txBody>
-          <a:bodyPr anchorCtr="0" anchor="t" bIns="91425" lIns="91425" spcFirstLastPara="1" rIns="91425" wrap="square" tIns="91425"/>
+          <a:bodyPr spcFirstLastPara="1" wrap="square" lIns="91425" tIns="91425" rIns="91425" bIns="91425" anchor="t" anchorCtr="0"/>
           <a:lstStyle>
-            <a:lvl1pPr indent="-311150" lvl="0" marL="457200">
+            <a:lvl1pPr marL="457200" lvl="0" indent="-311150">
               <a:spcBef>
                 <a:spcPts val="0"/>
               </a:spcBef>
@@ -5272,7 +5341,7 @@
               <a:buChar char="●"/>
               <a:defRPr/>
             </a:lvl1pPr>
-            <a:lvl2pPr indent="-298450" lvl="1" marL="914400">
+            <a:lvl2pPr marL="914400" lvl="1" indent="-298450">
               <a:spcBef>
                 <a:spcPts val="1600"/>
               </a:spcBef>
@@ -5283,7 +5352,7 @@
               <a:buChar char="○"/>
               <a:defRPr/>
             </a:lvl2pPr>
-            <a:lvl3pPr indent="-298450" lvl="2" marL="1371600">
+            <a:lvl3pPr marL="1371600" lvl="2" indent="-298450">
               <a:spcBef>
                 <a:spcPts val="1600"/>
               </a:spcBef>
@@ -5294,7 +5363,7 @@
               <a:buChar char="■"/>
               <a:defRPr/>
             </a:lvl3pPr>
-            <a:lvl4pPr indent="-298450" lvl="3" marL="1828800">
+            <a:lvl4pPr marL="1828800" lvl="3" indent="-298450">
               <a:spcBef>
                 <a:spcPts val="1600"/>
               </a:spcBef>
@@ -5305,7 +5374,7 @@
               <a:buChar char="●"/>
               <a:defRPr/>
             </a:lvl4pPr>
-            <a:lvl5pPr indent="-298450" lvl="4" marL="2286000">
+            <a:lvl5pPr marL="2286000" lvl="4" indent="-298450">
               <a:spcBef>
                 <a:spcPts val="1600"/>
               </a:spcBef>
@@ -5316,7 +5385,7 @@
               <a:buChar char="○"/>
               <a:defRPr/>
             </a:lvl5pPr>
-            <a:lvl6pPr indent="-298450" lvl="5" marL="2743200">
+            <a:lvl6pPr marL="2743200" lvl="5" indent="-298450">
               <a:spcBef>
                 <a:spcPts val="1600"/>
               </a:spcBef>
@@ -5327,7 +5396,7 @@
               <a:buChar char="■"/>
               <a:defRPr/>
             </a:lvl6pPr>
-            <a:lvl7pPr indent="-298450" lvl="6" marL="3200400">
+            <a:lvl7pPr marL="3200400" lvl="6" indent="-298450">
               <a:spcBef>
                 <a:spcPts val="1600"/>
               </a:spcBef>
@@ -5338,7 +5407,7 @@
               <a:buChar char="●"/>
               <a:defRPr/>
             </a:lvl7pPr>
-            <a:lvl8pPr indent="-298450" lvl="7" marL="3657600">
+            <a:lvl8pPr marL="3657600" lvl="7" indent="-298450">
               <a:spcBef>
                 <a:spcPts val="1600"/>
               </a:spcBef>
@@ -5349,7 +5418,7 @@
               <a:buChar char="○"/>
               <a:defRPr/>
             </a:lvl8pPr>
-            <a:lvl9pPr indent="-298450" lvl="8" marL="4114800">
+            <a:lvl9pPr marL="4114800" lvl="8" indent="-298450">
               <a:spcBef>
                 <a:spcPts val="1600"/>
               </a:spcBef>
@@ -5361,15 +5430,19 @@
               <a:defRPr/>
             </a:lvl9pPr>
           </a:lstStyle>
-          <a:p/>
+          <a:p>
+            <a:endParaRPr/>
+          </a:p>
         </p:txBody>
       </p:sp>
       <p:sp>
         <p:nvSpPr>
           <p:cNvPr id="55" name="Google Shape;55;p5"/>
-          <p:cNvSpPr txBox="1"/>
+          <p:cNvSpPr txBox="1">
+            <a:spLocks noGrp="1"/>
+          </p:cNvSpPr>
           <p:nvPr>
-            <p:ph idx="12" type="sldNum"/>
+            <p:ph type="sldNum" idx="12"/>
           </p:nvPr>
         </p:nvSpPr>
         <p:spPr>
@@ -5382,7 +5455,7 @@
           </a:prstGeom>
         </p:spPr>
         <p:txBody>
-          <a:bodyPr anchorCtr="0" anchor="ctr" bIns="91425" lIns="91425" spcFirstLastPara="1" rIns="91425" wrap="square" tIns="91425">
+          <a:bodyPr spcFirstLastPara="1" wrap="square" lIns="91425" tIns="91425" rIns="91425" bIns="91425" anchor="ctr" anchorCtr="0">
             <a:noAutofit/>
           </a:bodyPr>
           <a:lstStyle>
@@ -5424,7 +5497,7 @@
             </a:lvl9pPr>
           </a:lstStyle>
           <a:p>
-            <a:pPr indent="0" lvl="0" marL="0" rtl="0" algn="r">
+            <a:pPr marL="0" lvl="0" indent="0" algn="r" rtl="0">
               <a:spcBef>
                 <a:spcPts val="0"/>
               </a:spcBef>
@@ -5450,11 +5523,11 @@
 </file>
 
 <file path=ppt/slideLayouts/slideLayout5.xml><?xml version="1.0" encoding="utf-8"?>
-<p:sldLayout xmlns:a="http://schemas.openxmlformats.org/drawingml/2006/main" xmlns:r="http://schemas.openxmlformats.org/officeDocument/2006/relationships" xmlns:mc="http://schemas.openxmlformats.org/markup-compatibility/2006" xmlns:mv="urn:schemas-microsoft-com:mac:vml" xmlns:p="http://schemas.openxmlformats.org/presentationml/2006/main" xmlns:c="http://schemas.openxmlformats.org/drawingml/2006/chart" xmlns:dgm="http://schemas.openxmlformats.org/drawingml/2006/diagram" xmlns:o="urn:schemas-microsoft-com:office:office" xmlns:v="urn:schemas-microsoft-com:vml" xmlns:pvml="urn:schemas-microsoft-com:office:powerpoint" xmlns:com="http://schemas.openxmlformats.org/drawingml/2006/compatibility" xmlns:p14="http://schemas.microsoft.com/office/powerpoint/2010/main" xmlns:p15="http://schemas.microsoft.com/office/powerpoint/2012/main" matchingName="Title only" type="titleOnly">
+<p:sldLayout xmlns:a="http://schemas.openxmlformats.org/drawingml/2006/main" xmlns:r="http://schemas.openxmlformats.org/officeDocument/2006/relationships" xmlns:p="http://schemas.openxmlformats.org/presentationml/2006/main" matchingName="Title only" type="titleOnly">
   <p:cSld name="TITLE_ONLY">
     <p:spTree>
       <p:nvGrpSpPr>
-        <p:cNvPr id="56" name="Shape 56"/>
+        <p:cNvPr id="1" name="Shape 56"/>
         <p:cNvGrpSpPr/>
         <p:nvPr/>
       </p:nvGrpSpPr>
@@ -5493,7 +5566,7 @@
             </a:xfrm>
             <a:prstGeom prst="diagStripe">
               <a:avLst>
-                <a:gd fmla="val 50000" name="adj"/>
+                <a:gd name="adj" fmla="val 50000"/>
               </a:avLst>
             </a:prstGeom>
             <a:solidFill>
@@ -5504,12 +5577,12 @@
             </a:ln>
           </p:spPr>
           <p:txBody>
-            <a:bodyPr anchorCtr="0" anchor="ctr" bIns="91425" lIns="91425" spcFirstLastPara="1" rIns="91425" wrap="square" tIns="91425">
+            <a:bodyPr spcFirstLastPara="1" wrap="square" lIns="91425" tIns="91425" rIns="91425" bIns="91425" anchor="ctr" anchorCtr="0">
               <a:noAutofit/>
             </a:bodyPr>
             <a:lstStyle/>
             <a:p>
-              <a:pPr indent="0" lvl="0" marL="0" rtl="0" algn="l">
+              <a:pPr marL="0" lvl="0" indent="0" algn="l" rtl="0">
                 <a:spcBef>
                   <a:spcPts val="0"/>
                 </a:spcBef>
@@ -5518,9 +5591,6 @@
                 </a:spcAft>
                 <a:buNone/>
               </a:pPr>
-              <a:r>
-                <a:t/>
-              </a:r>
               <a:endParaRPr/>
             </a:p>
           </p:txBody>
@@ -5538,7 +5608,7 @@
             </a:xfrm>
             <a:prstGeom prst="diagStripe">
               <a:avLst>
-                <a:gd fmla="val 50000" name="adj"/>
+                <a:gd name="adj" fmla="val 50000"/>
               </a:avLst>
             </a:prstGeom>
             <a:solidFill>
@@ -5549,12 +5619,12 @@
             </a:ln>
           </p:spPr>
           <p:txBody>
-            <a:bodyPr anchorCtr="0" anchor="ctr" bIns="91425" lIns="91425" spcFirstLastPara="1" rIns="91425" wrap="square" tIns="91425">
+            <a:bodyPr spcFirstLastPara="1" wrap="square" lIns="91425" tIns="91425" rIns="91425" bIns="91425" anchor="ctr" anchorCtr="0">
               <a:noAutofit/>
             </a:bodyPr>
             <a:lstStyle/>
             <a:p>
-              <a:pPr indent="0" lvl="0" marL="0" rtl="0" algn="l">
+              <a:pPr marL="0" lvl="0" indent="0" algn="l" rtl="0">
                 <a:spcBef>
                   <a:spcPts val="0"/>
                 </a:spcBef>
@@ -5563,9 +5633,6 @@
                 </a:spcAft>
                 <a:buNone/>
               </a:pPr>
-              <a:r>
-                <a:t/>
-              </a:r>
               <a:endParaRPr/>
             </a:p>
           </p:txBody>
@@ -5574,7 +5641,9 @@
       <p:sp>
         <p:nvSpPr>
           <p:cNvPr id="60" name="Google Shape;60;p6"/>
-          <p:cNvSpPr txBox="1"/>
+          <p:cNvSpPr txBox="1">
+            <a:spLocks noGrp="1"/>
+          </p:cNvSpPr>
           <p:nvPr>
             <p:ph type="title"/>
           </p:nvPr>
@@ -5589,7 +5658,7 @@
           </a:prstGeom>
         </p:spPr>
         <p:txBody>
-          <a:bodyPr anchorCtr="0" anchor="t" bIns="91425" lIns="91425" spcFirstLastPara="1" rIns="91425" wrap="square" tIns="91425"/>
+          <a:bodyPr spcFirstLastPara="1" wrap="square" lIns="91425" tIns="91425" rIns="91425" bIns="91425" anchor="t" anchorCtr="0"/>
           <a:lstStyle>
             <a:lvl1pPr lvl="0">
               <a:spcBef>
@@ -5691,15 +5760,19 @@
               <a:defRPr sz="2400"/>
             </a:lvl9pPr>
           </a:lstStyle>
-          <a:p/>
+          <a:p>
+            <a:endParaRPr/>
+          </a:p>
         </p:txBody>
       </p:sp>
       <p:sp>
         <p:nvSpPr>
           <p:cNvPr id="61" name="Google Shape;61;p6"/>
-          <p:cNvSpPr txBox="1"/>
+          <p:cNvSpPr txBox="1">
+            <a:spLocks noGrp="1"/>
+          </p:cNvSpPr>
           <p:nvPr>
-            <p:ph idx="12" type="sldNum"/>
+            <p:ph type="sldNum" idx="12"/>
           </p:nvPr>
         </p:nvSpPr>
         <p:spPr>
@@ -5712,7 +5785,7 @@
           </a:prstGeom>
         </p:spPr>
         <p:txBody>
-          <a:bodyPr anchorCtr="0" anchor="ctr" bIns="91425" lIns="91425" spcFirstLastPara="1" rIns="91425" wrap="square" tIns="91425">
+          <a:bodyPr spcFirstLastPara="1" wrap="square" lIns="91425" tIns="91425" rIns="91425" bIns="91425" anchor="ctr" anchorCtr="0">
             <a:noAutofit/>
           </a:bodyPr>
           <a:lstStyle>
@@ -5754,7 +5827,7 @@
             </a:lvl9pPr>
           </a:lstStyle>
           <a:p>
-            <a:pPr indent="0" lvl="0" marL="0" rtl="0" algn="r">
+            <a:pPr marL="0" lvl="0" indent="0" algn="r" rtl="0">
               <a:spcBef>
                 <a:spcPts val="0"/>
               </a:spcBef>
@@ -5780,11 +5853,11 @@
 </file>
 
 <file path=ppt/slideLayouts/slideLayout6.xml><?xml version="1.0" encoding="utf-8"?>
-<p:sldLayout xmlns:a="http://schemas.openxmlformats.org/drawingml/2006/main" xmlns:r="http://schemas.openxmlformats.org/officeDocument/2006/relationships" xmlns:mc="http://schemas.openxmlformats.org/markup-compatibility/2006" xmlns:mv="urn:schemas-microsoft-com:mac:vml" xmlns:p="http://schemas.openxmlformats.org/presentationml/2006/main" xmlns:c="http://schemas.openxmlformats.org/drawingml/2006/chart" xmlns:dgm="http://schemas.openxmlformats.org/drawingml/2006/diagram" xmlns:o="urn:schemas-microsoft-com:office:office" xmlns:v="urn:schemas-microsoft-com:vml" xmlns:pvml="urn:schemas-microsoft-com:office:powerpoint" xmlns:com="http://schemas.openxmlformats.org/drawingml/2006/compatibility" xmlns:p14="http://schemas.microsoft.com/office/powerpoint/2010/main" xmlns:p15="http://schemas.microsoft.com/office/powerpoint/2012/main" matchingName="One column text">
+<p:sldLayout xmlns:a="http://schemas.openxmlformats.org/drawingml/2006/main" xmlns:r="http://schemas.openxmlformats.org/officeDocument/2006/relationships" xmlns:p="http://schemas.openxmlformats.org/presentationml/2006/main" matchingName="One column text">
   <p:cSld name="ONE_COLUMN_TEXT">
     <p:spTree>
       <p:nvGrpSpPr>
-        <p:cNvPr id="62" name="Shape 62"/>
+        <p:cNvPr id="1" name="Shape 62"/>
         <p:cNvGrpSpPr/>
         <p:nvPr/>
       </p:nvGrpSpPr>
@@ -5823,7 +5896,7 @@
             </a:xfrm>
             <a:prstGeom prst="diagStripe">
               <a:avLst>
-                <a:gd fmla="val 50000" name="adj"/>
+                <a:gd name="adj" fmla="val 50000"/>
               </a:avLst>
             </a:prstGeom>
             <a:solidFill>
@@ -5834,12 +5907,12 @@
             </a:ln>
           </p:spPr>
           <p:txBody>
-            <a:bodyPr anchorCtr="0" anchor="ctr" bIns="91425" lIns="91425" spcFirstLastPara="1" rIns="91425" wrap="square" tIns="91425">
+            <a:bodyPr spcFirstLastPara="1" wrap="square" lIns="91425" tIns="91425" rIns="91425" bIns="91425" anchor="ctr" anchorCtr="0">
               <a:noAutofit/>
             </a:bodyPr>
             <a:lstStyle/>
             <a:p>
-              <a:pPr indent="0" lvl="0" marL="0" rtl="0" algn="l">
+              <a:pPr marL="0" lvl="0" indent="0" algn="l" rtl="0">
                 <a:spcBef>
                   <a:spcPts val="0"/>
                 </a:spcBef>
@@ -5848,9 +5921,6 @@
                 </a:spcAft>
                 <a:buNone/>
               </a:pPr>
-              <a:r>
-                <a:t/>
-              </a:r>
               <a:endParaRPr/>
             </a:p>
           </p:txBody>
@@ -5868,7 +5938,7 @@
             </a:xfrm>
             <a:prstGeom prst="diagStripe">
               <a:avLst>
-                <a:gd fmla="val 50000" name="adj"/>
+                <a:gd name="adj" fmla="val 50000"/>
               </a:avLst>
             </a:prstGeom>
             <a:solidFill>
@@ -5879,12 +5949,12 @@
             </a:ln>
           </p:spPr>
           <p:txBody>
-            <a:bodyPr anchorCtr="0" anchor="ctr" bIns="91425" lIns="91425" spcFirstLastPara="1" rIns="91425" wrap="square" tIns="91425">
+            <a:bodyPr spcFirstLastPara="1" wrap="square" lIns="91425" tIns="91425" rIns="91425" bIns="91425" anchor="ctr" anchorCtr="0">
               <a:noAutofit/>
             </a:bodyPr>
             <a:lstStyle/>
             <a:p>
-              <a:pPr indent="0" lvl="0" marL="0" rtl="0" algn="l">
+              <a:pPr marL="0" lvl="0" indent="0" algn="l" rtl="0">
                 <a:spcBef>
                   <a:spcPts val="0"/>
                 </a:spcBef>
@@ -5893,9 +5963,6 @@
                 </a:spcAft>
                 <a:buNone/>
               </a:pPr>
-              <a:r>
-                <a:t/>
-              </a:r>
               <a:endParaRPr/>
             </a:p>
           </p:txBody>
@@ -5904,7 +5971,9 @@
       <p:sp>
         <p:nvSpPr>
           <p:cNvPr id="66" name="Google Shape;66;p7"/>
-          <p:cNvSpPr txBox="1"/>
+          <p:cNvSpPr txBox="1">
+            <a:spLocks noGrp="1"/>
+          </p:cNvSpPr>
           <p:nvPr>
             <p:ph type="title"/>
           </p:nvPr>
@@ -5919,7 +5988,7 @@
           </a:prstGeom>
         </p:spPr>
         <p:txBody>
-          <a:bodyPr anchorCtr="0" anchor="t" bIns="91425" lIns="91425" spcFirstLastPara="1" rIns="91425" wrap="square" tIns="91425"/>
+          <a:bodyPr spcFirstLastPara="1" wrap="square" lIns="91425" tIns="91425" rIns="91425" bIns="91425" anchor="t" anchorCtr="0"/>
           <a:lstStyle>
             <a:lvl1pPr lvl="0">
               <a:spcBef>
@@ -6021,15 +6090,19 @@
               <a:defRPr sz="2400"/>
             </a:lvl9pPr>
           </a:lstStyle>
-          <a:p/>
+          <a:p>
+            <a:endParaRPr/>
+          </a:p>
         </p:txBody>
       </p:sp>
       <p:sp>
         <p:nvSpPr>
           <p:cNvPr id="67" name="Google Shape;67;p7"/>
-          <p:cNvSpPr txBox="1"/>
+          <p:cNvSpPr txBox="1">
+            <a:spLocks noGrp="1"/>
+          </p:cNvSpPr>
           <p:nvPr>
-            <p:ph idx="1" type="body"/>
+            <p:ph type="body" idx="1"/>
           </p:nvPr>
         </p:nvSpPr>
         <p:spPr>
@@ -6042,9 +6115,9 @@
           </a:prstGeom>
         </p:spPr>
         <p:txBody>
-          <a:bodyPr anchorCtr="0" anchor="t" bIns="91425" lIns="91425" spcFirstLastPara="1" rIns="91425" wrap="square" tIns="91425"/>
+          <a:bodyPr spcFirstLastPara="1" wrap="square" lIns="91425" tIns="91425" rIns="91425" bIns="91425" anchor="t" anchorCtr="0"/>
           <a:lstStyle>
-            <a:lvl1pPr indent="-311150" lvl="0" marL="457200">
+            <a:lvl1pPr marL="457200" lvl="0" indent="-311150">
               <a:spcBef>
                 <a:spcPts val="0"/>
               </a:spcBef>
@@ -6055,7 +6128,7 @@
               <a:buChar char="●"/>
               <a:defRPr/>
             </a:lvl1pPr>
-            <a:lvl2pPr indent="-298450" lvl="1" marL="914400">
+            <a:lvl2pPr marL="914400" lvl="1" indent="-298450">
               <a:spcBef>
                 <a:spcPts val="1600"/>
               </a:spcBef>
@@ -6066,7 +6139,7 @@
               <a:buChar char="○"/>
               <a:defRPr/>
             </a:lvl2pPr>
-            <a:lvl3pPr indent="-298450" lvl="2" marL="1371600">
+            <a:lvl3pPr marL="1371600" lvl="2" indent="-298450">
               <a:spcBef>
                 <a:spcPts val="1600"/>
               </a:spcBef>
@@ -6077,7 +6150,7 @@
               <a:buChar char="■"/>
               <a:defRPr/>
             </a:lvl3pPr>
-            <a:lvl4pPr indent="-298450" lvl="3" marL="1828800">
+            <a:lvl4pPr marL="1828800" lvl="3" indent="-298450">
               <a:spcBef>
                 <a:spcPts val="1600"/>
               </a:spcBef>
@@ -6088,7 +6161,7 @@
               <a:buChar char="●"/>
               <a:defRPr/>
             </a:lvl4pPr>
-            <a:lvl5pPr indent="-298450" lvl="4" marL="2286000">
+            <a:lvl5pPr marL="2286000" lvl="4" indent="-298450">
               <a:spcBef>
                 <a:spcPts val="1600"/>
               </a:spcBef>
@@ -6099,7 +6172,7 @@
               <a:buChar char="○"/>
               <a:defRPr/>
             </a:lvl5pPr>
-            <a:lvl6pPr indent="-298450" lvl="5" marL="2743200">
+            <a:lvl6pPr marL="2743200" lvl="5" indent="-298450">
               <a:spcBef>
                 <a:spcPts val="1600"/>
               </a:spcBef>
@@ -6110,7 +6183,7 @@
               <a:buChar char="■"/>
               <a:defRPr/>
             </a:lvl6pPr>
-            <a:lvl7pPr indent="-298450" lvl="6" marL="3200400">
+            <a:lvl7pPr marL="3200400" lvl="6" indent="-298450">
               <a:spcBef>
                 <a:spcPts val="1600"/>
               </a:spcBef>
@@ -6121,7 +6194,7 @@
               <a:buChar char="●"/>
               <a:defRPr/>
             </a:lvl7pPr>
-            <a:lvl8pPr indent="-298450" lvl="7" marL="3657600">
+            <a:lvl8pPr marL="3657600" lvl="7" indent="-298450">
               <a:spcBef>
                 <a:spcPts val="1600"/>
               </a:spcBef>
@@ -6132,7 +6205,7 @@
               <a:buChar char="○"/>
               <a:defRPr/>
             </a:lvl8pPr>
-            <a:lvl9pPr indent="-298450" lvl="8" marL="4114800">
+            <a:lvl9pPr marL="4114800" lvl="8" indent="-298450">
               <a:spcBef>
                 <a:spcPts val="1600"/>
               </a:spcBef>
@@ -6144,15 +6217,19 @@
               <a:defRPr/>
             </a:lvl9pPr>
           </a:lstStyle>
-          <a:p/>
+          <a:p>
+            <a:endParaRPr/>
+          </a:p>
         </p:txBody>
       </p:sp>
       <p:sp>
         <p:nvSpPr>
           <p:cNvPr id="68" name="Google Shape;68;p7"/>
-          <p:cNvSpPr txBox="1"/>
+          <p:cNvSpPr txBox="1">
+            <a:spLocks noGrp="1"/>
+          </p:cNvSpPr>
           <p:nvPr>
-            <p:ph idx="12" type="sldNum"/>
+            <p:ph type="sldNum" idx="12"/>
           </p:nvPr>
         </p:nvSpPr>
         <p:spPr>
@@ -6165,7 +6242,7 @@
           </a:prstGeom>
         </p:spPr>
         <p:txBody>
-          <a:bodyPr anchorCtr="0" anchor="ctr" bIns="91425" lIns="91425" spcFirstLastPara="1" rIns="91425" wrap="square" tIns="91425">
+          <a:bodyPr spcFirstLastPara="1" wrap="square" lIns="91425" tIns="91425" rIns="91425" bIns="91425" anchor="ctr" anchorCtr="0">
             <a:noAutofit/>
           </a:bodyPr>
           <a:lstStyle>
@@ -6207,7 +6284,7 @@
             </a:lvl9pPr>
           </a:lstStyle>
           <a:p>
-            <a:pPr indent="0" lvl="0" marL="0" rtl="0" algn="r">
+            <a:pPr marL="0" lvl="0" indent="0" algn="r" rtl="0">
               <a:spcBef>
                 <a:spcPts val="0"/>
               </a:spcBef>
@@ -6233,11 +6310,11 @@
 </file>
 
 <file path=ppt/slideLayouts/slideLayout7.xml><?xml version="1.0" encoding="utf-8"?>
-<p:sldLayout xmlns:a="http://schemas.openxmlformats.org/drawingml/2006/main" xmlns:r="http://schemas.openxmlformats.org/officeDocument/2006/relationships" xmlns:mc="http://schemas.openxmlformats.org/markup-compatibility/2006" xmlns:mv="urn:schemas-microsoft-com:mac:vml" xmlns:p="http://schemas.openxmlformats.org/presentationml/2006/main" xmlns:c="http://schemas.openxmlformats.org/drawingml/2006/chart" xmlns:dgm="http://schemas.openxmlformats.org/drawingml/2006/diagram" xmlns:o="urn:schemas-microsoft-com:office:office" xmlns:v="urn:schemas-microsoft-com:vml" xmlns:pvml="urn:schemas-microsoft-com:office:powerpoint" xmlns:com="http://schemas.openxmlformats.org/drawingml/2006/compatibility" xmlns:p14="http://schemas.microsoft.com/office/powerpoint/2010/main" xmlns:p15="http://schemas.microsoft.com/office/powerpoint/2012/main" matchingName="Main point">
+<p:sldLayout xmlns:a="http://schemas.openxmlformats.org/drawingml/2006/main" xmlns:r="http://schemas.openxmlformats.org/officeDocument/2006/relationships" xmlns:p="http://schemas.openxmlformats.org/presentationml/2006/main" matchingName="Main point">
   <p:cSld name="MAIN_POINT">
     <p:spTree>
       <p:nvGrpSpPr>
-        <p:cNvPr id="69" name="Shape 69"/>
+        <p:cNvPr id="1" name="Shape 69"/>
         <p:cNvGrpSpPr/>
         <p:nvPr/>
       </p:nvGrpSpPr>
@@ -6276,7 +6353,7 @@
             </a:xfrm>
             <a:prstGeom prst="diagStripe">
               <a:avLst>
-                <a:gd fmla="val 49469" name="adj"/>
+                <a:gd name="adj" fmla="val 49469"/>
               </a:avLst>
             </a:prstGeom>
             <a:solidFill>
@@ -6289,12 +6366,12 @@
             </a:ln>
           </p:spPr>
           <p:txBody>
-            <a:bodyPr anchorCtr="0" anchor="ctr" bIns="91425" lIns="91425" spcFirstLastPara="1" rIns="91425" wrap="square" tIns="91425">
+            <a:bodyPr spcFirstLastPara="1" wrap="square" lIns="91425" tIns="91425" rIns="91425" bIns="91425" anchor="ctr" anchorCtr="0">
               <a:noAutofit/>
             </a:bodyPr>
             <a:lstStyle/>
             <a:p>
-              <a:pPr indent="0" lvl="0" marL="0" rtl="0" algn="l">
+              <a:pPr marL="0" lvl="0" indent="0" algn="l" rtl="0">
                 <a:spcBef>
                   <a:spcPts val="0"/>
                 </a:spcBef>
@@ -6303,9 +6380,6 @@
                 </a:spcAft>
                 <a:buNone/>
               </a:pPr>
-              <a:r>
-                <a:t/>
-              </a:r>
               <a:endParaRPr/>
             </a:p>
           </p:txBody>
@@ -6323,7 +6397,7 @@
             </a:xfrm>
             <a:prstGeom prst="diagStripe">
               <a:avLst>
-                <a:gd fmla="val 0" name="adj"/>
+                <a:gd name="adj" fmla="val 0"/>
               </a:avLst>
             </a:prstGeom>
             <a:solidFill>
@@ -6336,12 +6410,12 @@
             </a:ln>
           </p:spPr>
           <p:txBody>
-            <a:bodyPr anchorCtr="0" anchor="ctr" bIns="91425" lIns="91425" spcFirstLastPara="1" rIns="91425" wrap="square" tIns="91425">
+            <a:bodyPr spcFirstLastPara="1" wrap="square" lIns="91425" tIns="91425" rIns="91425" bIns="91425" anchor="ctr" anchorCtr="0">
               <a:noAutofit/>
             </a:bodyPr>
             <a:lstStyle/>
             <a:p>
-              <a:pPr indent="0" lvl="0" marL="0" rtl="0" algn="l">
+              <a:pPr marL="0" lvl="0" indent="0" algn="l" rtl="0">
                 <a:spcBef>
                   <a:spcPts val="0"/>
                 </a:spcBef>
@@ -6350,9 +6424,6 @@
                 </a:spcAft>
                 <a:buNone/>
               </a:pPr>
-              <a:r>
-                <a:t/>
-              </a:r>
               <a:endParaRPr/>
             </a:p>
           </p:txBody>
@@ -6370,7 +6441,7 @@
             </a:xfrm>
             <a:prstGeom prst="diagStripe">
               <a:avLst>
-                <a:gd fmla="val 50000" name="adj"/>
+                <a:gd name="adj" fmla="val 50000"/>
               </a:avLst>
             </a:prstGeom>
             <a:solidFill>
@@ -6383,12 +6454,12 @@
             </a:ln>
           </p:spPr>
           <p:txBody>
-            <a:bodyPr anchorCtr="0" anchor="ctr" bIns="91425" lIns="91425" spcFirstLastPara="1" rIns="91425" wrap="square" tIns="91425">
+            <a:bodyPr spcFirstLastPara="1" wrap="square" lIns="91425" tIns="91425" rIns="91425" bIns="91425" anchor="ctr" anchorCtr="0">
               <a:noAutofit/>
             </a:bodyPr>
             <a:lstStyle/>
             <a:p>
-              <a:pPr indent="0" lvl="0" marL="0" rtl="0" algn="l">
+              <a:pPr marL="0" lvl="0" indent="0" algn="l" rtl="0">
                 <a:spcBef>
                   <a:spcPts val="0"/>
                 </a:spcBef>
@@ -6397,9 +6468,6 @@
                 </a:spcAft>
                 <a:buNone/>
               </a:pPr>
-              <a:r>
-                <a:t/>
-              </a:r>
               <a:endParaRPr/>
             </a:p>
           </p:txBody>
@@ -6417,7 +6485,7 @@
             </a:xfrm>
             <a:prstGeom prst="diagStripe">
               <a:avLst>
-                <a:gd fmla="val 50000" name="adj"/>
+                <a:gd name="adj" fmla="val 50000"/>
               </a:avLst>
             </a:prstGeom>
             <a:solidFill>
@@ -6430,12 +6498,12 @@
             </a:ln>
           </p:spPr>
           <p:txBody>
-            <a:bodyPr anchorCtr="0" anchor="ctr" bIns="91425" lIns="91425" spcFirstLastPara="1" rIns="91425" wrap="square" tIns="91425">
+            <a:bodyPr spcFirstLastPara="1" wrap="square" lIns="91425" tIns="91425" rIns="91425" bIns="91425" anchor="ctr" anchorCtr="0">
               <a:noAutofit/>
             </a:bodyPr>
             <a:lstStyle/>
             <a:p>
-              <a:pPr indent="0" lvl="0" marL="0" rtl="0" algn="l">
+              <a:pPr marL="0" lvl="0" indent="0" algn="l" rtl="0">
                 <a:spcBef>
                   <a:spcPts val="0"/>
                 </a:spcBef>
@@ -6444,9 +6512,6 @@
                 </a:spcAft>
                 <a:buNone/>
               </a:pPr>
-              <a:r>
-                <a:t/>
-              </a:r>
               <a:endParaRPr/>
             </a:p>
           </p:txBody>
@@ -6464,7 +6529,7 @@
             </a:xfrm>
             <a:prstGeom prst="diagStripe">
               <a:avLst>
-                <a:gd fmla="val 50000" name="adj"/>
+                <a:gd name="adj" fmla="val 50000"/>
               </a:avLst>
             </a:prstGeom>
             <a:solidFill>
@@ -6477,12 +6542,12 @@
             </a:ln>
           </p:spPr>
           <p:txBody>
-            <a:bodyPr anchorCtr="0" anchor="ctr" bIns="91425" lIns="91425" spcFirstLastPara="1" rIns="91425" wrap="square" tIns="91425">
+            <a:bodyPr spcFirstLastPara="1" wrap="square" lIns="91425" tIns="91425" rIns="91425" bIns="91425" anchor="ctr" anchorCtr="0">
               <a:noAutofit/>
             </a:bodyPr>
             <a:lstStyle/>
             <a:p>
-              <a:pPr indent="0" lvl="0" marL="0" rtl="0" algn="l">
+              <a:pPr marL="0" lvl="0" indent="0" algn="l" rtl="0">
                 <a:spcBef>
                   <a:spcPts val="0"/>
                 </a:spcBef>
@@ -6491,9 +6556,6 @@
                 </a:spcAft>
                 <a:buNone/>
               </a:pPr>
-              <a:r>
-                <a:t/>
-              </a:r>
               <a:endParaRPr/>
             </a:p>
           </p:txBody>
@@ -6511,7 +6573,7 @@
             </a:xfrm>
             <a:prstGeom prst="diagStripe">
               <a:avLst>
-                <a:gd fmla="val 50000" name="adj"/>
+                <a:gd name="adj" fmla="val 50000"/>
               </a:avLst>
             </a:prstGeom>
             <a:solidFill>
@@ -6524,12 +6586,12 @@
             </a:ln>
           </p:spPr>
           <p:txBody>
-            <a:bodyPr anchorCtr="0" anchor="ctr" bIns="91425" lIns="91425" spcFirstLastPara="1" rIns="91425" wrap="square" tIns="91425">
+            <a:bodyPr spcFirstLastPara="1" wrap="square" lIns="91425" tIns="91425" rIns="91425" bIns="91425" anchor="ctr" anchorCtr="0">
               <a:noAutofit/>
             </a:bodyPr>
             <a:lstStyle/>
             <a:p>
-              <a:pPr indent="0" lvl="0" marL="0" rtl="0" algn="l">
+              <a:pPr marL="0" lvl="0" indent="0" algn="l" rtl="0">
                 <a:spcBef>
                   <a:spcPts val="0"/>
                 </a:spcBef>
@@ -6538,9 +6600,6 @@
                 </a:spcAft>
                 <a:buNone/>
               </a:pPr>
-              <a:r>
-                <a:t/>
-              </a:r>
               <a:endParaRPr/>
             </a:p>
           </p:txBody>
@@ -6558,7 +6617,7 @@
             </a:xfrm>
             <a:prstGeom prst="diagStripe">
               <a:avLst>
-                <a:gd fmla="val 50000" name="adj"/>
+                <a:gd name="adj" fmla="val 50000"/>
               </a:avLst>
             </a:prstGeom>
             <a:solidFill>
@@ -6571,12 +6630,12 @@
             </a:ln>
           </p:spPr>
           <p:txBody>
-            <a:bodyPr anchorCtr="0" anchor="ctr" bIns="91425" lIns="91425" spcFirstLastPara="1" rIns="91425" wrap="square" tIns="91425">
+            <a:bodyPr spcFirstLastPara="1" wrap="square" lIns="91425" tIns="91425" rIns="91425" bIns="91425" anchor="ctr" anchorCtr="0">
               <a:noAutofit/>
             </a:bodyPr>
             <a:lstStyle/>
             <a:p>
-              <a:pPr indent="0" lvl="0" marL="0" rtl="0" algn="l">
+              <a:pPr marL="0" lvl="0" indent="0" algn="l" rtl="0">
                 <a:spcBef>
                   <a:spcPts val="0"/>
                 </a:spcBef>
@@ -6585,9 +6644,6 @@
                 </a:spcAft>
                 <a:buNone/>
               </a:pPr>
-              <a:r>
-                <a:t/>
-              </a:r>
               <a:endParaRPr/>
             </a:p>
           </p:txBody>
@@ -6605,7 +6661,7 @@
             </a:xfrm>
             <a:prstGeom prst="diagStripe">
               <a:avLst>
-                <a:gd fmla="val 50000" name="adj"/>
+                <a:gd name="adj" fmla="val 50000"/>
               </a:avLst>
             </a:prstGeom>
             <a:solidFill>
@@ -6616,12 +6672,12 @@
             </a:ln>
           </p:spPr>
           <p:txBody>
-            <a:bodyPr anchorCtr="0" anchor="ctr" bIns="91425" lIns="91425" spcFirstLastPara="1" rIns="91425" wrap="square" tIns="91425">
+            <a:bodyPr spcFirstLastPara="1" wrap="square" lIns="91425" tIns="91425" rIns="91425" bIns="91425" anchor="ctr" anchorCtr="0">
               <a:noAutofit/>
             </a:bodyPr>
             <a:lstStyle/>
             <a:p>
-              <a:pPr indent="0" lvl="0" marL="0" rtl="0" algn="l">
+              <a:pPr marL="0" lvl="0" indent="0" algn="l" rtl="0">
                 <a:spcBef>
                   <a:spcPts val="0"/>
                 </a:spcBef>
@@ -6630,9 +6686,6 @@
                 </a:spcAft>
                 <a:buNone/>
               </a:pPr>
-              <a:r>
-                <a:t/>
-              </a:r>
               <a:endParaRPr/>
             </a:p>
           </p:txBody>
@@ -6650,7 +6703,7 @@
             </a:xfrm>
             <a:prstGeom prst="diagStripe">
               <a:avLst>
-                <a:gd fmla="val 50000" name="adj"/>
+                <a:gd name="adj" fmla="val 50000"/>
               </a:avLst>
             </a:prstGeom>
             <a:solidFill>
@@ -6663,12 +6716,12 @@
             </a:ln>
           </p:spPr>
           <p:txBody>
-            <a:bodyPr anchorCtr="0" anchor="ctr" bIns="91425" lIns="91425" spcFirstLastPara="1" rIns="91425" wrap="square" tIns="91425">
+            <a:bodyPr spcFirstLastPara="1" wrap="square" lIns="91425" tIns="91425" rIns="91425" bIns="91425" anchor="ctr" anchorCtr="0">
               <a:noAutofit/>
             </a:bodyPr>
             <a:lstStyle/>
             <a:p>
-              <a:pPr indent="0" lvl="0" marL="0" rtl="0" algn="l">
+              <a:pPr marL="0" lvl="0" indent="0" algn="l" rtl="0">
                 <a:spcBef>
                   <a:spcPts val="0"/>
                 </a:spcBef>
@@ -6677,9 +6730,6 @@
                 </a:spcAft>
                 <a:buNone/>
               </a:pPr>
-              <a:r>
-                <a:t/>
-              </a:r>
               <a:endParaRPr/>
             </a:p>
           </p:txBody>
@@ -6697,7 +6747,7 @@
             </a:xfrm>
             <a:prstGeom prst="diagStripe">
               <a:avLst>
-                <a:gd fmla="val 50000" name="adj"/>
+                <a:gd name="adj" fmla="val 50000"/>
               </a:avLst>
             </a:prstGeom>
             <a:solidFill>
@@ -6710,12 +6760,12 @@
             </a:ln>
           </p:spPr>
           <p:txBody>
-            <a:bodyPr anchorCtr="0" anchor="ctr" bIns="91425" lIns="91425" spcFirstLastPara="1" rIns="91425" wrap="square" tIns="91425">
+            <a:bodyPr spcFirstLastPara="1" wrap="square" lIns="91425" tIns="91425" rIns="91425" bIns="91425" anchor="ctr" anchorCtr="0">
               <a:noAutofit/>
             </a:bodyPr>
             <a:lstStyle/>
             <a:p>
-              <a:pPr indent="0" lvl="0" marL="0" rtl="0" algn="l">
+              <a:pPr marL="0" lvl="0" indent="0" algn="l" rtl="0">
                 <a:spcBef>
                   <a:spcPts val="0"/>
                 </a:spcBef>
@@ -6724,9 +6774,6 @@
                 </a:spcAft>
                 <a:buNone/>
               </a:pPr>
-              <a:r>
-                <a:t/>
-              </a:r>
               <a:endParaRPr/>
             </a:p>
           </p:txBody>
@@ -6744,7 +6791,7 @@
             </a:xfrm>
             <a:prstGeom prst="diagStripe">
               <a:avLst>
-                <a:gd fmla="val 50000" name="adj"/>
+                <a:gd name="adj" fmla="val 50000"/>
               </a:avLst>
             </a:prstGeom>
             <a:solidFill>
@@ -6757,12 +6804,12 @@
             </a:ln>
           </p:spPr>
           <p:txBody>
-            <a:bodyPr anchorCtr="0" anchor="ctr" bIns="91425" lIns="91425" spcFirstLastPara="1" rIns="91425" wrap="square" tIns="91425">
+            <a:bodyPr spcFirstLastPara="1" wrap="square" lIns="91425" tIns="91425" rIns="91425" bIns="91425" anchor="ctr" anchorCtr="0">
               <a:noAutofit/>
             </a:bodyPr>
             <a:lstStyle/>
             <a:p>
-              <a:pPr indent="0" lvl="0" marL="0" rtl="0" algn="l">
+              <a:pPr marL="0" lvl="0" indent="0" algn="l" rtl="0">
                 <a:spcBef>
                   <a:spcPts val="0"/>
                 </a:spcBef>
@@ -6771,9 +6818,6 @@
                 </a:spcAft>
                 <a:buNone/>
               </a:pPr>
-              <a:r>
-                <a:t/>
-              </a:r>
               <a:endParaRPr/>
             </a:p>
           </p:txBody>
@@ -6791,7 +6835,7 @@
             </a:xfrm>
             <a:prstGeom prst="diagStripe">
               <a:avLst>
-                <a:gd fmla="val 50000" name="adj"/>
+                <a:gd name="adj" fmla="val 50000"/>
               </a:avLst>
             </a:prstGeom>
             <a:solidFill>
@@ -6804,12 +6848,12 @@
             </a:ln>
           </p:spPr>
           <p:txBody>
-            <a:bodyPr anchorCtr="0" anchor="ctr" bIns="91425" lIns="91425" spcFirstLastPara="1" rIns="91425" wrap="square" tIns="91425">
+            <a:bodyPr spcFirstLastPara="1" wrap="square" lIns="91425" tIns="91425" rIns="91425" bIns="91425" anchor="ctr" anchorCtr="0">
               <a:noAutofit/>
             </a:bodyPr>
             <a:lstStyle/>
             <a:p>
-              <a:pPr indent="0" lvl="0" marL="0" rtl="0" algn="l">
+              <a:pPr marL="0" lvl="0" indent="0" algn="l" rtl="0">
                 <a:spcBef>
                   <a:spcPts val="0"/>
                 </a:spcBef>
@@ -6818,9 +6862,6 @@
                 </a:spcAft>
                 <a:buNone/>
               </a:pPr>
-              <a:r>
-                <a:t/>
-              </a:r>
               <a:endParaRPr/>
             </a:p>
           </p:txBody>
@@ -6838,7 +6879,7 @@
             </a:xfrm>
             <a:prstGeom prst="diagStripe">
               <a:avLst>
-                <a:gd fmla="val 50000" name="adj"/>
+                <a:gd name="adj" fmla="val 50000"/>
               </a:avLst>
             </a:prstGeom>
             <a:solidFill>
@@ -6851,12 +6892,12 @@
             </a:ln>
           </p:spPr>
           <p:txBody>
-            <a:bodyPr anchorCtr="0" anchor="ctr" bIns="91425" lIns="91425" spcFirstLastPara="1" rIns="91425" wrap="square" tIns="91425">
+            <a:bodyPr spcFirstLastPara="1" wrap="square" lIns="91425" tIns="91425" rIns="91425" bIns="91425" anchor="ctr" anchorCtr="0">
               <a:noAutofit/>
             </a:bodyPr>
             <a:lstStyle/>
             <a:p>
-              <a:pPr indent="0" lvl="0" marL="0" rtl="0" algn="l">
+              <a:pPr marL="0" lvl="0" indent="0" algn="l" rtl="0">
                 <a:spcBef>
                   <a:spcPts val="0"/>
                 </a:spcBef>
@@ -6865,9 +6906,6 @@
                 </a:spcAft>
                 <a:buNone/>
               </a:pPr>
-              <a:r>
-                <a:t/>
-              </a:r>
               <a:endParaRPr/>
             </a:p>
           </p:txBody>
@@ -6885,7 +6923,7 @@
             </a:xfrm>
             <a:prstGeom prst="diagStripe">
               <a:avLst>
-                <a:gd fmla="val 50000" name="adj"/>
+                <a:gd name="adj" fmla="val 50000"/>
               </a:avLst>
             </a:prstGeom>
             <a:solidFill>
@@ -6896,12 +6934,12 @@
             </a:ln>
           </p:spPr>
           <p:txBody>
-            <a:bodyPr anchorCtr="0" anchor="ctr" bIns="91425" lIns="91425" spcFirstLastPara="1" rIns="91425" wrap="square" tIns="91425">
+            <a:bodyPr spcFirstLastPara="1" wrap="square" lIns="91425" tIns="91425" rIns="91425" bIns="91425" anchor="ctr" anchorCtr="0">
               <a:noAutofit/>
             </a:bodyPr>
             <a:lstStyle/>
             <a:p>
-              <a:pPr indent="0" lvl="0" marL="0" rtl="0" algn="l">
+              <a:pPr marL="0" lvl="0" indent="0" algn="l" rtl="0">
                 <a:spcBef>
                   <a:spcPts val="0"/>
                 </a:spcBef>
@@ -6910,9 +6948,6 @@
                 </a:spcAft>
                 <a:buNone/>
               </a:pPr>
-              <a:r>
-                <a:t/>
-              </a:r>
               <a:endParaRPr/>
             </a:p>
           </p:txBody>
@@ -6930,7 +6965,7 @@
             </a:xfrm>
             <a:prstGeom prst="diagStripe">
               <a:avLst>
-                <a:gd fmla="val 50000" name="adj"/>
+                <a:gd name="adj" fmla="val 50000"/>
               </a:avLst>
             </a:prstGeom>
             <a:solidFill>
@@ -6943,12 +6978,12 @@
             </a:ln>
           </p:spPr>
           <p:txBody>
-            <a:bodyPr anchorCtr="0" anchor="ctr" bIns="91425" lIns="91425" spcFirstLastPara="1" rIns="91425" wrap="square" tIns="91425">
+            <a:bodyPr spcFirstLastPara="1" wrap="square" lIns="91425" tIns="91425" rIns="91425" bIns="91425" anchor="ctr" anchorCtr="0">
               <a:noAutofit/>
             </a:bodyPr>
             <a:lstStyle/>
             <a:p>
-              <a:pPr indent="0" lvl="0" marL="0" rtl="0" algn="l">
+              <a:pPr marL="0" lvl="0" indent="0" algn="l" rtl="0">
                 <a:spcBef>
                   <a:spcPts val="0"/>
                 </a:spcBef>
@@ -6957,9 +6992,6 @@
                 </a:spcAft>
                 <a:buNone/>
               </a:pPr>
-              <a:r>
-                <a:t/>
-              </a:r>
               <a:endParaRPr/>
             </a:p>
           </p:txBody>
@@ -6977,7 +7009,7 @@
             </a:xfrm>
             <a:prstGeom prst="diagStripe">
               <a:avLst>
-                <a:gd fmla="val 50000" name="adj"/>
+                <a:gd name="adj" fmla="val 50000"/>
               </a:avLst>
             </a:prstGeom>
             <a:solidFill>
@@ -6990,12 +7022,12 @@
             </a:ln>
           </p:spPr>
           <p:txBody>
-            <a:bodyPr anchorCtr="0" anchor="ctr" bIns="91425" lIns="91425" spcFirstLastPara="1" rIns="91425" wrap="square" tIns="91425">
+            <a:bodyPr spcFirstLastPara="1" wrap="square" lIns="91425" tIns="91425" rIns="91425" bIns="91425" anchor="ctr" anchorCtr="0">
               <a:noAutofit/>
             </a:bodyPr>
             <a:lstStyle/>
             <a:p>
-              <a:pPr indent="0" lvl="0" marL="0" rtl="0" algn="l">
+              <a:pPr marL="0" lvl="0" indent="0" algn="l" rtl="0">
                 <a:spcBef>
                   <a:spcPts val="0"/>
                 </a:spcBef>
@@ -7004,9 +7036,6 @@
                 </a:spcAft>
                 <a:buNone/>
               </a:pPr>
-              <a:r>
-                <a:t/>
-              </a:r>
               <a:endParaRPr/>
             </a:p>
           </p:txBody>
@@ -7024,7 +7053,7 @@
             </a:xfrm>
             <a:prstGeom prst="diagStripe">
               <a:avLst>
-                <a:gd fmla="val 50000" name="adj"/>
+                <a:gd name="adj" fmla="val 50000"/>
               </a:avLst>
             </a:prstGeom>
             <a:solidFill>
@@ -7037,12 +7066,12 @@
             </a:ln>
           </p:spPr>
           <p:txBody>
-            <a:bodyPr anchorCtr="0" anchor="ctr" bIns="91425" lIns="91425" spcFirstLastPara="1" rIns="91425" wrap="square" tIns="91425">
+            <a:bodyPr spcFirstLastPara="1" wrap="square" lIns="91425" tIns="91425" rIns="91425" bIns="91425" anchor="ctr" anchorCtr="0">
               <a:noAutofit/>
             </a:bodyPr>
             <a:lstStyle/>
             <a:p>
-              <a:pPr indent="0" lvl="0" marL="0" rtl="0" algn="l">
+              <a:pPr marL="0" lvl="0" indent="0" algn="l" rtl="0">
                 <a:spcBef>
                   <a:spcPts val="0"/>
                 </a:spcBef>
@@ -7051,9 +7080,6 @@
                 </a:spcAft>
                 <a:buNone/>
               </a:pPr>
-              <a:r>
-                <a:t/>
-              </a:r>
               <a:endParaRPr/>
             </a:p>
           </p:txBody>
@@ -7071,7 +7097,7 @@
             </a:xfrm>
             <a:prstGeom prst="diagStripe">
               <a:avLst>
-                <a:gd fmla="val 50000" name="adj"/>
+                <a:gd name="adj" fmla="val 50000"/>
               </a:avLst>
             </a:prstGeom>
             <a:solidFill>
@@ -7084,12 +7110,12 @@
             </a:ln>
           </p:spPr>
           <p:txBody>
-            <a:bodyPr anchorCtr="0" anchor="ctr" bIns="91425" lIns="91425" spcFirstLastPara="1" rIns="91425" wrap="square" tIns="91425">
+            <a:bodyPr spcFirstLastPara="1" wrap="square" lIns="91425" tIns="91425" rIns="91425" bIns="91425" anchor="ctr" anchorCtr="0">
               <a:noAutofit/>
             </a:bodyPr>
             <a:lstStyle/>
             <a:p>
-              <a:pPr indent="0" lvl="0" marL="0" rtl="0" algn="l">
+              <a:pPr marL="0" lvl="0" indent="0" algn="l" rtl="0">
                 <a:spcBef>
                   <a:spcPts val="0"/>
                 </a:spcBef>
@@ -7098,9 +7124,6 @@
                 </a:spcAft>
                 <a:buNone/>
               </a:pPr>
-              <a:r>
-                <a:t/>
-              </a:r>
               <a:endParaRPr/>
             </a:p>
           </p:txBody>
@@ -7109,7 +7132,9 @@
       <p:sp>
         <p:nvSpPr>
           <p:cNvPr id="89" name="Google Shape;89;p8"/>
-          <p:cNvSpPr txBox="1"/>
+          <p:cNvSpPr txBox="1">
+            <a:spLocks noGrp="1"/>
+          </p:cNvSpPr>
           <p:nvPr>
             <p:ph type="title"/>
           </p:nvPr>
@@ -7124,7 +7149,7 @@
           </a:prstGeom>
         </p:spPr>
         <p:txBody>
-          <a:bodyPr anchorCtr="0" anchor="ctr" bIns="91425" lIns="91425" spcFirstLastPara="1" rIns="91425" wrap="square" tIns="91425"/>
+          <a:bodyPr spcFirstLastPara="1" wrap="square" lIns="91425" tIns="91425" rIns="91425" bIns="91425" anchor="ctr" anchorCtr="0"/>
           <a:lstStyle>
             <a:lvl1pPr lvl="0">
               <a:spcBef>
@@ -7226,15 +7251,19 @@
               <a:defRPr/>
             </a:lvl9pPr>
           </a:lstStyle>
-          <a:p/>
+          <a:p>
+            <a:endParaRPr/>
+          </a:p>
         </p:txBody>
       </p:sp>
       <p:sp>
         <p:nvSpPr>
           <p:cNvPr id="90" name="Google Shape;90;p8"/>
-          <p:cNvSpPr txBox="1"/>
+          <p:cNvSpPr txBox="1">
+            <a:spLocks noGrp="1"/>
+          </p:cNvSpPr>
           <p:nvPr>
-            <p:ph idx="12" type="sldNum"/>
+            <p:ph type="sldNum" idx="12"/>
           </p:nvPr>
         </p:nvSpPr>
         <p:spPr>
@@ -7247,7 +7276,7 @@
           </a:prstGeom>
         </p:spPr>
         <p:txBody>
-          <a:bodyPr anchorCtr="0" anchor="ctr" bIns="91425" lIns="91425" spcFirstLastPara="1" rIns="91425" wrap="square" tIns="91425">
+          <a:bodyPr spcFirstLastPara="1" wrap="square" lIns="91425" tIns="91425" rIns="91425" bIns="91425" anchor="ctr" anchorCtr="0">
             <a:noAutofit/>
           </a:bodyPr>
           <a:lstStyle>
@@ -7289,7 +7318,7 @@
             </a:lvl9pPr>
           </a:lstStyle>
           <a:p>
-            <a:pPr indent="0" lvl="0" marL="0" rtl="0" algn="r">
+            <a:pPr marL="0" lvl="0" indent="0" algn="r" rtl="0">
               <a:spcBef>
                 <a:spcPts val="0"/>
               </a:spcBef>
@@ -7315,11 +7344,11 @@
 </file>
 
 <file path=ppt/slideLayouts/slideLayout8.xml><?xml version="1.0" encoding="utf-8"?>
-<p:sldLayout xmlns:a="http://schemas.openxmlformats.org/drawingml/2006/main" xmlns:r="http://schemas.openxmlformats.org/officeDocument/2006/relationships" xmlns:mc="http://schemas.openxmlformats.org/markup-compatibility/2006" xmlns:mv="urn:schemas-microsoft-com:mac:vml" xmlns:p="http://schemas.openxmlformats.org/presentationml/2006/main" xmlns:c="http://schemas.openxmlformats.org/drawingml/2006/chart" xmlns:dgm="http://schemas.openxmlformats.org/drawingml/2006/diagram" xmlns:o="urn:schemas-microsoft-com:office:office" xmlns:v="urn:schemas-microsoft-com:vml" xmlns:pvml="urn:schemas-microsoft-com:office:powerpoint" xmlns:com="http://schemas.openxmlformats.org/drawingml/2006/compatibility" xmlns:p14="http://schemas.microsoft.com/office/powerpoint/2010/main" xmlns:p15="http://schemas.microsoft.com/office/powerpoint/2012/main" matchingName="Section title and description">
+<p:sldLayout xmlns:a="http://schemas.openxmlformats.org/drawingml/2006/main" xmlns:r="http://schemas.openxmlformats.org/officeDocument/2006/relationships" xmlns:p="http://schemas.openxmlformats.org/presentationml/2006/main" matchingName="Section title and description">
   <p:cSld name="SECTION_TITLE_AND_DESCRIPTION">
     <p:spTree>
       <p:nvGrpSpPr>
-        <p:cNvPr id="91" name="Shape 91"/>
+        <p:cNvPr id="1" name="Shape 91"/>
         <p:cNvGrpSpPr/>
         <p:nvPr/>
       </p:nvGrpSpPr>
@@ -7358,7 +7387,7 @@
             </a:xfrm>
             <a:prstGeom prst="diagStripe">
               <a:avLst>
-                <a:gd fmla="val 50000" name="adj"/>
+                <a:gd name="adj" fmla="val 50000"/>
               </a:avLst>
             </a:prstGeom>
             <a:solidFill>
@@ -7369,12 +7398,12 @@
             </a:ln>
           </p:spPr>
           <p:txBody>
-            <a:bodyPr anchorCtr="0" anchor="ctr" bIns="91425" lIns="91425" spcFirstLastPara="1" rIns="91425" wrap="square" tIns="91425">
+            <a:bodyPr spcFirstLastPara="1" wrap="square" lIns="91425" tIns="91425" rIns="91425" bIns="91425" anchor="ctr" anchorCtr="0">
               <a:noAutofit/>
             </a:bodyPr>
             <a:lstStyle/>
             <a:p>
-              <a:pPr indent="0" lvl="0" marL="0" rtl="0" algn="l">
+              <a:pPr marL="0" lvl="0" indent="0" algn="l" rtl="0">
                 <a:spcBef>
                   <a:spcPts val="0"/>
                 </a:spcBef>
@@ -7383,9 +7412,6 @@
                 </a:spcAft>
                 <a:buNone/>
               </a:pPr>
-              <a:r>
-                <a:t/>
-              </a:r>
               <a:endParaRPr/>
             </a:p>
           </p:txBody>
@@ -7403,7 +7429,7 @@
             </a:xfrm>
             <a:prstGeom prst="diagStripe">
               <a:avLst>
-                <a:gd fmla="val 50000" name="adj"/>
+                <a:gd name="adj" fmla="val 50000"/>
               </a:avLst>
             </a:prstGeom>
             <a:solidFill>
@@ -7414,12 +7440,12 @@
             </a:ln>
           </p:spPr>
           <p:txBody>
-            <a:bodyPr anchorCtr="0" anchor="ctr" bIns="91425" lIns="91425" spcFirstLastPara="1" rIns="91425" wrap="square" tIns="91425">
+            <a:bodyPr spcFirstLastPara="1" wrap="square" lIns="91425" tIns="91425" rIns="91425" bIns="91425" anchor="ctr" anchorCtr="0">
               <a:noAutofit/>
             </a:bodyPr>
             <a:lstStyle/>
             <a:p>
-              <a:pPr indent="0" lvl="0" marL="0" rtl="0" algn="l">
+              <a:pPr marL="0" lvl="0" indent="0" algn="l" rtl="0">
                 <a:spcBef>
                   <a:spcPts val="0"/>
                 </a:spcBef>
@@ -7428,9 +7454,6 @@
                 </a:spcAft>
                 <a:buNone/>
               </a:pPr>
-              <a:r>
-                <a:t/>
-              </a:r>
               <a:endParaRPr/>
             </a:p>
           </p:txBody>
@@ -7439,7 +7462,9 @@
       <p:sp>
         <p:nvSpPr>
           <p:cNvPr id="95" name="Google Shape;95;p9"/>
-          <p:cNvSpPr txBox="1"/>
+          <p:cNvSpPr txBox="1">
+            <a:spLocks noGrp="1"/>
+          </p:cNvSpPr>
           <p:nvPr>
             <p:ph type="title"/>
           </p:nvPr>
@@ -7454,7 +7479,7 @@
           </a:prstGeom>
         </p:spPr>
         <p:txBody>
-          <a:bodyPr anchorCtr="0" anchor="t" bIns="91425" lIns="91425" spcFirstLastPara="1" rIns="91425" wrap="square" tIns="91425"/>
+          <a:bodyPr spcFirstLastPara="1" wrap="square" lIns="91425" tIns="91425" rIns="91425" bIns="91425" anchor="t" anchorCtr="0"/>
           <a:lstStyle>
             <a:lvl1pPr lvl="0">
               <a:spcBef>
@@ -7556,15 +7581,19 @@
               <a:defRPr sz="2400"/>
             </a:lvl9pPr>
           </a:lstStyle>
-          <a:p/>
+          <a:p>
+            <a:endParaRPr/>
+          </a:p>
         </p:txBody>
       </p:sp>
       <p:sp>
         <p:nvSpPr>
           <p:cNvPr id="96" name="Google Shape;96;p9"/>
-          <p:cNvSpPr txBox="1"/>
+          <p:cNvSpPr txBox="1">
+            <a:spLocks noGrp="1"/>
+          </p:cNvSpPr>
           <p:nvPr>
-            <p:ph idx="1" type="subTitle"/>
+            <p:ph type="subTitle" idx="1"/>
           </p:nvPr>
         </p:nvSpPr>
         <p:spPr>
@@ -7577,7 +7606,7 @@
           </a:prstGeom>
         </p:spPr>
         <p:txBody>
-          <a:bodyPr anchorCtr="0" anchor="t" bIns="91425" lIns="91425" spcFirstLastPara="1" rIns="91425" wrap="square" tIns="91425"/>
+          <a:bodyPr spcFirstLastPara="1" wrap="square" lIns="91425" tIns="91425" rIns="91425" bIns="91425" anchor="t" anchorCtr="0"/>
           <a:lstStyle>
             <a:lvl1pPr lvl="0">
               <a:lnSpc>
@@ -7706,15 +7735,19 @@
               <a:defRPr sz="1300"/>
             </a:lvl9pPr>
           </a:lstStyle>
-          <a:p/>
+          <a:p>
+            <a:endParaRPr/>
+          </a:p>
         </p:txBody>
       </p:sp>
       <p:sp>
         <p:nvSpPr>
           <p:cNvPr id="97" name="Google Shape;97;p9"/>
-          <p:cNvSpPr txBox="1"/>
+          <p:cNvSpPr txBox="1">
+            <a:spLocks noGrp="1"/>
+          </p:cNvSpPr>
           <p:nvPr>
-            <p:ph idx="2" type="body"/>
+            <p:ph type="body" idx="2"/>
           </p:nvPr>
         </p:nvSpPr>
         <p:spPr>
@@ -7727,9 +7760,9 @@
           </a:prstGeom>
         </p:spPr>
         <p:txBody>
-          <a:bodyPr anchorCtr="0" anchor="t" bIns="91425" lIns="91425" spcFirstLastPara="1" rIns="91425" wrap="square" tIns="91425"/>
+          <a:bodyPr spcFirstLastPara="1" wrap="square" lIns="91425" tIns="91425" rIns="91425" bIns="91425" anchor="t" anchorCtr="0"/>
           <a:lstStyle>
-            <a:lvl1pPr indent="-311150" lvl="0" marL="457200">
+            <a:lvl1pPr marL="457200" lvl="0" indent="-311150">
               <a:spcBef>
                 <a:spcPts val="0"/>
               </a:spcBef>
@@ -7740,7 +7773,7 @@
               <a:buChar char="●"/>
               <a:defRPr/>
             </a:lvl1pPr>
-            <a:lvl2pPr indent="-298450" lvl="1" marL="914400">
+            <a:lvl2pPr marL="914400" lvl="1" indent="-298450">
               <a:spcBef>
                 <a:spcPts val="1600"/>
               </a:spcBef>
@@ -7751,7 +7784,7 @@
               <a:buChar char="○"/>
               <a:defRPr/>
             </a:lvl2pPr>
-            <a:lvl3pPr indent="-298450" lvl="2" marL="1371600">
+            <a:lvl3pPr marL="1371600" lvl="2" indent="-298450">
               <a:spcBef>
                 <a:spcPts val="1600"/>
               </a:spcBef>
@@ -7762,7 +7795,7 @@
               <a:buChar char="■"/>
               <a:defRPr/>
             </a:lvl3pPr>
-            <a:lvl4pPr indent="-298450" lvl="3" marL="1828800">
+            <a:lvl4pPr marL="1828800" lvl="3" indent="-298450">
               <a:spcBef>
                 <a:spcPts val="1600"/>
               </a:spcBef>
@@ -7773,7 +7806,7 @@
               <a:buChar char="●"/>
               <a:defRPr/>
             </a:lvl4pPr>
-            <a:lvl5pPr indent="-298450" lvl="4" marL="2286000">
+            <a:lvl5pPr marL="2286000" lvl="4" indent="-298450">
               <a:spcBef>
                 <a:spcPts val="1600"/>
               </a:spcBef>
@@ -7784,7 +7817,7 @@
               <a:buChar char="○"/>
               <a:defRPr/>
             </a:lvl5pPr>
-            <a:lvl6pPr indent="-298450" lvl="5" marL="2743200">
+            <a:lvl6pPr marL="2743200" lvl="5" indent="-298450">
               <a:spcBef>
                 <a:spcPts val="1600"/>
               </a:spcBef>
@@ -7795,7 +7828,7 @@
               <a:buChar char="■"/>
               <a:defRPr/>
             </a:lvl6pPr>
-            <a:lvl7pPr indent="-298450" lvl="6" marL="3200400">
+            <a:lvl7pPr marL="3200400" lvl="6" indent="-298450">
               <a:spcBef>
                 <a:spcPts val="1600"/>
               </a:spcBef>
@@ -7806,7 +7839,7 @@
               <a:buChar char="●"/>
               <a:defRPr/>
             </a:lvl7pPr>
-            <a:lvl8pPr indent="-298450" lvl="7" marL="3657600">
+            <a:lvl8pPr marL="3657600" lvl="7" indent="-298450">
               <a:spcBef>
                 <a:spcPts val="1600"/>
               </a:spcBef>
@@ -7817,7 +7850,7 @@
               <a:buChar char="○"/>
               <a:defRPr/>
             </a:lvl8pPr>
-            <a:lvl9pPr indent="-298450" lvl="8" marL="4114800">
+            <a:lvl9pPr marL="4114800" lvl="8" indent="-298450">
               <a:spcBef>
                 <a:spcPts val="1600"/>
               </a:spcBef>
@@ -7829,15 +7862,19 @@
               <a:defRPr/>
             </a:lvl9pPr>
           </a:lstStyle>
-          <a:p/>
+          <a:p>
+            <a:endParaRPr/>
+          </a:p>
         </p:txBody>
       </p:sp>
       <p:sp>
         <p:nvSpPr>
           <p:cNvPr id="98" name="Google Shape;98;p9"/>
-          <p:cNvSpPr txBox="1"/>
+          <p:cNvSpPr txBox="1">
+            <a:spLocks noGrp="1"/>
+          </p:cNvSpPr>
           <p:nvPr>
-            <p:ph idx="12" type="sldNum"/>
+            <p:ph type="sldNum" idx="12"/>
           </p:nvPr>
         </p:nvSpPr>
         <p:spPr>
@@ -7850,7 +7887,7 @@
           </a:prstGeom>
         </p:spPr>
         <p:txBody>
-          <a:bodyPr anchorCtr="0" anchor="ctr" bIns="91425" lIns="91425" spcFirstLastPara="1" rIns="91425" wrap="square" tIns="91425">
+          <a:bodyPr spcFirstLastPara="1" wrap="square" lIns="91425" tIns="91425" rIns="91425" bIns="91425" anchor="ctr" anchorCtr="0">
             <a:noAutofit/>
           </a:bodyPr>
           <a:lstStyle>
@@ -7892,7 +7929,7 @@
             </a:lvl9pPr>
           </a:lstStyle>
           <a:p>
-            <a:pPr indent="0" lvl="0" marL="0" rtl="0" algn="r">
+            <a:pPr marL="0" lvl="0" indent="0" algn="r" rtl="0">
               <a:spcBef>
                 <a:spcPts val="0"/>
               </a:spcBef>
@@ -7918,11 +7955,11 @@
 </file>
 
 <file path=ppt/slideLayouts/slideLayout9.xml><?xml version="1.0" encoding="utf-8"?>
-<p:sldLayout xmlns:a="http://schemas.openxmlformats.org/drawingml/2006/main" xmlns:r="http://schemas.openxmlformats.org/officeDocument/2006/relationships" xmlns:mc="http://schemas.openxmlformats.org/markup-compatibility/2006" xmlns:mv="urn:schemas-microsoft-com:mac:vml" xmlns:p="http://schemas.openxmlformats.org/presentationml/2006/main" xmlns:c="http://schemas.openxmlformats.org/drawingml/2006/chart" xmlns:dgm="http://schemas.openxmlformats.org/drawingml/2006/diagram" xmlns:o="urn:schemas-microsoft-com:office:office" xmlns:v="urn:schemas-microsoft-com:vml" xmlns:pvml="urn:schemas-microsoft-com:office:powerpoint" xmlns:com="http://schemas.openxmlformats.org/drawingml/2006/compatibility" xmlns:p14="http://schemas.microsoft.com/office/powerpoint/2010/main" xmlns:p15="http://schemas.microsoft.com/office/powerpoint/2012/main" matchingName="Caption">
+<p:sldLayout xmlns:a="http://schemas.openxmlformats.org/drawingml/2006/main" xmlns:r="http://schemas.openxmlformats.org/officeDocument/2006/relationships" xmlns:p="http://schemas.openxmlformats.org/presentationml/2006/main" matchingName="Caption">
   <p:cSld name="CAPTION_ONLY">
     <p:spTree>
       <p:nvGrpSpPr>
-        <p:cNvPr id="99" name="Shape 99"/>
+        <p:cNvPr id="1" name="Shape 99"/>
         <p:cNvGrpSpPr/>
         <p:nvPr/>
       </p:nvGrpSpPr>
@@ -7961,7 +7998,7 @@
             </a:xfrm>
             <a:prstGeom prst="diagStripe">
               <a:avLst>
-                <a:gd fmla="val 50000" name="adj"/>
+                <a:gd name="adj" fmla="val 50000"/>
               </a:avLst>
             </a:prstGeom>
             <a:solidFill>
@@ -7974,12 +8011,12 @@
             </a:ln>
           </p:spPr>
           <p:txBody>
-            <a:bodyPr anchorCtr="0" anchor="ctr" bIns="91425" lIns="91425" spcFirstLastPara="1" rIns="91425" wrap="square" tIns="91425">
+            <a:bodyPr spcFirstLastPara="1" wrap="square" lIns="91425" tIns="91425" rIns="91425" bIns="91425" anchor="ctr" anchorCtr="0">
               <a:noAutofit/>
             </a:bodyPr>
             <a:lstStyle/>
             <a:p>
-              <a:pPr indent="0" lvl="0" marL="0" rtl="0" algn="l">
+              <a:pPr marL="0" lvl="0" indent="0" algn="l" rtl="0">
                 <a:spcBef>
                   <a:spcPts val="0"/>
                 </a:spcBef>
@@ -7988,9 +8025,6 @@
                 </a:spcAft>
                 <a:buNone/>
               </a:pPr>
-              <a:r>
-                <a:t/>
-              </a:r>
               <a:endParaRPr/>
             </a:p>
           </p:txBody>
@@ -8008,7 +8042,7 @@
             </a:xfrm>
             <a:prstGeom prst="diagStripe">
               <a:avLst>
-                <a:gd fmla="val 50000" name="adj"/>
+                <a:gd name="adj" fmla="val 50000"/>
               </a:avLst>
             </a:prstGeom>
             <a:solidFill>
@@ -8021,12 +8055,12 @@
             </a:ln>
           </p:spPr>
           <p:txBody>
-            <a:bodyPr anchorCtr="0" anchor="ctr" bIns="91425" lIns="91425" spcFirstLastPara="1" rIns="91425" wrap="square" tIns="91425">
+            <a:bodyPr spcFirstLastPara="1" wrap="square" lIns="91425" tIns="91425" rIns="91425" bIns="91425" anchor="ctr" anchorCtr="0">
               <a:noAutofit/>
             </a:bodyPr>
             <a:lstStyle/>
             <a:p>
-              <a:pPr indent="0" lvl="0" marL="0" rtl="0" algn="l">
+              <a:pPr marL="0" lvl="0" indent="0" algn="l" rtl="0">
                 <a:spcBef>
                   <a:spcPts val="0"/>
                 </a:spcBef>
@@ -8035,9 +8069,6 @@
                 </a:spcAft>
                 <a:buNone/>
               </a:pPr>
-              <a:r>
-                <a:t/>
-              </a:r>
               <a:endParaRPr/>
             </a:p>
           </p:txBody>
@@ -8046,9 +8077,11 @@
       <p:sp>
         <p:nvSpPr>
           <p:cNvPr id="103" name="Google Shape;103;p10"/>
-          <p:cNvSpPr txBox="1"/>
+          <p:cNvSpPr txBox="1">
+            <a:spLocks noGrp="1"/>
+          </p:cNvSpPr>
           <p:nvPr>
-            <p:ph idx="1" type="body"/>
+            <p:ph type="body" idx="1"/>
           </p:nvPr>
         </p:nvSpPr>
         <p:spPr>
@@ -8061,9 +8094,9 @@
           </a:prstGeom>
         </p:spPr>
         <p:txBody>
-          <a:bodyPr anchorCtr="0" anchor="ctr" bIns="91425" lIns="91425" spcFirstLastPara="1" rIns="91425" wrap="square" tIns="91425"/>
+          <a:bodyPr spcFirstLastPara="1" wrap="square" lIns="91425" tIns="91425" rIns="91425" bIns="91425" anchor="ctr" anchorCtr="0"/>
           <a:lstStyle>
-            <a:lvl1pPr indent="-228600" lvl="0" marL="457200">
+            <a:lvl1pPr marL="457200" lvl="0" indent="-228600">
               <a:lnSpc>
                 <a:spcPct val="100000"/>
               </a:lnSpc>
@@ -8078,15 +8111,19 @@
               <a:defRPr/>
             </a:lvl1pPr>
           </a:lstStyle>
-          <a:p/>
+          <a:p>
+            <a:endParaRPr/>
+          </a:p>
         </p:txBody>
       </p:sp>
       <p:sp>
         <p:nvSpPr>
           <p:cNvPr id="104" name="Google Shape;104;p10"/>
-          <p:cNvSpPr txBox="1"/>
+          <p:cNvSpPr txBox="1">
+            <a:spLocks noGrp="1"/>
+          </p:cNvSpPr>
           <p:nvPr>
-            <p:ph idx="12" type="sldNum"/>
+            <p:ph type="sldNum" idx="12"/>
           </p:nvPr>
         </p:nvSpPr>
         <p:spPr>
@@ -8099,7 +8136,7 @@
           </a:prstGeom>
         </p:spPr>
         <p:txBody>
-          <a:bodyPr anchorCtr="0" anchor="ctr" bIns="91425" lIns="91425" spcFirstLastPara="1" rIns="91425" wrap="square" tIns="91425">
+          <a:bodyPr spcFirstLastPara="1" wrap="square" lIns="91425" tIns="91425" rIns="91425" bIns="91425" anchor="ctr" anchorCtr="0">
             <a:noAutofit/>
           </a:bodyPr>
           <a:lstStyle>
@@ -8141,7 +8178,7 @@
             </a:lvl9pPr>
           </a:lstStyle>
           <a:p>
-            <a:pPr indent="0" lvl="0" marL="0" rtl="0" algn="r">
+            <a:pPr marL="0" lvl="0" indent="0" algn="r" rtl="0">
               <a:spcBef>
                 <a:spcPts val="0"/>
               </a:spcBef>
@@ -8167,18 +8204,19 @@
 </file>
 
 <file path=ppt/slideMasters/slideMaster1.xml><?xml version="1.0" encoding="utf-8"?>
-<p:sldMaster xmlns:a="http://schemas.openxmlformats.org/drawingml/2006/main" xmlns:r="http://schemas.openxmlformats.org/officeDocument/2006/relationships" xmlns:mc="http://schemas.openxmlformats.org/markup-compatibility/2006" xmlns:mv="urn:schemas-microsoft-com:mac:vml" xmlns:p="http://schemas.openxmlformats.org/presentationml/2006/main" xmlns:c="http://schemas.openxmlformats.org/drawingml/2006/chart" xmlns:dgm="http://schemas.openxmlformats.org/drawingml/2006/diagram" xmlns:o="urn:schemas-microsoft-com:office:office" xmlns:v="urn:schemas-microsoft-com:vml" xmlns:pvml="urn:schemas-microsoft-com:office:powerpoint" xmlns:com="http://schemas.openxmlformats.org/drawingml/2006/compatibility" xmlns:p14="http://schemas.microsoft.com/office/powerpoint/2010/main" xmlns:p15="http://schemas.microsoft.com/office/powerpoint/2012/main">
+<p:sldMaster xmlns:a="http://schemas.openxmlformats.org/drawingml/2006/main" xmlns:r="http://schemas.openxmlformats.org/officeDocument/2006/relationships" xmlns:p="http://schemas.openxmlformats.org/presentationml/2006/main">
   <p:cSld name="focus">
     <p:bg>
       <p:bgPr>
         <a:solidFill>
           <a:schemeClr val="dk1"/>
         </a:solidFill>
+        <a:effectLst/>
       </p:bgPr>
     </p:bg>
     <p:spTree>
       <p:nvGrpSpPr>
-        <p:cNvPr id="5" name="Shape 5"/>
+        <p:cNvPr id="1" name="Shape 5"/>
         <p:cNvGrpSpPr/>
         <p:nvPr/>
       </p:nvGrpSpPr>
@@ -8193,7 +8231,9 @@
       <p:sp>
         <p:nvSpPr>
           <p:cNvPr id="6" name="Google Shape;6;p1"/>
-          <p:cNvSpPr txBox="1"/>
+          <p:cNvSpPr txBox="1">
+            <a:spLocks noGrp="1"/>
+          </p:cNvSpPr>
           <p:nvPr>
             <p:ph type="title"/>
           </p:nvPr>
@@ -8212,7 +8252,7 @@
           </a:ln>
         </p:spPr>
         <p:txBody>
-          <a:bodyPr anchorCtr="0" anchor="t" bIns="91425" lIns="91425" spcFirstLastPara="1" rIns="91425" wrap="square" tIns="91425"/>
+          <a:bodyPr spcFirstLastPara="1" wrap="square" lIns="91425" tIns="91425" rIns="91425" bIns="91425" anchor="t" anchorCtr="0"/>
           <a:lstStyle>
             <a:lvl1pPr lvl="0">
               <a:spcBef>
@@ -8422,15 +8462,19 @@
               </a:defRPr>
             </a:lvl9pPr>
           </a:lstStyle>
-          <a:p/>
+          <a:p>
+            <a:endParaRPr/>
+          </a:p>
         </p:txBody>
       </p:sp>
       <p:sp>
         <p:nvSpPr>
           <p:cNvPr id="7" name="Google Shape;7;p1"/>
-          <p:cNvSpPr txBox="1"/>
+          <p:cNvSpPr txBox="1">
+            <a:spLocks noGrp="1"/>
+          </p:cNvSpPr>
           <p:nvPr>
-            <p:ph idx="1" type="body"/>
+            <p:ph type="body" idx="1"/>
           </p:nvPr>
         </p:nvSpPr>
         <p:spPr>
@@ -8447,9 +8491,9 @@
           </a:ln>
         </p:spPr>
         <p:txBody>
-          <a:bodyPr anchorCtr="0" anchor="t" bIns="91425" lIns="91425" spcFirstLastPara="1" rIns="91425" wrap="square" tIns="91425"/>
+          <a:bodyPr spcFirstLastPara="1" wrap="square" lIns="91425" tIns="91425" rIns="91425" bIns="91425" anchor="t" anchorCtr="0"/>
           <a:lstStyle>
-            <a:lvl1pPr indent="-311150" lvl="0" marL="457200">
+            <a:lvl1pPr marL="457200" lvl="0" indent="-311150">
               <a:lnSpc>
                 <a:spcPct val="115000"/>
               </a:lnSpc>
@@ -8475,7 +8519,7 @@
                 <a:sym typeface="Lato"/>
               </a:defRPr>
             </a:lvl1pPr>
-            <a:lvl2pPr indent="-298450" lvl="1" marL="914400">
+            <a:lvl2pPr marL="914400" lvl="1" indent="-298450">
               <a:lnSpc>
                 <a:spcPct val="115000"/>
               </a:lnSpc>
@@ -8501,7 +8545,7 @@
                 <a:sym typeface="Lato"/>
               </a:defRPr>
             </a:lvl2pPr>
-            <a:lvl3pPr indent="-298450" lvl="2" marL="1371600">
+            <a:lvl3pPr marL="1371600" lvl="2" indent="-298450">
               <a:lnSpc>
                 <a:spcPct val="115000"/>
               </a:lnSpc>
@@ -8527,7 +8571,7 @@
                 <a:sym typeface="Lato"/>
               </a:defRPr>
             </a:lvl3pPr>
-            <a:lvl4pPr indent="-298450" lvl="3" marL="1828800">
+            <a:lvl4pPr marL="1828800" lvl="3" indent="-298450">
               <a:lnSpc>
                 <a:spcPct val="115000"/>
               </a:lnSpc>
@@ -8553,7 +8597,7 @@
                 <a:sym typeface="Lato"/>
               </a:defRPr>
             </a:lvl4pPr>
-            <a:lvl5pPr indent="-298450" lvl="4" marL="2286000">
+            <a:lvl5pPr marL="2286000" lvl="4" indent="-298450">
               <a:lnSpc>
                 <a:spcPct val="115000"/>
               </a:lnSpc>
@@ -8579,7 +8623,7 @@
                 <a:sym typeface="Lato"/>
               </a:defRPr>
             </a:lvl5pPr>
-            <a:lvl6pPr indent="-298450" lvl="5" marL="2743200">
+            <a:lvl6pPr marL="2743200" lvl="5" indent="-298450">
               <a:lnSpc>
                 <a:spcPct val="115000"/>
               </a:lnSpc>
@@ -8605,7 +8649,7 @@
                 <a:sym typeface="Lato"/>
               </a:defRPr>
             </a:lvl6pPr>
-            <a:lvl7pPr indent="-298450" lvl="6" marL="3200400">
+            <a:lvl7pPr marL="3200400" lvl="6" indent="-298450">
               <a:lnSpc>
                 <a:spcPct val="115000"/>
               </a:lnSpc>
@@ -8631,7 +8675,7 @@
                 <a:sym typeface="Lato"/>
               </a:defRPr>
             </a:lvl7pPr>
-            <a:lvl8pPr indent="-298450" lvl="7" marL="3657600">
+            <a:lvl8pPr marL="3657600" lvl="7" indent="-298450">
               <a:lnSpc>
                 <a:spcPct val="115000"/>
               </a:lnSpc>
@@ -8657,7 +8701,7 @@
                 <a:sym typeface="Lato"/>
               </a:defRPr>
             </a:lvl8pPr>
-            <a:lvl9pPr indent="-298450" lvl="8" marL="4114800">
+            <a:lvl9pPr marL="4114800" lvl="8" indent="-298450">
               <a:lnSpc>
                 <a:spcPct val="115000"/>
               </a:lnSpc>
@@ -8684,15 +8728,19 @@
               </a:defRPr>
             </a:lvl9pPr>
           </a:lstStyle>
-          <a:p/>
+          <a:p>
+            <a:endParaRPr/>
+          </a:p>
         </p:txBody>
       </p:sp>
       <p:sp>
         <p:nvSpPr>
           <p:cNvPr id="8" name="Google Shape;8;p1"/>
-          <p:cNvSpPr txBox="1"/>
+          <p:cNvSpPr txBox="1">
+            <a:spLocks noGrp="1"/>
+          </p:cNvSpPr>
           <p:nvPr>
-            <p:ph idx="12" type="sldNum"/>
+            <p:ph type="sldNum" idx="12"/>
           </p:nvPr>
         </p:nvSpPr>
         <p:spPr>
@@ -8709,7 +8757,7 @@
           </a:ln>
         </p:spPr>
         <p:txBody>
-          <a:bodyPr anchorCtr="0" anchor="ctr" bIns="91425" lIns="91425" spcFirstLastPara="1" rIns="91425" wrap="square" tIns="91425">
+          <a:bodyPr spcFirstLastPara="1" wrap="square" lIns="91425" tIns="91425" rIns="91425" bIns="91425" anchor="ctr" anchorCtr="0">
             <a:noAutofit/>
           </a:bodyPr>
           <a:lstStyle>
@@ -8823,7 +8871,7 @@
             </a:lvl9pPr>
           </a:lstStyle>
           <a:p>
-            <a:pPr indent="0" lvl="0" marL="0" rtl="0" algn="r">
+            <a:pPr marL="0" lvl="0" indent="0" algn="r" rtl="0">
               <a:spcBef>
                 <a:spcPts val="0"/>
               </a:spcBef>
@@ -8842,7 +8890,7 @@
       </p:sp>
     </p:spTree>
   </p:cSld>
-  <p:clrMap accent1="accent1" accent2="accent2" accent3="accent3" accent4="accent4" accent5="accent5" accent6="accent6" bg1="lt1" bg2="dk2" tx1="dk1" tx2="lt2" folHlink="folHlink" hlink="hlink"/>
+  <p:clrMap bg1="lt1" tx1="dk1" bg2="dk2" tx2="lt2" accent1="accent1" accent2="accent2" accent3="accent3" accent4="accent4" accent5="accent5" accent6="accent6" hlink="hlink" folHlink="folHlink"/>
   <p:sldLayoutIdLst>
     <p:sldLayoutId id="2147483648" r:id="rId1"/>
     <p:sldLayoutId id="2147483649" r:id="rId2"/>
@@ -8856,10 +8904,10 @@
     <p:sldLayoutId id="2147483657" r:id="rId10"/>
     <p:sldLayoutId id="2147483658" r:id="rId11"/>
   </p:sldLayoutIdLst>
-  <p:hf dt="0" ftr="0" hdr="0" sldNum="0"/>
+  <p:hf sldNum="0" hdr="0" ftr="0" dt="0"/>
   <p:txStyles>
     <p:titleStyle>
-      <a:defPPr lvl="0" marR="0" rtl="0" algn="l">
+      <a:defPPr marR="0" lvl="0" algn="l" rtl="0">
         <a:lnSpc>
           <a:spcPct val="100000"/>
         </a:lnSpc>
@@ -8870,7 +8918,7 @@
           <a:spcPts val="0"/>
         </a:spcAft>
       </a:defPPr>
-      <a:lvl1pPr lvl="0" marR="0" rtl="0" algn="l">
+      <a:lvl1pPr marR="0" lvl="0" algn="l" rtl="0">
         <a:lnSpc>
           <a:spcPct val="100000"/>
         </a:lnSpc>
@@ -8884,7 +8932,7 @@
           <a:srgbClr val="000000"/>
         </a:buClr>
         <a:buFont typeface="Arial"/>
-        <a:defRPr b="0" i="0" sz="1400" u="none" cap="none" strike="noStrike">
+        <a:defRPr sz="1400" b="0" i="0" u="none" strike="noStrike" cap="none">
           <a:solidFill>
             <a:srgbClr val="000000"/>
           </a:solidFill>
@@ -8894,7 +8942,7 @@
           <a:sym typeface="Arial"/>
         </a:defRPr>
       </a:lvl1pPr>
-      <a:lvl2pPr lvl="1" marR="0" rtl="0" algn="l">
+      <a:lvl2pPr marR="0" lvl="1" algn="l" rtl="0">
         <a:lnSpc>
           <a:spcPct val="100000"/>
         </a:lnSpc>
@@ -8908,7 +8956,7 @@
           <a:srgbClr val="000000"/>
         </a:buClr>
         <a:buFont typeface="Arial"/>
-        <a:defRPr b="0" i="0" sz="1400" u="none" cap="none" strike="noStrike">
+        <a:defRPr sz="1400" b="0" i="0" u="none" strike="noStrike" cap="none">
           <a:solidFill>
             <a:srgbClr val="000000"/>
           </a:solidFill>
@@ -8918,7 +8966,7 @@
           <a:sym typeface="Arial"/>
         </a:defRPr>
       </a:lvl2pPr>
-      <a:lvl3pPr lvl="2" marR="0" rtl="0" algn="l">
+      <a:lvl3pPr marR="0" lvl="2" algn="l" rtl="0">
         <a:lnSpc>
           <a:spcPct val="100000"/>
         </a:lnSpc>
@@ -8932,7 +8980,7 @@
           <a:srgbClr val="000000"/>
         </a:buClr>
         <a:buFont typeface="Arial"/>
-        <a:defRPr b="0" i="0" sz="1400" u="none" cap="none" strike="noStrike">
+        <a:defRPr sz="1400" b="0" i="0" u="none" strike="noStrike" cap="none">
           <a:solidFill>
             <a:srgbClr val="000000"/>
           </a:solidFill>
@@ -8942,7 +8990,7 @@
           <a:sym typeface="Arial"/>
         </a:defRPr>
       </a:lvl3pPr>
-      <a:lvl4pPr lvl="3" marR="0" rtl="0" algn="l">
+      <a:lvl4pPr marR="0" lvl="3" algn="l" rtl="0">
         <a:lnSpc>
           <a:spcPct val="100000"/>
         </a:lnSpc>
@@ -8956,7 +9004,7 @@
           <a:srgbClr val="000000"/>
         </a:buClr>
         <a:buFont typeface="Arial"/>
-        <a:defRPr b="0" i="0" sz="1400" u="none" cap="none" strike="noStrike">
+        <a:defRPr sz="1400" b="0" i="0" u="none" strike="noStrike" cap="none">
           <a:solidFill>
             <a:srgbClr val="000000"/>
           </a:solidFill>
@@ -8966,7 +9014,7 @@
           <a:sym typeface="Arial"/>
         </a:defRPr>
       </a:lvl4pPr>
-      <a:lvl5pPr lvl="4" marR="0" rtl="0" algn="l">
+      <a:lvl5pPr marR="0" lvl="4" algn="l" rtl="0">
         <a:lnSpc>
           <a:spcPct val="100000"/>
         </a:lnSpc>
@@ -8980,7 +9028,7 @@
           <a:srgbClr val="000000"/>
         </a:buClr>
         <a:buFont typeface="Arial"/>
-        <a:defRPr b="0" i="0" sz="1400" u="none" cap="none" strike="noStrike">
+        <a:defRPr sz="1400" b="0" i="0" u="none" strike="noStrike" cap="none">
           <a:solidFill>
             <a:srgbClr val="000000"/>
           </a:solidFill>
@@ -8990,7 +9038,7 @@
           <a:sym typeface="Arial"/>
         </a:defRPr>
       </a:lvl5pPr>
-      <a:lvl6pPr lvl="5" marR="0" rtl="0" algn="l">
+      <a:lvl6pPr marR="0" lvl="5" algn="l" rtl="0">
         <a:lnSpc>
           <a:spcPct val="100000"/>
         </a:lnSpc>
@@ -9004,7 +9052,7 @@
           <a:srgbClr val="000000"/>
         </a:buClr>
         <a:buFont typeface="Arial"/>
-        <a:defRPr b="0" i="0" sz="1400" u="none" cap="none" strike="noStrike">
+        <a:defRPr sz="1400" b="0" i="0" u="none" strike="noStrike" cap="none">
           <a:solidFill>
             <a:srgbClr val="000000"/>
           </a:solidFill>
@@ -9014,7 +9062,7 @@
           <a:sym typeface="Arial"/>
         </a:defRPr>
       </a:lvl6pPr>
-      <a:lvl7pPr lvl="6" marR="0" rtl="0" algn="l">
+      <a:lvl7pPr marR="0" lvl="6" algn="l" rtl="0">
         <a:lnSpc>
           <a:spcPct val="100000"/>
         </a:lnSpc>
@@ -9028,7 +9076,7 @@
           <a:srgbClr val="000000"/>
         </a:buClr>
         <a:buFont typeface="Arial"/>
-        <a:defRPr b="0" i="0" sz="1400" u="none" cap="none" strike="noStrike">
+        <a:defRPr sz="1400" b="0" i="0" u="none" strike="noStrike" cap="none">
           <a:solidFill>
             <a:srgbClr val="000000"/>
           </a:solidFill>
@@ -9038,7 +9086,7 @@
           <a:sym typeface="Arial"/>
         </a:defRPr>
       </a:lvl7pPr>
-      <a:lvl8pPr lvl="7" marR="0" rtl="0" algn="l">
+      <a:lvl8pPr marR="0" lvl="7" algn="l" rtl="0">
         <a:lnSpc>
           <a:spcPct val="100000"/>
         </a:lnSpc>
@@ -9052,7 +9100,7 @@
           <a:srgbClr val="000000"/>
         </a:buClr>
         <a:buFont typeface="Arial"/>
-        <a:defRPr b="0" i="0" sz="1400" u="none" cap="none" strike="noStrike">
+        <a:defRPr sz="1400" b="0" i="0" u="none" strike="noStrike" cap="none">
           <a:solidFill>
             <a:srgbClr val="000000"/>
           </a:solidFill>
@@ -9062,7 +9110,7 @@
           <a:sym typeface="Arial"/>
         </a:defRPr>
       </a:lvl8pPr>
-      <a:lvl9pPr lvl="8" marR="0" rtl="0" algn="l">
+      <a:lvl9pPr marR="0" lvl="8" algn="l" rtl="0">
         <a:lnSpc>
           <a:spcPct val="100000"/>
         </a:lnSpc>
@@ -9076,7 +9124,7 @@
           <a:srgbClr val="000000"/>
         </a:buClr>
         <a:buFont typeface="Arial"/>
-        <a:defRPr b="0" i="0" sz="1400" u="none" cap="none" strike="noStrike">
+        <a:defRPr sz="1400" b="0" i="0" u="none" strike="noStrike" cap="none">
           <a:solidFill>
             <a:srgbClr val="000000"/>
           </a:solidFill>
@@ -9088,7 +9136,7 @@
       </a:lvl9pPr>
     </p:titleStyle>
     <p:bodyStyle>
-      <a:defPPr lvl="0" marR="0" rtl="0" algn="l">
+      <a:defPPr marR="0" lvl="0" algn="l" rtl="0">
         <a:lnSpc>
           <a:spcPct val="100000"/>
         </a:lnSpc>
@@ -9099,7 +9147,7 @@
           <a:spcPts val="0"/>
         </a:spcAft>
       </a:defPPr>
-      <a:lvl1pPr lvl="0" marR="0" rtl="0" algn="l">
+      <a:lvl1pPr marR="0" lvl="0" algn="l" rtl="0">
         <a:lnSpc>
           <a:spcPct val="100000"/>
         </a:lnSpc>
@@ -9113,7 +9161,7 @@
           <a:srgbClr val="000000"/>
         </a:buClr>
         <a:buFont typeface="Arial"/>
-        <a:defRPr b="0" i="0" sz="1400" u="none" cap="none" strike="noStrike">
+        <a:defRPr sz="1400" b="0" i="0" u="none" strike="noStrike" cap="none">
           <a:solidFill>
             <a:srgbClr val="000000"/>
           </a:solidFill>
@@ -9123,7 +9171,7 @@
           <a:sym typeface="Arial"/>
         </a:defRPr>
       </a:lvl1pPr>
-      <a:lvl2pPr lvl="1" marR="0" rtl="0" algn="l">
+      <a:lvl2pPr marR="0" lvl="1" algn="l" rtl="0">
         <a:lnSpc>
           <a:spcPct val="100000"/>
         </a:lnSpc>
@@ -9137,7 +9185,7 @@
           <a:srgbClr val="000000"/>
         </a:buClr>
         <a:buFont typeface="Arial"/>
-        <a:defRPr b="0" i="0" sz="1400" u="none" cap="none" strike="noStrike">
+        <a:defRPr sz="1400" b="0" i="0" u="none" strike="noStrike" cap="none">
           <a:solidFill>
             <a:srgbClr val="000000"/>
           </a:solidFill>
@@ -9147,7 +9195,7 @@
           <a:sym typeface="Arial"/>
         </a:defRPr>
       </a:lvl2pPr>
-      <a:lvl3pPr lvl="2" marR="0" rtl="0" algn="l">
+      <a:lvl3pPr marR="0" lvl="2" algn="l" rtl="0">
         <a:lnSpc>
           <a:spcPct val="100000"/>
         </a:lnSpc>
@@ -9161,7 +9209,7 @@
           <a:srgbClr val="000000"/>
         </a:buClr>
         <a:buFont typeface="Arial"/>
-        <a:defRPr b="0" i="0" sz="1400" u="none" cap="none" strike="noStrike">
+        <a:defRPr sz="1400" b="0" i="0" u="none" strike="noStrike" cap="none">
           <a:solidFill>
             <a:srgbClr val="000000"/>
           </a:solidFill>
@@ -9171,7 +9219,7 @@
           <a:sym typeface="Arial"/>
         </a:defRPr>
       </a:lvl3pPr>
-      <a:lvl4pPr lvl="3" marR="0" rtl="0" algn="l">
+      <a:lvl4pPr marR="0" lvl="3" algn="l" rtl="0">
         <a:lnSpc>
           <a:spcPct val="100000"/>
         </a:lnSpc>
@@ -9185,7 +9233,7 @@
           <a:srgbClr val="000000"/>
         </a:buClr>
         <a:buFont typeface="Arial"/>
-        <a:defRPr b="0" i="0" sz="1400" u="none" cap="none" strike="noStrike">
+        <a:defRPr sz="1400" b="0" i="0" u="none" strike="noStrike" cap="none">
           <a:solidFill>
             <a:srgbClr val="000000"/>
           </a:solidFill>
@@ -9195,7 +9243,7 @@
           <a:sym typeface="Arial"/>
         </a:defRPr>
       </a:lvl4pPr>
-      <a:lvl5pPr lvl="4" marR="0" rtl="0" algn="l">
+      <a:lvl5pPr marR="0" lvl="4" algn="l" rtl="0">
         <a:lnSpc>
           <a:spcPct val="100000"/>
         </a:lnSpc>
@@ -9209,7 +9257,7 @@
           <a:srgbClr val="000000"/>
         </a:buClr>
         <a:buFont typeface="Arial"/>
-        <a:defRPr b="0" i="0" sz="1400" u="none" cap="none" strike="noStrike">
+        <a:defRPr sz="1400" b="0" i="0" u="none" strike="noStrike" cap="none">
           <a:solidFill>
             <a:srgbClr val="000000"/>
           </a:solidFill>
@@ -9219,7 +9267,7 @@
           <a:sym typeface="Arial"/>
         </a:defRPr>
       </a:lvl5pPr>
-      <a:lvl6pPr lvl="5" marR="0" rtl="0" algn="l">
+      <a:lvl6pPr marR="0" lvl="5" algn="l" rtl="0">
         <a:lnSpc>
           <a:spcPct val="100000"/>
         </a:lnSpc>
@@ -9233,7 +9281,7 @@
           <a:srgbClr val="000000"/>
         </a:buClr>
         <a:buFont typeface="Arial"/>
-        <a:defRPr b="0" i="0" sz="1400" u="none" cap="none" strike="noStrike">
+        <a:defRPr sz="1400" b="0" i="0" u="none" strike="noStrike" cap="none">
           <a:solidFill>
             <a:srgbClr val="000000"/>
           </a:solidFill>
@@ -9243,7 +9291,7 @@
           <a:sym typeface="Arial"/>
         </a:defRPr>
       </a:lvl6pPr>
-      <a:lvl7pPr lvl="6" marR="0" rtl="0" algn="l">
+      <a:lvl7pPr marR="0" lvl="6" algn="l" rtl="0">
         <a:lnSpc>
           <a:spcPct val="100000"/>
         </a:lnSpc>
@@ -9257,7 +9305,7 @@
           <a:srgbClr val="000000"/>
         </a:buClr>
         <a:buFont typeface="Arial"/>
-        <a:defRPr b="0" i="0" sz="1400" u="none" cap="none" strike="noStrike">
+        <a:defRPr sz="1400" b="0" i="0" u="none" strike="noStrike" cap="none">
           <a:solidFill>
             <a:srgbClr val="000000"/>
           </a:solidFill>
@@ -9267,7 +9315,7 @@
           <a:sym typeface="Arial"/>
         </a:defRPr>
       </a:lvl7pPr>
-      <a:lvl8pPr lvl="7" marR="0" rtl="0" algn="l">
+      <a:lvl8pPr marR="0" lvl="7" algn="l" rtl="0">
         <a:lnSpc>
           <a:spcPct val="100000"/>
         </a:lnSpc>
@@ -9281,7 +9329,7 @@
           <a:srgbClr val="000000"/>
         </a:buClr>
         <a:buFont typeface="Arial"/>
-        <a:defRPr b="0" i="0" sz="1400" u="none" cap="none" strike="noStrike">
+        <a:defRPr sz="1400" b="0" i="0" u="none" strike="noStrike" cap="none">
           <a:solidFill>
             <a:srgbClr val="000000"/>
           </a:solidFill>
@@ -9291,7 +9339,7 @@
           <a:sym typeface="Arial"/>
         </a:defRPr>
       </a:lvl8pPr>
-      <a:lvl9pPr lvl="8" marR="0" rtl="0" algn="l">
+      <a:lvl9pPr marR="0" lvl="8" algn="l" rtl="0">
         <a:lnSpc>
           <a:spcPct val="100000"/>
         </a:lnSpc>
@@ -9305,7 +9353,7 @@
           <a:srgbClr val="000000"/>
         </a:buClr>
         <a:buFont typeface="Arial"/>
-        <a:defRPr b="0" i="0" sz="1400" u="none" cap="none" strike="noStrike">
+        <a:defRPr sz="1400" b="0" i="0" u="none" strike="noStrike" cap="none">
           <a:solidFill>
             <a:srgbClr val="000000"/>
           </a:solidFill>
@@ -9317,7 +9365,7 @@
       </a:lvl9pPr>
     </p:bodyStyle>
     <p:otherStyle>
-      <a:defPPr lvl="0" marR="0" rtl="0" algn="l">
+      <a:defPPr marR="0" lvl="0" algn="l" rtl="0">
         <a:lnSpc>
           <a:spcPct val="100000"/>
         </a:lnSpc>
@@ -9328,7 +9376,7 @@
           <a:spcPts val="0"/>
         </a:spcAft>
       </a:defPPr>
-      <a:lvl1pPr lvl="0" marR="0" rtl="0" algn="l">
+      <a:lvl1pPr marR="0" lvl="0" algn="l" rtl="0">
         <a:lnSpc>
           <a:spcPct val="100000"/>
         </a:lnSpc>
@@ -9342,7 +9390,7 @@
           <a:srgbClr val="000000"/>
         </a:buClr>
         <a:buFont typeface="Arial"/>
-        <a:defRPr b="0" i="0" sz="1400" u="none" cap="none" strike="noStrike">
+        <a:defRPr sz="1400" b="0" i="0" u="none" strike="noStrike" cap="none">
           <a:solidFill>
             <a:srgbClr val="000000"/>
           </a:solidFill>
@@ -9352,7 +9400,7 @@
           <a:sym typeface="Arial"/>
         </a:defRPr>
       </a:lvl1pPr>
-      <a:lvl2pPr lvl="1" marR="0" rtl="0" algn="l">
+      <a:lvl2pPr marR="0" lvl="1" algn="l" rtl="0">
         <a:lnSpc>
           <a:spcPct val="100000"/>
         </a:lnSpc>
@@ -9366,7 +9414,7 @@
           <a:srgbClr val="000000"/>
         </a:buClr>
         <a:buFont typeface="Arial"/>
-        <a:defRPr b="0" i="0" sz="1400" u="none" cap="none" strike="noStrike">
+        <a:defRPr sz="1400" b="0" i="0" u="none" strike="noStrike" cap="none">
           <a:solidFill>
             <a:srgbClr val="000000"/>
           </a:solidFill>
@@ -9376,7 +9424,7 @@
           <a:sym typeface="Arial"/>
         </a:defRPr>
       </a:lvl2pPr>
-      <a:lvl3pPr lvl="2" marR="0" rtl="0" algn="l">
+      <a:lvl3pPr marR="0" lvl="2" algn="l" rtl="0">
         <a:lnSpc>
           <a:spcPct val="100000"/>
         </a:lnSpc>
@@ -9390,7 +9438,7 @@
           <a:srgbClr val="000000"/>
         </a:buClr>
         <a:buFont typeface="Arial"/>
-        <a:defRPr b="0" i="0" sz="1400" u="none" cap="none" strike="noStrike">
+        <a:defRPr sz="1400" b="0" i="0" u="none" strike="noStrike" cap="none">
           <a:solidFill>
             <a:srgbClr val="000000"/>
           </a:solidFill>
@@ -9400,7 +9448,7 @@
           <a:sym typeface="Arial"/>
         </a:defRPr>
       </a:lvl3pPr>
-      <a:lvl4pPr lvl="3" marR="0" rtl="0" algn="l">
+      <a:lvl4pPr marR="0" lvl="3" algn="l" rtl="0">
         <a:lnSpc>
           <a:spcPct val="100000"/>
         </a:lnSpc>
@@ -9414,7 +9462,7 @@
           <a:srgbClr val="000000"/>
         </a:buClr>
         <a:buFont typeface="Arial"/>
-        <a:defRPr b="0" i="0" sz="1400" u="none" cap="none" strike="noStrike">
+        <a:defRPr sz="1400" b="0" i="0" u="none" strike="noStrike" cap="none">
           <a:solidFill>
             <a:srgbClr val="000000"/>
           </a:solidFill>
@@ -9424,7 +9472,7 @@
           <a:sym typeface="Arial"/>
         </a:defRPr>
       </a:lvl4pPr>
-      <a:lvl5pPr lvl="4" marR="0" rtl="0" algn="l">
+      <a:lvl5pPr marR="0" lvl="4" algn="l" rtl="0">
         <a:lnSpc>
           <a:spcPct val="100000"/>
         </a:lnSpc>
@@ -9438,7 +9486,7 @@
           <a:srgbClr val="000000"/>
         </a:buClr>
         <a:buFont typeface="Arial"/>
-        <a:defRPr b="0" i="0" sz="1400" u="none" cap="none" strike="noStrike">
+        <a:defRPr sz="1400" b="0" i="0" u="none" strike="noStrike" cap="none">
           <a:solidFill>
             <a:srgbClr val="000000"/>
           </a:solidFill>
@@ -9448,7 +9496,7 @@
           <a:sym typeface="Arial"/>
         </a:defRPr>
       </a:lvl5pPr>
-      <a:lvl6pPr lvl="5" marR="0" rtl="0" algn="l">
+      <a:lvl6pPr marR="0" lvl="5" algn="l" rtl="0">
         <a:lnSpc>
           <a:spcPct val="100000"/>
         </a:lnSpc>
@@ -9462,7 +9510,7 @@
           <a:srgbClr val="000000"/>
         </a:buClr>
         <a:buFont typeface="Arial"/>
-        <a:defRPr b="0" i="0" sz="1400" u="none" cap="none" strike="noStrike">
+        <a:defRPr sz="1400" b="0" i="0" u="none" strike="noStrike" cap="none">
           <a:solidFill>
             <a:srgbClr val="000000"/>
           </a:solidFill>
@@ -9472,7 +9520,7 @@
           <a:sym typeface="Arial"/>
         </a:defRPr>
       </a:lvl6pPr>
-      <a:lvl7pPr lvl="6" marR="0" rtl="0" algn="l">
+      <a:lvl7pPr marR="0" lvl="6" algn="l" rtl="0">
         <a:lnSpc>
           <a:spcPct val="100000"/>
         </a:lnSpc>
@@ -9486,7 +9534,7 @@
           <a:srgbClr val="000000"/>
         </a:buClr>
         <a:buFont typeface="Arial"/>
-        <a:defRPr b="0" i="0" sz="1400" u="none" cap="none" strike="noStrike">
+        <a:defRPr sz="1400" b="0" i="0" u="none" strike="noStrike" cap="none">
           <a:solidFill>
             <a:srgbClr val="000000"/>
           </a:solidFill>
@@ -9496,7 +9544,7 @@
           <a:sym typeface="Arial"/>
         </a:defRPr>
       </a:lvl7pPr>
-      <a:lvl8pPr lvl="7" marR="0" rtl="0" algn="l">
+      <a:lvl8pPr marR="0" lvl="7" algn="l" rtl="0">
         <a:lnSpc>
           <a:spcPct val="100000"/>
         </a:lnSpc>
@@ -9510,7 +9558,7 @@
           <a:srgbClr val="000000"/>
         </a:buClr>
         <a:buFont typeface="Arial"/>
-        <a:defRPr b="0" i="0" sz="1400" u="none" cap="none" strike="noStrike">
+        <a:defRPr sz="1400" b="0" i="0" u="none" strike="noStrike" cap="none">
           <a:solidFill>
             <a:srgbClr val="000000"/>
           </a:solidFill>
@@ -9520,7 +9568,7 @@
           <a:sym typeface="Arial"/>
         </a:defRPr>
       </a:lvl8pPr>
-      <a:lvl9pPr lvl="8" marR="0" rtl="0" algn="l">
+      <a:lvl9pPr marR="0" lvl="8" algn="l" rtl="0">
         <a:lnSpc>
           <a:spcPct val="100000"/>
         </a:lnSpc>
@@ -9534,7 +9582,7 @@
           <a:srgbClr val="000000"/>
         </a:buClr>
         <a:buFont typeface="Arial"/>
-        <a:defRPr b="0" i="0" sz="1400" u="none" cap="none" strike="noStrike">
+        <a:defRPr sz="1400" b="0" i="0" u="none" strike="noStrike" cap="none">
           <a:solidFill>
             <a:srgbClr val="000000"/>
           </a:solidFill>
@@ -9550,11 +9598,11 @@
 </file>
 
 <file path=ppt/slides/slide1.xml><?xml version="1.0" encoding="utf-8"?>
-<p:sld xmlns:a="http://schemas.openxmlformats.org/drawingml/2006/main" xmlns:r="http://schemas.openxmlformats.org/officeDocument/2006/relationships" xmlns:mc="http://schemas.openxmlformats.org/markup-compatibility/2006" xmlns:mv="urn:schemas-microsoft-com:mac:vml" xmlns:p="http://schemas.openxmlformats.org/presentationml/2006/main" xmlns:c="http://schemas.openxmlformats.org/drawingml/2006/chart" xmlns:dgm="http://schemas.openxmlformats.org/drawingml/2006/diagram" xmlns:o="urn:schemas-microsoft-com:office:office" xmlns:v="urn:schemas-microsoft-com:vml" xmlns:pvml="urn:schemas-microsoft-com:office:powerpoint" xmlns:com="http://schemas.openxmlformats.org/drawingml/2006/compatibility" xmlns:p14="http://schemas.microsoft.com/office/powerpoint/2010/main" xmlns:p15="http://schemas.microsoft.com/office/powerpoint/2012/main">
+<p:sld xmlns:a="http://schemas.openxmlformats.org/drawingml/2006/main" xmlns:r="http://schemas.openxmlformats.org/officeDocument/2006/relationships" xmlns:p="http://schemas.openxmlformats.org/presentationml/2006/main">
   <p:cSld>
     <p:spTree>
       <p:nvGrpSpPr>
-        <p:cNvPr id="133" name="Shape 133"/>
+        <p:cNvPr id="1" name="Shape 133"/>
         <p:cNvGrpSpPr/>
         <p:nvPr/>
       </p:nvGrpSpPr>
@@ -9569,7 +9617,9 @@
       <p:sp>
         <p:nvSpPr>
           <p:cNvPr id="134" name="Google Shape;134;p13"/>
-          <p:cNvSpPr txBox="1"/>
+          <p:cNvSpPr txBox="1">
+            <a:spLocks noGrp="1"/>
+          </p:cNvSpPr>
           <p:nvPr>
             <p:ph type="ctrTitle"/>
           </p:nvPr>
@@ -9584,12 +9634,12 @@
           </a:prstGeom>
         </p:spPr>
         <p:txBody>
-          <a:bodyPr anchorCtr="0" anchor="t" bIns="91425" lIns="91425" spcFirstLastPara="1" rIns="91425" wrap="square" tIns="91425">
+          <a:bodyPr spcFirstLastPara="1" wrap="square" lIns="91425" tIns="91425" rIns="91425" bIns="91425" anchor="t" anchorCtr="0">
             <a:noAutofit/>
           </a:bodyPr>
           <a:lstStyle/>
           <a:p>
-            <a:pPr indent="0" lvl="0" marL="0" rtl="0" algn="l">
+            <a:pPr marL="0" lvl="0" indent="0" algn="l" rtl="0">
               <a:spcBef>
                 <a:spcPts val="0"/>
               </a:spcBef>
@@ -9609,9 +9659,11 @@
       <p:sp>
         <p:nvSpPr>
           <p:cNvPr id="135" name="Google Shape;135;p13"/>
-          <p:cNvSpPr txBox="1"/>
+          <p:cNvSpPr txBox="1">
+            <a:spLocks noGrp="1"/>
+          </p:cNvSpPr>
           <p:nvPr>
-            <p:ph idx="1" type="subTitle"/>
+            <p:ph type="subTitle" idx="1"/>
           </p:nvPr>
         </p:nvSpPr>
         <p:spPr>
@@ -9624,12 +9676,12 @@
           </a:prstGeom>
         </p:spPr>
         <p:txBody>
-          <a:bodyPr anchorCtr="0" anchor="t" bIns="91425" lIns="91425" spcFirstLastPara="1" rIns="91425" wrap="square" tIns="91425">
+          <a:bodyPr spcFirstLastPara="1" wrap="square" lIns="91425" tIns="91425" rIns="91425" bIns="91425" anchor="t" anchorCtr="0">
             <a:noAutofit/>
           </a:bodyPr>
           <a:lstStyle/>
           <a:p>
-            <a:pPr indent="0" lvl="0" marL="0" rtl="0" algn="l">
+            <a:pPr marL="0" lvl="0" indent="0" algn="l" rtl="0">
               <a:spcBef>
                 <a:spcPts val="0"/>
               </a:spcBef>
@@ -9655,11 +9707,11 @@
 </file>
 
 <file path=ppt/slides/slide2.xml><?xml version="1.0" encoding="utf-8"?>
-<p:sld xmlns:a="http://schemas.openxmlformats.org/drawingml/2006/main" xmlns:r="http://schemas.openxmlformats.org/officeDocument/2006/relationships" xmlns:mc="http://schemas.openxmlformats.org/markup-compatibility/2006" xmlns:mv="urn:schemas-microsoft-com:mac:vml" xmlns:p="http://schemas.openxmlformats.org/presentationml/2006/main" xmlns:c="http://schemas.openxmlformats.org/drawingml/2006/chart" xmlns:dgm="http://schemas.openxmlformats.org/drawingml/2006/diagram" xmlns:o="urn:schemas-microsoft-com:office:office" xmlns:v="urn:schemas-microsoft-com:vml" xmlns:pvml="urn:schemas-microsoft-com:office:powerpoint" xmlns:com="http://schemas.openxmlformats.org/drawingml/2006/compatibility" xmlns:p14="http://schemas.microsoft.com/office/powerpoint/2010/main" xmlns:p15="http://schemas.microsoft.com/office/powerpoint/2012/main">
+<p:sld xmlns:a="http://schemas.openxmlformats.org/drawingml/2006/main" xmlns:r="http://schemas.openxmlformats.org/officeDocument/2006/relationships" xmlns:p="http://schemas.openxmlformats.org/presentationml/2006/main">
   <p:cSld>
     <p:spTree>
       <p:nvGrpSpPr>
-        <p:cNvPr id="139" name="Shape 139"/>
+        <p:cNvPr id="1" name="Shape 139"/>
         <p:cNvGrpSpPr/>
         <p:nvPr/>
       </p:nvGrpSpPr>
@@ -9674,7 +9726,9 @@
       <p:sp>
         <p:nvSpPr>
           <p:cNvPr id="140" name="Google Shape;140;p14"/>
-          <p:cNvSpPr txBox="1"/>
+          <p:cNvSpPr txBox="1">
+            <a:spLocks noGrp="1"/>
+          </p:cNvSpPr>
           <p:nvPr>
             <p:ph type="title"/>
           </p:nvPr>
@@ -9689,12 +9743,12 @@
           </a:prstGeom>
         </p:spPr>
         <p:txBody>
-          <a:bodyPr anchorCtr="0" anchor="t" bIns="91425" lIns="91425" spcFirstLastPara="1" rIns="91425" wrap="square" tIns="91425">
+          <a:bodyPr spcFirstLastPara="1" wrap="square" lIns="91425" tIns="91425" rIns="91425" bIns="91425" anchor="t" anchorCtr="0">
             <a:noAutofit/>
           </a:bodyPr>
           <a:lstStyle/>
           <a:p>
-            <a:pPr indent="0" lvl="0" marL="2286000" rtl="0" algn="l">
+            <a:pPr marL="2286000" lvl="0" indent="0" algn="l" rtl="0">
               <a:spcBef>
                 <a:spcPts val="0"/>
               </a:spcBef>
@@ -9714,9 +9768,11 @@
       <p:sp>
         <p:nvSpPr>
           <p:cNvPr id="141" name="Google Shape;141;p14"/>
-          <p:cNvSpPr txBox="1"/>
+          <p:cNvSpPr txBox="1">
+            <a:spLocks noGrp="1"/>
+          </p:cNvSpPr>
           <p:nvPr>
-            <p:ph idx="1" type="body"/>
+            <p:ph type="body" idx="1"/>
           </p:nvPr>
         </p:nvSpPr>
         <p:spPr>
@@ -9729,12 +9785,12 @@
           </a:prstGeom>
         </p:spPr>
         <p:txBody>
-          <a:bodyPr anchorCtr="0" anchor="t" bIns="91425" lIns="91425" spcFirstLastPara="1" rIns="91425" wrap="square" tIns="91425">
+          <a:bodyPr spcFirstLastPara="1" wrap="square" lIns="91425" tIns="91425" rIns="91425" bIns="91425" anchor="t" anchorCtr="0">
             <a:noAutofit/>
           </a:bodyPr>
           <a:lstStyle/>
           <a:p>
-            <a:pPr indent="0" lvl="0" marL="0" rtl="0" algn="l">
+            <a:pPr marL="0" lvl="0" indent="0" algn="l" rtl="0">
               <a:spcBef>
                 <a:spcPts val="0"/>
               </a:spcBef>
@@ -9796,23 +9852,23 @@
           <a:solidFill>
             <a:schemeClr val="lt2"/>
           </a:solidFill>
-          <a:ln cap="flat" cmpd="sng" w="9525">
+          <a:ln w="9525" cap="flat" cmpd="sng">
             <a:solidFill>
               <a:schemeClr val="dk2"/>
             </a:solidFill>
             <a:prstDash val="solid"/>
             <a:round/>
-            <a:headEnd len="sm" w="sm" type="none"/>
-            <a:tailEnd len="sm" w="sm" type="none"/>
+            <a:headEnd type="none" w="sm" len="sm"/>
+            <a:tailEnd type="none" w="sm" len="sm"/>
           </a:ln>
         </p:spPr>
         <p:txBody>
-          <a:bodyPr anchorCtr="0" anchor="ctr" bIns="91425" lIns="91425" spcFirstLastPara="1" rIns="91425" wrap="square" tIns="91425">
+          <a:bodyPr spcFirstLastPara="1" wrap="square" lIns="91425" tIns="91425" rIns="91425" bIns="91425" anchor="ctr" anchorCtr="0">
             <a:noAutofit/>
           </a:bodyPr>
           <a:lstStyle/>
           <a:p>
-            <a:pPr indent="0" lvl="0" marL="0" rtl="0" algn="l">
+            <a:pPr marL="0" lvl="0" indent="0" algn="l" rtl="0">
               <a:spcBef>
                 <a:spcPts val="0"/>
               </a:spcBef>
@@ -9821,9 +9877,6 @@
               </a:spcAft>
               <a:buNone/>
             </a:pPr>
-            <a:r>
-              <a:t/>
-            </a:r>
             <a:endParaRPr/>
           </a:p>
         </p:txBody>
@@ -9831,9 +9884,11 @@
       <p:sp>
         <p:nvSpPr>
           <p:cNvPr id="144" name="Google Shape;144;p14"/>
-          <p:cNvSpPr txBox="1"/>
+          <p:cNvSpPr txBox="1">
+            <a:spLocks noGrp="1"/>
+          </p:cNvSpPr>
           <p:nvPr>
-            <p:ph idx="1" type="body"/>
+            <p:ph type="body" idx="1"/>
           </p:nvPr>
         </p:nvSpPr>
         <p:spPr>
@@ -9846,12 +9901,12 @@
           </a:prstGeom>
         </p:spPr>
         <p:txBody>
-          <a:bodyPr anchorCtr="0" anchor="t" bIns="91425" lIns="91425" spcFirstLastPara="1" rIns="91425" wrap="square" tIns="91425">
+          <a:bodyPr spcFirstLastPara="1" wrap="square" lIns="91425" tIns="91425" rIns="91425" bIns="91425" anchor="t" anchorCtr="0">
             <a:noAutofit/>
           </a:bodyPr>
           <a:lstStyle/>
           <a:p>
-            <a:pPr indent="0" lvl="0" marL="0" rtl="0" algn="l">
+            <a:pPr marL="0" lvl="0" indent="0" algn="l" rtl="0">
               <a:spcBef>
                 <a:spcPts val="0"/>
               </a:spcBef>
@@ -9871,9 +9926,11 @@
       <p:sp>
         <p:nvSpPr>
           <p:cNvPr id="145" name="Google Shape;145;p14"/>
-          <p:cNvSpPr txBox="1"/>
+          <p:cNvSpPr txBox="1">
+            <a:spLocks noGrp="1"/>
+          </p:cNvSpPr>
           <p:nvPr>
-            <p:ph idx="1" type="body"/>
+            <p:ph type="body" idx="1"/>
           </p:nvPr>
         </p:nvSpPr>
         <p:spPr>
@@ -9886,12 +9943,12 @@
           </a:prstGeom>
         </p:spPr>
         <p:txBody>
-          <a:bodyPr anchorCtr="0" anchor="t" bIns="91425" lIns="91425" spcFirstLastPara="1" rIns="91425" wrap="square" tIns="91425">
+          <a:bodyPr spcFirstLastPara="1" wrap="square" lIns="91425" tIns="91425" rIns="91425" bIns="91425" anchor="t" anchorCtr="0">
             <a:noAutofit/>
           </a:bodyPr>
           <a:lstStyle/>
           <a:p>
-            <a:pPr indent="0" lvl="0" marL="0" rtl="0" algn="l">
+            <a:pPr marL="0" lvl="0" indent="0" algn="l" rtl="0">
               <a:spcBef>
                 <a:spcPts val="0"/>
               </a:spcBef>
@@ -9925,23 +9982,23 @@
           <a:solidFill>
             <a:schemeClr val="lt2"/>
           </a:solidFill>
-          <a:ln cap="flat" cmpd="sng" w="9525">
+          <a:ln w="9525" cap="flat" cmpd="sng">
             <a:solidFill>
               <a:schemeClr val="dk2"/>
             </a:solidFill>
             <a:prstDash val="solid"/>
             <a:round/>
-            <a:headEnd len="sm" w="sm" type="none"/>
-            <a:tailEnd len="sm" w="sm" type="none"/>
+            <a:headEnd type="none" w="sm" len="sm"/>
+            <a:tailEnd type="none" w="sm" len="sm"/>
           </a:ln>
         </p:spPr>
         <p:txBody>
-          <a:bodyPr anchorCtr="0" anchor="ctr" bIns="91425" lIns="91425" spcFirstLastPara="1" rIns="91425" wrap="square" tIns="91425">
+          <a:bodyPr spcFirstLastPara="1" wrap="square" lIns="91425" tIns="91425" rIns="91425" bIns="91425" anchor="ctr" anchorCtr="0">
             <a:noAutofit/>
           </a:bodyPr>
           <a:lstStyle/>
           <a:p>
-            <a:pPr indent="0" lvl="0" marL="0" rtl="0" algn="l">
+            <a:pPr marL="0" lvl="0" indent="0" algn="l" rtl="0">
               <a:spcBef>
                 <a:spcPts val="0"/>
               </a:spcBef>
@@ -9950,9 +10007,6 @@
               </a:spcAft>
               <a:buNone/>
             </a:pPr>
-            <a:r>
-              <a:t/>
-            </a:r>
             <a:endParaRPr/>
           </a:p>
         </p:txBody>
@@ -9974,23 +10028,23 @@
           <a:solidFill>
             <a:schemeClr val="lt2"/>
           </a:solidFill>
-          <a:ln cap="flat" cmpd="sng" w="9525">
+          <a:ln w="9525" cap="flat" cmpd="sng">
             <a:solidFill>
               <a:schemeClr val="dk2"/>
             </a:solidFill>
             <a:prstDash val="solid"/>
             <a:round/>
-            <a:headEnd len="sm" w="sm" type="none"/>
-            <a:tailEnd len="sm" w="sm" type="none"/>
+            <a:headEnd type="none" w="sm" len="sm"/>
+            <a:tailEnd type="none" w="sm" len="sm"/>
           </a:ln>
         </p:spPr>
         <p:txBody>
-          <a:bodyPr anchorCtr="0" anchor="ctr" bIns="91425" lIns="91425" spcFirstLastPara="1" rIns="91425" wrap="square" tIns="91425">
+          <a:bodyPr spcFirstLastPara="1" wrap="square" lIns="91425" tIns="91425" rIns="91425" bIns="91425" anchor="ctr" anchorCtr="0">
             <a:noAutofit/>
           </a:bodyPr>
           <a:lstStyle/>
           <a:p>
-            <a:pPr indent="0" lvl="0" marL="0" rtl="0" algn="l">
+            <a:pPr marL="0" lvl="0" indent="0" algn="l" rtl="0">
               <a:spcBef>
                 <a:spcPts val="0"/>
               </a:spcBef>
@@ -9999,9 +10053,6 @@
               </a:spcAft>
               <a:buNone/>
             </a:pPr>
-            <a:r>
-              <a:t/>
-            </a:r>
             <a:endParaRPr/>
           </a:p>
         </p:txBody>
@@ -10015,11 +10066,11 @@
 </file>
 
 <file path=ppt/slides/slide3.xml><?xml version="1.0" encoding="utf-8"?>
-<p:sld xmlns:a="http://schemas.openxmlformats.org/drawingml/2006/main" xmlns:r="http://schemas.openxmlformats.org/officeDocument/2006/relationships" xmlns:mc="http://schemas.openxmlformats.org/markup-compatibility/2006" xmlns:mv="urn:schemas-microsoft-com:mac:vml" xmlns:p="http://schemas.openxmlformats.org/presentationml/2006/main" xmlns:c="http://schemas.openxmlformats.org/drawingml/2006/chart" xmlns:dgm="http://schemas.openxmlformats.org/drawingml/2006/diagram" xmlns:o="urn:schemas-microsoft-com:office:office" xmlns:v="urn:schemas-microsoft-com:vml" xmlns:pvml="urn:schemas-microsoft-com:office:powerpoint" xmlns:com="http://schemas.openxmlformats.org/drawingml/2006/compatibility" xmlns:p14="http://schemas.microsoft.com/office/powerpoint/2010/main" xmlns:p15="http://schemas.microsoft.com/office/powerpoint/2012/main">
+<p:sld xmlns:a="http://schemas.openxmlformats.org/drawingml/2006/main" xmlns:r="http://schemas.openxmlformats.org/officeDocument/2006/relationships" xmlns:p="http://schemas.openxmlformats.org/presentationml/2006/main">
   <p:cSld>
     <p:spTree>
       <p:nvGrpSpPr>
-        <p:cNvPr id="151" name="Shape 151"/>
+        <p:cNvPr id="1" name="Shape 151"/>
         <p:cNvGrpSpPr/>
         <p:nvPr/>
       </p:nvGrpSpPr>
@@ -10034,7 +10085,9 @@
       <p:sp>
         <p:nvSpPr>
           <p:cNvPr id="152" name="Google Shape;152;p15"/>
-          <p:cNvSpPr txBox="1"/>
+          <p:cNvSpPr txBox="1">
+            <a:spLocks noGrp="1"/>
+          </p:cNvSpPr>
           <p:nvPr>
             <p:ph type="title"/>
           </p:nvPr>
@@ -10049,12 +10102,12 @@
           </a:prstGeom>
         </p:spPr>
         <p:txBody>
-          <a:bodyPr anchorCtr="0" anchor="t" bIns="91425" lIns="91425" spcFirstLastPara="1" rIns="91425" wrap="square" tIns="91425">
+          <a:bodyPr spcFirstLastPara="1" wrap="square" lIns="91425" tIns="91425" rIns="91425" bIns="91425" anchor="t" anchorCtr="0">
             <a:noAutofit/>
           </a:bodyPr>
           <a:lstStyle/>
           <a:p>
-            <a:pPr indent="0" lvl="0" marL="914400" rtl="0" algn="l">
+            <a:pPr marL="914400" lvl="0" indent="0" algn="l" rtl="0">
               <a:spcBef>
                 <a:spcPts val="0"/>
               </a:spcBef>
@@ -10074,9 +10127,11 @@
       <p:sp>
         <p:nvSpPr>
           <p:cNvPr id="153" name="Google Shape;153;p15"/>
-          <p:cNvSpPr txBox="1"/>
+          <p:cNvSpPr txBox="1">
+            <a:spLocks noGrp="1"/>
+          </p:cNvSpPr>
           <p:nvPr>
-            <p:ph idx="1" type="body"/>
+            <p:ph type="body" idx="1"/>
           </p:nvPr>
         </p:nvSpPr>
         <p:spPr>
@@ -10089,12 +10144,12 @@
           </a:prstGeom>
         </p:spPr>
         <p:txBody>
-          <a:bodyPr anchorCtr="0" anchor="t" bIns="91425" lIns="91425" spcFirstLastPara="1" rIns="91425" wrap="square" tIns="91425">
+          <a:bodyPr spcFirstLastPara="1" wrap="square" lIns="91425" tIns="91425" rIns="91425" bIns="91425" anchor="t" anchorCtr="0">
             <a:noAutofit/>
           </a:bodyPr>
           <a:lstStyle/>
           <a:p>
-            <a:pPr indent="0" lvl="0" marL="0" rtl="0" algn="l">
+            <a:pPr marL="0" lvl="0" indent="0" algn="l" rtl="0">
               <a:spcBef>
                 <a:spcPts val="0"/>
               </a:spcBef>
@@ -10119,7 +10174,7 @@
         </p:nvSpPr>
         <p:spPr>
           <a:xfrm>
-            <a:off x="1052625" y="4265550"/>
+            <a:off x="971200" y="4265550"/>
             <a:ext cx="223200" cy="223200"/>
           </a:xfrm>
           <a:prstGeom prst="ellipse">
@@ -10128,23 +10183,23 @@
           <a:solidFill>
             <a:schemeClr val="lt2"/>
           </a:solidFill>
-          <a:ln cap="flat" cmpd="sng" w="9525">
+          <a:ln w="9525" cap="flat" cmpd="sng">
             <a:solidFill>
               <a:schemeClr val="dk2"/>
             </a:solidFill>
             <a:prstDash val="solid"/>
             <a:round/>
-            <a:headEnd len="sm" w="sm" type="none"/>
-            <a:tailEnd len="sm" w="sm" type="none"/>
+            <a:headEnd type="none" w="sm" len="sm"/>
+            <a:tailEnd type="none" w="sm" len="sm"/>
           </a:ln>
         </p:spPr>
         <p:txBody>
-          <a:bodyPr anchorCtr="0" anchor="ctr" bIns="91425" lIns="91425" spcFirstLastPara="1" rIns="91425" wrap="square" tIns="91425">
+          <a:bodyPr spcFirstLastPara="1" wrap="square" lIns="91425" tIns="91425" rIns="91425" bIns="91425" anchor="ctr" anchorCtr="0">
             <a:noAutofit/>
           </a:bodyPr>
           <a:lstStyle/>
           <a:p>
-            <a:pPr indent="0" lvl="0" marL="0" rtl="0" algn="l">
+            <a:pPr marL="0" lvl="0" indent="0" algn="l" rtl="0">
               <a:spcBef>
                 <a:spcPts val="0"/>
               </a:spcBef>
@@ -10153,9 +10208,6 @@
               </a:spcAft>
               <a:buNone/>
             </a:pPr>
-            <a:r>
-              <a:t/>
-            </a:r>
             <a:endParaRPr/>
           </a:p>
         </p:txBody>
@@ -10163,9 +10215,11 @@
       <p:sp>
         <p:nvSpPr>
           <p:cNvPr id="155" name="Google Shape;155;p15"/>
-          <p:cNvSpPr txBox="1"/>
+          <p:cNvSpPr txBox="1">
+            <a:spLocks noGrp="1"/>
+          </p:cNvSpPr>
           <p:nvPr>
-            <p:ph idx="1" type="body"/>
+            <p:ph type="body" idx="1"/>
           </p:nvPr>
         </p:nvSpPr>
         <p:spPr>
@@ -10178,12 +10232,12 @@
           </a:prstGeom>
         </p:spPr>
         <p:txBody>
-          <a:bodyPr anchorCtr="0" anchor="t" bIns="91425" lIns="91425" spcFirstLastPara="1" rIns="91425" wrap="square" tIns="91425">
+          <a:bodyPr spcFirstLastPara="1" wrap="square" lIns="91425" tIns="91425" rIns="91425" bIns="91425" anchor="t" anchorCtr="0">
             <a:noAutofit/>
           </a:bodyPr>
           <a:lstStyle/>
           <a:p>
-            <a:pPr indent="0" lvl="0" marL="0" rtl="0" algn="l">
+            <a:pPr marL="0" lvl="0" indent="0" algn="l" rtl="0">
               <a:spcBef>
                 <a:spcPts val="0"/>
               </a:spcBef>
@@ -10217,23 +10271,23 @@
           <a:solidFill>
             <a:schemeClr val="lt2"/>
           </a:solidFill>
-          <a:ln cap="flat" cmpd="sng" w="9525">
+          <a:ln w="9525" cap="flat" cmpd="sng">
             <a:solidFill>
               <a:schemeClr val="dk2"/>
             </a:solidFill>
             <a:prstDash val="solid"/>
             <a:round/>
-            <a:headEnd len="sm" w="sm" type="none"/>
-            <a:tailEnd len="sm" w="sm" type="none"/>
+            <a:headEnd type="none" w="sm" len="sm"/>
+            <a:tailEnd type="none" w="sm" len="sm"/>
           </a:ln>
         </p:spPr>
         <p:txBody>
-          <a:bodyPr anchorCtr="0" anchor="ctr" bIns="91425" lIns="91425" spcFirstLastPara="1" rIns="91425" wrap="square" tIns="91425">
+          <a:bodyPr spcFirstLastPara="1" wrap="square" lIns="91425" tIns="91425" rIns="91425" bIns="91425" anchor="ctr" anchorCtr="0">
             <a:noAutofit/>
           </a:bodyPr>
           <a:lstStyle/>
           <a:p>
-            <a:pPr indent="0" lvl="0" marL="0" rtl="0" algn="l">
+            <a:pPr marL="0" lvl="0" indent="0" algn="l" rtl="0">
               <a:spcBef>
                 <a:spcPts val="0"/>
               </a:spcBef>
@@ -10242,9 +10296,6 @@
               </a:spcAft>
               <a:buNone/>
             </a:pPr>
-            <a:r>
-              <a:t/>
-            </a:r>
             <a:endParaRPr/>
           </a:p>
         </p:txBody>
@@ -10252,9 +10303,11 @@
       <p:sp>
         <p:nvSpPr>
           <p:cNvPr id="157" name="Google Shape;157;p15"/>
-          <p:cNvSpPr txBox="1"/>
+          <p:cNvSpPr txBox="1">
+            <a:spLocks noGrp="1"/>
+          </p:cNvSpPr>
           <p:nvPr>
-            <p:ph idx="1" type="body"/>
+            <p:ph type="body" idx="1"/>
           </p:nvPr>
         </p:nvSpPr>
         <p:spPr>
@@ -10267,12 +10320,12 @@
           </a:prstGeom>
         </p:spPr>
         <p:txBody>
-          <a:bodyPr anchorCtr="0" anchor="t" bIns="91425" lIns="91425" spcFirstLastPara="1" rIns="91425" wrap="square" tIns="91425">
+          <a:bodyPr spcFirstLastPara="1" wrap="square" lIns="91425" tIns="91425" rIns="91425" bIns="91425" anchor="t" anchorCtr="0">
             <a:noAutofit/>
           </a:bodyPr>
           <a:lstStyle/>
           <a:p>
-            <a:pPr indent="0" lvl="0" marL="0" rtl="0" algn="l">
+            <a:pPr marL="0" lvl="0" indent="0" algn="l" rtl="0">
               <a:spcBef>
                 <a:spcPts val="0"/>
               </a:spcBef>
@@ -10306,23 +10359,23 @@
           <a:solidFill>
             <a:schemeClr val="lt2"/>
           </a:solidFill>
-          <a:ln cap="flat" cmpd="sng" w="9525">
+          <a:ln w="9525" cap="flat" cmpd="sng">
             <a:solidFill>
               <a:schemeClr val="dk2"/>
             </a:solidFill>
             <a:prstDash val="solid"/>
             <a:round/>
-            <a:headEnd len="sm" w="sm" type="none"/>
-            <a:tailEnd len="sm" w="sm" type="none"/>
+            <a:headEnd type="none" w="sm" len="sm"/>
+            <a:tailEnd type="none" w="sm" len="sm"/>
           </a:ln>
         </p:spPr>
         <p:txBody>
-          <a:bodyPr anchorCtr="0" anchor="ctr" bIns="91425" lIns="91425" spcFirstLastPara="1" rIns="91425" wrap="square" tIns="91425">
+          <a:bodyPr spcFirstLastPara="1" wrap="square" lIns="91425" tIns="91425" rIns="91425" bIns="91425" anchor="ctr" anchorCtr="0">
             <a:noAutofit/>
           </a:bodyPr>
           <a:lstStyle/>
           <a:p>
-            <a:pPr indent="0" lvl="0" marL="0" rtl="0" algn="l">
+            <a:pPr marL="0" lvl="0" indent="0" algn="l" rtl="0">
               <a:spcBef>
                 <a:spcPts val="0"/>
               </a:spcBef>
@@ -10331,9 +10384,6 @@
               </a:spcAft>
               <a:buNone/>
             </a:pPr>
-            <a:r>
-              <a:t/>
-            </a:r>
             <a:endParaRPr/>
           </a:p>
         </p:txBody>
@@ -10341,9 +10391,11 @@
       <p:sp>
         <p:nvSpPr>
           <p:cNvPr id="159" name="Google Shape;159;p15"/>
-          <p:cNvSpPr txBox="1"/>
+          <p:cNvSpPr txBox="1">
+            <a:spLocks noGrp="1"/>
+          </p:cNvSpPr>
           <p:nvPr>
-            <p:ph idx="1" type="body"/>
+            <p:ph type="body" idx="1"/>
           </p:nvPr>
         </p:nvSpPr>
         <p:spPr>
@@ -10356,12 +10408,12 @@
           </a:prstGeom>
         </p:spPr>
         <p:txBody>
-          <a:bodyPr anchorCtr="0" anchor="t" bIns="91425" lIns="91425" spcFirstLastPara="1" rIns="91425" wrap="square" tIns="91425">
+          <a:bodyPr spcFirstLastPara="1" wrap="square" lIns="91425" tIns="91425" rIns="91425" bIns="91425" anchor="t" anchorCtr="0">
             <a:noAutofit/>
           </a:bodyPr>
           <a:lstStyle/>
           <a:p>
-            <a:pPr indent="0" lvl="0" marL="0" rtl="0" algn="l">
+            <a:pPr marL="0" lvl="0" indent="0" algn="l" rtl="0">
               <a:spcBef>
                 <a:spcPts val="0"/>
               </a:spcBef>
@@ -10395,23 +10447,23 @@
           <a:solidFill>
             <a:schemeClr val="lt2"/>
           </a:solidFill>
-          <a:ln cap="flat" cmpd="sng" w="9525">
+          <a:ln w="9525" cap="flat" cmpd="sng">
             <a:solidFill>
               <a:schemeClr val="dk2"/>
             </a:solidFill>
             <a:prstDash val="solid"/>
             <a:round/>
-            <a:headEnd len="sm" w="sm" type="none"/>
-            <a:tailEnd len="sm" w="sm" type="none"/>
+            <a:headEnd type="none" w="sm" len="sm"/>
+            <a:tailEnd type="none" w="sm" len="sm"/>
           </a:ln>
         </p:spPr>
         <p:txBody>
-          <a:bodyPr anchorCtr="0" anchor="ctr" bIns="91425" lIns="91425" spcFirstLastPara="1" rIns="91425" wrap="square" tIns="91425">
+          <a:bodyPr spcFirstLastPara="1" wrap="square" lIns="91425" tIns="91425" rIns="91425" bIns="91425" anchor="ctr" anchorCtr="0">
             <a:noAutofit/>
           </a:bodyPr>
           <a:lstStyle/>
           <a:p>
-            <a:pPr indent="0" lvl="0" marL="0" rtl="0" algn="l">
+            <a:pPr marL="0" lvl="0" indent="0" algn="l" rtl="0">
               <a:spcBef>
                 <a:spcPts val="0"/>
               </a:spcBef>
@@ -10420,9 +10472,6 @@
               </a:spcAft>
               <a:buNone/>
             </a:pPr>
-            <a:r>
-              <a:t/>
-            </a:r>
             <a:endParaRPr/>
           </a:p>
         </p:txBody>
@@ -10430,9 +10479,11 @@
       <p:sp>
         <p:nvSpPr>
           <p:cNvPr id="161" name="Google Shape;161;p15"/>
-          <p:cNvSpPr txBox="1"/>
+          <p:cNvSpPr txBox="1">
+            <a:spLocks noGrp="1"/>
+          </p:cNvSpPr>
           <p:nvPr>
-            <p:ph idx="1" type="body"/>
+            <p:ph type="body" idx="1"/>
           </p:nvPr>
         </p:nvSpPr>
         <p:spPr>
@@ -10445,12 +10496,12 @@
           </a:prstGeom>
         </p:spPr>
         <p:txBody>
-          <a:bodyPr anchorCtr="0" anchor="t" bIns="91425" lIns="91425" spcFirstLastPara="1" rIns="91425" wrap="square" tIns="91425">
+          <a:bodyPr spcFirstLastPara="1" wrap="square" lIns="91425" tIns="91425" rIns="91425" bIns="91425" anchor="t" anchorCtr="0">
             <a:noAutofit/>
           </a:bodyPr>
           <a:lstStyle/>
           <a:p>
-            <a:pPr indent="0" lvl="0" marL="0" rtl="0" algn="l">
+            <a:pPr marL="0" lvl="0" indent="0" algn="l" rtl="0">
               <a:spcBef>
                 <a:spcPts val="0"/>
               </a:spcBef>
@@ -10484,23 +10535,23 @@
           <a:solidFill>
             <a:schemeClr val="lt2"/>
           </a:solidFill>
-          <a:ln cap="flat" cmpd="sng" w="9525">
+          <a:ln w="9525" cap="flat" cmpd="sng">
             <a:solidFill>
               <a:schemeClr val="dk2"/>
             </a:solidFill>
             <a:prstDash val="solid"/>
             <a:round/>
-            <a:headEnd len="sm" w="sm" type="none"/>
-            <a:tailEnd len="sm" w="sm" type="none"/>
+            <a:headEnd type="none" w="sm" len="sm"/>
+            <a:tailEnd type="none" w="sm" len="sm"/>
           </a:ln>
         </p:spPr>
         <p:txBody>
-          <a:bodyPr anchorCtr="0" anchor="ctr" bIns="91425" lIns="91425" spcFirstLastPara="1" rIns="91425" wrap="square" tIns="91425">
+          <a:bodyPr spcFirstLastPara="1" wrap="square" lIns="91425" tIns="91425" rIns="91425" bIns="91425" anchor="ctr" anchorCtr="0">
             <a:noAutofit/>
           </a:bodyPr>
           <a:lstStyle/>
           <a:p>
-            <a:pPr indent="0" lvl="0" marL="0" rtl="0" algn="l">
+            <a:pPr marL="0" lvl="0" indent="0" algn="l" rtl="0">
               <a:spcBef>
                 <a:spcPts val="0"/>
               </a:spcBef>
@@ -10509,9 +10560,6 @@
               </a:spcAft>
               <a:buNone/>
             </a:pPr>
-            <a:r>
-              <a:t/>
-            </a:r>
             <a:endParaRPr/>
           </a:p>
         </p:txBody>
@@ -10519,9 +10567,11 @@
       <p:sp>
         <p:nvSpPr>
           <p:cNvPr id="163" name="Google Shape;163;p15"/>
-          <p:cNvSpPr txBox="1"/>
+          <p:cNvSpPr txBox="1">
+            <a:spLocks noGrp="1"/>
+          </p:cNvSpPr>
           <p:nvPr>
-            <p:ph idx="1" type="body"/>
+            <p:ph type="body" idx="1"/>
           </p:nvPr>
         </p:nvSpPr>
         <p:spPr>
@@ -10534,12 +10584,12 @@
           </a:prstGeom>
         </p:spPr>
         <p:txBody>
-          <a:bodyPr anchorCtr="0" anchor="t" bIns="91425" lIns="91425" spcFirstLastPara="1" rIns="91425" wrap="square" tIns="91425">
+          <a:bodyPr spcFirstLastPara="1" wrap="square" lIns="91425" tIns="91425" rIns="91425" bIns="91425" anchor="t" anchorCtr="0">
             <a:noAutofit/>
           </a:bodyPr>
           <a:lstStyle/>
           <a:p>
-            <a:pPr indent="0" lvl="0" marL="0" rtl="0" algn="l">
+            <a:pPr marL="0" lvl="0" indent="0" algn="l" rtl="0">
               <a:spcBef>
                 <a:spcPts val="0"/>
               </a:spcBef>
@@ -10573,23 +10623,23 @@
           <a:solidFill>
             <a:schemeClr val="lt2"/>
           </a:solidFill>
-          <a:ln cap="flat" cmpd="sng" w="9525">
+          <a:ln w="9525" cap="flat" cmpd="sng">
             <a:solidFill>
               <a:schemeClr val="dk2"/>
             </a:solidFill>
             <a:prstDash val="solid"/>
             <a:round/>
-            <a:headEnd len="sm" w="sm" type="none"/>
-            <a:tailEnd len="sm" w="sm" type="none"/>
+            <a:headEnd type="none" w="sm" len="sm"/>
+            <a:tailEnd type="none" w="sm" len="sm"/>
           </a:ln>
         </p:spPr>
         <p:txBody>
-          <a:bodyPr anchorCtr="0" anchor="ctr" bIns="91425" lIns="91425" spcFirstLastPara="1" rIns="91425" wrap="square" tIns="91425">
+          <a:bodyPr spcFirstLastPara="1" wrap="square" lIns="91425" tIns="91425" rIns="91425" bIns="91425" anchor="ctr" anchorCtr="0">
             <a:noAutofit/>
           </a:bodyPr>
           <a:lstStyle/>
           <a:p>
-            <a:pPr indent="0" lvl="0" marL="0" rtl="0" algn="l">
+            <a:pPr marL="0" lvl="0" indent="0" algn="l" rtl="0">
               <a:spcBef>
                 <a:spcPts val="0"/>
               </a:spcBef>
@@ -10598,9 +10648,6 @@
               </a:spcAft>
               <a:buNone/>
             </a:pPr>
-            <a:r>
-              <a:t/>
-            </a:r>
             <a:endParaRPr/>
           </a:p>
         </p:txBody>
@@ -10608,9 +10655,11 @@
       <p:sp>
         <p:nvSpPr>
           <p:cNvPr id="165" name="Google Shape;165;p15"/>
-          <p:cNvSpPr txBox="1"/>
+          <p:cNvSpPr txBox="1">
+            <a:spLocks noGrp="1"/>
+          </p:cNvSpPr>
           <p:nvPr>
-            <p:ph idx="1" type="body"/>
+            <p:ph type="body" idx="1"/>
           </p:nvPr>
         </p:nvSpPr>
         <p:spPr>
@@ -10623,12 +10672,12 @@
           </a:prstGeom>
         </p:spPr>
         <p:txBody>
-          <a:bodyPr anchorCtr="0" anchor="t" bIns="91425" lIns="91425" spcFirstLastPara="1" rIns="91425" wrap="square" tIns="91425">
+          <a:bodyPr spcFirstLastPara="1" wrap="square" lIns="91425" tIns="91425" rIns="91425" bIns="91425" anchor="t" anchorCtr="0">
             <a:noAutofit/>
           </a:bodyPr>
           <a:lstStyle/>
           <a:p>
-            <a:pPr indent="0" lvl="0" marL="0" rtl="0" algn="l">
+            <a:pPr marL="0" lvl="0" indent="0" algn="l" rtl="0">
               <a:spcBef>
                 <a:spcPts val="0"/>
               </a:spcBef>
@@ -10662,23 +10711,23 @@
           <a:solidFill>
             <a:schemeClr val="lt2"/>
           </a:solidFill>
-          <a:ln cap="flat" cmpd="sng" w="9525">
+          <a:ln w="9525" cap="flat" cmpd="sng">
             <a:solidFill>
               <a:schemeClr val="dk2"/>
             </a:solidFill>
             <a:prstDash val="solid"/>
             <a:round/>
-            <a:headEnd len="sm" w="sm" type="none"/>
-            <a:tailEnd len="sm" w="sm" type="none"/>
+            <a:headEnd type="none" w="sm" len="sm"/>
+            <a:tailEnd type="none" w="sm" len="sm"/>
           </a:ln>
         </p:spPr>
         <p:txBody>
-          <a:bodyPr anchorCtr="0" anchor="ctr" bIns="91425" lIns="91425" spcFirstLastPara="1" rIns="91425" wrap="square" tIns="91425">
+          <a:bodyPr spcFirstLastPara="1" wrap="square" lIns="91425" tIns="91425" rIns="91425" bIns="91425" anchor="ctr" anchorCtr="0">
             <a:noAutofit/>
           </a:bodyPr>
           <a:lstStyle/>
           <a:p>
-            <a:pPr indent="0" lvl="0" marL="0" rtl="0" algn="l">
+            <a:pPr marL="0" lvl="0" indent="0" algn="l" rtl="0">
               <a:spcBef>
                 <a:spcPts val="0"/>
               </a:spcBef>
@@ -10687,9 +10736,6 @@
               </a:spcAft>
               <a:buNone/>
             </a:pPr>
-            <a:r>
-              <a:t/>
-            </a:r>
             <a:endParaRPr/>
           </a:p>
         </p:txBody>
@@ -10697,9 +10743,11 @@
       <p:sp>
         <p:nvSpPr>
           <p:cNvPr id="167" name="Google Shape;167;p15"/>
-          <p:cNvSpPr txBox="1"/>
+          <p:cNvSpPr txBox="1">
+            <a:spLocks noGrp="1"/>
+          </p:cNvSpPr>
           <p:nvPr>
-            <p:ph idx="1" type="body"/>
+            <p:ph type="body" idx="1"/>
           </p:nvPr>
         </p:nvSpPr>
         <p:spPr>
@@ -10712,12 +10760,12 @@
           </a:prstGeom>
         </p:spPr>
         <p:txBody>
-          <a:bodyPr anchorCtr="0" anchor="t" bIns="91425" lIns="91425" spcFirstLastPara="1" rIns="91425" wrap="square" tIns="91425">
+          <a:bodyPr spcFirstLastPara="1" wrap="square" lIns="91425" tIns="91425" rIns="91425" bIns="91425" anchor="t" anchorCtr="0">
             <a:noAutofit/>
           </a:bodyPr>
           <a:lstStyle/>
           <a:p>
-            <a:pPr indent="0" lvl="0" marL="0" rtl="0" algn="l">
+            <a:pPr marL="0" lvl="0" indent="0" algn="l" rtl="0">
               <a:spcBef>
                 <a:spcPts val="0"/>
               </a:spcBef>
@@ -10751,23 +10799,23 @@
           <a:solidFill>
             <a:schemeClr val="lt2"/>
           </a:solidFill>
-          <a:ln cap="flat" cmpd="sng" w="9525">
+          <a:ln w="9525" cap="flat" cmpd="sng">
             <a:solidFill>
               <a:schemeClr val="dk2"/>
             </a:solidFill>
             <a:prstDash val="solid"/>
             <a:round/>
-            <a:headEnd len="sm" w="sm" type="none"/>
-            <a:tailEnd len="sm" w="sm" type="none"/>
+            <a:headEnd type="none" w="sm" len="sm"/>
+            <a:tailEnd type="none" w="sm" len="sm"/>
           </a:ln>
         </p:spPr>
         <p:txBody>
-          <a:bodyPr anchorCtr="0" anchor="ctr" bIns="91425" lIns="91425" spcFirstLastPara="1" rIns="91425" wrap="square" tIns="91425">
+          <a:bodyPr spcFirstLastPara="1" wrap="square" lIns="91425" tIns="91425" rIns="91425" bIns="91425" anchor="ctr" anchorCtr="0">
             <a:noAutofit/>
           </a:bodyPr>
           <a:lstStyle/>
           <a:p>
-            <a:pPr indent="0" lvl="0" marL="0" rtl="0" algn="l">
+            <a:pPr marL="0" lvl="0" indent="0" algn="l" rtl="0">
               <a:spcBef>
                 <a:spcPts val="0"/>
               </a:spcBef>
@@ -10776,9 +10824,6 @@
               </a:spcAft>
               <a:buNone/>
             </a:pPr>
-            <a:r>
-              <a:t/>
-            </a:r>
             <a:endParaRPr/>
           </a:p>
         </p:txBody>
@@ -10798,14 +10843,14 @@
             <a:avLst/>
           </a:prstGeom>
           <a:noFill/>
-          <a:ln cap="flat" cmpd="sng" w="9525">
+          <a:ln w="9525" cap="flat" cmpd="sng">
             <a:solidFill>
               <a:schemeClr val="dk2"/>
             </a:solidFill>
             <a:prstDash val="solid"/>
             <a:round/>
-            <a:headEnd len="med" w="med" type="none"/>
-            <a:tailEnd len="med" w="med" type="none"/>
+            <a:headEnd type="none" w="med" len="med"/>
+            <a:tailEnd type="none" w="med" len="med"/>
           </a:ln>
         </p:spPr>
       </p:cxnSp>
@@ -10818,11 +10863,11 @@
 </file>
 
 <file path=ppt/slides/slide4.xml><?xml version="1.0" encoding="utf-8"?>
-<p:sld xmlns:a="http://schemas.openxmlformats.org/drawingml/2006/main" xmlns:r="http://schemas.openxmlformats.org/officeDocument/2006/relationships" xmlns:mc="http://schemas.openxmlformats.org/markup-compatibility/2006" xmlns:mv="urn:schemas-microsoft-com:mac:vml" xmlns:p="http://schemas.openxmlformats.org/presentationml/2006/main" xmlns:c="http://schemas.openxmlformats.org/drawingml/2006/chart" xmlns:dgm="http://schemas.openxmlformats.org/drawingml/2006/diagram" xmlns:o="urn:schemas-microsoft-com:office:office" xmlns:v="urn:schemas-microsoft-com:vml" xmlns:pvml="urn:schemas-microsoft-com:office:powerpoint" xmlns:com="http://schemas.openxmlformats.org/drawingml/2006/compatibility" xmlns:p14="http://schemas.microsoft.com/office/powerpoint/2010/main" xmlns:p15="http://schemas.microsoft.com/office/powerpoint/2012/main">
+<p:sld xmlns:a="http://schemas.openxmlformats.org/drawingml/2006/main" xmlns:r="http://schemas.openxmlformats.org/officeDocument/2006/relationships" xmlns:p="http://schemas.openxmlformats.org/presentationml/2006/main">
   <p:cSld>
     <p:spTree>
       <p:nvGrpSpPr>
-        <p:cNvPr id="173" name="Shape 173"/>
+        <p:cNvPr id="1" name="Shape 173"/>
         <p:cNvGrpSpPr/>
         <p:nvPr/>
       </p:nvGrpSpPr>
@@ -10837,7 +10882,9 @@
       <p:sp>
         <p:nvSpPr>
           <p:cNvPr id="174" name="Google Shape;174;p16"/>
-          <p:cNvSpPr txBox="1"/>
+          <p:cNvSpPr txBox="1">
+            <a:spLocks noGrp="1"/>
+          </p:cNvSpPr>
           <p:nvPr>
             <p:ph type="title"/>
           </p:nvPr>
@@ -10852,12 +10899,12 @@
           </a:prstGeom>
         </p:spPr>
         <p:txBody>
-          <a:bodyPr anchorCtr="0" anchor="t" bIns="91425" lIns="91425" spcFirstLastPara="1" rIns="91425" wrap="square" tIns="91425">
+          <a:bodyPr spcFirstLastPara="1" wrap="square" lIns="91425" tIns="91425" rIns="91425" bIns="91425" anchor="t" anchorCtr="0">
             <a:noAutofit/>
           </a:bodyPr>
           <a:lstStyle/>
           <a:p>
-            <a:pPr indent="0" lvl="0" marL="0" rtl="0" algn="l">
+            <a:pPr marL="0" lvl="0" indent="0" algn="l" rtl="0">
               <a:spcBef>
                 <a:spcPts val="0"/>
               </a:spcBef>
@@ -10918,7 +10965,7 @@
         </p:blipFill>
         <p:spPr>
           <a:xfrm>
-            <a:off x="1852750" y="803850"/>
+            <a:off x="2335424" y="729205"/>
             <a:ext cx="5336826" cy="3953475"/>
           </a:xfrm>
           <a:prstGeom prst="rect">
@@ -10933,7 +10980,9 @@
       <p:sp>
         <p:nvSpPr>
           <p:cNvPr id="177" name="Google Shape;177;p16"/>
-          <p:cNvSpPr txBox="1"/>
+          <p:cNvSpPr txBox="1">
+            <a:spLocks noGrp="1"/>
+          </p:cNvSpPr>
           <p:nvPr>
             <p:ph type="title"/>
           </p:nvPr>
@@ -10948,12 +10997,12 @@
           </a:prstGeom>
         </p:spPr>
         <p:txBody>
-          <a:bodyPr anchorCtr="0" anchor="t" bIns="91425" lIns="91425" spcFirstLastPara="1" rIns="91425" wrap="square" tIns="91425">
+          <a:bodyPr spcFirstLastPara="1" wrap="square" lIns="91425" tIns="91425" rIns="91425" bIns="91425" anchor="t" anchorCtr="0">
             <a:noAutofit/>
           </a:bodyPr>
           <a:lstStyle/>
           <a:p>
-            <a:pPr indent="0" lvl="0" marL="0" rtl="0" algn="l">
+            <a:pPr marL="0" lvl="0" indent="0" algn="l" rtl="0">
               <a:spcBef>
                 <a:spcPts val="0"/>
               </a:spcBef>
@@ -10979,11 +11028,125 @@
 </file>
 
 <file path=ppt/slides/slide5.xml><?xml version="1.0" encoding="utf-8"?>
-<p:sld xmlns:a="http://schemas.openxmlformats.org/drawingml/2006/main" xmlns:r="http://schemas.openxmlformats.org/officeDocument/2006/relationships" xmlns:mc="http://schemas.openxmlformats.org/markup-compatibility/2006" xmlns:mv="urn:schemas-microsoft-com:mac:vml" xmlns:p="http://schemas.openxmlformats.org/presentationml/2006/main" xmlns:c="http://schemas.openxmlformats.org/drawingml/2006/chart" xmlns:dgm="http://schemas.openxmlformats.org/drawingml/2006/diagram" xmlns:o="urn:schemas-microsoft-com:office:office" xmlns:v="urn:schemas-microsoft-com:vml" xmlns:pvml="urn:schemas-microsoft-com:office:powerpoint" xmlns:com="http://schemas.openxmlformats.org/drawingml/2006/compatibility" xmlns:p14="http://schemas.microsoft.com/office/powerpoint/2010/main" xmlns:p15="http://schemas.microsoft.com/office/powerpoint/2012/main">
+<p:sld xmlns:a="http://schemas.openxmlformats.org/drawingml/2006/main" xmlns:r="http://schemas.openxmlformats.org/officeDocument/2006/relationships" xmlns:p="http://schemas.openxmlformats.org/presentationml/2006/main">
   <p:cSld>
     <p:spTree>
       <p:nvGrpSpPr>
-        <p:cNvPr id="181" name="Shape 181"/>
+        <p:cNvPr id="1" name="Shape 173"/>
+        <p:cNvGrpSpPr/>
+        <p:nvPr/>
+      </p:nvGrpSpPr>
+      <p:grpSpPr>
+        <a:xfrm>
+          <a:off x="0" y="0"/>
+          <a:ext cx="0" cy="0"/>
+          <a:chOff x="0" y="0"/>
+          <a:chExt cx="0" cy="0"/>
+        </a:xfrm>
+      </p:grpSpPr>
+      <p:sp>
+        <p:nvSpPr>
+          <p:cNvPr id="174" name="Google Shape;174;p16"/>
+          <p:cNvSpPr txBox="1">
+            <a:spLocks noGrp="1"/>
+          </p:cNvSpPr>
+          <p:nvPr>
+            <p:ph type="title"/>
+          </p:nvPr>
+        </p:nvSpPr>
+        <p:spPr>
+          <a:xfrm>
+            <a:off x="1297500" y="393750"/>
+            <a:ext cx="7038900" cy="914100"/>
+          </a:xfrm>
+          <a:prstGeom prst="rect">
+            <a:avLst/>
+          </a:prstGeom>
+        </p:spPr>
+        <p:txBody>
+          <a:bodyPr spcFirstLastPara="1" wrap="square" lIns="91425" tIns="91425" rIns="91425" bIns="91425" anchor="t" anchorCtr="0">
+            <a:noAutofit/>
+          </a:bodyPr>
+          <a:lstStyle/>
+          <a:p>
+            <a:pPr marL="0" lvl="0" indent="0" algn="l" rtl="0">
+              <a:spcBef>
+                <a:spcPts val="0"/>
+              </a:spcBef>
+              <a:spcAft>
+                <a:spcPts val="0"/>
+              </a:spcAft>
+              <a:buNone/>
+            </a:pPr>
+            <a:r>
+              <a:rPr lang="en"/>
+              <a:t>Potential Relations and Attributes</a:t>
+            </a:r>
+            <a:endParaRPr/>
+          </a:p>
+        </p:txBody>
+      </p:sp>
+      <p:sp>
+        <p:nvSpPr>
+          <p:cNvPr id="177" name="Google Shape;177;p16"/>
+          <p:cNvSpPr txBox="1">
+            <a:spLocks noGrp="1"/>
+          </p:cNvSpPr>
+          <p:nvPr>
+            <p:ph type="title"/>
+          </p:nvPr>
+        </p:nvSpPr>
+        <p:spPr>
+          <a:xfrm>
+            <a:off x="1852750" y="144220"/>
+            <a:ext cx="4386600" cy="338100"/>
+          </a:xfrm>
+          <a:prstGeom prst="rect">
+            <a:avLst/>
+          </a:prstGeom>
+        </p:spPr>
+        <p:txBody>
+          <a:bodyPr spcFirstLastPara="1" wrap="square" lIns="91425" tIns="91425" rIns="91425" bIns="91425" anchor="t" anchorCtr="0">
+            <a:noAutofit/>
+          </a:bodyPr>
+          <a:lstStyle/>
+          <a:p>
+            <a:pPr marL="0" lvl="0" indent="0" algn="l" rtl="0">
+              <a:spcBef>
+                <a:spcPts val="0"/>
+              </a:spcBef>
+              <a:spcAft>
+                <a:spcPts val="0"/>
+              </a:spcAft>
+              <a:buNone/>
+            </a:pPr>
+            <a:r>
+              <a:rPr lang="en" sz="800"/>
+              <a:t>Translate screenshots into prettier ppt tables that resemble the schema from the book.  Note the pk, fk and draw arcs btwn them.</a:t>
+            </a:r>
+            <a:endParaRPr sz="800"/>
+          </a:p>
+        </p:txBody>
+      </p:sp>
+    </p:spTree>
+    <p:extLst>
+      <p:ext uri="{BB962C8B-B14F-4D97-AF65-F5344CB8AC3E}">
+        <p14:creationId xmlns:p14="http://schemas.microsoft.com/office/powerpoint/2010/main" val="1290825900"/>
+      </p:ext>
+    </p:extLst>
+  </p:cSld>
+  <p:clrMapOvr>
+    <a:masterClrMapping/>
+  </p:clrMapOvr>
+</p:sld>
+</file>
+
+<file path=ppt/slides/slide6.xml><?xml version="1.0" encoding="utf-8"?>
+<p:sld xmlns:a="http://schemas.openxmlformats.org/drawingml/2006/main" xmlns:r="http://schemas.openxmlformats.org/officeDocument/2006/relationships" xmlns:p="http://schemas.openxmlformats.org/presentationml/2006/main">
+  <p:cSld>
+    <p:spTree>
+      <p:nvGrpSpPr>
+        <p:cNvPr id="1" name="Shape 181"/>
         <p:cNvGrpSpPr/>
         <p:nvPr/>
       </p:nvGrpSpPr>
@@ -10998,7 +11161,9 @@
       <p:sp>
         <p:nvSpPr>
           <p:cNvPr id="182" name="Google Shape;182;p17"/>
-          <p:cNvSpPr txBox="1"/>
+          <p:cNvSpPr txBox="1">
+            <a:spLocks noGrp="1"/>
+          </p:cNvSpPr>
           <p:nvPr>
             <p:ph type="title"/>
           </p:nvPr>
@@ -11013,12 +11178,12 @@
           </a:prstGeom>
         </p:spPr>
         <p:txBody>
-          <a:bodyPr anchorCtr="0" anchor="t" bIns="91425" lIns="91425" spcFirstLastPara="1" rIns="91425" wrap="square" tIns="91425">
+          <a:bodyPr spcFirstLastPara="1" wrap="square" lIns="91425" tIns="91425" rIns="91425" bIns="91425" anchor="t" anchorCtr="0">
             <a:noAutofit/>
           </a:bodyPr>
           <a:lstStyle/>
           <a:p>
-            <a:pPr indent="0" lvl="0" marL="0" rtl="0" algn="l">
+            <a:pPr marL="0" lvl="0" indent="0" algn="l" rtl="0">
               <a:spcBef>
                 <a:spcPts val="0"/>
               </a:spcBef>
@@ -11043,7 +11208,7 @@
         </p:nvGraphicFramePr>
         <p:xfrm>
           <a:off x="152400" y="152400"/>
-          <a:ext cx="3000000" cy="3000000"/>
+          <a:ext cx="2419350" cy="396210"/>
         </p:xfrm>
         <a:graphic>
           <a:graphicData uri="http://schemas.openxmlformats.org/drawingml/2006/table">
@@ -11055,15 +11220,13 @@
               <a:tblGrid>
                 <a:gridCol w="2419350"/>
               </a:tblGrid>
-              <a:tr h="190500">
+              <a:tr h="0">
                 <a:tc>
                   <a:txBody>
-                    <a:bodyPr>
-                      <a:noAutofit/>
-                    </a:bodyPr>
+                    <a:bodyPr/>
                     <a:lstStyle/>
                     <a:p>
-                      <a:pPr indent="0" lvl="0" marL="0" rtl="0" algn="l">
+                      <a:pPr marL="0" lvl="0" indent="0" algn="l" rtl="0">
                         <a:spcBef>
                           <a:spcPts val="0"/>
                         </a:spcBef>
@@ -11072,13 +11235,10 @@
                         </a:spcAft>
                         <a:buNone/>
                       </a:pPr>
-                      <a:r>
-                        <a:t/>
-                      </a:r>
                       <a:endParaRPr/>
                     </a:p>
                   </a:txBody>
-                  <a:tcPr marT="91425" marB="91425" marR="91425" marL="91425"/>
+                  <a:tcPr marL="91425" marR="91425" marT="91425" marB="91425"/>
                 </a:tc>
               </a:tr>
             </a:tbl>
@@ -11144,7 +11304,9 @@
       <p:sp>
         <p:nvSpPr>
           <p:cNvPr id="186" name="Google Shape;186;p17"/>
-          <p:cNvSpPr txBox="1"/>
+          <p:cNvSpPr txBox="1">
+            <a:spLocks noGrp="1"/>
+          </p:cNvSpPr>
           <p:nvPr>
             <p:ph type="title"/>
           </p:nvPr>
@@ -11159,12 +11321,12 @@
           </a:prstGeom>
         </p:spPr>
         <p:txBody>
-          <a:bodyPr anchorCtr="0" anchor="t" bIns="91425" lIns="91425" spcFirstLastPara="1" rIns="91425" wrap="square" tIns="91425">
+          <a:bodyPr spcFirstLastPara="1" wrap="square" lIns="91425" tIns="91425" rIns="91425" bIns="91425" anchor="t" anchorCtr="0">
             <a:noAutofit/>
           </a:bodyPr>
           <a:lstStyle/>
           <a:p>
-            <a:pPr indent="0" lvl="0" marL="0" rtl="0" algn="l">
+            <a:pPr marL="0" lvl="0" indent="0" algn="l" rtl="0">
               <a:spcBef>
                 <a:spcPts val="0"/>
               </a:spcBef>
@@ -11189,12 +11351,12 @@
 </p:sld>
 </file>
 
-<file path=ppt/slides/slide6.xml><?xml version="1.0" encoding="utf-8"?>
-<p:sld xmlns:a="http://schemas.openxmlformats.org/drawingml/2006/main" xmlns:r="http://schemas.openxmlformats.org/officeDocument/2006/relationships" xmlns:mc="http://schemas.openxmlformats.org/markup-compatibility/2006" xmlns:mv="urn:schemas-microsoft-com:mac:vml" xmlns:p="http://schemas.openxmlformats.org/presentationml/2006/main" xmlns:c="http://schemas.openxmlformats.org/drawingml/2006/chart" xmlns:dgm="http://schemas.openxmlformats.org/drawingml/2006/diagram" xmlns:o="urn:schemas-microsoft-com:office:office" xmlns:v="urn:schemas-microsoft-com:vml" xmlns:pvml="urn:schemas-microsoft-com:office:powerpoint" xmlns:com="http://schemas.openxmlformats.org/drawingml/2006/compatibility" xmlns:p14="http://schemas.microsoft.com/office/powerpoint/2010/main" xmlns:p15="http://schemas.microsoft.com/office/powerpoint/2012/main">
+<file path=ppt/slides/slide7.xml><?xml version="1.0" encoding="utf-8"?>
+<p:sld xmlns:a="http://schemas.openxmlformats.org/drawingml/2006/main" xmlns:r="http://schemas.openxmlformats.org/officeDocument/2006/relationships" xmlns:p="http://schemas.openxmlformats.org/presentationml/2006/main">
   <p:cSld>
     <p:spTree>
       <p:nvGrpSpPr>
-        <p:cNvPr id="190" name="Shape 190"/>
+        <p:cNvPr id="1" name="Shape 190"/>
         <p:cNvGrpSpPr/>
         <p:nvPr/>
       </p:nvGrpSpPr>
@@ -11209,7 +11371,9 @@
       <p:sp>
         <p:nvSpPr>
           <p:cNvPr id="191" name="Google Shape;191;p18"/>
-          <p:cNvSpPr txBox="1"/>
+          <p:cNvSpPr txBox="1">
+            <a:spLocks noGrp="1"/>
+          </p:cNvSpPr>
           <p:nvPr>
             <p:ph type="title"/>
           </p:nvPr>
@@ -11224,12 +11388,12 @@
           </a:prstGeom>
         </p:spPr>
         <p:txBody>
-          <a:bodyPr anchorCtr="0" anchor="t" bIns="91425" lIns="91425" spcFirstLastPara="1" rIns="91425" wrap="square" tIns="91425">
+          <a:bodyPr spcFirstLastPara="1" wrap="square" lIns="91425" tIns="91425" rIns="91425" bIns="91425" anchor="t" anchorCtr="0">
             <a:noAutofit/>
           </a:bodyPr>
           <a:lstStyle/>
           <a:p>
-            <a:pPr indent="0" lvl="0" marL="0" rtl="0" algn="l">
+            <a:pPr marL="0" lvl="0" indent="0" algn="l" rtl="0">
               <a:spcBef>
                 <a:spcPts val="0"/>
               </a:spcBef>
@@ -11282,12 +11446,12 @@
             </a:ln>
           </p:spPr>
           <p:txBody>
-            <a:bodyPr anchorCtr="0" anchor="ctr" bIns="91425" lIns="91425" spcFirstLastPara="1" rIns="91425" wrap="square" tIns="91425">
+            <a:bodyPr spcFirstLastPara="1" wrap="square" lIns="91425" tIns="91425" rIns="91425" bIns="91425" anchor="ctr" anchorCtr="0">
               <a:noAutofit/>
             </a:bodyPr>
             <a:lstStyle/>
             <a:p>
-              <a:pPr indent="0" lvl="0" marL="0" rtl="0" algn="l">
+              <a:pPr marL="0" lvl="0" indent="0" algn="l" rtl="0">
                 <a:spcBef>
                   <a:spcPts val="0"/>
                 </a:spcBef>
@@ -11296,9 +11460,6 @@
                 </a:spcAft>
                 <a:buNone/>
               </a:pPr>
-              <a:r>
-                <a:t/>
-              </a:r>
               <a:endParaRPr/>
             </a:p>
           </p:txBody>
@@ -11346,14 +11507,14 @@
                   <a:avLst/>
                 </a:prstGeom>
                 <a:noFill/>
-                <a:ln cap="flat" cmpd="sng" w="9525">
+                <a:ln w="9525" cap="flat" cmpd="sng">
                   <a:solidFill>
                     <a:srgbClr val="000000"/>
                   </a:solidFill>
                   <a:prstDash val="solid"/>
                   <a:round/>
-                  <a:headEnd len="sm" w="sm" type="none"/>
-                  <a:tailEnd len="sm" w="sm" type="none"/>
+                  <a:headEnd type="none" w="sm" len="sm"/>
+                  <a:tailEnd type="none" w="sm" len="sm"/>
                 </a:ln>
               </p:spPr>
             </p:cxnSp>
@@ -11379,12 +11540,12 @@
                 </a:ln>
               </p:spPr>
               <p:txBody>
-                <a:bodyPr anchorCtr="0" anchor="ctr" bIns="91425" lIns="91425" spcFirstLastPara="1" rIns="91425" wrap="square" tIns="91425">
+                <a:bodyPr spcFirstLastPara="1" wrap="square" lIns="91425" tIns="91425" rIns="91425" bIns="91425" anchor="ctr" anchorCtr="0">
                   <a:noAutofit/>
                 </a:bodyPr>
                 <a:lstStyle/>
                 <a:p>
-                  <a:pPr indent="0" lvl="0" marL="0" rtl="0" algn="l">
+                  <a:pPr marL="0" lvl="0" indent="0" algn="l" rtl="0">
                     <a:spcBef>
                       <a:spcPts val="0"/>
                     </a:spcBef>
@@ -11393,9 +11554,6 @@
                     </a:spcAft>
                     <a:buNone/>
                   </a:pPr>
-                  <a:r>
-                    <a:t/>
-                  </a:r>
                   <a:endParaRPr/>
                 </a:p>
               </p:txBody>
@@ -11421,12 +11579,12 @@
               </a:ln>
             </p:spPr>
             <p:txBody>
-              <a:bodyPr anchorCtr="0" anchor="t" bIns="91425" lIns="91425" spcFirstLastPara="1" rIns="91425" wrap="square" tIns="91425">
+              <a:bodyPr spcFirstLastPara="1" wrap="square" lIns="91425" tIns="91425" rIns="91425" bIns="91425" anchor="t" anchorCtr="0">
                 <a:noAutofit/>
               </a:bodyPr>
               <a:lstStyle/>
               <a:p>
-                <a:pPr indent="0" lvl="0" marL="0" rtl="0" algn="ctr">
+                <a:pPr marL="0" lvl="0" indent="0" algn="ctr" rtl="0">
                   <a:lnSpc>
                     <a:spcPct val="115000"/>
                   </a:lnSpc>
@@ -11439,7 +11597,7 @@
                   <a:buNone/>
                 </a:pPr>
                 <a:r>
-                  <a:rPr b="1" lang="en" sz="1200">
+                  <a:rPr lang="en" sz="1200" b="1">
                     <a:solidFill>
                       <a:srgbClr val="FFFF00"/>
                     </a:solidFill>
@@ -11448,33 +11606,9 @@
                     <a:cs typeface="Roboto"/>
                     <a:sym typeface="Roboto"/>
                   </a:rPr>
-                  <a:t>Thorough</a:t>
+                  <a:t>Thorough testing with practical use and routine</a:t>
                 </a:r>
-                <a:r>
-                  <a:rPr b="1" lang="en" sz="1200">
-                    <a:solidFill>
-                      <a:srgbClr val="FFFF00"/>
-                    </a:solidFill>
-                    <a:latin typeface="Roboto"/>
-                    <a:ea typeface="Roboto"/>
-                    <a:cs typeface="Roboto"/>
-                    <a:sym typeface="Roboto"/>
-                  </a:rPr>
-                  <a:t> testing with practical use and </a:t>
-                </a:r>
-                <a:r>
-                  <a:rPr b="1" lang="en" sz="1200">
-                    <a:solidFill>
-                      <a:srgbClr val="FFFF00"/>
-                    </a:solidFill>
-                    <a:latin typeface="Roboto"/>
-                    <a:ea typeface="Roboto"/>
-                    <a:cs typeface="Roboto"/>
-                    <a:sym typeface="Roboto"/>
-                  </a:rPr>
-                  <a:t>routine</a:t>
-                </a:r>
-                <a:endParaRPr b="1" sz="1200">
+                <a:endParaRPr sz="1200" b="1">
                   <a:solidFill>
                     <a:srgbClr val="FFFF00"/>
                   </a:solidFill>
@@ -11506,12 +11640,12 @@
               </a:ln>
             </p:spPr>
             <p:txBody>
-              <a:bodyPr anchorCtr="0" anchor="t" bIns="91425" lIns="91425" spcFirstLastPara="1" rIns="91425" wrap="square" tIns="91425">
+              <a:bodyPr spcFirstLastPara="1" wrap="square" lIns="91425" tIns="91425" rIns="91425" bIns="91425" anchor="t" anchorCtr="0">
                 <a:noAutofit/>
               </a:bodyPr>
               <a:lstStyle/>
               <a:p>
-                <a:pPr indent="0" lvl="0" marL="0" rtl="0" algn="l">
+                <a:pPr marL="0" lvl="0" indent="0" algn="l" rtl="0">
                   <a:spcBef>
                     <a:spcPts val="0"/>
                   </a:spcBef>
@@ -11521,7 +11655,7 @@
                   <a:buNone/>
                 </a:pPr>
                 <a:r>
-                  <a:rPr b="1" lang="en" sz="800">
+                  <a:rPr lang="en" sz="800" b="1">
                     <a:solidFill>
                       <a:srgbClr val="FFFF00"/>
                     </a:solidFill>
@@ -11532,7 +11666,7 @@
                   </a:rPr>
                   <a:t>Weeks 5 &amp; 6 of  project</a:t>
                 </a:r>
-                <a:endParaRPr b="1" sz="800">
+                <a:endParaRPr sz="800" b="1">
                   <a:solidFill>
                     <a:srgbClr val="FFFF00"/>
                   </a:solidFill>
@@ -11582,12 +11716,12 @@
             </a:ln>
           </p:spPr>
           <p:txBody>
-            <a:bodyPr anchorCtr="0" anchor="ctr" bIns="91425" lIns="91425" spcFirstLastPara="1" rIns="91425" wrap="square" tIns="91425">
+            <a:bodyPr spcFirstLastPara="1" wrap="square" lIns="91425" tIns="91425" rIns="91425" bIns="91425" anchor="ctr" anchorCtr="0">
               <a:noAutofit/>
             </a:bodyPr>
             <a:lstStyle/>
             <a:p>
-              <a:pPr indent="0" lvl="0" marL="0" rtl="0" algn="l">
+              <a:pPr marL="0" lvl="0" indent="0" algn="l" rtl="0">
                 <a:spcBef>
                   <a:spcPts val="0"/>
                 </a:spcBef>
@@ -11596,9 +11730,6 @@
                 </a:spcAft>
                 <a:buNone/>
               </a:pPr>
-              <a:r>
-                <a:t/>
-              </a:r>
               <a:endParaRPr/>
             </a:p>
           </p:txBody>
@@ -11646,14 +11777,14 @@
                   <a:avLst/>
                 </a:prstGeom>
                 <a:noFill/>
-                <a:ln cap="flat" cmpd="sng" w="9525">
+                <a:ln w="9525" cap="flat" cmpd="sng">
                   <a:solidFill>
                     <a:srgbClr val="000000"/>
                   </a:solidFill>
                   <a:prstDash val="solid"/>
                   <a:round/>
-                  <a:headEnd len="sm" w="sm" type="none"/>
-                  <a:tailEnd len="sm" w="sm" type="none"/>
+                  <a:headEnd type="none" w="sm" len="sm"/>
+                  <a:tailEnd type="none" w="sm" len="sm"/>
                 </a:ln>
               </p:spPr>
             </p:cxnSp>
@@ -11679,12 +11810,12 @@
                 </a:ln>
               </p:spPr>
               <p:txBody>
-                <a:bodyPr anchorCtr="0" anchor="ctr" bIns="91425" lIns="91425" spcFirstLastPara="1" rIns="91425" wrap="square" tIns="91425">
+                <a:bodyPr spcFirstLastPara="1" wrap="square" lIns="91425" tIns="91425" rIns="91425" bIns="91425" anchor="ctr" anchorCtr="0">
                   <a:noAutofit/>
                 </a:bodyPr>
                 <a:lstStyle/>
                 <a:p>
-                  <a:pPr indent="0" lvl="0" marL="0" rtl="0" algn="l">
+                  <a:pPr marL="0" lvl="0" indent="0" algn="l" rtl="0">
                     <a:spcBef>
                       <a:spcPts val="0"/>
                     </a:spcBef>
@@ -11693,9 +11824,6 @@
                     </a:spcAft>
                     <a:buNone/>
                   </a:pPr>
-                  <a:r>
-                    <a:t/>
-                  </a:r>
                   <a:endParaRPr/>
                 </a:p>
               </p:txBody>
@@ -11721,12 +11849,12 @@
               </a:ln>
             </p:spPr>
             <p:txBody>
-              <a:bodyPr anchorCtr="0" anchor="t" bIns="91425" lIns="91425" spcFirstLastPara="1" rIns="91425" wrap="square" tIns="91425">
+              <a:bodyPr spcFirstLastPara="1" wrap="square" lIns="91425" tIns="91425" rIns="91425" bIns="91425" anchor="t" anchorCtr="0">
                 <a:noAutofit/>
               </a:bodyPr>
               <a:lstStyle/>
               <a:p>
-                <a:pPr indent="0" lvl="0" marL="0" rtl="0" algn="ctr">
+                <a:pPr marL="0" lvl="0" indent="0" algn="ctr" rtl="0">
                   <a:lnSpc>
                     <a:spcPct val="115000"/>
                   </a:lnSpc>
@@ -11739,7 +11867,7 @@
                   <a:buNone/>
                 </a:pPr>
                 <a:r>
-                  <a:rPr b="1" lang="en" sz="800">
+                  <a:rPr lang="en" sz="800" b="1">
                     <a:solidFill>
                       <a:srgbClr val="FFFF00"/>
                     </a:solidFill>
@@ -11750,7 +11878,7 @@
                   </a:rPr>
                   <a:t>Weeks 7 &amp; 8 of project</a:t>
                 </a:r>
-                <a:endParaRPr b="1" sz="800">
+                <a:endParaRPr sz="800" b="1">
                   <a:solidFill>
                     <a:srgbClr val="FFFF00"/>
                   </a:solidFill>
@@ -11782,12 +11910,12 @@
               </a:ln>
             </p:spPr>
             <p:txBody>
-              <a:bodyPr anchorCtr="0" anchor="t" bIns="91425" lIns="91425" spcFirstLastPara="1" rIns="91425" wrap="square" tIns="91425">
+              <a:bodyPr spcFirstLastPara="1" wrap="square" lIns="91425" tIns="91425" rIns="91425" bIns="91425" anchor="t" anchorCtr="0">
                 <a:noAutofit/>
               </a:bodyPr>
               <a:lstStyle/>
               <a:p>
-                <a:pPr indent="0" lvl="0" marL="0" rtl="0" algn="l">
+                <a:pPr marL="0" lvl="0" indent="0" algn="l" rtl="0">
                   <a:spcBef>
                     <a:spcPts val="0"/>
                   </a:spcBef>
@@ -11797,7 +11925,7 @@
                   <a:buNone/>
                 </a:pPr>
                 <a:r>
-                  <a:rPr b="1" lang="en" sz="1200">
+                  <a:rPr lang="en" sz="1200" b="1">
                     <a:solidFill>
                       <a:srgbClr val="FFFF00"/>
                     </a:solidFill>
@@ -11806,43 +11934,7 @@
                     <a:cs typeface="Roboto"/>
                     <a:sym typeface="Roboto"/>
                   </a:rPr>
-                  <a:t>Final errors being </a:t>
-                </a:r>
-                <a:r>
-                  <a:rPr b="1" lang="en" sz="1200">
-                    <a:solidFill>
-                      <a:srgbClr val="FFFF00"/>
-                    </a:solidFill>
-                    <a:latin typeface="Roboto"/>
-                    <a:ea typeface="Roboto"/>
-                    <a:cs typeface="Roboto"/>
-                    <a:sym typeface="Roboto"/>
-                  </a:rPr>
-                  <a:t>dealt</a:t>
-                </a:r>
-                <a:r>
-                  <a:rPr b="1" lang="en" sz="1200">
-                    <a:solidFill>
-                      <a:srgbClr val="FFFF00"/>
-                    </a:solidFill>
-                    <a:latin typeface="Roboto"/>
-                    <a:ea typeface="Roboto"/>
-                    <a:cs typeface="Roboto"/>
-                    <a:sym typeface="Roboto"/>
-                  </a:rPr>
-                  <a:t> with and overall </a:t>
-                </a:r>
-                <a:r>
-                  <a:rPr b="1" lang="en" sz="1200">
-                    <a:solidFill>
-                      <a:srgbClr val="FFFF00"/>
-                    </a:solidFill>
-                    <a:latin typeface="Roboto"/>
-                    <a:ea typeface="Roboto"/>
-                    <a:cs typeface="Roboto"/>
-                    <a:sym typeface="Roboto"/>
-                  </a:rPr>
-                  <a:t>polishing of finale product</a:t>
+                  <a:t>Final errors being dealt with and overall polishing of finale product</a:t>
                 </a:r>
                 <a:r>
                   <a:rPr lang="en" sz="800">
@@ -11853,7 +11945,7 @@
                   </a:rPr>
                   <a:t>.</a:t>
                 </a:r>
-                <a:endParaRPr b="1" sz="800">
+                <a:endParaRPr sz="800" b="1">
                   <a:latin typeface="Roboto"/>
                   <a:ea typeface="Roboto"/>
                   <a:cs typeface="Roboto"/>
@@ -11900,12 +11992,12 @@
             </a:ln>
           </p:spPr>
           <p:txBody>
-            <a:bodyPr anchorCtr="0" anchor="ctr" bIns="91425" lIns="91425" spcFirstLastPara="1" rIns="91425" wrap="square" tIns="91425">
+            <a:bodyPr spcFirstLastPara="1" wrap="square" lIns="91425" tIns="91425" rIns="91425" bIns="91425" anchor="ctr" anchorCtr="0">
               <a:noAutofit/>
             </a:bodyPr>
             <a:lstStyle/>
             <a:p>
-              <a:pPr indent="0" lvl="0" marL="0" rtl="0" algn="l">
+              <a:pPr marL="0" lvl="0" indent="0" algn="l" rtl="0">
                 <a:spcBef>
                   <a:spcPts val="0"/>
                 </a:spcBef>
@@ -11914,9 +12006,6 @@
                 </a:spcAft>
                 <a:buNone/>
               </a:pPr>
-              <a:r>
-                <a:t/>
-              </a:r>
               <a:endParaRPr/>
             </a:p>
           </p:txBody>
@@ -11955,12 +12044,12 @@
               </a:ln>
             </p:spPr>
             <p:txBody>
-              <a:bodyPr anchorCtr="0" anchor="t" bIns="91425" lIns="91425" spcFirstLastPara="1" rIns="91425" wrap="square" tIns="91425">
+              <a:bodyPr spcFirstLastPara="1" wrap="square" lIns="91425" tIns="91425" rIns="91425" bIns="91425" anchor="t" anchorCtr="0">
                 <a:noAutofit/>
               </a:bodyPr>
               <a:lstStyle/>
               <a:p>
-                <a:pPr indent="0" lvl="0" marL="0" rtl="0" algn="l">
+                <a:pPr marL="0" lvl="0" indent="0" algn="l" rtl="0">
                   <a:lnSpc>
                     <a:spcPct val="115000"/>
                   </a:lnSpc>
@@ -11973,7 +12062,7 @@
                   <a:buNone/>
                 </a:pPr>
                 <a:r>
-                  <a:rPr b="1" lang="en" sz="1200">
+                  <a:rPr lang="en" sz="1200" b="1">
                     <a:solidFill>
                       <a:srgbClr val="FFFF00"/>
                     </a:solidFill>
@@ -11982,21 +12071,9 @@
                     <a:cs typeface="Roboto"/>
                     <a:sym typeface="Roboto"/>
                   </a:rPr>
-                  <a:t>1. </a:t>
+                  <a:t>1. Outlining the database needs/parameters</a:t>
                 </a:r>
-                <a:r>
-                  <a:rPr b="1" lang="en" sz="1200">
-                    <a:solidFill>
-                      <a:srgbClr val="FFFF00"/>
-                    </a:solidFill>
-                    <a:latin typeface="Roboto"/>
-                    <a:ea typeface="Roboto"/>
-                    <a:cs typeface="Roboto"/>
-                    <a:sym typeface="Roboto"/>
-                  </a:rPr>
-                  <a:t>Outlining the database needs/parameters</a:t>
-                </a:r>
-                <a:endParaRPr b="1" sz="1200">
+                <a:endParaRPr sz="1200" b="1">
                   <a:solidFill>
                     <a:srgbClr val="FFFF00"/>
                   </a:solidFill>
@@ -12037,14 +12114,14 @@
                   <a:avLst/>
                 </a:prstGeom>
                 <a:noFill/>
-                <a:ln cap="flat" cmpd="sng" w="9525">
+                <a:ln w="9525" cap="flat" cmpd="sng">
                   <a:solidFill>
                     <a:srgbClr val="000000"/>
                   </a:solidFill>
                   <a:prstDash val="solid"/>
                   <a:round/>
-                  <a:headEnd len="sm" w="sm" type="none"/>
-                  <a:tailEnd len="sm" w="sm" type="none"/>
+                  <a:headEnd type="none" w="sm" len="sm"/>
+                  <a:tailEnd type="none" w="sm" len="sm"/>
                 </a:ln>
               </p:spPr>
             </p:cxnSp>
@@ -12070,12 +12147,12 @@
                 </a:ln>
               </p:spPr>
               <p:txBody>
-                <a:bodyPr anchorCtr="0" anchor="ctr" bIns="91425" lIns="91425" spcFirstLastPara="1" rIns="91425" wrap="square" tIns="91425">
+                <a:bodyPr spcFirstLastPara="1" wrap="square" lIns="91425" tIns="91425" rIns="91425" bIns="91425" anchor="ctr" anchorCtr="0">
                   <a:noAutofit/>
                 </a:bodyPr>
                 <a:lstStyle/>
                 <a:p>
-                  <a:pPr indent="0" lvl="0" marL="0" rtl="0" algn="l">
+                  <a:pPr marL="0" lvl="0" indent="0" algn="l" rtl="0">
                     <a:spcBef>
                       <a:spcPts val="0"/>
                     </a:spcBef>
@@ -12084,9 +12161,6 @@
                     </a:spcAft>
                     <a:buNone/>
                   </a:pPr>
-                  <a:r>
-                    <a:t/>
-                  </a:r>
                   <a:endParaRPr/>
                 </a:p>
               </p:txBody>
@@ -12112,12 +12186,12 @@
               </a:ln>
             </p:spPr>
             <p:txBody>
-              <a:bodyPr anchorCtr="0" anchor="t" bIns="91425" lIns="91425" spcFirstLastPara="1" rIns="91425" wrap="square" tIns="91425">
+              <a:bodyPr spcFirstLastPara="1" wrap="square" lIns="91425" tIns="91425" rIns="91425" bIns="91425" anchor="t" anchorCtr="0">
                 <a:noAutofit/>
               </a:bodyPr>
               <a:lstStyle/>
               <a:p>
-                <a:pPr indent="0" lvl="0" marL="0" rtl="0" algn="l">
+                <a:pPr marL="0" lvl="0" indent="0" algn="l" rtl="0">
                   <a:spcBef>
                     <a:spcPts val="0"/>
                   </a:spcBef>
@@ -12127,7 +12201,7 @@
                   <a:buNone/>
                 </a:pPr>
                 <a:r>
-                  <a:rPr b="1" lang="en" sz="800">
+                  <a:rPr lang="en" sz="800" b="1">
                     <a:solidFill>
                       <a:srgbClr val="FFFF00"/>
                     </a:solidFill>
@@ -12138,7 +12212,7 @@
                   </a:rPr>
                   <a:t>Week 1 &amp; 2 of project</a:t>
                 </a:r>
-                <a:endParaRPr b="1" sz="800">
+                <a:endParaRPr sz="800" b="1">
                   <a:solidFill>
                     <a:srgbClr val="FFFF00"/>
                   </a:solidFill>
@@ -12188,12 +12262,12 @@
             </a:ln>
           </p:spPr>
           <p:txBody>
-            <a:bodyPr anchorCtr="0" anchor="ctr" bIns="91425" lIns="91425" spcFirstLastPara="1" rIns="91425" wrap="square" tIns="91425">
+            <a:bodyPr spcFirstLastPara="1" wrap="square" lIns="91425" tIns="91425" rIns="91425" bIns="91425" anchor="ctr" anchorCtr="0">
               <a:noAutofit/>
             </a:bodyPr>
             <a:lstStyle/>
             <a:p>
-              <a:pPr indent="0" lvl="0" marL="0" rtl="0" algn="l">
+              <a:pPr marL="0" lvl="0" indent="0" algn="l" rtl="0">
                 <a:spcBef>
                   <a:spcPts val="0"/>
                 </a:spcBef>
@@ -12202,9 +12276,6 @@
                 </a:spcAft>
                 <a:buNone/>
               </a:pPr>
-              <a:r>
-                <a:t/>
-              </a:r>
               <a:endParaRPr/>
             </a:p>
           </p:txBody>
@@ -12243,12 +12314,12 @@
               </a:ln>
             </p:spPr>
             <p:txBody>
-              <a:bodyPr anchorCtr="0" anchor="t" bIns="91425" lIns="91425" spcFirstLastPara="1" rIns="91425" wrap="square" tIns="91425">
+              <a:bodyPr spcFirstLastPara="1" wrap="square" lIns="91425" tIns="91425" rIns="91425" bIns="91425" anchor="t" anchorCtr="0">
                 <a:noAutofit/>
               </a:bodyPr>
               <a:lstStyle/>
               <a:p>
-                <a:pPr indent="0" lvl="0" marL="0" rtl="0" algn="ctr">
+                <a:pPr marL="0" lvl="0" indent="0" algn="ctr" rtl="0">
                   <a:lnSpc>
                     <a:spcPct val="115000"/>
                   </a:lnSpc>
@@ -12261,7 +12332,7 @@
                   <a:buNone/>
                 </a:pPr>
                 <a:r>
-                  <a:rPr b="1" lang="en" sz="800">
+                  <a:rPr lang="en" sz="800" b="1">
                     <a:solidFill>
                       <a:srgbClr val="FFFF00"/>
                     </a:solidFill>
@@ -12272,7 +12343,7 @@
                   </a:rPr>
                   <a:t>Week 3 &amp; 4 of project </a:t>
                 </a:r>
-                <a:endParaRPr b="1" sz="800">
+                <a:endParaRPr sz="800" b="1">
                   <a:solidFill>
                     <a:srgbClr val="FFFF00"/>
                   </a:solidFill>
@@ -12313,14 +12384,14 @@
                   <a:avLst/>
                 </a:prstGeom>
                 <a:noFill/>
-                <a:ln cap="flat" cmpd="sng" w="9525">
+                <a:ln w="9525" cap="flat" cmpd="sng">
                   <a:solidFill>
                     <a:srgbClr val="000000"/>
                   </a:solidFill>
                   <a:prstDash val="solid"/>
                   <a:round/>
-                  <a:headEnd len="sm" w="sm" type="none"/>
-                  <a:tailEnd len="sm" w="sm" type="none"/>
+                  <a:headEnd type="none" w="sm" len="sm"/>
+                  <a:tailEnd type="none" w="sm" len="sm"/>
                 </a:ln>
               </p:spPr>
             </p:cxnSp>
@@ -12346,12 +12417,12 @@
                 </a:ln>
               </p:spPr>
               <p:txBody>
-                <a:bodyPr anchorCtr="0" anchor="ctr" bIns="91425" lIns="91425" spcFirstLastPara="1" rIns="91425" wrap="square" tIns="91425">
+                <a:bodyPr spcFirstLastPara="1" wrap="square" lIns="91425" tIns="91425" rIns="91425" bIns="91425" anchor="ctr" anchorCtr="0">
                   <a:noAutofit/>
                 </a:bodyPr>
                 <a:lstStyle/>
                 <a:p>
-                  <a:pPr indent="0" lvl="0" marL="0" rtl="0" algn="l">
+                  <a:pPr marL="0" lvl="0" indent="0" algn="l" rtl="0">
                     <a:spcBef>
                       <a:spcPts val="0"/>
                     </a:spcBef>
@@ -12360,9 +12431,6 @@
                     </a:spcAft>
                     <a:buNone/>
                   </a:pPr>
-                  <a:r>
-                    <a:t/>
-                  </a:r>
                   <a:endParaRPr/>
                 </a:p>
               </p:txBody>
@@ -12388,12 +12456,12 @@
               </a:ln>
             </p:spPr>
             <p:txBody>
-              <a:bodyPr anchorCtr="0" anchor="t" bIns="91425" lIns="91425" spcFirstLastPara="1" rIns="91425" wrap="square" tIns="91425">
+              <a:bodyPr spcFirstLastPara="1" wrap="square" lIns="91425" tIns="91425" rIns="91425" bIns="91425" anchor="t" anchorCtr="0">
                 <a:noAutofit/>
               </a:bodyPr>
               <a:lstStyle/>
               <a:p>
-                <a:pPr indent="0" lvl="0" marL="0" rtl="0" algn="l">
+                <a:pPr marL="0" lvl="0" indent="0" algn="l" rtl="0">
                   <a:spcBef>
                     <a:spcPts val="0"/>
                   </a:spcBef>
@@ -12403,7 +12471,7 @@
                   <a:buNone/>
                 </a:pPr>
                 <a:r>
-                  <a:rPr b="1" lang="en" sz="1200">
+                  <a:rPr lang="en" sz="1200" b="1">
                     <a:solidFill>
                       <a:srgbClr val="FFFF00"/>
                     </a:solidFill>
@@ -12412,57 +12480,9 @@
                     <a:cs typeface="Roboto"/>
                     <a:sym typeface="Roboto"/>
                   </a:rPr>
-                  <a:t>Early </a:t>
+                  <a:t>Early implementation and testing of database systems</a:t>
                 </a:r>
-                <a:r>
-                  <a:rPr b="1" lang="en" sz="1200">
-                    <a:solidFill>
-                      <a:srgbClr val="FFFF00"/>
-                    </a:solidFill>
-                    <a:latin typeface="Roboto"/>
-                    <a:ea typeface="Roboto"/>
-                    <a:cs typeface="Roboto"/>
-                    <a:sym typeface="Roboto"/>
-                  </a:rPr>
-                  <a:t>implementation</a:t>
-                </a:r>
-                <a:r>
-                  <a:rPr b="1" lang="en" sz="1200">
-                    <a:solidFill>
-                      <a:srgbClr val="FFFF00"/>
-                    </a:solidFill>
-                    <a:latin typeface="Roboto"/>
-                    <a:ea typeface="Roboto"/>
-                    <a:cs typeface="Roboto"/>
-                    <a:sym typeface="Roboto"/>
-                  </a:rPr>
-                  <a:t> and testing of </a:t>
-                </a:r>
-                <a:r>
-                  <a:rPr b="1" lang="en" sz="1200">
-                    <a:solidFill>
-                      <a:srgbClr val="FFFF00"/>
-                    </a:solidFill>
-                    <a:latin typeface="Roboto"/>
-                    <a:ea typeface="Roboto"/>
-                    <a:cs typeface="Roboto"/>
-                    <a:sym typeface="Roboto"/>
-                  </a:rPr>
-                  <a:t>database</a:t>
-                </a:r>
-                <a:r>
-                  <a:rPr b="1" lang="en" sz="1200">
-                    <a:solidFill>
-                      <a:srgbClr val="FFFF00"/>
-                    </a:solidFill>
-                    <a:latin typeface="Roboto"/>
-                    <a:ea typeface="Roboto"/>
-                    <a:cs typeface="Roboto"/>
-                    <a:sym typeface="Roboto"/>
-                  </a:rPr>
-                  <a:t> systems</a:t>
-                </a:r>
-                <a:endParaRPr b="1" sz="1200">
+                <a:endParaRPr sz="1200" b="1">
                   <a:solidFill>
                     <a:srgbClr val="FFFF00"/>
                   </a:solidFill>
@@ -12479,7 +12499,9 @@
       <p:sp>
         <p:nvSpPr>
           <p:cNvPr id="224" name="Google Shape;224;p18"/>
-          <p:cNvSpPr txBox="1"/>
+          <p:cNvSpPr txBox="1">
+            <a:spLocks noGrp="1"/>
+          </p:cNvSpPr>
           <p:nvPr>
             <p:ph type="title"/>
           </p:nvPr>
@@ -12494,12 +12516,12 @@
           </a:prstGeom>
         </p:spPr>
         <p:txBody>
-          <a:bodyPr anchorCtr="0" anchor="t" bIns="91425" lIns="91425" spcFirstLastPara="1" rIns="91425" wrap="square" tIns="91425">
+          <a:bodyPr spcFirstLastPara="1" wrap="square" lIns="91425" tIns="91425" rIns="91425" bIns="91425" anchor="t" anchorCtr="0">
             <a:noAutofit/>
           </a:bodyPr>
           <a:lstStyle/>
           <a:p>
-            <a:pPr indent="0" lvl="0" marL="0" rtl="0" algn="l">
+            <a:pPr marL="0" lvl="0" indent="0" algn="l" rtl="0">
               <a:spcBef>
                 <a:spcPts val="0"/>
               </a:spcBef>
@@ -12524,12 +12546,12 @@
 </p:sld>
 </file>
 
-<file path=ppt/slides/slide7.xml><?xml version="1.0" encoding="utf-8"?>
-<p:sld xmlns:a="http://schemas.openxmlformats.org/drawingml/2006/main" xmlns:r="http://schemas.openxmlformats.org/officeDocument/2006/relationships" xmlns:mc="http://schemas.openxmlformats.org/markup-compatibility/2006" xmlns:mv="urn:schemas-microsoft-com:mac:vml" xmlns:p="http://schemas.openxmlformats.org/presentationml/2006/main" xmlns:c="http://schemas.openxmlformats.org/drawingml/2006/chart" xmlns:dgm="http://schemas.openxmlformats.org/drawingml/2006/diagram" xmlns:o="urn:schemas-microsoft-com:office:office" xmlns:v="urn:schemas-microsoft-com:vml" xmlns:pvml="urn:schemas-microsoft-com:office:powerpoint" xmlns:com="http://schemas.openxmlformats.org/drawingml/2006/compatibility" xmlns:p14="http://schemas.microsoft.com/office/powerpoint/2010/main" xmlns:p15="http://schemas.microsoft.com/office/powerpoint/2012/main">
+<file path=ppt/slides/slide8.xml><?xml version="1.0" encoding="utf-8"?>
+<p:sld xmlns:a="http://schemas.openxmlformats.org/drawingml/2006/main" xmlns:r="http://schemas.openxmlformats.org/officeDocument/2006/relationships" xmlns:p="http://schemas.openxmlformats.org/presentationml/2006/main">
   <p:cSld>
     <p:spTree>
       <p:nvGrpSpPr>
-        <p:cNvPr id="228" name="Shape 228"/>
+        <p:cNvPr id="1" name="Shape 228"/>
         <p:cNvGrpSpPr/>
         <p:nvPr/>
       </p:nvGrpSpPr>
@@ -12544,7 +12566,9 @@
       <p:sp>
         <p:nvSpPr>
           <p:cNvPr id="229" name="Google Shape;229;p19"/>
-          <p:cNvSpPr txBox="1"/>
+          <p:cNvSpPr txBox="1">
+            <a:spLocks noGrp="1"/>
+          </p:cNvSpPr>
           <p:nvPr>
             <p:ph type="title"/>
           </p:nvPr>
@@ -12559,12 +12583,12 @@
           </a:prstGeom>
         </p:spPr>
         <p:txBody>
-          <a:bodyPr anchorCtr="0" anchor="t" bIns="91425" lIns="91425" spcFirstLastPara="1" rIns="91425" wrap="square" tIns="91425">
+          <a:bodyPr spcFirstLastPara="1" wrap="square" lIns="91425" tIns="91425" rIns="91425" bIns="91425" anchor="t" anchorCtr="0">
             <a:noAutofit/>
           </a:bodyPr>
           <a:lstStyle/>
           <a:p>
-            <a:pPr indent="457200" lvl="0" marL="1828800" rtl="0" algn="l">
+            <a:pPr marL="1828800" lvl="0" indent="457200" algn="l" rtl="0">
               <a:spcBef>
                 <a:spcPts val="0"/>
               </a:spcBef>
@@ -12584,9 +12608,11 @@
       <p:sp>
         <p:nvSpPr>
           <p:cNvPr id="230" name="Google Shape;230;p19"/>
-          <p:cNvSpPr txBox="1"/>
+          <p:cNvSpPr txBox="1">
+            <a:spLocks noGrp="1"/>
+          </p:cNvSpPr>
           <p:nvPr>
-            <p:ph idx="1" type="body"/>
+            <p:ph type="body" idx="1"/>
           </p:nvPr>
         </p:nvSpPr>
         <p:spPr>
@@ -12599,12 +12625,12 @@
           </a:prstGeom>
         </p:spPr>
         <p:txBody>
-          <a:bodyPr anchorCtr="0" anchor="t" bIns="91425" lIns="91425" spcFirstLastPara="1" rIns="91425" wrap="square" tIns="91425">
+          <a:bodyPr spcFirstLastPara="1" wrap="square" lIns="91425" tIns="91425" rIns="91425" bIns="91425" anchor="t" anchorCtr="0">
             <a:noAutofit/>
           </a:bodyPr>
           <a:lstStyle/>
           <a:p>
-            <a:pPr indent="0" lvl="0" marL="0" rtl="0" algn="l">
+            <a:pPr marL="0" lvl="0" indent="0" algn="l" rtl="0">
               <a:spcBef>
                 <a:spcPts val="0"/>
               </a:spcBef>
@@ -12620,7 +12646,7 @@
             <a:endParaRPr sz="1400"/>
           </a:p>
           <a:p>
-            <a:pPr indent="0" lvl="0" marL="0" rtl="0" algn="l">
+            <a:pPr marL="0" lvl="0" indent="0" algn="l" rtl="0">
               <a:spcBef>
                 <a:spcPts val="1600"/>
               </a:spcBef>
@@ -12631,28 +12657,12 @@
             </a:pPr>
             <a:r>
               <a:rPr lang="en" sz="1400"/>
-              <a:t>Though once we get more into the specifics (more </a:t>
-            </a:r>
-            <a:r>
-              <a:rPr lang="en" sz="1400"/>
-              <a:t>likely</a:t>
-            </a:r>
-            <a:r>
-              <a:rPr lang="en" sz="1400"/>
-              <a:t> the specific problems) then we’ll </a:t>
-            </a:r>
-            <a:r>
-              <a:rPr lang="en" sz="1400"/>
-              <a:t>delegate</a:t>
-            </a:r>
-            <a:r>
-              <a:rPr lang="en" sz="1400"/>
-              <a:t> between ourselves accordingly. </a:t>
+              <a:t>Though once we get more into the specifics (more likely the specific problems) then we’ll delegate between ourselves accordingly. </a:t>
             </a:r>
             <a:endParaRPr sz="1400"/>
           </a:p>
           <a:p>
-            <a:pPr indent="0" lvl="0" marL="0" rtl="0" algn="l">
+            <a:pPr marL="0" lvl="0" indent="0" algn="l" rtl="0">
               <a:spcBef>
                 <a:spcPts val="1600"/>
               </a:spcBef>
@@ -12668,7 +12678,7 @@
             <a:endParaRPr sz="1400"/>
           </a:p>
           <a:p>
-            <a:pPr indent="0" lvl="0" marL="0" rtl="0" algn="l">
+            <a:pPr marL="0" lvl="0" indent="0" algn="l" rtl="0">
               <a:spcBef>
                 <a:spcPts val="1600"/>
               </a:spcBef>
@@ -12688,9 +12698,11 @@
       <p:sp>
         <p:nvSpPr>
           <p:cNvPr id="231" name="Google Shape;231;p19"/>
-          <p:cNvSpPr txBox="1"/>
+          <p:cNvSpPr txBox="1">
+            <a:spLocks noGrp="1"/>
+          </p:cNvSpPr>
           <p:nvPr>
-            <p:ph idx="1" type="body"/>
+            <p:ph type="body" idx="1"/>
           </p:nvPr>
         </p:nvSpPr>
         <p:spPr>
@@ -12703,12 +12715,12 @@
           </a:prstGeom>
         </p:spPr>
         <p:txBody>
-          <a:bodyPr anchorCtr="0" anchor="t" bIns="91425" lIns="91425" spcFirstLastPara="1" rIns="91425" wrap="square" tIns="91425">
+          <a:bodyPr spcFirstLastPara="1" wrap="square" lIns="91425" tIns="91425" rIns="91425" bIns="91425" anchor="t" anchorCtr="0">
             <a:noAutofit/>
           </a:bodyPr>
           <a:lstStyle/>
           <a:p>
-            <a:pPr indent="0" lvl="0" marL="0" rtl="0" algn="l">
+            <a:pPr marL="0" lvl="0" indent="0" algn="l" rtl="0">
               <a:spcBef>
                 <a:spcPts val="0"/>
               </a:spcBef>
@@ -12742,23 +12754,23 @@
           <a:solidFill>
             <a:schemeClr val="lt2"/>
           </a:solidFill>
-          <a:ln cap="flat" cmpd="sng" w="9525">
+          <a:ln w="9525" cap="flat" cmpd="sng">
             <a:solidFill>
               <a:schemeClr val="dk2"/>
             </a:solidFill>
             <a:prstDash val="solid"/>
             <a:round/>
-            <a:headEnd len="sm" w="sm" type="none"/>
-            <a:tailEnd len="sm" w="sm" type="none"/>
+            <a:headEnd type="none" w="sm" len="sm"/>
+            <a:tailEnd type="none" w="sm" len="sm"/>
           </a:ln>
         </p:spPr>
         <p:txBody>
-          <a:bodyPr anchorCtr="0" anchor="ctr" bIns="91425" lIns="91425" spcFirstLastPara="1" rIns="91425" wrap="square" tIns="91425">
+          <a:bodyPr spcFirstLastPara="1" wrap="square" lIns="91425" tIns="91425" rIns="91425" bIns="91425" anchor="ctr" anchorCtr="0">
             <a:noAutofit/>
           </a:bodyPr>
           <a:lstStyle/>
           <a:p>
-            <a:pPr indent="0" lvl="0" marL="0" rtl="0" algn="l">
+            <a:pPr marL="0" lvl="0" indent="0" algn="l" rtl="0">
               <a:spcBef>
                 <a:spcPts val="0"/>
               </a:spcBef>
@@ -12767,9 +12779,6 @@
               </a:spcAft>
               <a:buNone/>
             </a:pPr>
-            <a:r>
-              <a:t/>
-            </a:r>
             <a:endParaRPr/>
           </a:p>
         </p:txBody>
@@ -12777,7 +12786,9 @@
       <p:sp>
         <p:nvSpPr>
           <p:cNvPr id="233" name="Google Shape;233;p19"/>
-          <p:cNvSpPr txBox="1"/>
+          <p:cNvSpPr txBox="1">
+            <a:spLocks noGrp="1"/>
+          </p:cNvSpPr>
           <p:nvPr>
             <p:ph type="title"/>
           </p:nvPr>
@@ -12792,12 +12803,12 @@
           </a:prstGeom>
         </p:spPr>
         <p:txBody>
-          <a:bodyPr anchorCtr="0" anchor="t" bIns="91425" lIns="91425" spcFirstLastPara="1" rIns="91425" wrap="square" tIns="91425">
+          <a:bodyPr spcFirstLastPara="1" wrap="square" lIns="91425" tIns="91425" rIns="91425" bIns="91425" anchor="t" anchorCtr="0">
             <a:noAutofit/>
           </a:bodyPr>
           <a:lstStyle/>
           <a:p>
-            <a:pPr indent="0" lvl="0" marL="0" rtl="0" algn="l">
+            <a:pPr marL="0" lvl="0" indent="0" algn="l" rtl="0">
               <a:spcBef>
                 <a:spcPts val="0"/>
               </a:spcBef>
@@ -12823,7 +12834,288 @@
 </file>
 
 <file path=ppt/theme/theme1.xml><?xml version="1.0" encoding="utf-8"?>
-<a:theme xmlns:a="http://schemas.openxmlformats.org/drawingml/2006/main" xmlns:r="http://schemas.openxmlformats.org/officeDocument/2006/relationships">
+<a:theme xmlns:a="http://schemas.openxmlformats.org/drawingml/2006/main" name="Focus">
+  <a:themeElements>
+    <a:clrScheme name="Focus">
+      <a:dk1>
+        <a:srgbClr val="1B212C"/>
+      </a:dk1>
+      <a:lt1>
+        <a:srgbClr val="FFFFFF"/>
+      </a:lt1>
+      <a:dk2>
+        <a:srgbClr val="D9D9D9"/>
+      </a:dk2>
+      <a:lt2>
+        <a:srgbClr val="82C7A5"/>
+      </a:lt2>
+      <a:accent1>
+        <a:srgbClr val="0145AC"/>
+      </a:accent1>
+      <a:accent2>
+        <a:srgbClr val="EECE1A"/>
+      </a:accent2>
+      <a:accent3>
+        <a:srgbClr val="4E5567"/>
+      </a:accent3>
+      <a:accent4>
+        <a:srgbClr val="F4D6AD"/>
+      </a:accent4>
+      <a:accent5>
+        <a:srgbClr val="7890CD"/>
+      </a:accent5>
+      <a:accent6>
+        <a:srgbClr val="F15E22"/>
+      </a:accent6>
+      <a:hlink>
+        <a:srgbClr val="7890CD"/>
+      </a:hlink>
+      <a:folHlink>
+        <a:srgbClr val="7890CD"/>
+      </a:folHlink>
+    </a:clrScheme>
+    <a:fontScheme name="Office">
+      <a:majorFont>
+        <a:latin typeface="Arial"/>
+        <a:ea typeface=""/>
+        <a:cs typeface=""/>
+        <a:font script="Jpan" typeface="ＭＳ Ｐゴシック"/>
+        <a:font script="Hang" typeface="맑은 고딕"/>
+        <a:font script="Hans" typeface="宋体"/>
+        <a:font script="Hant" typeface="新細明體"/>
+        <a:font script="Arab" typeface="Times New Roman"/>
+        <a:font script="Hebr" typeface="Times New Roman"/>
+        <a:font script="Thai" typeface="Angsana New"/>
+        <a:font script="Ethi" typeface="Nyala"/>
+        <a:font script="Beng" typeface="Vrinda"/>
+        <a:font script="Gujr" typeface="Shruti"/>
+        <a:font script="Khmr" typeface="MoolBoran"/>
+        <a:font script="Knda" typeface="Tunga"/>
+        <a:font script="Guru" typeface="Raavi"/>
+        <a:font script="Cans" typeface="Euphemia"/>
+        <a:font script="Cher" typeface="Plantagenet Cherokee"/>
+        <a:font script="Yiii" typeface="Microsoft Yi Baiti"/>
+        <a:font script="Tibt" typeface="Microsoft Himalaya"/>
+        <a:font script="Thaa" typeface="MV Boli"/>
+        <a:font script="Deva" typeface="Mangal"/>
+        <a:font script="Telu" typeface="Gautami"/>
+        <a:font script="Taml" typeface="Latha"/>
+        <a:font script="Syrc" typeface="Estrangelo Edessa"/>
+        <a:font script="Orya" typeface="Kalinga"/>
+        <a:font script="Mlym" typeface="Kartika"/>
+        <a:font script="Laoo" typeface="DokChampa"/>
+        <a:font script="Sinh" typeface="Iskoola Pota"/>
+        <a:font script="Mong" typeface="Mongolian Baiti"/>
+        <a:font script="Viet" typeface="Times New Roman"/>
+        <a:font script="Uigh" typeface="Microsoft Uighur"/>
+        <a:font script="Geor" typeface="Sylfaen"/>
+      </a:majorFont>
+      <a:minorFont>
+        <a:latin typeface="Arial"/>
+        <a:ea typeface=""/>
+        <a:cs typeface=""/>
+        <a:font script="Jpan" typeface="ＭＳ Ｐゴシック"/>
+        <a:font script="Hang" typeface="맑은 고딕"/>
+        <a:font script="Hans" typeface="宋体"/>
+        <a:font script="Hant" typeface="新細明體"/>
+        <a:font script="Arab" typeface="Arial"/>
+        <a:font script="Hebr" typeface="Arial"/>
+        <a:font script="Thai" typeface="Cordia New"/>
+        <a:font script="Ethi" typeface="Nyala"/>
+        <a:font script="Beng" typeface="Vrinda"/>
+        <a:font script="Gujr" typeface="Shruti"/>
+        <a:font script="Khmr" typeface="DaunPenh"/>
+        <a:font script="Knda" typeface="Tunga"/>
+        <a:font script="Guru" typeface="Raavi"/>
+        <a:font script="Cans" typeface="Euphemia"/>
+        <a:font script="Cher" typeface="Plantagenet Cherokee"/>
+        <a:font script="Yiii" typeface="Microsoft Yi Baiti"/>
+        <a:font script="Tibt" typeface="Microsoft Himalaya"/>
+        <a:font script="Thaa" typeface="MV Boli"/>
+        <a:font script="Deva" typeface="Mangal"/>
+        <a:font script="Telu" typeface="Gautami"/>
+        <a:font script="Taml" typeface="Latha"/>
+        <a:font script="Syrc" typeface="Estrangelo Edessa"/>
+        <a:font script="Orya" typeface="Kalinga"/>
+        <a:font script="Mlym" typeface="Kartika"/>
+        <a:font script="Laoo" typeface="DokChampa"/>
+        <a:font script="Sinh" typeface="Iskoola Pota"/>
+        <a:font script="Mong" typeface="Mongolian Baiti"/>
+        <a:font script="Viet" typeface="Arial"/>
+        <a:font script="Uigh" typeface="Microsoft Uighur"/>
+        <a:font script="Geor" typeface="Sylfaen"/>
+      </a:minorFont>
+    </a:fontScheme>
+    <a:fmtScheme name="Office">
+      <a:fillStyleLst>
+        <a:solidFill>
+          <a:schemeClr val="phClr"/>
+        </a:solidFill>
+        <a:gradFill rotWithShape="1">
+          <a:gsLst>
+            <a:gs pos="0">
+              <a:schemeClr val="phClr">
+                <a:tint val="50000"/>
+                <a:satMod val="300000"/>
+              </a:schemeClr>
+            </a:gs>
+            <a:gs pos="35000">
+              <a:schemeClr val="phClr">
+                <a:tint val="37000"/>
+                <a:satMod val="300000"/>
+              </a:schemeClr>
+            </a:gs>
+            <a:gs pos="100000">
+              <a:schemeClr val="phClr">
+                <a:tint val="15000"/>
+                <a:satMod val="350000"/>
+              </a:schemeClr>
+            </a:gs>
+          </a:gsLst>
+          <a:lin ang="16200000" scaled="1"/>
+        </a:gradFill>
+        <a:gradFill rotWithShape="1">
+          <a:gsLst>
+            <a:gs pos="0">
+              <a:schemeClr val="phClr">
+                <a:tint val="100000"/>
+                <a:shade val="100000"/>
+                <a:satMod val="130000"/>
+              </a:schemeClr>
+            </a:gs>
+            <a:gs pos="100000">
+              <a:schemeClr val="phClr">
+                <a:tint val="50000"/>
+                <a:shade val="100000"/>
+                <a:satMod val="350000"/>
+              </a:schemeClr>
+            </a:gs>
+          </a:gsLst>
+          <a:lin ang="16200000" scaled="0"/>
+        </a:gradFill>
+      </a:fillStyleLst>
+      <a:lnStyleLst>
+        <a:ln w="9525" cap="flat" cmpd="sng" algn="ctr">
+          <a:solidFill>
+            <a:schemeClr val="phClr">
+              <a:shade val="95000"/>
+              <a:satMod val="105000"/>
+            </a:schemeClr>
+          </a:solidFill>
+          <a:prstDash val="solid"/>
+        </a:ln>
+        <a:ln w="25400" cap="flat" cmpd="sng" algn="ctr">
+          <a:solidFill>
+            <a:schemeClr val="phClr"/>
+          </a:solidFill>
+          <a:prstDash val="solid"/>
+        </a:ln>
+        <a:ln w="38100" cap="flat" cmpd="sng" algn="ctr">
+          <a:solidFill>
+            <a:schemeClr val="phClr"/>
+          </a:solidFill>
+          <a:prstDash val="solid"/>
+        </a:ln>
+      </a:lnStyleLst>
+      <a:effectStyleLst>
+        <a:effectStyle>
+          <a:effectLst>
+            <a:outerShdw blurRad="40000" dist="20000" dir="5400000" rotWithShape="0">
+              <a:srgbClr val="000000">
+                <a:alpha val="38000"/>
+              </a:srgbClr>
+            </a:outerShdw>
+          </a:effectLst>
+        </a:effectStyle>
+        <a:effectStyle>
+          <a:effectLst>
+            <a:outerShdw blurRad="40000" dist="23000" dir="5400000" rotWithShape="0">
+              <a:srgbClr val="000000">
+                <a:alpha val="35000"/>
+              </a:srgbClr>
+            </a:outerShdw>
+          </a:effectLst>
+        </a:effectStyle>
+        <a:effectStyle>
+          <a:effectLst>
+            <a:outerShdw blurRad="40000" dist="23000" dir="5400000" rotWithShape="0">
+              <a:srgbClr val="000000">
+                <a:alpha val="35000"/>
+              </a:srgbClr>
+            </a:outerShdw>
+          </a:effectLst>
+          <a:scene3d>
+            <a:camera prst="orthographicFront">
+              <a:rot lat="0" lon="0" rev="0"/>
+            </a:camera>
+            <a:lightRig rig="threePt" dir="t">
+              <a:rot lat="0" lon="0" rev="1200000"/>
+            </a:lightRig>
+          </a:scene3d>
+          <a:sp3d>
+            <a:bevelT w="63500" h="25400"/>
+          </a:sp3d>
+        </a:effectStyle>
+      </a:effectStyleLst>
+      <a:bgFillStyleLst>
+        <a:solidFill>
+          <a:schemeClr val="phClr"/>
+        </a:solidFill>
+        <a:gradFill rotWithShape="1">
+          <a:gsLst>
+            <a:gs pos="0">
+              <a:schemeClr val="phClr">
+                <a:tint val="40000"/>
+                <a:satMod val="350000"/>
+              </a:schemeClr>
+            </a:gs>
+            <a:gs pos="40000">
+              <a:schemeClr val="phClr">
+                <a:tint val="45000"/>
+                <a:shade val="99000"/>
+                <a:satMod val="350000"/>
+              </a:schemeClr>
+            </a:gs>
+            <a:gs pos="100000">
+              <a:schemeClr val="phClr">
+                <a:shade val="20000"/>
+                <a:satMod val="255000"/>
+              </a:schemeClr>
+            </a:gs>
+          </a:gsLst>
+          <a:path path="circle">
+            <a:fillToRect l="50000" t="-80000" r="50000" b="180000"/>
+          </a:path>
+        </a:gradFill>
+        <a:gradFill rotWithShape="1">
+          <a:gsLst>
+            <a:gs pos="0">
+              <a:schemeClr val="phClr">
+                <a:tint val="80000"/>
+                <a:satMod val="300000"/>
+              </a:schemeClr>
+            </a:gs>
+            <a:gs pos="100000">
+              <a:schemeClr val="phClr">
+                <a:shade val="30000"/>
+                <a:satMod val="200000"/>
+              </a:schemeClr>
+            </a:gs>
+          </a:gsLst>
+          <a:path path="circle">
+            <a:fillToRect l="50000" t="50000" r="50000" b="50000"/>
+          </a:path>
+        </a:gradFill>
+      </a:bgFillStyleLst>
+    </a:fmtScheme>
+  </a:themeElements>
+  <a:objectDefaults/>
+  <a:extraClrSchemeLst/>
+</a:theme>
+</file>
+
+<file path=ppt/theme/theme2.xml><?xml version="1.0" encoding="utf-8"?>
+<a:theme xmlns:a="http://schemas.openxmlformats.org/drawingml/2006/main">
   <a:themeElements>
     <a:clrScheme name="Default">
       <a:dk1>
@@ -13098,284 +13390,7 @@
       </a:bgFillStyleLst>
     </a:fmtScheme>
   </a:themeElements>
-</a:theme>
-</file>
-
-<file path=ppt/theme/theme2.xml><?xml version="1.0" encoding="utf-8"?>
-<a:theme xmlns:a="http://schemas.openxmlformats.org/drawingml/2006/main" xmlns:r="http://schemas.openxmlformats.org/officeDocument/2006/relationships" name="Focus">
-  <a:themeElements>
-    <a:clrScheme name="Focus">
-      <a:dk1>
-        <a:srgbClr val="1B212C"/>
-      </a:dk1>
-      <a:lt1>
-        <a:srgbClr val="FFFFFF"/>
-      </a:lt1>
-      <a:dk2>
-        <a:srgbClr val="D9D9D9"/>
-      </a:dk2>
-      <a:lt2>
-        <a:srgbClr val="82C7A5"/>
-      </a:lt2>
-      <a:accent1>
-        <a:srgbClr val="0145AC"/>
-      </a:accent1>
-      <a:accent2>
-        <a:srgbClr val="EECE1A"/>
-      </a:accent2>
-      <a:accent3>
-        <a:srgbClr val="4E5567"/>
-      </a:accent3>
-      <a:accent4>
-        <a:srgbClr val="F4D6AD"/>
-      </a:accent4>
-      <a:accent5>
-        <a:srgbClr val="7890CD"/>
-      </a:accent5>
-      <a:accent6>
-        <a:srgbClr val="F15E22"/>
-      </a:accent6>
-      <a:hlink>
-        <a:srgbClr val="7890CD"/>
-      </a:hlink>
-      <a:folHlink>
-        <a:srgbClr val="7890CD"/>
-      </a:folHlink>
-    </a:clrScheme>
-    <a:fontScheme name="Office">
-      <a:majorFont>
-        <a:latin typeface="Arial"/>
-        <a:ea typeface=""/>
-        <a:cs typeface=""/>
-        <a:font script="Jpan" typeface="ＭＳ Ｐゴシック"/>
-        <a:font script="Hang" typeface="맑은 고딕"/>
-        <a:font script="Hans" typeface="宋体"/>
-        <a:font script="Hant" typeface="新細明體"/>
-        <a:font script="Arab" typeface="Times New Roman"/>
-        <a:font script="Hebr" typeface="Times New Roman"/>
-        <a:font script="Thai" typeface="Angsana New"/>
-        <a:font script="Ethi" typeface="Nyala"/>
-        <a:font script="Beng" typeface="Vrinda"/>
-        <a:font script="Gujr" typeface="Shruti"/>
-        <a:font script="Khmr" typeface="MoolBoran"/>
-        <a:font script="Knda" typeface="Tunga"/>
-        <a:font script="Guru" typeface="Raavi"/>
-        <a:font script="Cans" typeface="Euphemia"/>
-        <a:font script="Cher" typeface="Plantagenet Cherokee"/>
-        <a:font script="Yiii" typeface="Microsoft Yi Baiti"/>
-        <a:font script="Tibt" typeface="Microsoft Himalaya"/>
-        <a:font script="Thaa" typeface="MV Boli"/>
-        <a:font script="Deva" typeface="Mangal"/>
-        <a:font script="Telu" typeface="Gautami"/>
-        <a:font script="Taml" typeface="Latha"/>
-        <a:font script="Syrc" typeface="Estrangelo Edessa"/>
-        <a:font script="Orya" typeface="Kalinga"/>
-        <a:font script="Mlym" typeface="Kartika"/>
-        <a:font script="Laoo" typeface="DokChampa"/>
-        <a:font script="Sinh" typeface="Iskoola Pota"/>
-        <a:font script="Mong" typeface="Mongolian Baiti"/>
-        <a:font script="Viet" typeface="Times New Roman"/>
-        <a:font script="Uigh" typeface="Microsoft Uighur"/>
-        <a:font script="Geor" typeface="Sylfaen"/>
-      </a:majorFont>
-      <a:minorFont>
-        <a:latin typeface="Arial"/>
-        <a:ea typeface=""/>
-        <a:cs typeface=""/>
-        <a:font script="Jpan" typeface="ＭＳ Ｐゴシック"/>
-        <a:font script="Hang" typeface="맑은 고딕"/>
-        <a:font script="Hans" typeface="宋体"/>
-        <a:font script="Hant" typeface="新細明體"/>
-        <a:font script="Arab" typeface="Arial"/>
-        <a:font script="Hebr" typeface="Arial"/>
-        <a:font script="Thai" typeface="Cordia New"/>
-        <a:font script="Ethi" typeface="Nyala"/>
-        <a:font script="Beng" typeface="Vrinda"/>
-        <a:font script="Gujr" typeface="Shruti"/>
-        <a:font script="Khmr" typeface="DaunPenh"/>
-        <a:font script="Knda" typeface="Tunga"/>
-        <a:font script="Guru" typeface="Raavi"/>
-        <a:font script="Cans" typeface="Euphemia"/>
-        <a:font script="Cher" typeface="Plantagenet Cherokee"/>
-        <a:font script="Yiii" typeface="Microsoft Yi Baiti"/>
-        <a:font script="Tibt" typeface="Microsoft Himalaya"/>
-        <a:font script="Thaa" typeface="MV Boli"/>
-        <a:font script="Deva" typeface="Mangal"/>
-        <a:font script="Telu" typeface="Gautami"/>
-        <a:font script="Taml" typeface="Latha"/>
-        <a:font script="Syrc" typeface="Estrangelo Edessa"/>
-        <a:font script="Orya" typeface="Kalinga"/>
-        <a:font script="Mlym" typeface="Kartika"/>
-        <a:font script="Laoo" typeface="DokChampa"/>
-        <a:font script="Sinh" typeface="Iskoola Pota"/>
-        <a:font script="Mong" typeface="Mongolian Baiti"/>
-        <a:font script="Viet" typeface="Arial"/>
-        <a:font script="Uigh" typeface="Microsoft Uighur"/>
-        <a:font script="Geor" typeface="Sylfaen"/>
-      </a:minorFont>
-    </a:fontScheme>
-    <a:fmtScheme name="Office">
-      <a:fillStyleLst>
-        <a:solidFill>
-          <a:schemeClr val="phClr"/>
-        </a:solidFill>
-        <a:gradFill rotWithShape="1">
-          <a:gsLst>
-            <a:gs pos="0">
-              <a:schemeClr val="phClr">
-                <a:tint val="50000"/>
-                <a:satMod val="300000"/>
-              </a:schemeClr>
-            </a:gs>
-            <a:gs pos="35000">
-              <a:schemeClr val="phClr">
-                <a:tint val="37000"/>
-                <a:satMod val="300000"/>
-              </a:schemeClr>
-            </a:gs>
-            <a:gs pos="100000">
-              <a:schemeClr val="phClr">
-                <a:tint val="15000"/>
-                <a:satMod val="350000"/>
-              </a:schemeClr>
-            </a:gs>
-          </a:gsLst>
-          <a:lin ang="16200000" scaled="1"/>
-        </a:gradFill>
-        <a:gradFill rotWithShape="1">
-          <a:gsLst>
-            <a:gs pos="0">
-              <a:schemeClr val="phClr">
-                <a:tint val="100000"/>
-                <a:shade val="100000"/>
-                <a:satMod val="130000"/>
-              </a:schemeClr>
-            </a:gs>
-            <a:gs pos="100000">
-              <a:schemeClr val="phClr">
-                <a:tint val="50000"/>
-                <a:shade val="100000"/>
-                <a:satMod val="350000"/>
-              </a:schemeClr>
-            </a:gs>
-          </a:gsLst>
-          <a:lin ang="16200000" scaled="0"/>
-        </a:gradFill>
-      </a:fillStyleLst>
-      <a:lnStyleLst>
-        <a:ln w="9525" cap="flat" cmpd="sng" algn="ctr">
-          <a:solidFill>
-            <a:schemeClr val="phClr">
-              <a:shade val="95000"/>
-              <a:satMod val="105000"/>
-            </a:schemeClr>
-          </a:solidFill>
-          <a:prstDash val="solid"/>
-        </a:ln>
-        <a:ln w="25400" cap="flat" cmpd="sng" algn="ctr">
-          <a:solidFill>
-            <a:schemeClr val="phClr"/>
-          </a:solidFill>
-          <a:prstDash val="solid"/>
-        </a:ln>
-        <a:ln w="38100" cap="flat" cmpd="sng" algn="ctr">
-          <a:solidFill>
-            <a:schemeClr val="phClr"/>
-          </a:solidFill>
-          <a:prstDash val="solid"/>
-        </a:ln>
-      </a:lnStyleLst>
-      <a:effectStyleLst>
-        <a:effectStyle>
-          <a:effectLst>
-            <a:outerShdw blurRad="40000" dist="20000" dir="5400000" rotWithShape="0">
-              <a:srgbClr val="000000">
-                <a:alpha val="38000"/>
-              </a:srgbClr>
-            </a:outerShdw>
-          </a:effectLst>
-        </a:effectStyle>
-        <a:effectStyle>
-          <a:effectLst>
-            <a:outerShdw blurRad="40000" dist="23000" dir="5400000" rotWithShape="0">
-              <a:srgbClr val="000000">
-                <a:alpha val="35000"/>
-              </a:srgbClr>
-            </a:outerShdw>
-          </a:effectLst>
-        </a:effectStyle>
-        <a:effectStyle>
-          <a:effectLst>
-            <a:outerShdw blurRad="40000" dist="23000" dir="5400000" rotWithShape="0">
-              <a:srgbClr val="000000">
-                <a:alpha val="35000"/>
-              </a:srgbClr>
-            </a:outerShdw>
-          </a:effectLst>
-          <a:scene3d>
-            <a:camera prst="orthographicFront">
-              <a:rot lat="0" lon="0" rev="0"/>
-            </a:camera>
-            <a:lightRig rig="threePt" dir="t">
-              <a:rot lat="0" lon="0" rev="1200000"/>
-            </a:lightRig>
-          </a:scene3d>
-          <a:sp3d>
-            <a:bevelT w="63500" h="25400"/>
-          </a:sp3d>
-        </a:effectStyle>
-      </a:effectStyleLst>
-      <a:bgFillStyleLst>
-        <a:solidFill>
-          <a:schemeClr val="phClr"/>
-        </a:solidFill>
-        <a:gradFill rotWithShape="1">
-          <a:gsLst>
-            <a:gs pos="0">
-              <a:schemeClr val="phClr">
-                <a:tint val="40000"/>
-                <a:satMod val="350000"/>
-              </a:schemeClr>
-            </a:gs>
-            <a:gs pos="40000">
-              <a:schemeClr val="phClr">
-                <a:tint val="45000"/>
-                <a:shade val="99000"/>
-                <a:satMod val="350000"/>
-              </a:schemeClr>
-            </a:gs>
-            <a:gs pos="100000">
-              <a:schemeClr val="phClr">
-                <a:shade val="20000"/>
-                <a:satMod val="255000"/>
-              </a:schemeClr>
-            </a:gs>
-          </a:gsLst>
-          <a:path path="circle">
-            <a:fillToRect l="50000" t="-80000" r="50000" b="180000"/>
-          </a:path>
-        </a:gradFill>
-        <a:gradFill rotWithShape="1">
-          <a:gsLst>
-            <a:gs pos="0">
-              <a:schemeClr val="phClr">
-                <a:tint val="80000"/>
-                <a:satMod val="300000"/>
-              </a:schemeClr>
-            </a:gs>
-            <a:gs pos="100000">
-              <a:schemeClr val="phClr">
-                <a:shade val="30000"/>
-                <a:satMod val="200000"/>
-              </a:schemeClr>
-            </a:gs>
-          </a:gsLst>
-          <a:path path="circle">
-            <a:fillToRect l="50000" t="50000" r="50000" b="50000"/>
-          </a:path>
-        </a:gradFill>
-      </a:bgFillStyleLst>
-    </a:fmtScheme>
-  </a:themeElements>
+  <a:objectDefaults/>
+  <a:extraClrSchemeLst/>
 </a:theme>
 </file>